--- a/docs/setting-samples-hyperv-overview_ja.pptx
+++ b/docs/setting-samples-hyperv-overview_ja.pptx
@@ -2,35 +2,35 @@
 <file path=ppt/presentation.xml><?xml version="1.0" encoding="utf-8"?>
 <p:presentation xmlns:a="http://schemas.openxmlformats.org/drawingml/2006/main" xmlns:r="http://schemas.openxmlformats.org/officeDocument/2006/relationships" xmlns:p="http://schemas.openxmlformats.org/presentationml/2006/main" removePersonalInfoOnSave="1" strictFirstAndLastChars="0" saveSubsetFonts="1" autoCompressPictures="0">
   <p:sldMasterIdLst>
-    <p:sldMasterId id="2147483657" r:id="rId4"/>
+    <p:sldMasterId id="2147483657" r:id="rId1"/>
   </p:sldMasterIdLst>
   <p:notesMasterIdLst>
-    <p:notesMasterId r:id="rId25"/>
+    <p:notesMasterId r:id="rId22"/>
   </p:notesMasterIdLst>
   <p:handoutMasterIdLst>
-    <p:handoutMasterId r:id="rId26"/>
+    <p:handoutMasterId r:id="rId23"/>
   </p:handoutMasterIdLst>
   <p:sldIdLst>
-    <p:sldId id="262" r:id="rId5"/>
-    <p:sldId id="317" r:id="rId6"/>
-    <p:sldId id="535" r:id="rId7"/>
-    <p:sldId id="553" r:id="rId8"/>
-    <p:sldId id="554" r:id="rId9"/>
-    <p:sldId id="555" r:id="rId10"/>
-    <p:sldId id="563" r:id="rId11"/>
-    <p:sldId id="556" r:id="rId12"/>
-    <p:sldId id="557" r:id="rId13"/>
-    <p:sldId id="558" r:id="rId14"/>
-    <p:sldId id="559" r:id="rId15"/>
-    <p:sldId id="560" r:id="rId16"/>
-    <p:sldId id="561" r:id="rId17"/>
-    <p:sldId id="564" r:id="rId18"/>
-    <p:sldId id="562" r:id="rId19"/>
-    <p:sldId id="549" r:id="rId20"/>
-    <p:sldId id="565" r:id="rId21"/>
-    <p:sldId id="567" r:id="rId22"/>
-    <p:sldId id="566" r:id="rId23"/>
-    <p:sldId id="318" r:id="rId24"/>
+    <p:sldId id="262" r:id="rId2"/>
+    <p:sldId id="317" r:id="rId3"/>
+    <p:sldId id="535" r:id="rId4"/>
+    <p:sldId id="553" r:id="rId5"/>
+    <p:sldId id="554" r:id="rId6"/>
+    <p:sldId id="555" r:id="rId7"/>
+    <p:sldId id="563" r:id="rId8"/>
+    <p:sldId id="556" r:id="rId9"/>
+    <p:sldId id="557" r:id="rId10"/>
+    <p:sldId id="558" r:id="rId11"/>
+    <p:sldId id="559" r:id="rId12"/>
+    <p:sldId id="560" r:id="rId13"/>
+    <p:sldId id="561" r:id="rId14"/>
+    <p:sldId id="564" r:id="rId15"/>
+    <p:sldId id="562" r:id="rId16"/>
+    <p:sldId id="549" r:id="rId17"/>
+    <p:sldId id="565" r:id="rId18"/>
+    <p:sldId id="567" r:id="rId19"/>
+    <p:sldId id="566" r:id="rId20"/>
+    <p:sldId id="318" r:id="rId21"/>
   </p:sldIdLst>
   <p:sldSz cx="12192000" cy="6858000"/>
   <p:notesSz cx="6807200" cy="9939338"/>
@@ -232,8 +232,7 @@
 <file path=ppt/revisionInfo.xml><?xml version="1.0" encoding="utf-8"?>
 <p1510:revInfo xmlns:a="http://schemas.openxmlformats.org/drawingml/2006/main" xmlns:r="http://schemas.openxmlformats.org/officeDocument/2006/relationships" xmlns:p1510="http://schemas.microsoft.com/office/powerpoint/2015/10/main">
   <p1510:revLst>
-    <p1510:client id="{0E4E4D50-FBFF-40D5-8FB5-BA0C5B796B57}" v="20" dt="2021-12-20T00:11:37.728"/>
-    <p1510:client id="{28D09BD0-4E6E-4754-AF29-10AA1563230C}" v="220" dt="2021-12-16T07:17:24.009"/>
+    <p1510:client id="{EDCC9849-962B-4191-B510-1C6A1CC166D3}" v="1173" dt="2021-12-27T08:30:27.530"/>
   </p1510:revLst>
 </p1510:revInfo>
 </file>
@@ -324,7 +323,7 @@
               <a:rPr kumimoji="1" lang="ja-JP" altLang="en-US" smtClean="0">
                 <a:ea typeface="メイリオ" panose="020B0604030504040204" pitchFamily="50" charset="-128"/>
               </a:rPr>
-              <a:t>2021/12/23</a:t>
+              <a:t>2021/12/27</a:t>
             </a:fld>
             <a:endParaRPr kumimoji="1" lang="ja-JP" altLang="en-US" dirty="0">
               <a:ea typeface="メイリオ" panose="020B0604030504040204" pitchFamily="50" charset="-128"/>
@@ -470,7 +469,7 @@
             <a:fld id="{4B26993D-C081-44EB-B0F5-A9F467792B62}" type="datetimeFigureOut">
               <a:rPr lang="ja-JP" altLang="en-US" smtClean="0"/>
               <a:pPr/>
-              <a:t>2021/12/23</a:t>
+              <a:t>2021/12/27</a:t>
             </a:fld>
             <a:endParaRPr lang="ja-JP" altLang="en-US" dirty="0"/>
           </a:p>
@@ -758,6 +757,91 @@
     <p:extLst>
       <p:ext uri="{BB962C8B-B14F-4D97-AF65-F5344CB8AC3E}">
         <p14:creationId xmlns:p14="http://schemas.microsoft.com/office/powerpoint/2010/main" val="1843696059"/>
+      </p:ext>
+    </p:extLst>
+  </p:cSld>
+  <p:clrMapOvr>
+    <a:masterClrMapping/>
+  </p:clrMapOvr>
+</p:notes>
+</file>
+
+<file path=ppt/notesSlides/notesSlide2.xml><?xml version="1.0" encoding="utf-8"?>
+<p:notes xmlns:a="http://schemas.openxmlformats.org/drawingml/2006/main" xmlns:r="http://schemas.openxmlformats.org/officeDocument/2006/relationships" xmlns:p="http://schemas.openxmlformats.org/presentationml/2006/main">
+  <p:cSld>
+    <p:spTree>
+      <p:nvGrpSpPr>
+        <p:cNvPr id="1" name=""/>
+        <p:cNvGrpSpPr/>
+        <p:nvPr/>
+      </p:nvGrpSpPr>
+      <p:grpSpPr>
+        <a:xfrm>
+          <a:off x="0" y="0"/>
+          <a:ext cx="0" cy="0"/>
+          <a:chOff x="0" y="0"/>
+          <a:chExt cx="0" cy="0"/>
+        </a:xfrm>
+      </p:grpSpPr>
+      <p:sp>
+        <p:nvSpPr>
+          <p:cNvPr id="2" name="スライド イメージ プレースホルダー 1"/>
+          <p:cNvSpPr>
+            <a:spLocks noGrp="1" noRot="1" noChangeAspect="1"/>
+          </p:cNvSpPr>
+          <p:nvPr>
+            <p:ph type="sldImg"/>
+          </p:nvPr>
+        </p:nvSpPr>
+        <p:spPr/>
+      </p:sp>
+      <p:sp>
+        <p:nvSpPr>
+          <p:cNvPr id="3" name="ノート プレースホルダー 2"/>
+          <p:cNvSpPr>
+            <a:spLocks noGrp="1"/>
+          </p:cNvSpPr>
+          <p:nvPr>
+            <p:ph type="body" idx="1"/>
+          </p:nvPr>
+        </p:nvSpPr>
+        <p:spPr/>
+        <p:txBody>
+          <a:bodyPr/>
+          <a:lstStyle/>
+          <a:p>
+            <a:endParaRPr kumimoji="1" lang="ja-JP" altLang="en-US" dirty="0"/>
+          </a:p>
+        </p:txBody>
+      </p:sp>
+      <p:sp>
+        <p:nvSpPr>
+          <p:cNvPr id="4" name="スライド番号プレースホルダー 3"/>
+          <p:cNvSpPr>
+            <a:spLocks noGrp="1"/>
+          </p:cNvSpPr>
+          <p:nvPr>
+            <p:ph type="sldNum" sz="quarter" idx="5"/>
+          </p:nvPr>
+        </p:nvSpPr>
+        <p:spPr/>
+        <p:txBody>
+          <a:bodyPr/>
+          <a:lstStyle/>
+          <a:p>
+            <a:fld id="{CFBBA293-708C-4261-9FD1-AE04041D5F79}" type="slidenum">
+              <a:rPr lang="ja-JP" altLang="en-US" smtClean="0"/>
+              <a:pPr/>
+              <a:t>14</a:t>
+            </a:fld>
+            <a:endParaRPr lang="ja-JP" altLang="en-US" dirty="0"/>
+          </a:p>
+        </p:txBody>
+      </p:sp>
+    </p:spTree>
+    <p:extLst>
+      <p:ext uri="{BB962C8B-B14F-4D97-AF65-F5344CB8AC3E}">
+        <p14:creationId xmlns:p14="http://schemas.microsoft.com/office/powerpoint/2010/main" val="291546989"/>
       </p:ext>
     </p:extLst>
   </p:cSld>
@@ -3794,24 +3878,17 @@
                 <a:ea typeface="+mn-lt"/>
                 <a:cs typeface="+mn-lt"/>
               </a:rPr>
-              <a:t>ITA</a:t>
-            </a:r>
-            <a:r>
-              <a:rPr lang="ja-JP" dirty="0" smtClean="0">
-                <a:ea typeface="+mn-lt"/>
-                <a:cs typeface="+mn-lt"/>
-              </a:rPr>
-              <a:t>バージョン</a:t>
-            </a:r>
-            <a:r>
-              <a:rPr lang="en-US" altLang="ja-JP" dirty="0" smtClean="0">
+              <a:t>ITAバージョン</a:t>
+            </a:r>
+            <a:r>
+              <a:rPr lang="en-US" altLang="ja-JP" dirty="0">
                 <a:ea typeface="+mn-lt"/>
                 <a:cs typeface="+mn-lt"/>
               </a:rPr>
               <a:t>1.9.0</a:t>
             </a:r>
             <a:r>
-              <a:rPr lang="ja-JP" dirty="0" smtClean="0">
+              <a:rPr lang="ja-JP" dirty="0">
                 <a:ea typeface="+mn-lt"/>
                 <a:cs typeface="+mn-lt"/>
               </a:rPr>
@@ -4119,9 +4196,7 @@
             <a:endParaRPr lang="en-US" altLang="ja-JP" dirty="0"/>
           </a:p>
           <a:p>
-            <a:pPr marL="180975" indent="0">
-              <a:buNone/>
-            </a:pPr>
+            <a:pPr lvl="1"/>
             <a:r>
               <a:rPr lang="ja-JP" altLang="en-US" dirty="0"/>
               <a:t>仮想マシンの状態は「仮想マシン設定」メニューで確認できます。</a:t>
@@ -4170,7 +4245,7 @@
           <a:lstStyle/>
           <a:p>
             <a:pPr algn="ctr"/>
-            <a:endParaRPr kumimoji="1" lang="ja-JP" altLang="en-US" b="1" dirty="0" smtClean="0">
+            <a:endParaRPr kumimoji="1" lang="ja-JP" altLang="en-US" b="1" dirty="0">
               <a:latin typeface="+mn-ea"/>
             </a:endParaRPr>
           </a:p>
@@ -4221,7 +4296,7 @@
           <a:p>
             <a:pPr algn="ctr"/>
             <a:r>
-              <a:rPr kumimoji="1" lang="ja-JP" altLang="en-US" b="1" dirty="0" smtClean="0">
+              <a:rPr kumimoji="1" lang="ja-JP" altLang="en-US" b="1" dirty="0">
                 <a:latin typeface="+mn-ea"/>
               </a:rPr>
               <a:t>仮想マシン起動</a:t>
@@ -4245,8 +4320,8 @@
         </p:blipFill>
         <p:spPr>
           <a:xfrm>
-            <a:off x="4031351" y="4336453"/>
-            <a:ext cx="7920000" cy="2025760"/>
+            <a:off x="5115992" y="4709838"/>
+            <a:ext cx="6815598" cy="1743278"/>
           </a:xfrm>
           <a:prstGeom prst="rect">
             <a:avLst/>
@@ -4269,14 +4344,218 @@
         </p:blipFill>
         <p:spPr>
           <a:xfrm>
-            <a:off x="238938" y="2131583"/>
-            <a:ext cx="7920000" cy="2005960"/>
+            <a:off x="1343340" y="2494870"/>
+            <a:ext cx="6815598" cy="1726240"/>
           </a:xfrm>
           <a:prstGeom prst="rect">
             <a:avLst/>
           </a:prstGeom>
         </p:spPr>
       </p:pic>
+      <p:sp>
+        <p:nvSpPr>
+          <p:cNvPr id="4" name="正方形/長方形 3">
+            <a:extLst>
+              <a:ext uri="{FF2B5EF4-FFF2-40B4-BE49-F238E27FC236}">
+                <a16:creationId xmlns:a16="http://schemas.microsoft.com/office/drawing/2014/main" id="{AC58FA32-6758-4AA4-82F2-D06A5CC7D877}"/>
+              </a:ext>
+            </a:extLst>
+          </p:cNvPr>
+          <p:cNvSpPr/>
+          <p:nvPr/>
+        </p:nvSpPr>
+        <p:spPr bwMode="auto">
+          <a:xfrm>
+            <a:off x="82147" y="2050583"/>
+            <a:ext cx="2160300" cy="468000"/>
+          </a:xfrm>
+          <a:prstGeom prst="rect">
+            <a:avLst/>
+          </a:prstGeom>
+          <a:solidFill>
+            <a:schemeClr val="bg1">
+              <a:lumMod val="95000"/>
+            </a:schemeClr>
+          </a:solidFill>
+          <a:ln w="12700">
+            <a:noFill/>
+          </a:ln>
+          <a:effectLst/>
+        </p:spPr>
+        <p:txBody>
+          <a:bodyPr rot="0" spcFirstLastPara="0" vertOverflow="overflow" horzOverflow="overflow" vert="horz" wrap="none" lIns="72000" tIns="72000" rIns="72000" bIns="72000" numCol="1" spcCol="0" rtlCol="0" fromWordArt="0" anchor="ctr" anchorCtr="0" forceAA="0" compatLnSpc="1">
+            <a:prstTxWarp prst="textNoShape">
+              <a:avLst/>
+            </a:prstTxWarp>
+            <a:noAutofit/>
+          </a:bodyPr>
+          <a:lstStyle/>
+          <a:p>
+            <a:pPr algn="ctr"/>
+            <a:r>
+              <a:rPr kumimoji="1" lang="en-US" altLang="ja-JP" dirty="0">
+                <a:latin typeface="+mn-ea"/>
+              </a:rPr>
+              <a:t>Conductor</a:t>
+            </a:r>
+            <a:r>
+              <a:rPr kumimoji="1" lang="ja-JP" altLang="en-US" dirty="0">
+                <a:latin typeface="+mn-ea"/>
+              </a:rPr>
+              <a:t>実行前</a:t>
+            </a:r>
+          </a:p>
+        </p:txBody>
+      </p:sp>
+      <p:sp>
+        <p:nvSpPr>
+          <p:cNvPr id="11" name="正方形/長方形 10">
+            <a:extLst>
+              <a:ext uri="{FF2B5EF4-FFF2-40B4-BE49-F238E27FC236}">
+                <a16:creationId xmlns:a16="http://schemas.microsoft.com/office/drawing/2014/main" id="{4B87DB4D-DBA0-447F-B7D7-AE424B5E7E92}"/>
+              </a:ext>
+            </a:extLst>
+          </p:cNvPr>
+          <p:cNvSpPr/>
+          <p:nvPr/>
+        </p:nvSpPr>
+        <p:spPr bwMode="auto">
+          <a:xfrm>
+            <a:off x="3670989" y="4264263"/>
+            <a:ext cx="2160300" cy="468000"/>
+          </a:xfrm>
+          <a:prstGeom prst="rect">
+            <a:avLst/>
+          </a:prstGeom>
+          <a:solidFill>
+            <a:schemeClr val="bg1">
+              <a:lumMod val="95000"/>
+            </a:schemeClr>
+          </a:solidFill>
+          <a:ln w="12700">
+            <a:noFill/>
+          </a:ln>
+          <a:effectLst/>
+        </p:spPr>
+        <p:txBody>
+          <a:bodyPr rot="0" spcFirstLastPara="0" vertOverflow="overflow" horzOverflow="overflow" vert="horz" wrap="none" lIns="72000" tIns="72000" rIns="72000" bIns="72000" numCol="1" spcCol="0" rtlCol="0" fromWordArt="0" anchor="ctr" anchorCtr="0" forceAA="0" compatLnSpc="1">
+            <a:prstTxWarp prst="textNoShape">
+              <a:avLst/>
+            </a:prstTxWarp>
+            <a:noAutofit/>
+          </a:bodyPr>
+          <a:lstStyle/>
+          <a:p>
+            <a:pPr algn="ctr"/>
+            <a:r>
+              <a:rPr kumimoji="1" lang="en-US" altLang="ja-JP" dirty="0">
+                <a:latin typeface="+mn-ea"/>
+              </a:rPr>
+              <a:t>Conductor</a:t>
+            </a:r>
+            <a:r>
+              <a:rPr kumimoji="1" lang="ja-JP" altLang="en-US" dirty="0">
+                <a:latin typeface="+mn-ea"/>
+              </a:rPr>
+              <a:t>実行後</a:t>
+            </a:r>
+          </a:p>
+        </p:txBody>
+      </p:sp>
+      <p:sp>
+        <p:nvSpPr>
+          <p:cNvPr id="14" name="正方形/長方形 13">
+            <a:extLst>
+              <a:ext uri="{FF2B5EF4-FFF2-40B4-BE49-F238E27FC236}">
+                <a16:creationId xmlns:a16="http://schemas.microsoft.com/office/drawing/2014/main" id="{45A3A95C-FDEE-45DB-91FD-34B8A0E7EA96}"/>
+              </a:ext>
+            </a:extLst>
+          </p:cNvPr>
+          <p:cNvSpPr/>
+          <p:nvPr/>
+        </p:nvSpPr>
+        <p:spPr bwMode="auto">
+          <a:xfrm>
+            <a:off x="8140370" y="5928176"/>
+            <a:ext cx="675210" cy="194341"/>
+          </a:xfrm>
+          <a:prstGeom prst="rect">
+            <a:avLst/>
+          </a:prstGeom>
+          <a:noFill/>
+          <a:ln w="38100">
+            <a:solidFill>
+              <a:schemeClr val="accent6">
+                <a:lumMod val="75000"/>
+                <a:lumOff val="25000"/>
+              </a:schemeClr>
+            </a:solidFill>
+          </a:ln>
+          <a:effectLst/>
+        </p:spPr>
+        <p:txBody>
+          <a:bodyPr rot="0" spcFirstLastPara="0" vertOverflow="overflow" horzOverflow="overflow" vert="horz" wrap="none" lIns="72000" tIns="72000" rIns="72000" bIns="72000" numCol="1" spcCol="0" rtlCol="0" fromWordArt="0" anchor="ctr" anchorCtr="0" forceAA="0" compatLnSpc="1">
+            <a:prstTxWarp prst="textNoShape">
+              <a:avLst/>
+            </a:prstTxWarp>
+            <a:noAutofit/>
+          </a:bodyPr>
+          <a:lstStyle/>
+          <a:p>
+            <a:pPr algn="ctr"/>
+            <a:endParaRPr kumimoji="1" lang="ja-JP" altLang="en-US" b="1" dirty="0">
+              <a:latin typeface="+mn-ea"/>
+            </a:endParaRPr>
+          </a:p>
+        </p:txBody>
+      </p:sp>
+      <p:sp>
+        <p:nvSpPr>
+          <p:cNvPr id="15" name="正方形/長方形 14">
+            <a:extLst>
+              <a:ext uri="{FF2B5EF4-FFF2-40B4-BE49-F238E27FC236}">
+                <a16:creationId xmlns:a16="http://schemas.microsoft.com/office/drawing/2014/main" id="{1D77E20A-E344-40E6-AEA7-939DFD6FAF3D}"/>
+              </a:ext>
+            </a:extLst>
+          </p:cNvPr>
+          <p:cNvSpPr/>
+          <p:nvPr/>
+        </p:nvSpPr>
+        <p:spPr bwMode="auto">
+          <a:xfrm>
+            <a:off x="4343375" y="3675902"/>
+            <a:ext cx="675210" cy="194341"/>
+          </a:xfrm>
+          <a:prstGeom prst="rect">
+            <a:avLst/>
+          </a:prstGeom>
+          <a:noFill/>
+          <a:ln w="38100">
+            <a:solidFill>
+              <a:schemeClr val="accent6">
+                <a:lumMod val="75000"/>
+                <a:lumOff val="25000"/>
+              </a:schemeClr>
+            </a:solidFill>
+          </a:ln>
+          <a:effectLst/>
+        </p:spPr>
+        <p:txBody>
+          <a:bodyPr rot="0" spcFirstLastPara="0" vertOverflow="overflow" horzOverflow="overflow" vert="horz" wrap="none" lIns="72000" tIns="72000" rIns="72000" bIns="72000" numCol="1" spcCol="0" rtlCol="0" fromWordArt="0" anchor="ctr" anchorCtr="0" forceAA="0" compatLnSpc="1">
+            <a:prstTxWarp prst="textNoShape">
+              <a:avLst/>
+            </a:prstTxWarp>
+            <a:noAutofit/>
+          </a:bodyPr>
+          <a:lstStyle/>
+          <a:p>
+            <a:pPr algn="ctr"/>
+            <a:endParaRPr kumimoji="1" lang="ja-JP" altLang="en-US" b="1" dirty="0">
+              <a:latin typeface="+mn-ea"/>
+            </a:endParaRPr>
+          </a:p>
+        </p:txBody>
+      </p:sp>
     </p:spTree>
     <p:extLst>
       <p:ext uri="{BB962C8B-B14F-4D97-AF65-F5344CB8AC3E}">
@@ -4394,26 +4673,188 @@
             <a:endParaRPr lang="en-US" altLang="ja-JP" dirty="0"/>
           </a:p>
           <a:p>
-            <a:pPr marL="180975" indent="0">
-              <a:buNone/>
-            </a:pPr>
+            <a:pPr lvl="1"/>
             <a:r>
               <a:rPr lang="ja-JP" altLang="en-US" dirty="0"/>
               <a:t>仮想マシンの状態は「仮想マシン設定」メニューで確認できます。</a:t>
             </a:r>
             <a:endParaRPr lang="en-US" altLang="ja-JP" dirty="0"/>
+          </a:p>
+        </p:txBody>
+      </p:sp>
+      <p:pic>
+        <p:nvPicPr>
+          <p:cNvPr id="8" name="図 7"/>
+          <p:cNvPicPr>
+            <a:picLocks noChangeAspect="1"/>
+          </p:cNvPicPr>
+          <p:nvPr/>
+        </p:nvPicPr>
+        <p:blipFill>
+          <a:blip r:embed="rId2"/>
+          <a:stretch>
+            <a:fillRect/>
+          </a:stretch>
+        </p:blipFill>
+        <p:spPr>
+          <a:xfrm>
+            <a:off x="1775400" y="2457398"/>
+            <a:ext cx="6383950" cy="1632873"/>
+          </a:xfrm>
+          <a:prstGeom prst="rect">
+            <a:avLst/>
+          </a:prstGeom>
+        </p:spPr>
+      </p:pic>
+      <p:pic>
+        <p:nvPicPr>
+          <p:cNvPr id="9" name="図 8"/>
+          <p:cNvPicPr>
+            <a:picLocks noChangeAspect="1"/>
+          </p:cNvPicPr>
+          <p:nvPr/>
+        </p:nvPicPr>
+        <p:blipFill>
+          <a:blip r:embed="rId3"/>
+          <a:stretch>
+            <a:fillRect/>
+          </a:stretch>
+        </p:blipFill>
+        <p:spPr>
+          <a:xfrm>
+            <a:off x="5567401" y="4657796"/>
+            <a:ext cx="6383950" cy="1616913"/>
+          </a:xfrm>
+          <a:prstGeom prst="rect">
+            <a:avLst/>
+          </a:prstGeom>
+        </p:spPr>
+      </p:pic>
+      <p:sp>
+        <p:nvSpPr>
+          <p:cNvPr id="10" name="正方形/長方形 9">
+            <a:extLst>
+              <a:ext uri="{FF2B5EF4-FFF2-40B4-BE49-F238E27FC236}">
+                <a16:creationId xmlns:a16="http://schemas.microsoft.com/office/drawing/2014/main" id="{67B59161-AE04-4050-954A-798451F3D900}"/>
+              </a:ext>
+            </a:extLst>
+          </p:cNvPr>
+          <p:cNvSpPr/>
+          <p:nvPr/>
+        </p:nvSpPr>
+        <p:spPr bwMode="auto">
+          <a:xfrm>
+            <a:off x="82147" y="2050583"/>
+            <a:ext cx="2160300" cy="468000"/>
+          </a:xfrm>
+          <a:prstGeom prst="rect">
+            <a:avLst/>
+          </a:prstGeom>
+          <a:solidFill>
+            <a:schemeClr val="bg1">
+              <a:lumMod val="95000"/>
+            </a:schemeClr>
+          </a:solidFill>
+          <a:ln w="12700">
+            <a:noFill/>
+          </a:ln>
+          <a:effectLst/>
+        </p:spPr>
+        <p:txBody>
+          <a:bodyPr rot="0" spcFirstLastPara="0" vertOverflow="overflow" horzOverflow="overflow" vert="horz" wrap="none" lIns="72000" tIns="72000" rIns="72000" bIns="72000" numCol="1" spcCol="0" rtlCol="0" fromWordArt="0" anchor="ctr" anchorCtr="0" forceAA="0" compatLnSpc="1">
+            <a:prstTxWarp prst="textNoShape">
+              <a:avLst/>
+            </a:prstTxWarp>
+            <a:noAutofit/>
+          </a:bodyPr>
+          <a:lstStyle/>
+          <a:p>
+            <a:pPr algn="ctr"/>
+            <a:r>
+              <a:rPr kumimoji="1" lang="en-US" altLang="ja-JP" dirty="0">
+                <a:latin typeface="+mn-ea"/>
+              </a:rPr>
+              <a:t>Conductor</a:t>
+            </a:r>
+            <a:r>
+              <a:rPr kumimoji="1" lang="ja-JP" altLang="en-US" dirty="0">
+                <a:latin typeface="+mn-ea"/>
+              </a:rPr>
+              <a:t>実行前</a:t>
+            </a:r>
           </a:p>
         </p:txBody>
       </p:sp>
       <p:sp>
         <p:nvSpPr>
-          <p:cNvPr id="6" name="曲折矢印 5"/>
+          <p:cNvPr id="11" name="正方形/長方形 10">
+            <a:extLst>
+              <a:ext uri="{FF2B5EF4-FFF2-40B4-BE49-F238E27FC236}">
+                <a16:creationId xmlns:a16="http://schemas.microsoft.com/office/drawing/2014/main" id="{426E4CC9-7A62-4EFF-9CAC-57E0C5F4C973}"/>
+              </a:ext>
+            </a:extLst>
+          </p:cNvPr>
+          <p:cNvSpPr/>
+          <p:nvPr/>
+        </p:nvSpPr>
+        <p:spPr bwMode="auto">
+          <a:xfrm>
+            <a:off x="3670989" y="4264263"/>
+            <a:ext cx="2160300" cy="468000"/>
+          </a:xfrm>
+          <a:prstGeom prst="rect">
+            <a:avLst/>
+          </a:prstGeom>
+          <a:solidFill>
+            <a:schemeClr val="bg1">
+              <a:lumMod val="95000"/>
+            </a:schemeClr>
+          </a:solidFill>
+          <a:ln w="12700">
+            <a:noFill/>
+          </a:ln>
+          <a:effectLst/>
+        </p:spPr>
+        <p:txBody>
+          <a:bodyPr rot="0" spcFirstLastPara="0" vertOverflow="overflow" horzOverflow="overflow" vert="horz" wrap="none" lIns="72000" tIns="72000" rIns="72000" bIns="72000" numCol="1" spcCol="0" rtlCol="0" fromWordArt="0" anchor="ctr" anchorCtr="0" forceAA="0" compatLnSpc="1">
+            <a:prstTxWarp prst="textNoShape">
+              <a:avLst/>
+            </a:prstTxWarp>
+            <a:noAutofit/>
+          </a:bodyPr>
+          <a:lstStyle/>
+          <a:p>
+            <a:pPr algn="ctr"/>
+            <a:r>
+              <a:rPr kumimoji="1" lang="en-US" altLang="ja-JP" dirty="0">
+                <a:latin typeface="+mn-ea"/>
+              </a:rPr>
+              <a:t>Conductor</a:t>
+            </a:r>
+            <a:r>
+              <a:rPr kumimoji="1" lang="ja-JP" altLang="en-US" dirty="0">
+                <a:latin typeface="+mn-ea"/>
+              </a:rPr>
+              <a:t>実行後</a:t>
+            </a:r>
+          </a:p>
+        </p:txBody>
+      </p:sp>
+      <p:sp>
+        <p:nvSpPr>
+          <p:cNvPr id="12" name="曲折矢印 8">
+            <a:extLst>
+              <a:ext uri="{FF2B5EF4-FFF2-40B4-BE49-F238E27FC236}">
+                <a16:creationId xmlns:a16="http://schemas.microsoft.com/office/drawing/2014/main" id="{70987E49-D98B-4C43-B5AB-3AC3434EB62B}"/>
+              </a:ext>
+            </a:extLst>
+          </p:cNvPr>
           <p:cNvSpPr/>
           <p:nvPr/>
         </p:nvSpPr>
         <p:spPr bwMode="auto">
           <a:xfrm rot="5400000">
-            <a:off x="8413501" y="2654120"/>
+            <a:off x="8530402" y="2607198"/>
             <a:ext cx="1368190" cy="1682593"/>
           </a:xfrm>
           <a:prstGeom prst="bentArrow">
@@ -4445,7 +4886,7 @@
           <a:lstStyle/>
           <a:p>
             <a:pPr algn="ctr"/>
-            <a:endParaRPr kumimoji="1" lang="ja-JP" altLang="en-US" b="1" dirty="0" smtClean="0">
+            <a:endParaRPr kumimoji="1" lang="ja-JP" altLang="en-US" b="1" dirty="0">
               <a:latin typeface="+mn-ea"/>
             </a:endParaRPr>
           </a:p>
@@ -4453,13 +4894,19 @@
       </p:sp>
       <p:sp>
         <p:nvSpPr>
-          <p:cNvPr id="7" name="角丸四角形吹き出し 6"/>
+          <p:cNvPr id="13" name="角丸四角形吹き出し 9">
+            <a:extLst>
+              <a:ext uri="{FF2B5EF4-FFF2-40B4-BE49-F238E27FC236}">
+                <a16:creationId xmlns:a16="http://schemas.microsoft.com/office/drawing/2014/main" id="{D35396A2-4293-4F0B-B3C3-0A2DB7A052A8}"/>
+              </a:ext>
+            </a:extLst>
+          </p:cNvPr>
           <p:cNvSpPr/>
           <p:nvPr/>
         </p:nvSpPr>
         <p:spPr bwMode="auto">
           <a:xfrm>
-            <a:off x="9768510" y="2385095"/>
+            <a:off x="9840520" y="2380814"/>
             <a:ext cx="1931088" cy="513658"/>
           </a:xfrm>
           <a:prstGeom prst="wedgeRoundRectCallout">
@@ -4496,62 +4943,117 @@
           <a:p>
             <a:pPr algn="ctr"/>
             <a:r>
-              <a:rPr kumimoji="1" lang="ja-JP" altLang="en-US" b="1" dirty="0" smtClean="0">
+              <a:rPr kumimoji="1" lang="ja-JP" altLang="en-US" b="1" dirty="0">
                 <a:latin typeface="+mn-ea"/>
               </a:rPr>
-              <a:t>仮想マシン停止</a:t>
-            </a:r>
+              <a:t>仮想マシン</a:t>
+            </a:r>
+            <a:r>
+              <a:rPr lang="ja-JP" altLang="en-US" b="1" dirty="0">
+                <a:latin typeface="+mn-ea"/>
+              </a:rPr>
+              <a:t>停止</a:t>
+            </a:r>
+            <a:endParaRPr kumimoji="1" lang="ja-JP" altLang="en-US" b="1" dirty="0">
+              <a:latin typeface="+mn-ea"/>
+            </a:endParaRPr>
           </a:p>
         </p:txBody>
       </p:sp>
-      <p:pic>
-        <p:nvPicPr>
-          <p:cNvPr id="8" name="図 7"/>
-          <p:cNvPicPr>
-            <a:picLocks noChangeAspect="1"/>
-          </p:cNvPicPr>
+      <p:sp>
+        <p:nvSpPr>
+          <p:cNvPr id="14" name="正方形/長方形 13">
+            <a:extLst>
+              <a:ext uri="{FF2B5EF4-FFF2-40B4-BE49-F238E27FC236}">
+                <a16:creationId xmlns:a16="http://schemas.microsoft.com/office/drawing/2014/main" id="{F667A69C-E48C-4469-A398-6BF6C568B714}"/>
+              </a:ext>
+            </a:extLst>
+          </p:cNvPr>
+          <p:cNvSpPr/>
           <p:nvPr/>
-        </p:nvPicPr>
-        <p:blipFill>
-          <a:blip r:embed="rId2"/>
-          <a:stretch>
-            <a:fillRect/>
-          </a:stretch>
-        </p:blipFill>
-        <p:spPr>
+        </p:nvSpPr>
+        <p:spPr bwMode="auto">
           <a:xfrm>
-            <a:off x="239350" y="2064512"/>
-            <a:ext cx="7920000" cy="2025760"/>
+            <a:off x="4583790" y="3585184"/>
+            <a:ext cx="675210" cy="194341"/>
           </a:xfrm>
           <a:prstGeom prst="rect">
             <a:avLst/>
           </a:prstGeom>
+          <a:noFill/>
+          <a:ln w="38100">
+            <a:solidFill>
+              <a:schemeClr val="accent6">
+                <a:lumMod val="75000"/>
+                <a:lumOff val="25000"/>
+              </a:schemeClr>
+            </a:solidFill>
+          </a:ln>
+          <a:effectLst/>
         </p:spPr>
-      </p:pic>
-      <p:pic>
-        <p:nvPicPr>
-          <p:cNvPr id="9" name="図 8"/>
-          <p:cNvPicPr>
-            <a:picLocks noChangeAspect="1"/>
-          </p:cNvPicPr>
+        <p:txBody>
+          <a:bodyPr rot="0" spcFirstLastPara="0" vertOverflow="overflow" horzOverflow="overflow" vert="horz" wrap="none" lIns="72000" tIns="72000" rIns="72000" bIns="72000" numCol="1" spcCol="0" rtlCol="0" fromWordArt="0" anchor="ctr" anchorCtr="0" forceAA="0" compatLnSpc="1">
+            <a:prstTxWarp prst="textNoShape">
+              <a:avLst/>
+            </a:prstTxWarp>
+            <a:noAutofit/>
+          </a:bodyPr>
+          <a:lstStyle/>
+          <a:p>
+            <a:pPr algn="ctr"/>
+            <a:endParaRPr kumimoji="1" lang="ja-JP" altLang="en-US" b="1" dirty="0">
+              <a:latin typeface="+mn-ea"/>
+            </a:endParaRPr>
+          </a:p>
+        </p:txBody>
+      </p:sp>
+      <p:sp>
+        <p:nvSpPr>
+          <p:cNvPr id="15" name="正方形/長方形 14">
+            <a:extLst>
+              <a:ext uri="{FF2B5EF4-FFF2-40B4-BE49-F238E27FC236}">
+                <a16:creationId xmlns:a16="http://schemas.microsoft.com/office/drawing/2014/main" id="{C69E92EC-CC42-4303-99BF-EFADF34D2E21}"/>
+              </a:ext>
+            </a:extLst>
+          </p:cNvPr>
+          <p:cNvSpPr/>
           <p:nvPr/>
-        </p:nvPicPr>
-        <p:blipFill>
-          <a:blip r:embed="rId3"/>
-          <a:stretch>
-            <a:fillRect/>
-          </a:stretch>
-        </p:blipFill>
-        <p:spPr>
+        </p:nvSpPr>
+        <p:spPr bwMode="auto">
           <a:xfrm>
-            <a:off x="4031351" y="4268750"/>
-            <a:ext cx="7920000" cy="2005960"/>
+            <a:off x="8385460" y="5755009"/>
+            <a:ext cx="675210" cy="194341"/>
           </a:xfrm>
           <a:prstGeom prst="rect">
             <a:avLst/>
           </a:prstGeom>
+          <a:noFill/>
+          <a:ln w="38100">
+            <a:solidFill>
+              <a:schemeClr val="accent6">
+                <a:lumMod val="75000"/>
+                <a:lumOff val="25000"/>
+              </a:schemeClr>
+            </a:solidFill>
+          </a:ln>
+          <a:effectLst/>
         </p:spPr>
-      </p:pic>
+        <p:txBody>
+          <a:bodyPr rot="0" spcFirstLastPara="0" vertOverflow="overflow" horzOverflow="overflow" vert="horz" wrap="none" lIns="72000" tIns="72000" rIns="72000" bIns="72000" numCol="1" spcCol="0" rtlCol="0" fromWordArt="0" anchor="ctr" anchorCtr="0" forceAA="0" compatLnSpc="1">
+            <a:prstTxWarp prst="textNoShape">
+              <a:avLst/>
+            </a:prstTxWarp>
+            <a:noAutofit/>
+          </a:bodyPr>
+          <a:lstStyle/>
+          <a:p>
+            <a:pPr algn="ctr"/>
+            <a:endParaRPr kumimoji="1" lang="ja-JP" altLang="en-US" b="1" dirty="0">
+              <a:latin typeface="+mn-ea"/>
+            </a:endParaRPr>
+          </a:p>
+        </p:txBody>
+      </p:sp>
     </p:spTree>
     <p:extLst>
       <p:ext uri="{BB962C8B-B14F-4D97-AF65-F5344CB8AC3E}">
@@ -4664,22 +5166,12 @@
             </a:pPr>
             <a:r>
               <a:rPr lang="ja-JP" altLang="en-US" dirty="0"/>
-              <a:t>対象の仮想マシンは</a:t>
-            </a:r>
-            <a:r>
-              <a:rPr lang="ja-JP" altLang="en-US" dirty="0" smtClean="0"/>
-              <a:t>「削除」</a:t>
-            </a:r>
-            <a:r>
-              <a:rPr lang="ja-JP" altLang="en-US" dirty="0"/>
-              <a:t>状態である必要があります。</a:t>
+              <a:t>対象の仮想マシンは「削除」状態である必要があります。</a:t>
             </a:r>
             <a:endParaRPr lang="en-US" altLang="ja-JP" dirty="0"/>
           </a:p>
           <a:p>
-            <a:pPr marL="180975" indent="0">
-              <a:buNone/>
-            </a:pPr>
+            <a:pPr lvl="1"/>
             <a:r>
               <a:rPr lang="ja-JP" altLang="en-US" dirty="0"/>
               <a:t>仮想マシンの状態は「仮想マシン設定」メニューで確認できます。</a:t>
@@ -4691,15 +5183,69 @@
           </a:p>
         </p:txBody>
       </p:sp>
+      <p:pic>
+        <p:nvPicPr>
+          <p:cNvPr id="6" name="図 5"/>
+          <p:cNvPicPr>
+            <a:picLocks noChangeAspect="1"/>
+          </p:cNvPicPr>
+          <p:nvPr/>
+        </p:nvPicPr>
+        <p:blipFill>
+          <a:blip r:embed="rId2"/>
+          <a:stretch>
+            <a:fillRect/>
+          </a:stretch>
+        </p:blipFill>
+        <p:spPr>
+          <a:xfrm>
+            <a:off x="1705094" y="2439416"/>
+            <a:ext cx="6454255" cy="1650855"/>
+          </a:xfrm>
+          <a:prstGeom prst="rect">
+            <a:avLst/>
+          </a:prstGeom>
+        </p:spPr>
+      </p:pic>
+      <p:pic>
+        <p:nvPicPr>
+          <p:cNvPr id="8" name="図 7"/>
+          <p:cNvPicPr>
+            <a:picLocks noChangeAspect="1"/>
+          </p:cNvPicPr>
+          <p:nvPr/>
+        </p:nvPicPr>
+        <p:blipFill>
+          <a:blip r:embed="rId3"/>
+          <a:stretch>
+            <a:fillRect/>
+          </a:stretch>
+        </p:blipFill>
+        <p:spPr>
+          <a:xfrm>
+            <a:off x="5087859" y="4675836"/>
+            <a:ext cx="6863491" cy="1650856"/>
+          </a:xfrm>
+          <a:prstGeom prst="rect">
+            <a:avLst/>
+          </a:prstGeom>
+        </p:spPr>
+      </p:pic>
       <p:sp>
         <p:nvSpPr>
-          <p:cNvPr id="4" name="曲折矢印 3"/>
+          <p:cNvPr id="9" name="曲折矢印 8">
+            <a:extLst>
+              <a:ext uri="{FF2B5EF4-FFF2-40B4-BE49-F238E27FC236}">
+                <a16:creationId xmlns:a16="http://schemas.microsoft.com/office/drawing/2014/main" id="{3A76AB87-3117-446A-94FA-F678EE9C8E17}"/>
+              </a:ext>
+            </a:extLst>
+          </p:cNvPr>
           <p:cNvSpPr/>
           <p:nvPr/>
         </p:nvSpPr>
         <p:spPr bwMode="auto">
           <a:xfrm rot="5400000">
-            <a:off x="8530608" y="2612158"/>
+            <a:off x="8530402" y="2607198"/>
             <a:ext cx="1368190" cy="1682593"/>
           </a:xfrm>
           <a:prstGeom prst="bentArrow">
@@ -4731,7 +5277,7 @@
           <a:lstStyle/>
           <a:p>
             <a:pPr algn="ctr"/>
-            <a:endParaRPr kumimoji="1" lang="ja-JP" altLang="en-US" b="1" dirty="0" smtClean="0">
+            <a:endParaRPr kumimoji="1" lang="ja-JP" altLang="en-US" b="1" dirty="0">
               <a:latin typeface="+mn-ea"/>
             </a:endParaRPr>
           </a:p>
@@ -4739,13 +5285,19 @@
       </p:sp>
       <p:sp>
         <p:nvSpPr>
-          <p:cNvPr id="5" name="角丸四角形吹き出し 4"/>
+          <p:cNvPr id="10" name="角丸四角形吹き出し 9">
+            <a:extLst>
+              <a:ext uri="{FF2B5EF4-FFF2-40B4-BE49-F238E27FC236}">
+                <a16:creationId xmlns:a16="http://schemas.microsoft.com/office/drawing/2014/main" id="{AEDE8EBA-3E9A-4358-ABA9-4271D7F9FD25}"/>
+              </a:ext>
+            </a:extLst>
+          </p:cNvPr>
           <p:cNvSpPr/>
           <p:nvPr/>
         </p:nvSpPr>
         <p:spPr bwMode="auto">
           <a:xfrm>
-            <a:off x="9840520" y="2398369"/>
+            <a:off x="9840520" y="2380814"/>
             <a:ext cx="1931088" cy="513658"/>
           </a:xfrm>
           <a:prstGeom prst="wedgeRoundRectCallout">
@@ -4782,62 +5334,180 @@
           <a:p>
             <a:pPr algn="ctr"/>
             <a:r>
-              <a:rPr kumimoji="1" lang="ja-JP" altLang="en-US" b="1" dirty="0" smtClean="0">
+              <a:rPr kumimoji="1" lang="ja-JP" altLang="en-US" b="1" dirty="0">
                 <a:latin typeface="+mn-ea"/>
               </a:rPr>
-              <a:t>仮想マシン削除</a:t>
-            </a:r>
+              <a:t>仮想マシン</a:t>
+            </a:r>
+            <a:r>
+              <a:rPr lang="ja-JP" altLang="en-US" b="1" dirty="0">
+                <a:latin typeface="+mn-ea"/>
+              </a:rPr>
+              <a:t>削除</a:t>
+            </a:r>
+            <a:endParaRPr kumimoji="1" lang="ja-JP" altLang="en-US" b="1" dirty="0">
+              <a:latin typeface="+mn-ea"/>
+            </a:endParaRPr>
           </a:p>
         </p:txBody>
       </p:sp>
-      <p:pic>
-        <p:nvPicPr>
-          <p:cNvPr id="6" name="図 5"/>
-          <p:cNvPicPr>
-            <a:picLocks noChangeAspect="1"/>
-          </p:cNvPicPr>
+      <p:sp>
+        <p:nvSpPr>
+          <p:cNvPr id="11" name="正方形/長方形 10">
+            <a:extLst>
+              <a:ext uri="{FF2B5EF4-FFF2-40B4-BE49-F238E27FC236}">
+                <a16:creationId xmlns:a16="http://schemas.microsoft.com/office/drawing/2014/main" id="{223A4364-1250-436E-A58A-1A9EEB23E967}"/>
+              </a:ext>
+            </a:extLst>
+          </p:cNvPr>
+          <p:cNvSpPr/>
           <p:nvPr/>
-        </p:nvPicPr>
-        <p:blipFill>
-          <a:blip r:embed="rId2"/>
-          <a:stretch>
-            <a:fillRect/>
-          </a:stretch>
-        </p:blipFill>
-        <p:spPr>
+        </p:nvSpPr>
+        <p:spPr bwMode="auto">
           <a:xfrm>
-            <a:off x="239350" y="2064512"/>
-            <a:ext cx="7920000" cy="2025760"/>
+            <a:off x="82147" y="2050583"/>
+            <a:ext cx="2160300" cy="468000"/>
           </a:xfrm>
           <a:prstGeom prst="rect">
             <a:avLst/>
           </a:prstGeom>
+          <a:solidFill>
+            <a:schemeClr val="bg1">
+              <a:lumMod val="95000"/>
+            </a:schemeClr>
+          </a:solidFill>
+          <a:ln w="12700">
+            <a:noFill/>
+          </a:ln>
+          <a:effectLst/>
         </p:spPr>
-      </p:pic>
-      <p:pic>
-        <p:nvPicPr>
-          <p:cNvPr id="8" name="図 7"/>
-          <p:cNvPicPr>
-            <a:picLocks noChangeAspect="1"/>
-          </p:cNvPicPr>
+        <p:txBody>
+          <a:bodyPr rot="0" spcFirstLastPara="0" vertOverflow="overflow" horzOverflow="overflow" vert="horz" wrap="none" lIns="72000" tIns="72000" rIns="72000" bIns="72000" numCol="1" spcCol="0" rtlCol="0" fromWordArt="0" anchor="ctr" anchorCtr="0" forceAA="0" compatLnSpc="1">
+            <a:prstTxWarp prst="textNoShape">
+              <a:avLst/>
+            </a:prstTxWarp>
+            <a:noAutofit/>
+          </a:bodyPr>
+          <a:lstStyle/>
+          <a:p>
+            <a:pPr algn="ctr"/>
+            <a:r>
+              <a:rPr kumimoji="1" lang="en-US" altLang="ja-JP" dirty="0">
+                <a:latin typeface="+mn-ea"/>
+              </a:rPr>
+              <a:t>Conductor</a:t>
+            </a:r>
+            <a:r>
+              <a:rPr kumimoji="1" lang="ja-JP" altLang="en-US" dirty="0">
+                <a:latin typeface="+mn-ea"/>
+              </a:rPr>
+              <a:t>実行前</a:t>
+            </a:r>
+          </a:p>
+        </p:txBody>
+      </p:sp>
+      <p:sp>
+        <p:nvSpPr>
+          <p:cNvPr id="12" name="正方形/長方形 11">
+            <a:extLst>
+              <a:ext uri="{FF2B5EF4-FFF2-40B4-BE49-F238E27FC236}">
+                <a16:creationId xmlns:a16="http://schemas.microsoft.com/office/drawing/2014/main" id="{7E82BD72-9AFA-45B6-92E5-F7133662B9C0}"/>
+              </a:ext>
+            </a:extLst>
+          </p:cNvPr>
+          <p:cNvSpPr/>
           <p:nvPr/>
-        </p:nvPicPr>
-        <p:blipFill>
-          <a:blip r:embed="rId3"/>
-          <a:stretch>
-            <a:fillRect/>
-          </a:stretch>
-        </p:blipFill>
-        <p:spPr>
+        </p:nvSpPr>
+        <p:spPr bwMode="auto">
           <a:xfrm>
-            <a:off x="4031351" y="4342881"/>
-            <a:ext cx="7920000" cy="1904975"/>
+            <a:off x="3670989" y="4264263"/>
+            <a:ext cx="2160300" cy="468000"/>
           </a:xfrm>
           <a:prstGeom prst="rect">
             <a:avLst/>
           </a:prstGeom>
+          <a:solidFill>
+            <a:schemeClr val="bg1">
+              <a:lumMod val="95000"/>
+            </a:schemeClr>
+          </a:solidFill>
+          <a:ln w="12700">
+            <a:noFill/>
+          </a:ln>
+          <a:effectLst/>
         </p:spPr>
-      </p:pic>
+        <p:txBody>
+          <a:bodyPr rot="0" spcFirstLastPara="0" vertOverflow="overflow" horzOverflow="overflow" vert="horz" wrap="none" lIns="72000" tIns="72000" rIns="72000" bIns="72000" numCol="1" spcCol="0" rtlCol="0" fromWordArt="0" anchor="ctr" anchorCtr="0" forceAA="0" compatLnSpc="1">
+            <a:prstTxWarp prst="textNoShape">
+              <a:avLst/>
+            </a:prstTxWarp>
+            <a:noAutofit/>
+          </a:bodyPr>
+          <a:lstStyle/>
+          <a:p>
+            <a:pPr algn="ctr"/>
+            <a:r>
+              <a:rPr kumimoji="1" lang="en-US" altLang="ja-JP" dirty="0">
+                <a:latin typeface="+mn-ea"/>
+              </a:rPr>
+              <a:t>Conductor</a:t>
+            </a:r>
+            <a:r>
+              <a:rPr kumimoji="1" lang="ja-JP" altLang="en-US" dirty="0">
+                <a:latin typeface="+mn-ea"/>
+              </a:rPr>
+              <a:t>実行後</a:t>
+            </a:r>
+          </a:p>
+        </p:txBody>
+      </p:sp>
+      <p:sp>
+        <p:nvSpPr>
+          <p:cNvPr id="13" name="正方形/長方形 12">
+            <a:extLst>
+              <a:ext uri="{FF2B5EF4-FFF2-40B4-BE49-F238E27FC236}">
+                <a16:creationId xmlns:a16="http://schemas.microsoft.com/office/drawing/2014/main" id="{35D305FA-A197-446E-A51A-9485FDFEA128}"/>
+              </a:ext>
+            </a:extLst>
+          </p:cNvPr>
+          <p:cNvSpPr/>
+          <p:nvPr/>
+        </p:nvSpPr>
+        <p:spPr bwMode="auto">
+          <a:xfrm>
+            <a:off x="3215601" y="3585184"/>
+            <a:ext cx="4943748" cy="194341"/>
+          </a:xfrm>
+          <a:prstGeom prst="rect">
+            <a:avLst/>
+          </a:prstGeom>
+          <a:noFill/>
+          <a:ln w="38100">
+            <a:solidFill>
+              <a:schemeClr val="accent6">
+                <a:lumMod val="75000"/>
+                <a:lumOff val="25000"/>
+              </a:schemeClr>
+            </a:solidFill>
+          </a:ln>
+          <a:effectLst/>
+        </p:spPr>
+        <p:txBody>
+          <a:bodyPr rot="0" spcFirstLastPara="0" vertOverflow="overflow" horzOverflow="overflow" vert="horz" wrap="none" lIns="72000" tIns="72000" rIns="72000" bIns="72000" numCol="1" spcCol="0" rtlCol="0" fromWordArt="0" anchor="ctr" anchorCtr="0" forceAA="0" compatLnSpc="1">
+            <a:prstTxWarp prst="textNoShape">
+              <a:avLst/>
+            </a:prstTxWarp>
+            <a:noAutofit/>
+          </a:bodyPr>
+          <a:lstStyle/>
+          <a:p>
+            <a:pPr algn="ctr"/>
+            <a:endParaRPr kumimoji="1" lang="ja-JP" altLang="en-US" b="1" dirty="0">
+              <a:latin typeface="+mn-ea"/>
+            </a:endParaRPr>
+          </a:p>
+        </p:txBody>
+      </p:sp>
     </p:spTree>
     <p:extLst>
       <p:ext uri="{BB962C8B-B14F-4D97-AF65-F5344CB8AC3E}">
@@ -4964,28 +5634,12 @@
             </a:r>
             <a:r>
               <a:rPr lang="ja-JP" altLang="en-US" dirty="0"/>
-              <a:t>アドレス設定を変更します。</a:t>
+              <a:t>アドレス設定を変更します。対象の仮想マシンは作成済である必要があります。</a:t>
             </a:r>
             <a:endParaRPr lang="en-US" altLang="ja-JP" dirty="0"/>
           </a:p>
           <a:p>
-            <a:pPr marL="180975" indent="0">
-              <a:buNone/>
-            </a:pPr>
-            <a:r>
-              <a:rPr lang="ja-JP" altLang="en-US" dirty="0"/>
-              <a:t>対象の仮想マシンは作成済である必要があります</a:t>
-            </a:r>
-            <a:r>
-              <a:rPr lang="ja-JP" altLang="en-US" dirty="0" smtClean="0"/>
-              <a:t>。</a:t>
-            </a:r>
-            <a:endParaRPr lang="en-US" altLang="ja-JP" strike="sngStrike" dirty="0"/>
-          </a:p>
-          <a:p>
-            <a:pPr marL="180975" indent="0">
-              <a:buNone/>
-            </a:pPr>
+            <a:pPr lvl="1"/>
             <a:r>
               <a:rPr lang="en-US" altLang="ja-JP" dirty="0"/>
               <a:t>IP</a:t>
@@ -5009,16 +5663,38 @@
           </p:cNvPicPr>
           <p:nvPr/>
         </p:nvPicPr>
-        <p:blipFill>
+        <p:blipFill rotWithShape="1">
           <a:blip r:embed="rId2"/>
-          <a:stretch>
-            <a:fillRect/>
-          </a:stretch>
+          <a:srcRect b="11961"/>
+          <a:stretch/>
         </p:blipFill>
         <p:spPr>
           <a:xfrm>
-            <a:off x="427739" y="2276839"/>
-            <a:ext cx="5260339" cy="3008439"/>
+            <a:off x="454330" y="2524807"/>
+            <a:ext cx="5260339" cy="2648621"/>
+          </a:xfrm>
+          <a:prstGeom prst="rect">
+            <a:avLst/>
+          </a:prstGeom>
+        </p:spPr>
+      </p:pic>
+      <p:pic>
+        <p:nvPicPr>
+          <p:cNvPr id="7" name="図 6"/>
+          <p:cNvPicPr>
+            <a:picLocks noChangeAspect="1"/>
+          </p:cNvPicPr>
+          <p:nvPr/>
+        </p:nvPicPr>
+        <p:blipFill rotWithShape="1">
+          <a:blip r:embed="rId3"/>
+          <a:srcRect b="11961"/>
+          <a:stretch/>
+        </p:blipFill>
+        <p:spPr>
+          <a:xfrm>
+            <a:off x="6617538" y="3792835"/>
+            <a:ext cx="5166075" cy="2648621"/>
           </a:xfrm>
           <a:prstGeom prst="rect">
             <a:avLst/>
@@ -5027,21 +5703,219 @@
       </p:pic>
       <p:sp>
         <p:nvSpPr>
-          <p:cNvPr id="5" name="曲折矢印 4"/>
+          <p:cNvPr id="8" name="正方形/長方形 7"/>
+          <p:cNvSpPr/>
+          <p:nvPr/>
+        </p:nvSpPr>
+        <p:spPr bwMode="auto">
+          <a:xfrm>
+            <a:off x="3784921" y="4958026"/>
+            <a:ext cx="594000" cy="174264"/>
+          </a:xfrm>
+          <a:prstGeom prst="rect">
+            <a:avLst/>
+          </a:prstGeom>
+          <a:noFill/>
+          <a:ln w="25400">
+            <a:solidFill>
+              <a:schemeClr val="accent6">
+                <a:lumMod val="75000"/>
+                <a:lumOff val="25000"/>
+              </a:schemeClr>
+            </a:solidFill>
+          </a:ln>
+          <a:effectLst/>
+        </p:spPr>
+        <p:txBody>
+          <a:bodyPr rot="0" spcFirstLastPara="0" vertOverflow="overflow" horzOverflow="overflow" vert="horz" wrap="none" lIns="72000" tIns="72000" rIns="72000" bIns="72000" numCol="1" spcCol="0" rtlCol="0" fromWordArt="0" anchor="ctr" anchorCtr="0" forceAA="0" compatLnSpc="1">
+            <a:prstTxWarp prst="textNoShape">
+              <a:avLst/>
+            </a:prstTxWarp>
+            <a:noAutofit/>
+          </a:bodyPr>
+          <a:lstStyle/>
+          <a:p>
+            <a:pPr algn="ctr"/>
+            <a:endParaRPr kumimoji="1" lang="ja-JP" altLang="en-US" b="1" dirty="0">
+              <a:latin typeface="+mn-ea"/>
+            </a:endParaRPr>
+          </a:p>
+        </p:txBody>
+      </p:sp>
+      <p:sp>
+        <p:nvSpPr>
+          <p:cNvPr id="9" name="正方形/長方形 8"/>
+          <p:cNvSpPr/>
+          <p:nvPr/>
+        </p:nvSpPr>
+        <p:spPr bwMode="auto">
+          <a:xfrm>
+            <a:off x="9880487" y="6095280"/>
+            <a:ext cx="594000" cy="149467"/>
+          </a:xfrm>
+          <a:prstGeom prst="rect">
+            <a:avLst/>
+          </a:prstGeom>
+          <a:noFill/>
+          <a:ln w="25400">
+            <a:solidFill>
+              <a:schemeClr val="accent6">
+                <a:lumMod val="75000"/>
+                <a:lumOff val="25000"/>
+              </a:schemeClr>
+            </a:solidFill>
+          </a:ln>
+          <a:effectLst/>
+        </p:spPr>
+        <p:txBody>
+          <a:bodyPr rot="0" spcFirstLastPara="0" vertOverflow="overflow" horzOverflow="overflow" vert="horz" wrap="none" lIns="72000" tIns="72000" rIns="72000" bIns="72000" numCol="1" spcCol="0" rtlCol="0" fromWordArt="0" anchor="ctr" anchorCtr="0" forceAA="0" compatLnSpc="1">
+            <a:prstTxWarp prst="textNoShape">
+              <a:avLst/>
+            </a:prstTxWarp>
+            <a:noAutofit/>
+          </a:bodyPr>
+          <a:lstStyle/>
+          <a:p>
+            <a:pPr algn="ctr"/>
+            <a:endParaRPr kumimoji="1" lang="ja-JP" altLang="en-US" b="1" dirty="0">
+              <a:latin typeface="+mn-ea"/>
+            </a:endParaRPr>
+          </a:p>
+        </p:txBody>
+      </p:sp>
+      <p:sp>
+        <p:nvSpPr>
+          <p:cNvPr id="10" name="正方形/長方形 9">
+            <a:extLst>
+              <a:ext uri="{FF2B5EF4-FFF2-40B4-BE49-F238E27FC236}">
+                <a16:creationId xmlns:a16="http://schemas.microsoft.com/office/drawing/2014/main" id="{981EC528-8E5C-4AF6-B578-AF195F87B9DA}"/>
+              </a:ext>
+            </a:extLst>
+          </p:cNvPr>
+          <p:cNvSpPr/>
+          <p:nvPr/>
+        </p:nvSpPr>
+        <p:spPr bwMode="auto">
+          <a:xfrm>
+            <a:off x="82147" y="2050583"/>
+            <a:ext cx="2160300" cy="468000"/>
+          </a:xfrm>
+          <a:prstGeom prst="rect">
+            <a:avLst/>
+          </a:prstGeom>
+          <a:solidFill>
+            <a:schemeClr val="bg1">
+              <a:lumMod val="95000"/>
+            </a:schemeClr>
+          </a:solidFill>
+          <a:ln w="12700">
+            <a:noFill/>
+          </a:ln>
+          <a:effectLst/>
+        </p:spPr>
+        <p:txBody>
+          <a:bodyPr rot="0" spcFirstLastPara="0" vertOverflow="overflow" horzOverflow="overflow" vert="horz" wrap="none" lIns="72000" tIns="72000" rIns="72000" bIns="72000" numCol="1" spcCol="0" rtlCol="0" fromWordArt="0" anchor="ctr" anchorCtr="0" forceAA="0" compatLnSpc="1">
+            <a:prstTxWarp prst="textNoShape">
+              <a:avLst/>
+            </a:prstTxWarp>
+            <a:noAutofit/>
+          </a:bodyPr>
+          <a:lstStyle/>
+          <a:p>
+            <a:pPr algn="ctr"/>
+            <a:r>
+              <a:rPr kumimoji="1" lang="en-US" altLang="ja-JP" dirty="0">
+                <a:latin typeface="+mn-ea"/>
+              </a:rPr>
+              <a:t>Conductor</a:t>
+            </a:r>
+            <a:r>
+              <a:rPr kumimoji="1" lang="ja-JP" altLang="en-US" dirty="0">
+                <a:latin typeface="+mn-ea"/>
+              </a:rPr>
+              <a:t>実行前</a:t>
+            </a:r>
+          </a:p>
+        </p:txBody>
+      </p:sp>
+      <p:sp>
+        <p:nvSpPr>
+          <p:cNvPr id="11" name="正方形/長方形 10">
+            <a:extLst>
+              <a:ext uri="{FF2B5EF4-FFF2-40B4-BE49-F238E27FC236}">
+                <a16:creationId xmlns:a16="http://schemas.microsoft.com/office/drawing/2014/main" id="{E0A388A4-77D9-429B-81EE-AB6C5969A53E}"/>
+              </a:ext>
+            </a:extLst>
+          </p:cNvPr>
+          <p:cNvSpPr/>
+          <p:nvPr/>
+        </p:nvSpPr>
+        <p:spPr bwMode="auto">
+          <a:xfrm>
+            <a:off x="5929649" y="3346341"/>
+            <a:ext cx="2160300" cy="468000"/>
+          </a:xfrm>
+          <a:prstGeom prst="rect">
+            <a:avLst/>
+          </a:prstGeom>
+          <a:solidFill>
+            <a:schemeClr val="bg1">
+              <a:lumMod val="95000"/>
+            </a:schemeClr>
+          </a:solidFill>
+          <a:ln w="12700">
+            <a:noFill/>
+          </a:ln>
+          <a:effectLst/>
+        </p:spPr>
+        <p:txBody>
+          <a:bodyPr rot="0" spcFirstLastPara="0" vertOverflow="overflow" horzOverflow="overflow" vert="horz" wrap="none" lIns="72000" tIns="72000" rIns="72000" bIns="72000" numCol="1" spcCol="0" rtlCol="0" fromWordArt="0" anchor="ctr" anchorCtr="0" forceAA="0" compatLnSpc="1">
+            <a:prstTxWarp prst="textNoShape">
+              <a:avLst/>
+            </a:prstTxWarp>
+            <a:noAutofit/>
+          </a:bodyPr>
+          <a:lstStyle/>
+          <a:p>
+            <a:pPr algn="ctr"/>
+            <a:r>
+              <a:rPr kumimoji="1" lang="en-US" altLang="ja-JP" dirty="0">
+                <a:latin typeface="+mn-ea"/>
+              </a:rPr>
+              <a:t>Conductor</a:t>
+            </a:r>
+            <a:r>
+              <a:rPr kumimoji="1" lang="ja-JP" altLang="en-US" dirty="0">
+                <a:latin typeface="+mn-ea"/>
+              </a:rPr>
+              <a:t>実行後</a:t>
+            </a:r>
+          </a:p>
+        </p:txBody>
+      </p:sp>
+      <p:sp>
+        <p:nvSpPr>
+          <p:cNvPr id="12" name="曲折矢印 4">
+            <a:extLst>
+              <a:ext uri="{FF2B5EF4-FFF2-40B4-BE49-F238E27FC236}">
+                <a16:creationId xmlns:a16="http://schemas.microsoft.com/office/drawing/2014/main" id="{36C9583D-F6AA-419F-B541-22872BB5C4FE}"/>
+              </a:ext>
+            </a:extLst>
+          </p:cNvPr>
           <p:cNvSpPr/>
           <p:nvPr/>
         </p:nvSpPr>
         <p:spPr bwMode="auto">
           <a:xfrm rot="5400000">
-            <a:off x="6878482" y="1706882"/>
-            <a:ext cx="735851" cy="2739883"/>
+            <a:off x="6295465" y="2052552"/>
+            <a:ext cx="720101" cy="1682593"/>
           </a:xfrm>
           <a:prstGeom prst="bentArrow">
             <a:avLst>
-              <a:gd name="adj1" fmla="val 32001"/>
-              <a:gd name="adj2" fmla="val 30251"/>
+              <a:gd name="adj1" fmla="val 35582"/>
+              <a:gd name="adj2" fmla="val 34921"/>
               <a:gd name="adj3" fmla="val 25000"/>
-              <a:gd name="adj4" fmla="val 42000"/>
+              <a:gd name="adj4" fmla="val 43750"/>
             </a:avLst>
           </a:prstGeom>
           <a:solidFill>
@@ -5070,7 +5944,7 @@
           <a:lstStyle/>
           <a:p>
             <a:pPr algn="ctr"/>
-            <a:endParaRPr kumimoji="1" lang="ja-JP" altLang="en-US" b="1" dirty="0" smtClean="0">
+            <a:endParaRPr kumimoji="1" lang="ja-JP" altLang="en-US" b="1" dirty="0">
               <a:latin typeface="+mn-ea"/>
             </a:endParaRPr>
           </a:p>
@@ -5078,19 +5952,25 @@
       </p:sp>
       <p:sp>
         <p:nvSpPr>
-          <p:cNvPr id="6" name="角丸四角形吹き出し 5"/>
+          <p:cNvPr id="13" name="角丸四角形吹き出し 5">
+            <a:extLst>
+              <a:ext uri="{FF2B5EF4-FFF2-40B4-BE49-F238E27FC236}">
+                <a16:creationId xmlns:a16="http://schemas.microsoft.com/office/drawing/2014/main" id="{F76A6749-4888-4695-B766-965D37B25F49}"/>
+              </a:ext>
+            </a:extLst>
+          </p:cNvPr>
           <p:cNvSpPr/>
           <p:nvPr/>
         </p:nvSpPr>
         <p:spPr bwMode="auto">
           <a:xfrm>
-            <a:off x="8791683" y="2276839"/>
-            <a:ext cx="1931088" cy="513658"/>
+            <a:off x="7677460" y="2404683"/>
+            <a:ext cx="2632648" cy="513658"/>
           </a:xfrm>
           <a:prstGeom prst="wedgeRoundRectCallout">
             <a:avLst>
-              <a:gd name="adj1" fmla="val -60181"/>
-              <a:gd name="adj2" fmla="val 42442"/>
+              <a:gd name="adj1" fmla="val -58734"/>
+              <a:gd name="adj2" fmla="val 31316"/>
               <a:gd name="adj3" fmla="val 16667"/>
             </a:avLst>
           </a:prstGeom>
@@ -5121,115 +6001,18 @@
           <a:p>
             <a:pPr algn="ctr"/>
             <a:r>
-              <a:rPr kumimoji="1" lang="en-US" altLang="ja-JP" b="1" dirty="0" smtClean="0">
+              <a:rPr kumimoji="1" lang="en-US" altLang="ja-JP" b="1" dirty="0">
                 <a:latin typeface="+mn-ea"/>
               </a:rPr>
               <a:t>IP</a:t>
             </a:r>
             <a:r>
-              <a:rPr kumimoji="1" lang="ja-JP" altLang="en-US" b="1" dirty="0" smtClean="0">
+              <a:rPr lang="ja-JP" altLang="en-US" b="1" dirty="0">
                 <a:latin typeface="+mn-ea"/>
               </a:rPr>
               <a:t>アドレス設定</a:t>
             </a:r>
-          </a:p>
-        </p:txBody>
-      </p:sp>
-      <p:pic>
-        <p:nvPicPr>
-          <p:cNvPr id="7" name="図 6"/>
-          <p:cNvPicPr>
-            <a:picLocks noChangeAspect="1"/>
-          </p:cNvPicPr>
-          <p:nvPr/>
-        </p:nvPicPr>
-        <p:blipFill>
-          <a:blip r:embed="rId3"/>
-          <a:stretch>
-            <a:fillRect/>
-          </a:stretch>
-        </p:blipFill>
-        <p:spPr>
-          <a:xfrm>
-            <a:off x="6262352" y="3444749"/>
-            <a:ext cx="5166075" cy="3008439"/>
-          </a:xfrm>
-          <a:prstGeom prst="rect">
-            <a:avLst/>
-          </a:prstGeom>
-        </p:spPr>
-      </p:pic>
-      <p:sp>
-        <p:nvSpPr>
-          <p:cNvPr id="8" name="正方形/長方形 7"/>
-          <p:cNvSpPr/>
-          <p:nvPr/>
-        </p:nvSpPr>
-        <p:spPr bwMode="auto">
-          <a:xfrm>
-            <a:off x="3785330" y="4725180"/>
-            <a:ext cx="540000" cy="144020"/>
-          </a:xfrm>
-          <a:prstGeom prst="rect">
-            <a:avLst/>
-          </a:prstGeom>
-          <a:noFill/>
-          <a:ln w="25400">
-            <a:solidFill>
-              <a:srgbClr val="FF0000"/>
-            </a:solidFill>
-          </a:ln>
-          <a:effectLst/>
-        </p:spPr>
-        <p:txBody>
-          <a:bodyPr rot="0" spcFirstLastPara="0" vertOverflow="overflow" horzOverflow="overflow" vert="horz" wrap="none" lIns="72000" tIns="72000" rIns="72000" bIns="72000" numCol="1" spcCol="0" rtlCol="0" fromWordArt="0" anchor="ctr" anchorCtr="0" forceAA="0" compatLnSpc="1">
-            <a:prstTxWarp prst="textNoShape">
-              <a:avLst/>
-            </a:prstTxWarp>
-            <a:noAutofit/>
-          </a:bodyPr>
-          <a:lstStyle/>
-          <a:p>
-            <a:pPr algn="ctr"/>
-            <a:endParaRPr kumimoji="1" lang="ja-JP" altLang="en-US" b="1" dirty="0" smtClean="0">
-              <a:latin typeface="+mn-ea"/>
-            </a:endParaRPr>
-          </a:p>
-        </p:txBody>
-      </p:sp>
-      <p:sp>
-        <p:nvSpPr>
-          <p:cNvPr id="9" name="正方形/長方形 8"/>
-          <p:cNvSpPr/>
-          <p:nvPr/>
-        </p:nvSpPr>
-        <p:spPr bwMode="auto">
-          <a:xfrm>
-            <a:off x="9552301" y="5760164"/>
-            <a:ext cx="540000" cy="123526"/>
-          </a:xfrm>
-          <a:prstGeom prst="rect">
-            <a:avLst/>
-          </a:prstGeom>
-          <a:noFill/>
-          <a:ln w="25400">
-            <a:solidFill>
-              <a:srgbClr val="FF0000"/>
-            </a:solidFill>
-          </a:ln>
-          <a:effectLst/>
-        </p:spPr>
-        <p:txBody>
-          <a:bodyPr rot="0" spcFirstLastPara="0" vertOverflow="overflow" horzOverflow="overflow" vert="horz" wrap="none" lIns="72000" tIns="72000" rIns="72000" bIns="72000" numCol="1" spcCol="0" rtlCol="0" fromWordArt="0" anchor="ctr" anchorCtr="0" forceAA="0" compatLnSpc="1">
-            <a:prstTxWarp prst="textNoShape">
-              <a:avLst/>
-            </a:prstTxWarp>
-            <a:noAutofit/>
-          </a:bodyPr>
-          <a:lstStyle/>
-          <a:p>
-            <a:pPr algn="ctr"/>
-            <a:endParaRPr kumimoji="1" lang="ja-JP" altLang="en-US" b="1" dirty="0" smtClean="0">
+            <a:endParaRPr kumimoji="1" lang="en-US" altLang="ja-JP" b="1" dirty="0">
               <a:latin typeface="+mn-ea"/>
             </a:endParaRPr>
           </a:p>
@@ -5337,18 +6120,7 @@
             </a:r>
             <a:r>
               <a:rPr lang="ja-JP" altLang="en-US" dirty="0"/>
-              <a:t>上の仮想マシンに</a:t>
-            </a:r>
-            <a:r>
-              <a:rPr lang="en-US" altLang="ja-JP" dirty="0"/>
-              <a:t/>
-            </a:r>
-            <a:br>
-              <a:rPr lang="en-US" altLang="ja-JP" dirty="0"/>
-            </a:br>
-            <a:r>
-              <a:rPr lang="ja-JP" altLang="en-US" dirty="0"/>
-              <a:t>仮想ハードディスクが追加され、</a:t>
+              <a:t>上の仮想マシンに仮想ハードディスクが追加され、</a:t>
             </a:r>
             <a:r>
               <a:rPr lang="en-US" altLang="ja-JP" dirty="0"/>
@@ -5356,46 +6128,23 @@
             </a:r>
             <a:r>
               <a:rPr lang="ja-JP" altLang="en-US" dirty="0"/>
-              <a:t>で接続されます</a:t>
-            </a:r>
-            <a:r>
-              <a:rPr lang="ja-JP" altLang="en-US" dirty="0" smtClean="0"/>
-              <a:t>。</a:t>
-            </a:r>
-            <a:r>
-              <a:rPr lang="en-US" altLang="ja-JP" dirty="0" smtClean="0"/>
-              <a:t/>
-            </a:r>
-            <a:br>
-              <a:rPr lang="en-US" altLang="ja-JP" dirty="0" smtClean="0"/>
-            </a:br>
-            <a:r>
-              <a:rPr lang="ja-JP" altLang="en-US" dirty="0" smtClean="0"/>
-              <a:t>追加後は仮想マシン内の「ディスクの設定」から有効にしてください。</a:t>
-            </a:r>
-            <a:endParaRPr lang="en-US" altLang="ja-JP" dirty="0" smtClean="0"/>
+              <a:t>で接続されます。対象の仮想マシンは作成済である必要があります。</a:t>
+            </a:r>
+            <a:endParaRPr lang="en-US" altLang="ja-JP" dirty="0"/>
           </a:p>
           <a:p>
-            <a:pPr marL="180975" indent="0">
-              <a:buNone/>
-            </a:pPr>
-            <a:r>
-              <a:rPr lang="ja-JP" altLang="en-US" dirty="0" smtClean="0"/>
-              <a:t>対象の仮想マシンは作成済である必要があります。</a:t>
-            </a:r>
-            <a:endParaRPr lang="en-US" altLang="ja-JP" strike="sngStrike" dirty="0" smtClean="0"/>
+            <a:pPr lvl="1"/>
+            <a:r>
+              <a:rPr lang="ja-JP" altLang="en-US" dirty="0"/>
+              <a:t>追加後は仮想マシン内の「ディスクの設定」から有効にしてください。</a:t>
+            </a:r>
+            <a:endParaRPr lang="en-US" altLang="ja-JP" dirty="0"/>
           </a:p>
           <a:p>
-            <a:pPr marL="180975" indent="0">
-              <a:buNone/>
-            </a:pPr>
-            <a:r>
-              <a:rPr lang="ja-JP" altLang="en-US" dirty="0" smtClean="0"/>
-              <a:t>仮想</a:t>
-            </a:r>
+            <a:pPr lvl="1"/>
             <a:r>
               <a:rPr lang="ja-JP" altLang="en-US" dirty="0"/>
-              <a:t>ハードディスク設定の際、仮想マシンは停止・起動されます。</a:t>
+              <a:t>仮想ハードディスク設定の際、仮想マシンは停止・起動されます。</a:t>
             </a:r>
             <a:endParaRPr lang="en-US" altLang="ja-JP" dirty="0"/>
           </a:p>
@@ -5413,7 +6162,7 @@
           <p:nvPr/>
         </p:nvPicPr>
         <p:blipFill>
-          <a:blip r:embed="rId2"/>
+          <a:blip r:embed="rId3"/>
           <a:stretch>
             <a:fillRect/>
           </a:stretch>
@@ -5436,7 +6185,7 @@
         </p:nvSpPr>
         <p:spPr bwMode="auto">
           <a:xfrm rot="5400000">
-            <a:off x="6295465" y="2195918"/>
+            <a:off x="6295465" y="2052552"/>
             <a:ext cx="720101" cy="1682593"/>
           </a:xfrm>
           <a:prstGeom prst="bentArrow">
@@ -5473,7 +6222,7 @@
           <a:lstStyle/>
           <a:p>
             <a:pPr algn="ctr"/>
-            <a:endParaRPr kumimoji="1" lang="ja-JP" altLang="en-US" b="1" dirty="0" smtClean="0">
+            <a:endParaRPr kumimoji="1" lang="ja-JP" altLang="en-US" b="1" dirty="0">
               <a:latin typeface="+mn-ea"/>
             </a:endParaRPr>
           </a:p>
@@ -5487,7 +6236,7 @@
         </p:nvSpPr>
         <p:spPr bwMode="auto">
           <a:xfrm>
-            <a:off x="7677460" y="2564881"/>
+            <a:off x="7677460" y="2404683"/>
             <a:ext cx="2632648" cy="513658"/>
           </a:xfrm>
           <a:prstGeom prst="wedgeRoundRectCallout">
@@ -5524,7 +6273,7 @@
           <a:p>
             <a:pPr algn="ctr"/>
             <a:r>
-              <a:rPr kumimoji="1" lang="ja-JP" altLang="en-US" b="1" dirty="0" smtClean="0">
+              <a:rPr kumimoji="1" lang="ja-JP" altLang="en-US" b="1" dirty="0">
                 <a:latin typeface="+mn-ea"/>
               </a:rPr>
               <a:t>仮想ハードディスク追加</a:t>
@@ -5541,14 +6290,14 @@
           <p:nvPr/>
         </p:nvPicPr>
         <p:blipFill>
-          <a:blip r:embed="rId3"/>
+          <a:blip r:embed="rId4"/>
           <a:stretch>
             <a:fillRect/>
           </a:stretch>
         </p:blipFill>
         <p:spPr>
           <a:xfrm>
-            <a:off x="6150420" y="3459969"/>
+            <a:off x="6384040" y="3501010"/>
             <a:ext cx="5134692" cy="3010320"/>
           </a:xfrm>
           <a:prstGeom prst="rect">
@@ -5564,7 +6313,7 @@
         </p:nvSpPr>
         <p:spPr bwMode="auto">
           <a:xfrm>
-            <a:off x="6679704" y="5604160"/>
+            <a:off x="6913324" y="5645201"/>
             <a:ext cx="1000515" cy="144020"/>
           </a:xfrm>
           <a:prstGeom prst="rect">
@@ -5573,7 +6322,10 @@
           <a:noFill/>
           <a:ln w="25400">
             <a:solidFill>
-              <a:srgbClr val="FF0000"/>
+              <a:schemeClr val="accent6">
+                <a:lumMod val="75000"/>
+                <a:lumOff val="25000"/>
+              </a:schemeClr>
             </a:solidFill>
           </a:ln>
           <a:effectLst/>
@@ -5588,7 +6340,7 @@
           <a:lstStyle/>
           <a:p>
             <a:pPr algn="ctr"/>
-            <a:endParaRPr kumimoji="1" lang="ja-JP" altLang="en-US" b="1" dirty="0" smtClean="0">
+            <a:endParaRPr kumimoji="1" lang="ja-JP" altLang="en-US" b="1" dirty="0">
               <a:latin typeface="+mn-ea"/>
             </a:endParaRPr>
           </a:p>
@@ -5602,7 +6354,7 @@
         </p:nvSpPr>
         <p:spPr bwMode="auto">
           <a:xfrm>
-            <a:off x="6679704" y="6199290"/>
+            <a:off x="6913324" y="6240331"/>
             <a:ext cx="1000515" cy="144020"/>
           </a:xfrm>
           <a:prstGeom prst="rect">
@@ -5611,7 +6363,10 @@
           <a:noFill/>
           <a:ln w="25400">
             <a:solidFill>
-              <a:srgbClr val="FF0000"/>
+              <a:schemeClr val="accent6">
+                <a:lumMod val="75000"/>
+                <a:lumOff val="25000"/>
+              </a:schemeClr>
             </a:solidFill>
           </a:ln>
           <a:effectLst/>
@@ -5626,9 +6381,119 @@
           <a:lstStyle/>
           <a:p>
             <a:pPr algn="ctr"/>
-            <a:endParaRPr kumimoji="1" lang="ja-JP" altLang="en-US" b="1" dirty="0" smtClean="0">
+            <a:endParaRPr kumimoji="1" lang="ja-JP" altLang="en-US" b="1" dirty="0">
               <a:latin typeface="+mn-ea"/>
             </a:endParaRPr>
+          </a:p>
+        </p:txBody>
+      </p:sp>
+      <p:sp>
+        <p:nvSpPr>
+          <p:cNvPr id="10" name="正方形/長方形 9">
+            <a:extLst>
+              <a:ext uri="{FF2B5EF4-FFF2-40B4-BE49-F238E27FC236}">
+                <a16:creationId xmlns:a16="http://schemas.microsoft.com/office/drawing/2014/main" id="{E3DDB62A-7F89-43F6-98B9-6D1276E89D4D}"/>
+              </a:ext>
+            </a:extLst>
+          </p:cNvPr>
+          <p:cNvSpPr/>
+          <p:nvPr/>
+        </p:nvSpPr>
+        <p:spPr bwMode="auto">
+          <a:xfrm>
+            <a:off x="82147" y="2050583"/>
+            <a:ext cx="2160300" cy="468000"/>
+          </a:xfrm>
+          <a:prstGeom prst="rect">
+            <a:avLst/>
+          </a:prstGeom>
+          <a:solidFill>
+            <a:schemeClr val="bg1">
+              <a:lumMod val="95000"/>
+            </a:schemeClr>
+          </a:solidFill>
+          <a:ln w="12700">
+            <a:noFill/>
+          </a:ln>
+          <a:effectLst/>
+        </p:spPr>
+        <p:txBody>
+          <a:bodyPr rot="0" spcFirstLastPara="0" vertOverflow="overflow" horzOverflow="overflow" vert="horz" wrap="none" lIns="72000" tIns="72000" rIns="72000" bIns="72000" numCol="1" spcCol="0" rtlCol="0" fromWordArt="0" anchor="ctr" anchorCtr="0" forceAA="0" compatLnSpc="1">
+            <a:prstTxWarp prst="textNoShape">
+              <a:avLst/>
+            </a:prstTxWarp>
+            <a:noAutofit/>
+          </a:bodyPr>
+          <a:lstStyle/>
+          <a:p>
+            <a:pPr algn="ctr"/>
+            <a:r>
+              <a:rPr kumimoji="1" lang="en-US" altLang="ja-JP" dirty="0">
+                <a:latin typeface="+mn-ea"/>
+              </a:rPr>
+              <a:t>Conductor</a:t>
+            </a:r>
+            <a:r>
+              <a:rPr kumimoji="1" lang="ja-JP" altLang="en-US" dirty="0">
+                <a:latin typeface="+mn-ea"/>
+              </a:rPr>
+              <a:t>実行前</a:t>
+            </a:r>
+          </a:p>
+        </p:txBody>
+      </p:sp>
+      <p:sp>
+        <p:nvSpPr>
+          <p:cNvPr id="11" name="正方形/長方形 10">
+            <a:extLst>
+              <a:ext uri="{FF2B5EF4-FFF2-40B4-BE49-F238E27FC236}">
+                <a16:creationId xmlns:a16="http://schemas.microsoft.com/office/drawing/2014/main" id="{F9DAEC3B-2120-4ECF-872B-9F7F49CC92B2}"/>
+              </a:ext>
+            </a:extLst>
+          </p:cNvPr>
+          <p:cNvSpPr/>
+          <p:nvPr/>
+        </p:nvSpPr>
+        <p:spPr bwMode="auto">
+          <a:xfrm>
+            <a:off x="5929649" y="3346341"/>
+            <a:ext cx="2160300" cy="468000"/>
+          </a:xfrm>
+          <a:prstGeom prst="rect">
+            <a:avLst/>
+          </a:prstGeom>
+          <a:solidFill>
+            <a:schemeClr val="bg1">
+              <a:lumMod val="95000"/>
+            </a:schemeClr>
+          </a:solidFill>
+          <a:ln w="12700">
+            <a:noFill/>
+          </a:ln>
+          <a:effectLst/>
+        </p:spPr>
+        <p:txBody>
+          <a:bodyPr rot="0" spcFirstLastPara="0" vertOverflow="overflow" horzOverflow="overflow" vert="horz" wrap="none" lIns="72000" tIns="72000" rIns="72000" bIns="72000" numCol="1" spcCol="0" rtlCol="0" fromWordArt="0" anchor="ctr" anchorCtr="0" forceAA="0" compatLnSpc="1">
+            <a:prstTxWarp prst="textNoShape">
+              <a:avLst/>
+            </a:prstTxWarp>
+            <a:noAutofit/>
+          </a:bodyPr>
+          <a:lstStyle/>
+          <a:p>
+            <a:pPr algn="ctr"/>
+            <a:r>
+              <a:rPr kumimoji="1" lang="en-US" altLang="ja-JP" dirty="0">
+                <a:latin typeface="+mn-ea"/>
+              </a:rPr>
+              <a:t>Conductor</a:t>
+            </a:r>
+            <a:r>
+              <a:rPr kumimoji="1" lang="ja-JP" altLang="en-US" dirty="0">
+                <a:latin typeface="+mn-ea"/>
+              </a:rPr>
+              <a:t>実行後</a:t>
+            </a:r>
           </a:p>
         </p:txBody>
       </p:sp>
@@ -5716,54 +6581,20 @@
           <a:lstStyle/>
           <a:p>
             <a:r>
-              <a:rPr lang="en-US" altLang="ja-JP" dirty="0" smtClean="0"/>
+              <a:rPr lang="en-US" altLang="ja-JP" dirty="0"/>
               <a:t>IP</a:t>
             </a:r>
             <a:r>
-              <a:rPr lang="ja-JP" altLang="en-US" dirty="0" smtClean="0"/>
-              <a:t>アドレス設定や仮想ハードディスク追加が成功しない場合</a:t>
+              <a:rPr lang="ja-JP" altLang="en-US" dirty="0"/>
+              <a:t>アドレス設定や仮想ハードディスク追加が成功しない</a:t>
             </a:r>
             <a:endParaRPr lang="en-US" altLang="ja-JP" dirty="0"/>
           </a:p>
           <a:p>
             <a:pPr lvl="1"/>
             <a:r>
-              <a:rPr lang="ja-JP" altLang="en-US" dirty="0" smtClean="0"/>
+              <a:rPr lang="ja-JP" altLang="en-US" dirty="0"/>
               <a:t>仮想マシンのシャットダウンが正常に完了せず作業がエラーとなることがあります。</a:t>
-            </a:r>
-            <a:r>
-              <a:rPr lang="en-US" altLang="ja-JP" dirty="0" smtClean="0"/>
-              <a:t/>
-            </a:r>
-            <a:br>
-              <a:rPr lang="en-US" altLang="ja-JP" dirty="0" smtClean="0"/>
-            </a:br>
-            <a:r>
-              <a:rPr lang="ja-JP" altLang="en-US" dirty="0" smtClean="0"/>
-              <a:t>その場合、</a:t>
-            </a:r>
-            <a:r>
-              <a:rPr lang="en-US" altLang="ja-JP" dirty="0" smtClean="0"/>
-              <a:t>Hyper-V</a:t>
-            </a:r>
-            <a:r>
-              <a:rPr lang="ja-JP" altLang="en-US" dirty="0" smtClean="0"/>
-              <a:t>マネージャー上で対象仮想マシンを「停止」するか、タスクマネージャーから対象タスクを終了してから再度実行してください。</a:t>
-            </a:r>
-            <a:r>
-              <a:rPr lang="en-US" altLang="ja-JP" dirty="0" smtClean="0"/>
-              <a:t/>
-            </a:r>
-            <a:br>
-              <a:rPr lang="en-US" altLang="ja-JP" dirty="0" smtClean="0"/>
-            </a:br>
-            <a:r>
-              <a:rPr lang="en-US" altLang="ja-JP" dirty="0" smtClean="0"/>
-              <a:t>※</a:t>
-            </a:r>
-            <a:r>
-              <a:rPr lang="ja-JP" altLang="en-US" dirty="0" smtClean="0"/>
-              <a:t>強制的に停止した場合再起動時にメッセージが表示される場合があります。</a:t>
             </a:r>
             <a:r>
               <a:rPr lang="en-US" altLang="ja-JP" dirty="0"/>
@@ -5773,59 +6604,93 @@
               <a:rPr lang="en-US" altLang="ja-JP" dirty="0"/>
             </a:br>
             <a:r>
-              <a:rPr lang="en-US" altLang="ja-JP" dirty="0" smtClean="0"/>
+              <a:rPr lang="ja-JP" altLang="en-US" dirty="0"/>
+              <a:t>その場合、</a:t>
+            </a:r>
+            <a:r>
+              <a:rPr lang="en-US" altLang="ja-JP" dirty="0"/>
+              <a:t>Hyper-V</a:t>
+            </a:r>
+            <a:r>
+              <a:rPr lang="ja-JP" altLang="en-US" dirty="0"/>
+              <a:t>マネージャー上で対象仮想マシンを「停止」するか、タスクマネージャーから対象タスクを終了してから再度実行してください。</a:t>
+            </a:r>
+            <a:r>
+              <a:rPr lang="en-US" altLang="ja-JP" dirty="0"/>
               <a:t/>
             </a:r>
             <a:br>
-              <a:rPr lang="en-US" altLang="ja-JP" dirty="0" smtClean="0"/>
+              <a:rPr lang="en-US" altLang="ja-JP" dirty="0"/>
+            </a:br>
+            <a:r>
+              <a:rPr lang="en-US" altLang="ja-JP" dirty="0"/>
+              <a:t>※</a:t>
+            </a:r>
+            <a:r>
+              <a:rPr lang="ja-JP" altLang="en-US" dirty="0"/>
+              <a:t>強制的に停止した場合再起動時にメッセージが表示される場合があります。</a:t>
+            </a:r>
+            <a:r>
+              <a:rPr lang="en-US" altLang="ja-JP" dirty="0"/>
+              <a:t/>
+            </a:r>
+            <a:br>
+              <a:rPr lang="en-US" altLang="ja-JP" dirty="0"/>
+            </a:br>
+            <a:r>
+              <a:rPr lang="en-US" altLang="ja-JP" dirty="0"/>
+              <a:t/>
+            </a:r>
+            <a:br>
+              <a:rPr lang="en-US" altLang="ja-JP" dirty="0"/>
             </a:br>
             <a:endParaRPr lang="en-US" altLang="ja-JP" dirty="0"/>
           </a:p>
           <a:p>
             <a:r>
-              <a:rPr lang="ja-JP" altLang="en-US" dirty="0" smtClean="0"/>
-              <a:t>処理状況を変えたのに対象がないといってエラーになる場合</a:t>
+              <a:rPr lang="ja-JP" altLang="en-US" dirty="0"/>
+              <a:t>処理状況を変えたのに対象がないといってエラーになる</a:t>
             </a:r>
             <a:endParaRPr lang="en-US" altLang="ja-JP" dirty="0"/>
           </a:p>
           <a:p>
             <a:pPr lvl="1"/>
             <a:r>
-              <a:rPr lang="ja-JP" altLang="en-US" dirty="0" smtClean="0"/>
+              <a:rPr lang="ja-JP" altLang="en-US" dirty="0"/>
               <a:t>パラメータシートの処理状況を変更したにもかかわらず、上記のエラーになっている場合、変更から実行までの時間が短すぎて設定が反映されず、変更前の設定値で実行されてしまっていることが考えられます。</a:t>
             </a:r>
             <a:r>
-              <a:rPr lang="en-US" altLang="ja-JP" dirty="0" smtClean="0"/>
+              <a:rPr lang="en-US" altLang="ja-JP" dirty="0"/>
               <a:t/>
             </a:r>
             <a:br>
-              <a:rPr lang="en-US" altLang="ja-JP" dirty="0" smtClean="0"/>
+              <a:rPr lang="en-US" altLang="ja-JP" dirty="0"/>
             </a:br>
             <a:r>
-              <a:rPr lang="ja-JP" altLang="en-US" dirty="0" smtClean="0"/>
+              <a:rPr lang="ja-JP" altLang="en-US" dirty="0"/>
               <a:t>しばらく分待ってから再度実行するか、「</a:t>
             </a:r>
             <a:r>
-              <a:rPr lang="en-US" altLang="ja-JP" dirty="0" err="1" smtClean="0"/>
+              <a:rPr lang="en-US" altLang="ja-JP" dirty="0" err="1"/>
               <a:t>Ansible</a:t>
             </a:r>
             <a:r>
-              <a:rPr lang="en-US" altLang="ja-JP" dirty="0" smtClean="0"/>
+              <a:rPr lang="en-US" altLang="ja-JP" dirty="0"/>
               <a:t>-Legacy/</a:t>
             </a:r>
             <a:r>
-              <a:rPr lang="ja-JP" altLang="en-US" dirty="0" smtClean="0"/>
+              <a:rPr lang="ja-JP" altLang="en-US" dirty="0"/>
               <a:t>代入値管理」メニューで値が変更されているのを確認してから実行してください。</a:t>
             </a:r>
             <a:endParaRPr lang="en-US" altLang="ja-JP" dirty="0"/>
           </a:p>
           <a:p>
             <a:pPr lvl="1"/>
-            <a:endParaRPr lang="en-US" altLang="ja-JP" dirty="0" smtClean="0"/>
+            <a:endParaRPr lang="en-US" altLang="ja-JP" dirty="0"/>
           </a:p>
           <a:p>
             <a:pPr lvl="1"/>
-            <a:endParaRPr lang="en-US" altLang="ja-JP" dirty="0" smtClean="0"/>
+            <a:endParaRPr lang="en-US" altLang="ja-JP" dirty="0"/>
           </a:p>
         </p:txBody>
       </p:sp>
@@ -5934,14 +6799,11 @@
           <a:p>
             <a:pPr algn="ctr"/>
             <a:r>
-              <a:rPr kumimoji="1" lang="ja-JP" altLang="en-US" sz="2400" dirty="0" smtClean="0">
+              <a:rPr kumimoji="1" lang="ja-JP" altLang="en-US" sz="2400" dirty="0">
                 <a:latin typeface="+mn-ea"/>
               </a:rPr>
               <a:t>起動済</a:t>
             </a:r>
-            <a:endParaRPr kumimoji="1" lang="ja-JP" altLang="en-US" sz="2400" dirty="0">
-              <a:latin typeface="+mn-ea"/>
-            </a:endParaRPr>
           </a:p>
         </p:txBody>
       </p:sp>
@@ -5992,14 +6854,11 @@
           <a:p>
             <a:pPr algn="ctr"/>
             <a:r>
-              <a:rPr kumimoji="1" lang="ja-JP" altLang="en-US" sz="2400" dirty="0" smtClean="0">
+              <a:rPr kumimoji="1" lang="ja-JP" altLang="en-US" sz="2400" dirty="0">
                 <a:latin typeface="+mn-ea"/>
               </a:rPr>
               <a:t>削除済</a:t>
             </a:r>
-            <a:endParaRPr kumimoji="1" lang="ja-JP" altLang="en-US" sz="2400" dirty="0">
-              <a:latin typeface="+mn-ea"/>
-            </a:endParaRPr>
           </a:p>
         </p:txBody>
       </p:sp>
@@ -6050,14 +6909,11 @@
           <a:p>
             <a:pPr algn="ctr"/>
             <a:r>
-              <a:rPr kumimoji="1" lang="ja-JP" altLang="en-US" sz="2400" dirty="0" smtClean="0">
+              <a:rPr kumimoji="1" lang="ja-JP" altLang="en-US" sz="2400" dirty="0">
                 <a:latin typeface="+mn-ea"/>
               </a:rPr>
               <a:t>停止済</a:t>
             </a:r>
-            <a:endParaRPr kumimoji="1" lang="ja-JP" altLang="en-US" sz="2400" dirty="0">
-              <a:latin typeface="+mn-ea"/>
-            </a:endParaRPr>
           </a:p>
         </p:txBody>
       </p:sp>
@@ -6334,10 +7190,9 @@
           <a:lstStyle/>
           <a:p>
             <a:r>
-              <a:rPr kumimoji="1" lang="ja-JP" altLang="en-US" sz="2000" dirty="0" smtClean="0"/>
+              <a:rPr kumimoji="1" lang="ja-JP" altLang="en-US" sz="2000" dirty="0"/>
               <a:t>追加</a:t>
             </a:r>
-            <a:endParaRPr kumimoji="1" lang="ja-JP" altLang="en-US" sz="2000" dirty="0"/>
           </a:p>
         </p:txBody>
       </p:sp>
@@ -6364,10 +7219,9 @@
           <a:lstStyle/>
           <a:p>
             <a:r>
-              <a:rPr kumimoji="1" lang="ja-JP" altLang="en-US" sz="2000" dirty="0" smtClean="0"/>
+              <a:rPr kumimoji="1" lang="ja-JP" altLang="en-US" sz="2000" dirty="0"/>
               <a:t>削除</a:t>
             </a:r>
-            <a:endParaRPr kumimoji="1" lang="ja-JP" altLang="en-US" sz="2000" dirty="0"/>
           </a:p>
         </p:txBody>
       </p:sp>
@@ -6394,10 +7248,9 @@
           <a:lstStyle/>
           <a:p>
             <a:r>
-              <a:rPr kumimoji="1" lang="ja-JP" altLang="en-US" sz="2000" dirty="0" smtClean="0"/>
+              <a:rPr kumimoji="1" lang="ja-JP" altLang="en-US" sz="2000" dirty="0"/>
               <a:t>削除</a:t>
             </a:r>
-            <a:endParaRPr kumimoji="1" lang="ja-JP" altLang="en-US" sz="2000" dirty="0"/>
           </a:p>
         </p:txBody>
       </p:sp>
@@ -6424,10 +7277,9 @@
           <a:lstStyle/>
           <a:p>
             <a:r>
-              <a:rPr kumimoji="1" lang="ja-JP" altLang="en-US" sz="2000" dirty="0" smtClean="0"/>
+              <a:rPr kumimoji="1" lang="ja-JP" altLang="en-US" sz="2000" dirty="0"/>
               <a:t>停止</a:t>
             </a:r>
-            <a:endParaRPr kumimoji="1" lang="ja-JP" altLang="en-US" sz="2000" dirty="0"/>
           </a:p>
         </p:txBody>
       </p:sp>
@@ -6454,10 +7306,9 @@
           <a:lstStyle/>
           <a:p>
             <a:r>
-              <a:rPr kumimoji="1" lang="ja-JP" altLang="en-US" sz="2000" dirty="0" smtClean="0"/>
+              <a:rPr kumimoji="1" lang="ja-JP" altLang="en-US" sz="2000" dirty="0"/>
               <a:t>起動</a:t>
             </a:r>
-            <a:endParaRPr kumimoji="1" lang="ja-JP" altLang="en-US" sz="2000" dirty="0"/>
           </a:p>
         </p:txBody>
       </p:sp>
@@ -6586,14 +7437,13 @@
           <a:lstStyle/>
           <a:p>
             <a:r>
-              <a:rPr kumimoji="1" lang="en-US" altLang="ja-JP" sz="1600" dirty="0" err="1" smtClean="0"/>
+              <a:rPr kumimoji="1" lang="en-US" altLang="ja-JP" sz="1600" dirty="0" err="1"/>
               <a:t>Ansible</a:t>
             </a:r>
             <a:r>
-              <a:rPr kumimoji="1" lang="ja-JP" altLang="en-US" sz="1600" dirty="0" smtClean="0"/>
+              <a:rPr kumimoji="1" lang="ja-JP" altLang="en-US" sz="1600" dirty="0"/>
               <a:t>が設定する処理状況</a:t>
             </a:r>
-            <a:endParaRPr kumimoji="1" lang="ja-JP" altLang="en-US" sz="1600" dirty="0"/>
           </a:p>
         </p:txBody>
       </p:sp>
@@ -6620,10 +7470,9 @@
           <a:lstStyle/>
           <a:p>
             <a:r>
-              <a:rPr kumimoji="1" lang="ja-JP" altLang="en-US" sz="1600" dirty="0" smtClean="0"/>
+              <a:rPr kumimoji="1" lang="ja-JP" altLang="en-US" sz="1600" dirty="0"/>
               <a:t>ユーザが設定する処理状況</a:t>
             </a:r>
-            <a:endParaRPr kumimoji="1" lang="ja-JP" altLang="en-US" sz="1600" dirty="0"/>
           </a:p>
         </p:txBody>
       </p:sp>
@@ -7004,15 +7853,7 @@
                     <a:p>
                       <a:r>
                         <a:rPr kumimoji="1" lang="ja-JP" altLang="en-US" sz="1600" dirty="0"/>
-                        <a:t>新規で仮想マシンを作成</a:t>
-                      </a:r>
-                      <a:r>
-                        <a:rPr kumimoji="1" lang="ja-JP" altLang="en-US" sz="1600" dirty="0" smtClean="0"/>
-                        <a:t>し、作成された仮想マシン情報を機器一覧へ登録します</a:t>
-                      </a:r>
-                      <a:r>
-                        <a:rPr kumimoji="1" lang="ja-JP" altLang="en-US" sz="1600" dirty="0"/>
-                        <a:t>。</a:t>
+                        <a:t>新規で仮想マシンを作成し、作成された仮想マシン情報を機器一覧へ登録します。</a:t>
                       </a:r>
                       <a:endParaRPr kumimoji="1" lang="en-US" altLang="ja-JP" sz="1600" dirty="0"/>
                     </a:p>
@@ -7599,20 +8440,15 @@
                       </a:r>
                       <a:r>
                         <a:rPr kumimoji="1" lang="ja-JP" altLang="en-US" sz="1600" dirty="0"/>
-                        <a:t>アドレスや仮想ハードディスクも削除されます</a:t>
+                        <a:t>アドレスや仮想ハードディスクも削除されます。</a:t>
                       </a:r>
-                      <a:r>
-                        <a:rPr kumimoji="1" lang="ja-JP" altLang="en-US" sz="1600" dirty="0" smtClean="0"/>
-                        <a:t>。</a:t>
-                      </a:r>
-                      <a:endParaRPr kumimoji="1" lang="en-US" altLang="ja-JP" sz="1600" dirty="0" smtClean="0"/>
+                      <a:endParaRPr kumimoji="1" lang="en-US" altLang="ja-JP" sz="1600" dirty="0"/>
                     </a:p>
                     <a:p>
                       <a:r>
-                        <a:rPr kumimoji="1" lang="ja-JP" altLang="en-US" sz="1600" dirty="0" smtClean="0"/>
+                        <a:rPr kumimoji="1" lang="ja-JP" altLang="en-US" sz="1600" dirty="0"/>
                         <a:t>機器一覧へ登録されている情報は削除されません。</a:t>
                       </a:r>
-                      <a:endParaRPr kumimoji="1" lang="ja-JP" altLang="en-US" sz="1600" dirty="0"/>
                     </a:p>
                   </a:txBody>
                   <a:tcPr>
@@ -8016,7 +8852,7 @@
                     <a:lstStyle/>
                     <a:p>
                       <a:r>
-                        <a:rPr kumimoji="1" lang="en-US" altLang="ja-JP" sz="1600" smtClean="0"/>
+                        <a:rPr kumimoji="1" lang="en-US" altLang="ja-JP" sz="1600"/>
                         <a:t>No.</a:t>
                       </a:r>
                       <a:endParaRPr kumimoji="1" lang="ja-JP" altLang="en-US" sz="1600" dirty="0"/>
@@ -8067,11 +8903,11 @@
                     <a:lstStyle/>
                     <a:p>
                       <a:r>
-                        <a:rPr kumimoji="1" lang="en-US" altLang="ja-JP" sz="1600" smtClean="0"/>
+                        <a:rPr kumimoji="1" lang="en-US" altLang="ja-JP" sz="1600"/>
                         <a:t>Movement</a:t>
                       </a:r>
                       <a:r>
-                        <a:rPr kumimoji="1" lang="ja-JP" altLang="en-US" sz="1600" smtClean="0"/>
+                        <a:rPr kumimoji="1" lang="ja-JP" altLang="en-US" sz="1600"/>
                         <a:t>名</a:t>
                       </a:r>
                       <a:endParaRPr kumimoji="1" lang="ja-JP" altLang="en-US" sz="1600" dirty="0"/>
@@ -8122,7 +8958,7 @@
                     <a:lstStyle/>
                     <a:p>
                       <a:r>
-                        <a:rPr kumimoji="1" lang="ja-JP" altLang="en-US" sz="1600" smtClean="0"/>
+                        <a:rPr kumimoji="1" lang="ja-JP" altLang="en-US" sz="1600"/>
                         <a:t>自動化ツール</a:t>
                       </a:r>
                       <a:endParaRPr kumimoji="1" lang="ja-JP" altLang="en-US" sz="1600" dirty="0"/>
@@ -8173,7 +9009,7 @@
                     <a:lstStyle/>
                     <a:p>
                       <a:r>
-                        <a:rPr kumimoji="1" lang="ja-JP" altLang="en-US" sz="1600" smtClean="0"/>
+                        <a:rPr kumimoji="1" lang="ja-JP" altLang="en-US" sz="1600"/>
                         <a:t>概要</a:t>
                       </a:r>
                       <a:endParaRPr kumimoji="1" lang="ja-JP" altLang="en-US" sz="1600" dirty="0"/>
@@ -8234,7 +9070,7 @@
                         <a:buNone/>
                       </a:pPr>
                       <a:r>
-                        <a:rPr kumimoji="1" lang="en-US" altLang="ja-JP" sz="1600" b="0" i="0" u="none" strike="noStrike" noProof="0" smtClean="0">
+                        <a:rPr kumimoji="1" lang="en-US" altLang="ja-JP" sz="1600" b="0" i="0" u="none" strike="noStrike" noProof="0">
                           <a:latin typeface="メイリオ"/>
                         </a:rPr>
                         <a:t>260001</a:t>
@@ -8304,7 +9140,7 @@
                         <a:buNone/>
                       </a:pPr>
                       <a:r>
-                        <a:rPr lang="ja-JP" altLang="en-US" sz="1600" smtClean="0"/>
+                        <a:rPr lang="ja-JP" altLang="en-US" sz="1600"/>
                         <a:t>仮想マシン作成</a:t>
                       </a:r>
                       <a:endParaRPr lang="ja-JP" altLang="en-US" sz="1600" dirty="0"/>
@@ -8359,7 +9195,7 @@
                     <a:p>
                       <a:pPr latinLnBrk="1"/>
                       <a:r>
-                        <a:rPr kumimoji="1" lang="en-US" altLang="ja-JP" sz="1600" b="0" i="0" kern="1200" dirty="0" err="1" smtClean="0">
+                        <a:rPr kumimoji="1" lang="en-US" altLang="ja-JP" sz="1600" b="0" i="0" kern="1200" dirty="0" err="1">
                           <a:solidFill>
                             <a:schemeClr val="dk1"/>
                           </a:solidFill>
@@ -8371,7 +9207,7 @@
                         <a:t>Ansible</a:t>
                       </a:r>
                       <a:r>
-                        <a:rPr kumimoji="1" lang="en-US" altLang="ja-JP" sz="1600" b="0" i="0" kern="1200" dirty="0" smtClean="0">
+                        <a:rPr kumimoji="1" lang="en-US" altLang="ja-JP" sz="1600" b="0" i="0" kern="1200" dirty="0">
                           <a:solidFill>
                             <a:schemeClr val="dk1"/>
                           </a:solidFill>
@@ -8382,15 +9218,6 @@
                         </a:rPr>
                         <a:t>-Legacy</a:t>
                       </a:r>
-                      <a:endParaRPr kumimoji="1" lang="en-US" altLang="ja-JP" sz="1600" b="0" i="0" kern="1200" dirty="0">
-                        <a:solidFill>
-                          <a:schemeClr val="dk1"/>
-                        </a:solidFill>
-                        <a:effectLst/>
-                        <a:latin typeface="+mn-lt"/>
-                        <a:ea typeface="+mn-ea"/>
-                        <a:cs typeface="+mn-cs"/>
-                      </a:endParaRPr>
                     </a:p>
                   </a:txBody>
                   <a:tcPr anchor="ctr">
@@ -8441,7 +9268,7 @@
                     <a:lstStyle/>
                     <a:p>
                       <a:r>
-                        <a:rPr kumimoji="1" lang="ja-JP" altLang="en-US" sz="1600" smtClean="0"/>
+                        <a:rPr kumimoji="1" lang="ja-JP" altLang="en-US" sz="1600"/>
                         <a:t>仮想マシンを作成します。</a:t>
                       </a:r>
                       <a:endParaRPr kumimoji="1" lang="ja-JP" altLang="en-US" sz="1600" dirty="0"/>
@@ -8505,7 +9332,7 @@
                         <a:buNone/>
                       </a:pPr>
                       <a:r>
-                        <a:rPr kumimoji="1" lang="en-US" altLang="ja-JP" sz="1600" smtClean="0"/>
+                        <a:rPr kumimoji="1" lang="en-US" altLang="ja-JP" sz="1600"/>
                         <a:t>260002</a:t>
                       </a:r>
                       <a:endParaRPr kumimoji="1" lang="en-US" altLang="ja-JP" sz="1600" dirty="0"/>
@@ -8571,11 +9398,11 @@
                         <a:buNone/>
                       </a:pPr>
                       <a:r>
-                        <a:rPr lang="en-US" altLang="ja-JP" sz="1600" smtClean="0"/>
+                        <a:rPr lang="en-US" altLang="ja-JP" sz="1600"/>
                         <a:t>IP</a:t>
                       </a:r>
                       <a:r>
-                        <a:rPr lang="ja-JP" altLang="en-US" sz="1600" smtClean="0"/>
+                        <a:rPr lang="ja-JP" altLang="en-US" sz="1600"/>
                         <a:t>アドレス設定</a:t>
                       </a:r>
                       <a:endParaRPr lang="ja-JP" altLang="en-US" sz="1600" dirty="0"/>
@@ -8630,7 +9457,7 @@
                     <a:p>
                       <a:pPr latinLnBrk="1"/>
                       <a:r>
-                        <a:rPr kumimoji="1" lang="en-US" altLang="ja-JP" sz="1600" b="0" i="0" kern="1200" dirty="0" err="1" smtClean="0">
+                        <a:rPr kumimoji="1" lang="en-US" altLang="ja-JP" sz="1600" b="0" i="0" kern="1200" dirty="0" err="1">
                           <a:solidFill>
                             <a:schemeClr val="dk1"/>
                           </a:solidFill>
@@ -8642,7 +9469,7 @@
                         <a:t>Ansible</a:t>
                       </a:r>
                       <a:r>
-                        <a:rPr kumimoji="1" lang="en-US" altLang="ja-JP" sz="1600" b="0" i="0" kern="1200" dirty="0" smtClean="0">
+                        <a:rPr kumimoji="1" lang="en-US" altLang="ja-JP" sz="1600" b="0" i="0" kern="1200" dirty="0">
                           <a:solidFill>
                             <a:schemeClr val="dk1"/>
                           </a:solidFill>
@@ -8653,15 +9480,6 @@
                         </a:rPr>
                         <a:t>-Legacy</a:t>
                       </a:r>
-                      <a:endParaRPr kumimoji="1" lang="en-US" altLang="ja-JP" sz="1600" b="0" i="0" kern="1200" dirty="0">
-                        <a:solidFill>
-                          <a:schemeClr val="dk1"/>
-                        </a:solidFill>
-                        <a:effectLst/>
-                        <a:latin typeface="+mn-lt"/>
-                        <a:ea typeface="+mn-ea"/>
-                        <a:cs typeface="+mn-cs"/>
-                      </a:endParaRPr>
                     </a:p>
                   </a:txBody>
                   <a:tcPr anchor="ctr">
@@ -8715,15 +9533,15 @@
                         <a:buNone/>
                       </a:pPr>
                       <a:r>
-                        <a:rPr kumimoji="1" lang="ja-JP" altLang="en-US" sz="1600" smtClean="0"/>
+                        <a:rPr kumimoji="1" lang="ja-JP" altLang="en-US" sz="1600"/>
                         <a:t>作成済の仮想マシンに</a:t>
                       </a:r>
                       <a:r>
-                        <a:rPr kumimoji="1" lang="en-US" altLang="ja-JP" sz="1600" smtClean="0"/>
+                        <a:rPr kumimoji="1" lang="en-US" altLang="ja-JP" sz="1600"/>
                         <a:t>IP</a:t>
                       </a:r>
                       <a:r>
-                        <a:rPr kumimoji="1" lang="ja-JP" altLang="en-US" sz="1600" smtClean="0"/>
+                        <a:rPr kumimoji="1" lang="ja-JP" altLang="en-US" sz="1600"/>
                         <a:t>アドレスを設定します。</a:t>
                       </a:r>
                       <a:endParaRPr kumimoji="1" lang="ja-JP" altLang="en-US" sz="1600" dirty="0"/>
@@ -8801,7 +9619,7 @@
                         <a:defRPr/>
                       </a:pPr>
                       <a:r>
-                        <a:rPr kumimoji="1" lang="en-US" altLang="ja-JP" sz="1600" smtClean="0"/>
+                        <a:rPr kumimoji="1" lang="en-US" altLang="ja-JP" sz="1600"/>
                         <a:t>260003</a:t>
                       </a:r>
                       <a:endParaRPr kumimoji="1" lang="en-US" altLang="ja-JP" sz="1600" dirty="0"/>
@@ -8858,7 +9676,7 @@
                         <a:buNone/>
                       </a:pPr>
                       <a:r>
-                        <a:rPr kumimoji="1" lang="ja-JP" altLang="en-US" sz="1600" b="0" i="0" u="none" strike="noStrike" noProof="0" smtClean="0">
+                        <a:rPr kumimoji="1" lang="ja-JP" altLang="en-US" sz="1600" b="0" i="0" u="none" strike="noStrike" noProof="0">
                           <a:latin typeface="+mn-lt"/>
                           <a:ea typeface="+mn-ea"/>
                         </a:rPr>
@@ -8935,7 +9753,7 @@
                         <a:defRPr/>
                       </a:pPr>
                       <a:r>
-                        <a:rPr kumimoji="1" lang="en-US" altLang="ja-JP" sz="1600" b="0" i="0" kern="1200" dirty="0" err="1" smtClean="0">
+                        <a:rPr kumimoji="1" lang="en-US" altLang="ja-JP" sz="1600" b="0" i="0" kern="1200" dirty="0" err="1">
                           <a:solidFill>
                             <a:schemeClr val="dk1"/>
                           </a:solidFill>
@@ -8947,7 +9765,7 @@
                         <a:t>Ansible</a:t>
                       </a:r>
                       <a:r>
-                        <a:rPr kumimoji="1" lang="en-US" altLang="ja-JP" sz="1600" b="0" i="0" kern="1200" dirty="0" smtClean="0">
+                        <a:rPr kumimoji="1" lang="en-US" altLang="ja-JP" sz="1600" b="0" i="0" kern="1200" dirty="0">
                           <a:solidFill>
                             <a:schemeClr val="dk1"/>
                           </a:solidFill>
@@ -9008,11 +9826,11 @@
                     <a:lstStyle/>
                     <a:p>
                       <a:r>
-                        <a:rPr kumimoji="1" lang="ja-JP" altLang="en-US" sz="1600" smtClean="0"/>
+                        <a:rPr kumimoji="1" lang="ja-JP" altLang="en-US" sz="1600"/>
                         <a:t>作成済の</a:t>
                       </a:r>
                       <a:r>
-                        <a:rPr kumimoji="1" lang="ja-JP" altLang="en-US" sz="1600" b="0" i="0" u="none" strike="noStrike" noProof="0" smtClean="0">
+                        <a:rPr kumimoji="1" lang="ja-JP" altLang="en-US" sz="1600" b="0" i="0" u="none" strike="noStrike" noProof="0">
                           <a:latin typeface="+mn-lt"/>
                           <a:ea typeface="+mn-ea"/>
                         </a:rPr>
@@ -9096,7 +9914,7 @@
                         <a:defRPr/>
                       </a:pPr>
                       <a:r>
-                        <a:rPr kumimoji="1" lang="en-US" altLang="ja-JP" sz="1600" smtClean="0"/>
+                        <a:rPr kumimoji="1" lang="en-US" altLang="ja-JP" sz="1600"/>
                         <a:t>260004</a:t>
                       </a:r>
                       <a:endParaRPr kumimoji="1" lang="en-US" altLang="ja-JP" sz="1600" dirty="0"/>
@@ -9150,7 +9968,7 @@
                     <a:lstStyle/>
                     <a:p>
                       <a:r>
-                        <a:rPr kumimoji="1" lang="ja-JP" altLang="en-US" sz="1600" smtClean="0"/>
+                        <a:rPr kumimoji="1" lang="ja-JP" altLang="en-US" sz="1600"/>
                         <a:t>仮想マシン削除</a:t>
                       </a:r>
                       <a:endParaRPr kumimoji="1" lang="ja-JP" altLang="en-US" sz="1600" dirty="0"/>
@@ -9221,7 +10039,7 @@
                         <a:defRPr/>
                       </a:pPr>
                       <a:r>
-                        <a:rPr kumimoji="1" lang="en-US" altLang="ja-JP" sz="1600" b="0" i="0" kern="1200" dirty="0" err="1" smtClean="0">
+                        <a:rPr kumimoji="1" lang="en-US" altLang="ja-JP" sz="1600" b="0" i="0" kern="1200" dirty="0" err="1">
                           <a:solidFill>
                             <a:schemeClr val="dk1"/>
                           </a:solidFill>
@@ -9233,7 +10051,7 @@
                         <a:t>Ansible</a:t>
                       </a:r>
                       <a:r>
-                        <a:rPr kumimoji="1" lang="en-US" altLang="ja-JP" sz="1600" b="0" i="0" kern="1200" dirty="0" smtClean="0">
+                        <a:rPr kumimoji="1" lang="en-US" altLang="ja-JP" sz="1600" b="0" i="0" kern="1200" dirty="0">
                           <a:solidFill>
                             <a:schemeClr val="dk1"/>
                           </a:solidFill>
@@ -9294,7 +10112,7 @@
                     <a:lstStyle/>
                     <a:p>
                       <a:r>
-                        <a:rPr kumimoji="1" lang="ja-JP" altLang="en-US" sz="1600" smtClean="0"/>
+                        <a:rPr kumimoji="1" lang="ja-JP" altLang="en-US" sz="1600"/>
                         <a:t>仮想マシンを削除します。</a:t>
                       </a:r>
                       <a:endParaRPr kumimoji="1" lang="ja-JP" altLang="en-US" sz="1600" dirty="0"/>
@@ -9372,7 +10190,7 @@
                         <a:defRPr/>
                       </a:pPr>
                       <a:r>
-                        <a:rPr kumimoji="1" lang="en-US" altLang="ja-JP" sz="1600" smtClean="0"/>
+                        <a:rPr kumimoji="1" lang="en-US" altLang="ja-JP" sz="1600"/>
                         <a:t>260005</a:t>
                       </a:r>
                       <a:endParaRPr kumimoji="1" lang="en-US" altLang="ja-JP" sz="1600" dirty="0"/>
@@ -9426,7 +10244,7 @@
                     <a:lstStyle/>
                     <a:p>
                       <a:r>
-                        <a:rPr kumimoji="1" lang="ja-JP" altLang="en-US" sz="1600" smtClean="0"/>
+                        <a:rPr kumimoji="1" lang="ja-JP" altLang="en-US" sz="1600"/>
                         <a:t>仮想マシン起動</a:t>
                       </a:r>
                       <a:endParaRPr kumimoji="1" lang="ja-JP" altLang="en-US" sz="1600" dirty="0"/>
@@ -9497,7 +10315,7 @@
                         <a:defRPr/>
                       </a:pPr>
                       <a:r>
-                        <a:rPr kumimoji="1" lang="en-US" altLang="ja-JP" sz="1600" b="0" i="0" kern="1200" dirty="0" err="1" smtClean="0">
+                        <a:rPr kumimoji="1" lang="en-US" altLang="ja-JP" sz="1600" b="0" i="0" kern="1200" dirty="0" err="1">
                           <a:solidFill>
                             <a:schemeClr val="dk1"/>
                           </a:solidFill>
@@ -9509,7 +10327,7 @@
                         <a:t>Ansible</a:t>
                       </a:r>
                       <a:r>
-                        <a:rPr kumimoji="1" lang="en-US" altLang="ja-JP" sz="1600" b="0" i="0" kern="1200" dirty="0" smtClean="0">
+                        <a:rPr kumimoji="1" lang="en-US" altLang="ja-JP" sz="1600" b="0" i="0" kern="1200" dirty="0">
                           <a:solidFill>
                             <a:schemeClr val="dk1"/>
                           </a:solidFill>
@@ -9587,7 +10405,7 @@
                         <a:defRPr/>
                       </a:pPr>
                       <a:r>
-                        <a:rPr kumimoji="1" lang="ja-JP" altLang="en-US" sz="1600" smtClean="0"/>
+                        <a:rPr kumimoji="1" lang="ja-JP" altLang="en-US" sz="1600"/>
                         <a:t>停止中の仮想マシンを起動します。</a:t>
                       </a:r>
                       <a:endParaRPr kumimoji="1" lang="ja-JP" altLang="en-US" sz="1600" dirty="0"/>
@@ -9665,7 +10483,7 @@
                         <a:defRPr/>
                       </a:pPr>
                       <a:r>
-                        <a:rPr kumimoji="1" lang="en-US" altLang="ja-JP" sz="1600" smtClean="0"/>
+                        <a:rPr kumimoji="1" lang="en-US" altLang="ja-JP" sz="1600"/>
                         <a:t>260006</a:t>
                       </a:r>
                       <a:endParaRPr kumimoji="1" lang="en-US" altLang="ja-JP" sz="1600" dirty="0"/>
@@ -9719,7 +10537,7 @@
                     <a:lstStyle/>
                     <a:p>
                       <a:r>
-                        <a:rPr kumimoji="1" lang="ja-JP" altLang="en-US" sz="1600" smtClean="0"/>
+                        <a:rPr kumimoji="1" lang="ja-JP" altLang="en-US" sz="1600"/>
                         <a:t>仮想マシン停止</a:t>
                       </a:r>
                       <a:endParaRPr kumimoji="1" lang="ja-JP" altLang="en-US" sz="1600" dirty="0"/>
@@ -9790,7 +10608,7 @@
                         <a:defRPr/>
                       </a:pPr>
                       <a:r>
-                        <a:rPr kumimoji="1" lang="en-US" altLang="ja-JP" sz="1600" b="0" i="0" kern="1200" dirty="0" err="1" smtClean="0">
+                        <a:rPr kumimoji="1" lang="en-US" altLang="ja-JP" sz="1600" b="0" i="0" kern="1200" dirty="0" err="1">
                           <a:solidFill>
                             <a:schemeClr val="dk1"/>
                           </a:solidFill>
@@ -9802,7 +10620,7 @@
                         <a:t>Ansible</a:t>
                       </a:r>
                       <a:r>
-                        <a:rPr kumimoji="1" lang="en-US" altLang="ja-JP" sz="1600" b="0" i="0" kern="1200" dirty="0" smtClean="0">
+                        <a:rPr kumimoji="1" lang="en-US" altLang="ja-JP" sz="1600" b="0" i="0" kern="1200" dirty="0">
                           <a:solidFill>
                             <a:schemeClr val="dk1"/>
                           </a:solidFill>
@@ -9863,7 +10681,7 @@
                     <a:lstStyle/>
                     <a:p>
                       <a:r>
-                        <a:rPr kumimoji="1" lang="ja-JP" altLang="en-US" sz="1600" smtClean="0"/>
+                        <a:rPr kumimoji="1" lang="ja-JP" altLang="en-US" sz="1600"/>
                         <a:t>起動中の仮想マシンを停止します</a:t>
                       </a:r>
                       <a:endParaRPr kumimoji="1" lang="ja-JP" altLang="en-US" sz="1600" dirty="0"/>
@@ -9941,7 +10759,7 @@
                         <a:defRPr/>
                       </a:pPr>
                       <a:r>
-                        <a:rPr kumimoji="1" lang="en-US" altLang="ja-JP" sz="1600" smtClean="0"/>
+                        <a:rPr kumimoji="1" lang="en-US" altLang="ja-JP" sz="1600"/>
                         <a:t>260007</a:t>
                       </a:r>
                       <a:endParaRPr kumimoji="1" lang="en-US" altLang="ja-JP" sz="1600" dirty="0"/>
@@ -9995,7 +10813,7 @@
                     <a:lstStyle/>
                     <a:p>
                       <a:r>
-                        <a:rPr kumimoji="1" lang="zh-TW" altLang="en-US" sz="1600" smtClean="0"/>
+                        <a:rPr kumimoji="1" lang="zh-TW" altLang="en-US" sz="1600"/>
                         <a:t>機器一覧更新</a:t>
                       </a:r>
                       <a:endParaRPr kumimoji="1" lang="zh-TW" altLang="en-US" sz="1600" dirty="0"/>
@@ -10066,7 +10884,7 @@
                         <a:defRPr/>
                       </a:pPr>
                       <a:r>
-                        <a:rPr kumimoji="1" lang="en-US" altLang="ja-JP" sz="1600" b="0" i="0" kern="1200" dirty="0" err="1" smtClean="0">
+                        <a:rPr kumimoji="1" lang="en-US" altLang="ja-JP" sz="1600" b="0" i="0" kern="1200" dirty="0" err="1">
                           <a:solidFill>
                             <a:schemeClr val="dk1"/>
                           </a:solidFill>
@@ -10078,7 +10896,7 @@
                         <a:t>Ansible</a:t>
                       </a:r>
                       <a:r>
-                        <a:rPr kumimoji="1" lang="en-US" altLang="ja-JP" sz="1600" b="0" i="0" kern="1200" dirty="0" smtClean="0">
+                        <a:rPr kumimoji="1" lang="en-US" altLang="ja-JP" sz="1600" b="0" i="0" kern="1200" dirty="0">
                           <a:solidFill>
                             <a:schemeClr val="dk1"/>
                           </a:solidFill>
@@ -10139,26 +10957,25 @@
                     <a:lstStyle/>
                     <a:p>
                       <a:r>
-                        <a:rPr kumimoji="1" lang="ja-JP" altLang="en-US" sz="1600" dirty="0" smtClean="0"/>
+                        <a:rPr kumimoji="1" lang="ja-JP" altLang="en-US" sz="1600" dirty="0"/>
                         <a:t>仮想マシン情報に入力された仮想マシン名で</a:t>
                       </a:r>
                       <a:r>
-                        <a:rPr kumimoji="1" lang="en-US" altLang="ja-JP" sz="1600" dirty="0" smtClean="0"/>
+                        <a:rPr kumimoji="1" lang="en-US" altLang="ja-JP" sz="1600" dirty="0"/>
                         <a:t>Hyper-V</a:t>
                       </a:r>
                       <a:r>
-                        <a:rPr kumimoji="1" lang="ja-JP" altLang="en-US" sz="1600" dirty="0" smtClean="0"/>
+                        <a:rPr kumimoji="1" lang="ja-JP" altLang="en-US" sz="1600" dirty="0"/>
                         <a:t>から情報を取得し機器一覧へ登録</a:t>
                       </a:r>
                       <a:r>
-                        <a:rPr kumimoji="1" lang="en-US" altLang="ja-JP" sz="1600" dirty="0" smtClean="0"/>
+                        <a:rPr kumimoji="1" lang="en-US" altLang="ja-JP" sz="1600" dirty="0"/>
                         <a:t>/</a:t>
                       </a:r>
                       <a:r>
-                        <a:rPr kumimoji="1" lang="ja-JP" altLang="en-US" sz="1600" dirty="0" smtClean="0"/>
+                        <a:rPr kumimoji="1" lang="ja-JP" altLang="en-US" sz="1600" dirty="0"/>
                         <a:t>更新します。</a:t>
                       </a:r>
-                      <a:endParaRPr kumimoji="1" lang="ja-JP" altLang="en-US" sz="1600" dirty="0"/>
                     </a:p>
                   </a:txBody>
                   <a:tcPr anchor="ctr">
@@ -16365,7 +17182,7 @@
             </a:r>
             <a:r>
               <a:rPr lang="ja-JP" altLang="en-US" dirty="0"/>
-              <a:t> と組み合わせて実行される</a:t>
+              <a:t>と組み合わせて実行される</a:t>
             </a:r>
             <a:r>
               <a:rPr kumimoji="1" lang="en-US" altLang="ja-JP" dirty="0"/>
@@ -16377,7 +17194,7 @@
             </a:r>
             <a:r>
               <a:rPr lang="ja-JP" altLang="en-US" dirty="0"/>
-              <a:t>の概要を記載するものです。</a:t>
+              <a:t>の概要を記載しています。</a:t>
             </a:r>
             <a:endParaRPr lang="en-US" altLang="ja-JP" dirty="0"/>
           </a:p>
@@ -16601,7 +17418,7 @@
             </a:r>
             <a:r>
               <a:rPr kumimoji="1" lang="ja-JP" altLang="en-US" dirty="0"/>
-              <a:t>を使ったことがない人でも簡単に仮想マシンを作成することが出来ます。</a:t>
+              <a:t>を使ったことがない人でも簡単に仮想マシンを作成・削除することが出来ます。</a:t>
             </a:r>
           </a:p>
         </p:txBody>
@@ -20295,18 +21112,41 @@
             </a:r>
             <a:r>
               <a:rPr lang="ja-JP" altLang="en-US" dirty="0"/>
-              <a:t>を使って実施される。</a:t>
+              <a:t>を使って実施されます。</a:t>
             </a:r>
             <a:endParaRPr lang="en-US" altLang="ja-JP" dirty="0"/>
           </a:p>
           <a:p>
+            <a:pPr marL="180975" indent="0">
+              <a:buNone/>
+            </a:pPr>
+            <a:r>
+              <a:rPr lang="ja-JP" altLang="en-US" dirty="0"/>
+              <a:t>この</a:t>
+            </a:r>
             <a:r>
               <a:rPr lang="en-US" altLang="ja-JP" dirty="0"/>
               <a:t>GUI</a:t>
             </a:r>
             <a:r>
               <a:rPr lang="ja-JP" altLang="en-US" dirty="0"/>
-              <a:t>操作は煩雑であり、仮想マシンの知識と慣れが必要</a:t>
+              <a:t>操作には仮想化やサーバそのものに関する知識と、ある種の</a:t>
+            </a:r>
+            <a:r>
+              <a:rPr lang="en-US" altLang="ja-JP" dirty="0"/>
+              <a:t>”</a:t>
+            </a:r>
+            <a:r>
+              <a:rPr lang="ja-JP" altLang="en-US" dirty="0"/>
+              <a:t>慣れ</a:t>
+            </a:r>
+            <a:r>
+              <a:rPr lang="en-US" altLang="ja-JP" dirty="0"/>
+              <a:t>”</a:t>
+            </a:r>
+            <a:r>
+              <a:rPr lang="ja-JP" altLang="en-US" dirty="0"/>
+              <a:t>が必要となります。</a:t>
             </a:r>
             <a:endParaRPr lang="en-US" altLang="ja-JP" dirty="0"/>
           </a:p>
@@ -20316,19 +21156,56 @@
           <a:p>
             <a:r>
               <a:rPr lang="ja-JP" altLang="en-US" dirty="0"/>
-              <a:t>仮想化基盤が大きくなり、扱うことができる仮想マシンが増大し、管理者の負担が増えた</a:t>
+              <a:t>またコンピューティングリソースが安価に調達できるようになったため、仮想化基盤がさらに大きくなり、扱うことができる仮想マシンが増大しました。</a:t>
             </a:r>
             <a:endParaRPr lang="en-US" altLang="ja-JP" dirty="0"/>
           </a:p>
           <a:p>
+            <a:pPr marL="180975" indent="0">
+              <a:buNone/>
+            </a:pPr>
             <a:r>
               <a:rPr lang="ja-JP" altLang="en-US" dirty="0"/>
-              <a:t>基本的な作業を自動化し、管理者の負担軽減することが目的</a:t>
+              <a:t>その結果、</a:t>
+            </a:r>
+            <a:r>
+              <a:rPr lang="en-US" altLang="ja-JP" dirty="0"/>
+              <a:t>Hyper-V</a:t>
+            </a:r>
+            <a:r>
+              <a:rPr lang="ja-JP" altLang="en-US" dirty="0"/>
+              <a:t>上の</a:t>
+            </a:r>
+            <a:r>
+              <a:rPr lang="ja-JP" altLang="en-US" u="sng" dirty="0"/>
+              <a:t>仮想マシンの管理（払い出し・削除等）コストが増大</a:t>
+            </a:r>
+            <a:r>
+              <a:rPr lang="ja-JP" altLang="en-US" dirty="0"/>
+              <a:t>しています。</a:t>
             </a:r>
             <a:endParaRPr lang="en-US" altLang="ja-JP" dirty="0"/>
           </a:p>
           <a:p>
-            <a:endParaRPr lang="ja-JP" altLang="en-US" dirty="0"/>
+            <a:endParaRPr lang="en-US" altLang="ja-JP" dirty="0"/>
+          </a:p>
+          <a:p>
+            <a:r>
+              <a:rPr lang="en-US" altLang="ja-JP" dirty="0"/>
+              <a:t>Hyper-V</a:t>
+            </a:r>
+            <a:r>
+              <a:rPr lang="ja-JP" altLang="en-US" dirty="0"/>
+              <a:t>モデルは、これらの仮想マシンの管理作業の自動化及び一部の権限を一般ユーザにもたせることで</a:t>
+            </a:r>
+            <a:r>
+              <a:rPr lang="ja-JP" altLang="en-US" u="sng" dirty="0"/>
+              <a:t>管理コストを低減することを目的</a:t>
+            </a:r>
+            <a:r>
+              <a:rPr lang="ja-JP" altLang="en-US" dirty="0"/>
+              <a:t>としています。</a:t>
+            </a:r>
           </a:p>
         </p:txBody>
       </p:sp>
@@ -20416,48 +21293,522 @@
           <a:lstStyle/>
           <a:p>
             <a:r>
-              <a:rPr kumimoji="1" lang="ja-JP" altLang="en-US" dirty="0"/>
-              <a:t>利用ユーザに対して難しさを隠ぺいする一方で、管理者は本モデルがどのように動作しているか知っておく必要がある</a:t>
-            </a:r>
-            <a:endParaRPr kumimoji="1" lang="en-US" altLang="ja-JP" dirty="0"/>
+              <a:rPr lang="en-US" altLang="ja-JP" dirty="0"/>
+              <a:t>Hyper-V</a:t>
+            </a:r>
+            <a:r>
+              <a:rPr lang="ja-JP" altLang="en-US" dirty="0"/>
+              <a:t>モデルでは、</a:t>
+            </a:r>
+            <a:r>
+              <a:rPr lang="en-US" altLang="ja-JP" dirty="0"/>
+              <a:t>Ansible</a:t>
+            </a:r>
+            <a:r>
+              <a:rPr lang="ja-JP" altLang="en-US" dirty="0"/>
+              <a:t>を使って</a:t>
+            </a:r>
+            <a:r>
+              <a:rPr lang="en-US" altLang="ja-JP" dirty="0"/>
+              <a:t>Hyper-V</a:t>
+            </a:r>
+            <a:r>
+              <a:rPr lang="ja-JP" altLang="en-US" dirty="0"/>
+              <a:t>上の仮想マシンを操作しています。</a:t>
+            </a:r>
+            <a:endParaRPr lang="en-US" altLang="ja-JP" dirty="0"/>
+          </a:p>
+          <a:p>
+            <a:pPr marL="180975" indent="0">
+              <a:buNone/>
+            </a:pPr>
+            <a:r>
+              <a:rPr lang="ja-JP" altLang="en-US" dirty="0"/>
+              <a:t>また一部の</a:t>
+            </a:r>
+            <a:r>
+              <a:rPr lang="en-US" altLang="ja-JP" dirty="0"/>
+              <a:t>Movement</a:t>
+            </a:r>
+            <a:r>
+              <a:rPr lang="ja-JP" altLang="en-US" dirty="0"/>
+              <a:t>では</a:t>
+            </a:r>
+            <a:r>
+              <a:rPr lang="en-US" altLang="ja-JP" dirty="0" err="1"/>
+              <a:t>Powershell</a:t>
+            </a:r>
+            <a:r>
+              <a:rPr lang="en-US" altLang="ja-JP" dirty="0"/>
+              <a:t> Script</a:t>
+            </a:r>
+            <a:r>
+              <a:rPr lang="ja-JP" altLang="en-US" dirty="0"/>
+              <a:t>を使用していますが、このスクリプトも</a:t>
+            </a:r>
+            <a:r>
+              <a:rPr lang="en-US" altLang="ja-JP" dirty="0"/>
+              <a:t>Ansible</a:t>
+            </a:r>
+            <a:r>
+              <a:rPr lang="ja-JP" altLang="en-US" dirty="0"/>
+              <a:t>経由で実行しています。</a:t>
+            </a:r>
+            <a:endParaRPr lang="en-US" altLang="ja-JP" dirty="0"/>
           </a:p>
           <a:p>
             <a:endParaRPr lang="en-US" altLang="ja-JP" dirty="0"/>
           </a:p>
+        </p:txBody>
+      </p:sp>
+      <p:sp>
+        <p:nvSpPr>
+          <p:cNvPr id="16" name="矢印: 右 15">
+            <a:extLst>
+              <a:ext uri="{FF2B5EF4-FFF2-40B4-BE49-F238E27FC236}">
+                <a16:creationId xmlns:a16="http://schemas.microsoft.com/office/drawing/2014/main" id="{1FF93B07-6466-401C-9A60-2317DEBB14C9}"/>
+              </a:ext>
+            </a:extLst>
+          </p:cNvPr>
+          <p:cNvSpPr/>
+          <p:nvPr/>
+        </p:nvSpPr>
+        <p:spPr bwMode="auto">
+          <a:xfrm rot="16200000">
+            <a:off x="3827685" y="5480615"/>
+            <a:ext cx="360050" cy="433400"/>
+          </a:xfrm>
+          <a:prstGeom prst="rightArrow">
+            <a:avLst/>
+          </a:prstGeom>
+          <a:solidFill>
+            <a:schemeClr val="accent2">
+              <a:lumMod val="60000"/>
+              <a:lumOff val="40000"/>
+            </a:schemeClr>
+          </a:solidFill>
+          <a:ln w="12700">
+            <a:noFill/>
+          </a:ln>
+          <a:effectLst/>
+        </p:spPr>
+        <p:txBody>
+          <a:bodyPr rot="0" spcFirstLastPara="0" vertOverflow="overflow" horzOverflow="overflow" vert="horz" wrap="none" lIns="72000" tIns="72000" rIns="72000" bIns="72000" numCol="1" spcCol="0" rtlCol="0" fromWordArt="0" anchor="ctr" anchorCtr="0" forceAA="0" compatLnSpc="1">
+            <a:prstTxWarp prst="textNoShape">
+              <a:avLst/>
+            </a:prstTxWarp>
+            <a:noAutofit/>
+          </a:bodyPr>
+          <a:lstStyle/>
           <a:p>
-            <a:r>
-              <a:rPr lang="en-US" altLang="ja-JP" dirty="0"/>
+            <a:pPr algn="ctr"/>
+            <a:endParaRPr kumimoji="1" lang="ja-JP" altLang="en-US" b="1" dirty="0">
+              <a:latin typeface="+mn-ea"/>
+            </a:endParaRPr>
+          </a:p>
+        </p:txBody>
+      </p:sp>
+      <p:sp>
+        <p:nvSpPr>
+          <p:cNvPr id="17" name="テキスト ボックス 16">
+            <a:extLst>
+              <a:ext uri="{FF2B5EF4-FFF2-40B4-BE49-F238E27FC236}">
+                <a16:creationId xmlns:a16="http://schemas.microsoft.com/office/drawing/2014/main" id="{6E0E77A5-E9FF-4BEA-9F5A-A71CB30CBFCF}"/>
+              </a:ext>
+            </a:extLst>
+          </p:cNvPr>
+          <p:cNvSpPr txBox="1"/>
+          <p:nvPr/>
+        </p:nvSpPr>
+        <p:spPr>
+          <a:xfrm>
+            <a:off x="2711530" y="5896927"/>
+            <a:ext cx="2592360" cy="307777"/>
+          </a:xfrm>
+          <a:prstGeom prst="rect">
+            <a:avLst/>
+          </a:prstGeom>
+          <a:noFill/>
+        </p:spPr>
+        <p:txBody>
+          <a:bodyPr wrap="square" rtlCol="0">
+            <a:spAutoFit/>
+          </a:bodyPr>
+          <a:lstStyle/>
+          <a:p>
+            <a:pPr algn="ctr"/>
+            <a:r>
+              <a:rPr kumimoji="1" lang="en-US" altLang="ja-JP" sz="1400" dirty="0"/>
               <a:t>Hyper-V</a:t>
             </a:r>
             <a:r>
-              <a:rPr lang="ja-JP" altLang="en-US" dirty="0"/>
-              <a:t>は</a:t>
-            </a:r>
-            <a:r>
-              <a:rPr lang="en-US" altLang="ja-JP" dirty="0"/>
-              <a:t>PowerShell</a:t>
-            </a:r>
-            <a:r>
-              <a:rPr lang="ja-JP" altLang="en-US" dirty="0"/>
-              <a:t>のコマンドが用意されているので、</a:t>
-            </a:r>
-            <a:r>
-              <a:rPr lang="en-US" altLang="ja-JP" dirty="0"/>
-              <a:t>PowerShell</a:t>
-            </a:r>
-            <a:r>
-              <a:rPr lang="ja-JP" altLang="en-US" dirty="0"/>
-              <a:t>を</a:t>
-            </a:r>
-            <a:r>
-              <a:rPr lang="en-US" altLang="ja-JP" dirty="0"/>
-              <a:t>Ansible</a:t>
-            </a:r>
-            <a:r>
-              <a:rPr lang="ja-JP" altLang="en-US" dirty="0"/>
-              <a:t>を使って実行することで自動化を実現している</a:t>
-            </a:r>
-            <a:endParaRPr kumimoji="1" lang="ja-JP" altLang="en-US" dirty="0"/>
+              <a:rPr kumimoji="1" lang="ja-JP" altLang="en-US" sz="1400" dirty="0"/>
+              <a:t>モデルとして整備</a:t>
+            </a:r>
+          </a:p>
+        </p:txBody>
+      </p:sp>
+      <p:grpSp>
+        <p:nvGrpSpPr>
+          <p:cNvPr id="20" name="グループ化 19">
+            <a:extLst>
+              <a:ext uri="{FF2B5EF4-FFF2-40B4-BE49-F238E27FC236}">
+                <a16:creationId xmlns:a16="http://schemas.microsoft.com/office/drawing/2014/main" id="{E84397D0-CF54-4231-A2E4-9A465407A716}"/>
+              </a:ext>
+            </a:extLst>
+          </p:cNvPr>
+          <p:cNvGrpSpPr/>
+          <p:nvPr/>
+        </p:nvGrpSpPr>
+        <p:grpSpPr>
+          <a:xfrm>
+            <a:off x="963125" y="2222902"/>
+            <a:ext cx="10264451" cy="3274800"/>
+            <a:chOff x="1631380" y="3068950"/>
+            <a:chExt cx="8684507" cy="2770730"/>
+          </a:xfrm>
+        </p:grpSpPr>
+        <p:grpSp>
+          <p:nvGrpSpPr>
+            <p:cNvPr id="14" name="グループ化 13">
+              <a:extLst>
+                <a:ext uri="{FF2B5EF4-FFF2-40B4-BE49-F238E27FC236}">
+                  <a16:creationId xmlns:a16="http://schemas.microsoft.com/office/drawing/2014/main" id="{068259B2-7A68-4BA5-BD57-9ECC14955612}"/>
+                </a:ext>
+              </a:extLst>
+            </p:cNvPr>
+            <p:cNvGrpSpPr/>
+            <p:nvPr/>
+          </p:nvGrpSpPr>
+          <p:grpSpPr>
+            <a:xfrm>
+              <a:off x="1631380" y="3068950"/>
+              <a:ext cx="8684507" cy="2770730"/>
+              <a:chOff x="3853" y="1916791"/>
+              <a:chExt cx="12188143" cy="3888540"/>
+            </a:xfrm>
+          </p:grpSpPr>
+          <p:pic>
+            <p:nvPicPr>
+              <p:cNvPr id="4" name="図 3">
+                <a:extLst>
+                  <a:ext uri="{FF2B5EF4-FFF2-40B4-BE49-F238E27FC236}">
+                    <a16:creationId xmlns:a16="http://schemas.microsoft.com/office/drawing/2014/main" id="{7BAA2194-0FBD-46B5-836A-8997E5B3A0EC}"/>
+                  </a:ext>
+                </a:extLst>
+              </p:cNvPr>
+              <p:cNvPicPr>
+                <a:picLocks noChangeAspect="1"/>
+              </p:cNvPicPr>
+              <p:nvPr/>
+            </p:nvPicPr>
+            <p:blipFill rotWithShape="1">
+              <a:blip r:embed="rId2">
+                <a:extLst>
+                  <a:ext uri="{28A0092B-C50C-407E-A947-70E740481C1C}">
+                    <a14:useLocalDpi xmlns:a14="http://schemas.microsoft.com/office/drawing/2010/main" val="0"/>
+                  </a:ext>
+                </a:extLst>
+              </a:blip>
+              <a:srcRect/>
+              <a:stretch/>
+            </p:blipFill>
+            <p:spPr>
+              <a:xfrm>
+                <a:off x="3853" y="1916791"/>
+                <a:ext cx="12188143" cy="3888540"/>
+              </a:xfrm>
+              <a:prstGeom prst="rect">
+                <a:avLst/>
+              </a:prstGeom>
+            </p:spPr>
+          </p:pic>
+          <p:sp>
+            <p:nvSpPr>
+              <p:cNvPr id="10" name="正方形/長方形 9">
+                <a:extLst>
+                  <a:ext uri="{FF2B5EF4-FFF2-40B4-BE49-F238E27FC236}">
+                    <a16:creationId xmlns:a16="http://schemas.microsoft.com/office/drawing/2014/main" id="{F678A42F-E309-4046-A3E9-803D3DB9799D}"/>
+                  </a:ext>
+                </a:extLst>
+              </p:cNvPr>
+              <p:cNvSpPr/>
+              <p:nvPr/>
+            </p:nvSpPr>
+            <p:spPr bwMode="auto">
+              <a:xfrm>
+                <a:off x="9624490" y="5517290"/>
+                <a:ext cx="720100" cy="144020"/>
+              </a:xfrm>
+              <a:prstGeom prst="rect">
+                <a:avLst/>
+              </a:prstGeom>
+              <a:solidFill>
+                <a:srgbClr val="E6F5F6"/>
+              </a:solidFill>
+              <a:ln w="12700">
+                <a:noFill/>
+              </a:ln>
+              <a:effectLst/>
+            </p:spPr>
+            <p:txBody>
+              <a:bodyPr rot="0" spcFirstLastPara="0" vertOverflow="overflow" horzOverflow="overflow" vert="horz" wrap="none" lIns="72000" tIns="72000" rIns="72000" bIns="72000" numCol="1" spcCol="0" rtlCol="0" fromWordArt="0" anchor="ctr" anchorCtr="0" forceAA="0" compatLnSpc="1">
+                <a:prstTxWarp prst="textNoShape">
+                  <a:avLst/>
+                </a:prstTxWarp>
+                <a:noAutofit/>
+              </a:bodyPr>
+              <a:lstStyle/>
+              <a:p>
+                <a:pPr algn="ctr"/>
+                <a:r>
+                  <a:rPr kumimoji="1" lang="en-US" altLang="ja-JP" sz="900" b="1" dirty="0">
+                    <a:solidFill>
+                      <a:schemeClr val="accent4">
+                        <a:lumMod val="60000"/>
+                        <a:lumOff val="40000"/>
+                      </a:schemeClr>
+                    </a:solidFill>
+                    <a:latin typeface="+mn-ea"/>
+                  </a:rPr>
+                  <a:t>Hyper-V</a:t>
+                </a:r>
+                <a:endParaRPr kumimoji="1" lang="ja-JP" altLang="en-US" sz="900" b="1" dirty="0">
+                  <a:solidFill>
+                    <a:schemeClr val="accent4">
+                      <a:lumMod val="60000"/>
+                      <a:lumOff val="40000"/>
+                    </a:schemeClr>
+                  </a:solidFill>
+                  <a:latin typeface="+mn-ea"/>
+                </a:endParaRPr>
+              </a:p>
+            </p:txBody>
+          </p:sp>
+        </p:grpSp>
+        <p:sp>
+          <p:nvSpPr>
+            <p:cNvPr id="15" name="正方形/長方形 14">
+              <a:extLst>
+                <a:ext uri="{FF2B5EF4-FFF2-40B4-BE49-F238E27FC236}">
+                  <a16:creationId xmlns:a16="http://schemas.microsoft.com/office/drawing/2014/main" id="{5DBB200C-8755-46B9-AEB6-EFD3084D4DCD}"/>
+                </a:ext>
+              </a:extLst>
+            </p:cNvPr>
+            <p:cNvSpPr/>
+            <p:nvPr/>
+          </p:nvSpPr>
+          <p:spPr bwMode="auto">
+            <a:xfrm>
+              <a:off x="3935700" y="4293120"/>
+              <a:ext cx="576080" cy="1546560"/>
+            </a:xfrm>
+            <a:prstGeom prst="rect">
+              <a:avLst/>
+            </a:prstGeom>
+            <a:noFill/>
+            <a:ln w="38100">
+              <a:solidFill>
+                <a:schemeClr val="accent2">
+                  <a:lumMod val="60000"/>
+                  <a:lumOff val="40000"/>
+                </a:schemeClr>
+              </a:solidFill>
+            </a:ln>
+            <a:effectLst/>
+          </p:spPr>
+          <p:txBody>
+            <a:bodyPr rot="0" spcFirstLastPara="0" vertOverflow="overflow" horzOverflow="overflow" vert="horz" wrap="none" lIns="72000" tIns="72000" rIns="72000" bIns="72000" numCol="1" spcCol="0" rtlCol="0" fromWordArt="0" anchor="ctr" anchorCtr="0" forceAA="0" compatLnSpc="1">
+              <a:prstTxWarp prst="textNoShape">
+                <a:avLst/>
+              </a:prstTxWarp>
+              <a:noAutofit/>
+            </a:bodyPr>
+            <a:lstStyle/>
+            <a:p>
+              <a:pPr algn="ctr"/>
+              <a:endParaRPr kumimoji="1" lang="ja-JP" altLang="en-US" b="1" dirty="0">
+                <a:latin typeface="+mn-ea"/>
+              </a:endParaRPr>
+            </a:p>
+          </p:txBody>
+        </p:sp>
+        <p:sp>
+          <p:nvSpPr>
+            <p:cNvPr id="18" name="正方形/長方形 17">
+              <a:extLst>
+                <a:ext uri="{FF2B5EF4-FFF2-40B4-BE49-F238E27FC236}">
+                  <a16:creationId xmlns:a16="http://schemas.microsoft.com/office/drawing/2014/main" id="{3CBA33D4-DB0A-413E-804E-81DFAA4EA2D8}"/>
+                </a:ext>
+              </a:extLst>
+            </p:cNvPr>
+            <p:cNvSpPr/>
+            <p:nvPr/>
+          </p:nvSpPr>
+          <p:spPr bwMode="auto">
+            <a:xfrm>
+              <a:off x="6672080" y="3678209"/>
+              <a:ext cx="1368190" cy="470890"/>
+            </a:xfrm>
+            <a:prstGeom prst="rect">
+              <a:avLst/>
+            </a:prstGeom>
+            <a:noFill/>
+            <a:ln w="38100">
+              <a:solidFill>
+                <a:schemeClr val="accent2">
+                  <a:lumMod val="60000"/>
+                  <a:lumOff val="40000"/>
+                </a:schemeClr>
+              </a:solidFill>
+            </a:ln>
+            <a:effectLst/>
+          </p:spPr>
+          <p:txBody>
+            <a:bodyPr rot="0" spcFirstLastPara="0" vertOverflow="overflow" horzOverflow="overflow" vert="horz" wrap="none" lIns="72000" tIns="72000" rIns="72000" bIns="72000" numCol="1" spcCol="0" rtlCol="0" fromWordArt="0" anchor="ctr" anchorCtr="0" forceAA="0" compatLnSpc="1">
+              <a:prstTxWarp prst="textNoShape">
+                <a:avLst/>
+              </a:prstTxWarp>
+              <a:noAutofit/>
+            </a:bodyPr>
+            <a:lstStyle/>
+            <a:p>
+              <a:pPr algn="ctr"/>
+              <a:endParaRPr kumimoji="1" lang="ja-JP" altLang="en-US" b="1" dirty="0">
+                <a:latin typeface="+mn-ea"/>
+              </a:endParaRPr>
+            </a:p>
+          </p:txBody>
+        </p:sp>
+        <p:sp>
+          <p:nvSpPr>
+            <p:cNvPr id="19" name="正方形/長方形 18">
+              <a:extLst>
+                <a:ext uri="{FF2B5EF4-FFF2-40B4-BE49-F238E27FC236}">
+                  <a16:creationId xmlns:a16="http://schemas.microsoft.com/office/drawing/2014/main" id="{E759756B-96B2-4A87-8501-F7B38D700B8A}"/>
+                </a:ext>
+              </a:extLst>
+            </p:cNvPr>
+            <p:cNvSpPr/>
+            <p:nvPr/>
+          </p:nvSpPr>
+          <p:spPr bwMode="auto">
+            <a:xfrm>
+              <a:off x="8256300" y="5193330"/>
+              <a:ext cx="936130" cy="612000"/>
+            </a:xfrm>
+            <a:prstGeom prst="rect">
+              <a:avLst/>
+            </a:prstGeom>
+            <a:noFill/>
+            <a:ln w="38100">
+              <a:solidFill>
+                <a:schemeClr val="accent2">
+                  <a:lumMod val="60000"/>
+                  <a:lumOff val="40000"/>
+                </a:schemeClr>
+              </a:solidFill>
+            </a:ln>
+            <a:effectLst/>
+          </p:spPr>
+          <p:txBody>
+            <a:bodyPr rot="0" spcFirstLastPara="0" vertOverflow="overflow" horzOverflow="overflow" vert="horz" wrap="none" lIns="72000" tIns="72000" rIns="72000" bIns="72000" numCol="1" spcCol="0" rtlCol="0" fromWordArt="0" anchor="ctr" anchorCtr="0" forceAA="0" compatLnSpc="1">
+              <a:prstTxWarp prst="textNoShape">
+                <a:avLst/>
+              </a:prstTxWarp>
+              <a:noAutofit/>
+            </a:bodyPr>
+            <a:lstStyle/>
+            <a:p>
+              <a:pPr algn="ctr"/>
+              <a:endParaRPr kumimoji="1" lang="ja-JP" altLang="en-US" b="1" dirty="0">
+                <a:latin typeface="+mn-ea"/>
+              </a:endParaRPr>
+            </a:p>
+          </p:txBody>
+        </p:sp>
+      </p:grpSp>
+      <p:sp>
+        <p:nvSpPr>
+          <p:cNvPr id="21" name="矢印: 右 20">
+            <a:extLst>
+              <a:ext uri="{FF2B5EF4-FFF2-40B4-BE49-F238E27FC236}">
+                <a16:creationId xmlns:a16="http://schemas.microsoft.com/office/drawing/2014/main" id="{B4CF8799-14CA-4582-97CA-4603414AE3D0}"/>
+              </a:ext>
+            </a:extLst>
+          </p:cNvPr>
+          <p:cNvSpPr/>
+          <p:nvPr/>
+        </p:nvSpPr>
+        <p:spPr bwMode="auto">
+          <a:xfrm rot="16200000">
+            <a:off x="9175475" y="5480615"/>
+            <a:ext cx="360050" cy="433400"/>
+          </a:xfrm>
+          <a:prstGeom prst="rightArrow">
+            <a:avLst/>
+          </a:prstGeom>
+          <a:solidFill>
+            <a:schemeClr val="accent2">
+              <a:lumMod val="60000"/>
+              <a:lumOff val="40000"/>
+            </a:schemeClr>
+          </a:solidFill>
+          <a:ln w="12700">
+            <a:noFill/>
+          </a:ln>
+          <a:effectLst/>
+        </p:spPr>
+        <p:txBody>
+          <a:bodyPr rot="0" spcFirstLastPara="0" vertOverflow="overflow" horzOverflow="overflow" vert="horz" wrap="none" lIns="72000" tIns="72000" rIns="72000" bIns="72000" numCol="1" spcCol="0" rtlCol="0" fromWordArt="0" anchor="ctr" anchorCtr="0" forceAA="0" compatLnSpc="1">
+            <a:prstTxWarp prst="textNoShape">
+              <a:avLst/>
+            </a:prstTxWarp>
+            <a:noAutofit/>
+          </a:bodyPr>
+          <a:lstStyle/>
+          <a:p>
+            <a:pPr algn="ctr"/>
+            <a:endParaRPr kumimoji="1" lang="ja-JP" altLang="en-US" b="1" dirty="0">
+              <a:latin typeface="+mn-ea"/>
+            </a:endParaRPr>
+          </a:p>
+        </p:txBody>
+      </p:sp>
+      <p:sp>
+        <p:nvSpPr>
+          <p:cNvPr id="22" name="テキスト ボックス 21">
+            <a:extLst>
+              <a:ext uri="{FF2B5EF4-FFF2-40B4-BE49-F238E27FC236}">
+                <a16:creationId xmlns:a16="http://schemas.microsoft.com/office/drawing/2014/main" id="{EDD4F498-673C-410B-AC2D-472BF27F6250}"/>
+              </a:ext>
+            </a:extLst>
+          </p:cNvPr>
+          <p:cNvSpPr txBox="1"/>
+          <p:nvPr/>
+        </p:nvSpPr>
+        <p:spPr>
+          <a:xfrm>
+            <a:off x="8059320" y="5896927"/>
+            <a:ext cx="2592360" cy="307777"/>
+          </a:xfrm>
+          <a:prstGeom prst="rect">
+            <a:avLst/>
+          </a:prstGeom>
+          <a:noFill/>
+        </p:spPr>
+        <p:txBody>
+          <a:bodyPr wrap="square" rtlCol="0">
+            <a:spAutoFit/>
+          </a:bodyPr>
+          <a:lstStyle/>
+          <a:p>
+            <a:pPr algn="ctr"/>
+            <a:r>
+              <a:rPr kumimoji="1" lang="ja-JP" altLang="en-US" sz="1400"/>
+              <a:t>対象プラットフォーム</a:t>
+            </a:r>
+            <a:endParaRPr kumimoji="1" lang="ja-JP" altLang="en-US" sz="1400" dirty="0"/>
           </a:p>
         </p:txBody>
       </p:sp>
@@ -22247,15 +23598,15 @@
               <a:t>HDD</a:t>
             </a:r>
             <a:r>
-              <a:rPr lang="ja-JP" altLang="en-US" dirty="0" smtClean="0"/>
+              <a:rPr lang="ja-JP" altLang="en-US" dirty="0"/>
               <a:t>追加</a:t>
             </a:r>
-            <a:endParaRPr lang="en-US" altLang="ja-JP" dirty="0" smtClean="0"/>
+            <a:endParaRPr lang="en-US" altLang="ja-JP" dirty="0"/>
           </a:p>
           <a:p>
             <a:pPr lvl="1"/>
             <a:r>
-              <a:rPr lang="ja-JP" altLang="en-US" dirty="0" smtClean="0"/>
+              <a:rPr lang="ja-JP" altLang="en-US" dirty="0"/>
               <a:t>機器一覧への登録・更新</a:t>
             </a:r>
             <a:endParaRPr lang="en-US" altLang="ja-JP" dirty="0"/>
@@ -22376,54 +23727,44 @@
             </a:r>
             <a:r>
               <a:rPr lang="ja-JP" altLang="en-US" dirty="0"/>
-              <a:t>を使用することで</a:t>
-            </a:r>
-            <a:r>
-              <a:rPr lang="ja-JP" altLang="en-US" dirty="0" smtClean="0"/>
-              <a:t>、</a:t>
-            </a:r>
-            <a:r>
-              <a:rPr lang="en-US" altLang="ja-JP" dirty="0" smtClean="0"/>
+              <a:t>を使用することで、</a:t>
+            </a:r>
+            <a:r>
+              <a:rPr lang="en-US" altLang="ja-JP" dirty="0"/>
               <a:t>Hyper-V</a:t>
             </a:r>
             <a:r>
               <a:rPr lang="ja-JP" altLang="en-US" dirty="0"/>
-              <a:t>上に仮想</a:t>
-            </a:r>
-            <a:r>
-              <a:rPr lang="ja-JP" altLang="en-US" dirty="0" smtClean="0"/>
-              <a:t>マシンの新規作成・</a:t>
-            </a:r>
-            <a:r>
-              <a:rPr lang="en-US" altLang="ja-JP" dirty="0" smtClean="0"/>
+              <a:t>上に仮想マシンの新規作成・</a:t>
+            </a:r>
+            <a:r>
+              <a:rPr lang="en-US" altLang="ja-JP" dirty="0"/>
               <a:t>IP</a:t>
             </a:r>
             <a:r>
-              <a:rPr lang="ja-JP" altLang="en-US" dirty="0" smtClean="0"/>
+              <a:rPr lang="ja-JP" altLang="en-US" dirty="0"/>
               <a:t>アドレス設定・仮想ハードディスク追加・</a:t>
             </a:r>
             <a:r>
-              <a:rPr lang="en-US" altLang="ja-JP" dirty="0" smtClean="0"/>
+              <a:rPr lang="en-US" altLang="ja-JP" dirty="0"/>
               <a:t>ITA</a:t>
             </a:r>
             <a:r>
-              <a:rPr lang="ja-JP" altLang="en-US" dirty="0" smtClean="0"/>
+              <a:rPr lang="ja-JP" altLang="en-US" dirty="0"/>
               <a:t>の機器一覧に仮想マシン情報の登録</a:t>
             </a:r>
             <a:r>
-              <a:rPr lang="en-US" altLang="ja-JP" dirty="0" smtClean="0"/>
+              <a:rPr lang="en-US" altLang="ja-JP" dirty="0"/>
               <a:t>/</a:t>
             </a:r>
             <a:r>
-              <a:rPr lang="ja-JP" altLang="en-US" dirty="0" smtClean="0"/>
+              <a:rPr lang="ja-JP" altLang="en-US" dirty="0"/>
               <a:t>更新を行います。</a:t>
             </a:r>
             <a:endParaRPr lang="en-US" altLang="ja-JP" dirty="0"/>
           </a:p>
           <a:p>
-            <a:pPr marL="180975" indent="0">
-              <a:buNone/>
-            </a:pPr>
+            <a:pPr lvl="1"/>
             <a:r>
               <a:rPr lang="ja-JP" altLang="en-US" dirty="0"/>
               <a:t>作成される仮想マシンは一回のオペレーションで最大</a:t>
@@ -22439,12 +23780,12 @@
             <a:endParaRPr lang="en-US" altLang="ja-JP" dirty="0"/>
           </a:p>
           <a:p>
-            <a:pPr marL="180975" indent="0">
+            <a:pPr marL="361950" lvl="1" indent="0">
               <a:buNone/>
             </a:pPr>
             <a:r>
               <a:rPr lang="ja-JP" altLang="en-US" dirty="0"/>
-              <a:t>仮想ハードディスクは</a:t>
+              <a:t>また、仮想ハードディスクは</a:t>
             </a:r>
             <a:r>
               <a:rPr lang="en-US" altLang="ja-JP" dirty="0"/>
@@ -22452,13 +23793,9 @@
             </a:r>
             <a:r>
               <a:rPr lang="ja-JP" altLang="en-US" dirty="0"/>
-              <a:t>で接続されます</a:t>
-            </a:r>
-            <a:r>
-              <a:rPr lang="ja-JP" altLang="en-US" dirty="0" smtClean="0"/>
-              <a:t>。</a:t>
-            </a:r>
-            <a:endParaRPr lang="en-US" altLang="ja-JP" dirty="0" smtClean="0"/>
+              <a:t>で接続されます。</a:t>
+            </a:r>
+            <a:endParaRPr lang="en-US" altLang="ja-JP" dirty="0"/>
           </a:p>
           <a:p>
             <a:pPr marL="180975" indent="0">
@@ -22488,8 +23825,8 @@
         </p:nvSpPr>
         <p:spPr>
           <a:xfrm>
-            <a:off x="1919420" y="2750276"/>
-            <a:ext cx="8616726" cy="3462530"/>
+            <a:off x="1631380" y="2492870"/>
+            <a:ext cx="9192806" cy="3977342"/>
           </a:xfrm>
           <a:prstGeom prst="rect">
             <a:avLst/>
@@ -22651,7 +23988,7 @@
         </p:nvSpPr>
         <p:spPr>
           <a:xfrm>
-            <a:off x="5059975" y="2636890"/>
+            <a:off x="5059975" y="2353362"/>
             <a:ext cx="1637218" cy="260760"/>
           </a:xfrm>
           <a:prstGeom prst="roundRect">
@@ -22824,8 +24161,8 @@
         </p:nvSpPr>
         <p:spPr>
           <a:xfrm>
-            <a:off x="2207460" y="3151162"/>
-            <a:ext cx="8209140" cy="2953427"/>
+            <a:off x="2135450" y="2996940"/>
+            <a:ext cx="8281150" cy="3384470"/>
           </a:xfrm>
           <a:prstGeom prst="rect">
             <a:avLst/>
@@ -22986,8 +24323,8 @@
         </p:nvCxnSpPr>
         <p:spPr bwMode="auto">
           <a:xfrm rot="5400000">
-            <a:off x="4263806" y="2069452"/>
-            <a:ext cx="786580" cy="2442977"/>
+            <a:off x="4122042" y="1927688"/>
+            <a:ext cx="1070108" cy="2442977"/>
           </a:xfrm>
           <a:prstGeom prst="bentConnector3">
             <a:avLst/>
@@ -23037,8 +24374,8 @@
         </p:nvCxnSpPr>
         <p:spPr bwMode="auto">
           <a:xfrm rot="5400000">
-            <a:off x="5353534" y="3159180"/>
-            <a:ext cx="786580" cy="263520"/>
+            <a:off x="5211770" y="3017416"/>
+            <a:ext cx="1070108" cy="263520"/>
           </a:xfrm>
           <a:prstGeom prst="bentConnector3">
             <a:avLst/>
@@ -23085,7 +24422,7 @@
         </p:nvSpPr>
         <p:spPr>
           <a:xfrm>
-            <a:off x="6439323" y="4886496"/>
+            <a:off x="6914789" y="4886496"/>
             <a:ext cx="965655" cy="369332"/>
           </a:xfrm>
           <a:prstGeom prst="rect">
@@ -23124,8 +24461,8 @@
         </p:nvCxnSpPr>
         <p:spPr bwMode="auto">
           <a:xfrm rot="16200000" flipH="1">
-            <a:off x="7192976" y="1583257"/>
-            <a:ext cx="786580" cy="3415365"/>
+            <a:off x="7051212" y="1441493"/>
+            <a:ext cx="1070108" cy="3415365"/>
           </a:xfrm>
           <a:prstGeom prst="bentConnector3">
             <a:avLst>
@@ -24920,14 +26257,13 @@
                 <a:t>仮想マシン</a:t>
               </a:r>
               <a:r>
-                <a:rPr kumimoji="1" lang="en-US" altLang="ja-JP" sz="1200" dirty="0">
+                <a:rPr lang="en-US" altLang="ja-JP" sz="1200" dirty="0">
                   <a:solidFill>
                     <a:sysClr val="windowText" lastClr="000000"/>
                   </a:solidFill>
                   <a:latin typeface="+mn-ea"/>
-                  <a:ea typeface="+mn-ea"/>
                 </a:rPr>
-                <a:t>E</a:t>
+                <a:t>J</a:t>
               </a:r>
               <a:endParaRPr kumimoji="1" lang="ja-JP" altLang="en-US" sz="1050" dirty="0">
                 <a:solidFill>
@@ -25691,6 +27027,52 @@
       </p:sp>
       <p:sp>
         <p:nvSpPr>
+          <p:cNvPr id="33" name="テキスト ボックス 32">
+            <a:extLst>
+              <a:ext uri="{FF2B5EF4-FFF2-40B4-BE49-F238E27FC236}">
+                <a16:creationId xmlns:a16="http://schemas.microsoft.com/office/drawing/2014/main" id="{78C81A33-8120-43F0-99E9-58A4FBD72425}"/>
+              </a:ext>
+            </a:extLst>
+          </p:cNvPr>
+          <p:cNvSpPr txBox="1"/>
+          <p:nvPr/>
+        </p:nvSpPr>
+        <p:spPr>
+          <a:xfrm>
+            <a:off x="5757467" y="6156098"/>
+            <a:ext cx="1209907" cy="369332"/>
+          </a:xfrm>
+          <a:prstGeom prst="rect">
+            <a:avLst/>
+          </a:prstGeom>
+          <a:solidFill>
+            <a:schemeClr val="bg1"/>
+          </a:solidFill>
+        </p:spPr>
+        <p:txBody>
+          <a:bodyPr wrap="square" rtlCol="0">
+            <a:spAutoFit/>
+          </a:bodyPr>
+          <a:lstStyle/>
+          <a:p>
+            <a:r>
+              <a:rPr lang="ja-JP" altLang="en-US" dirty="0"/>
+              <a:t>最大</a:t>
+            </a:r>
+            <a:r>
+              <a:rPr lang="en-US" altLang="ja-JP" dirty="0"/>
+              <a:t>10</a:t>
+            </a:r>
+            <a:r>
+              <a:rPr lang="ja-JP" altLang="en-US" dirty="0"/>
+              <a:t>台</a:t>
+            </a:r>
+            <a:endParaRPr kumimoji="1" lang="ja-JP" altLang="en-US" dirty="0"/>
+          </a:p>
+        </p:txBody>
+      </p:sp>
+      <p:sp>
+        <p:nvSpPr>
           <p:cNvPr id="3" name="右中かっこ 2">
             <a:extLst>
               <a:ext uri="{FF2B5EF4-FFF2-40B4-BE49-F238E27FC236}">
@@ -25733,50 +27115,6 @@
           <a:p>
             <a:pPr algn="ctr"/>
             <a:endParaRPr kumimoji="1" lang="ja-JP" altLang="en-US"/>
-          </a:p>
-        </p:txBody>
-      </p:sp>
-      <p:sp>
-        <p:nvSpPr>
-          <p:cNvPr id="33" name="テキスト ボックス 32">
-            <a:extLst>
-              <a:ext uri="{FF2B5EF4-FFF2-40B4-BE49-F238E27FC236}">
-                <a16:creationId xmlns:a16="http://schemas.microsoft.com/office/drawing/2014/main" id="{78C81A33-8120-43F0-99E9-58A4FBD72425}"/>
-              </a:ext>
-            </a:extLst>
-          </p:cNvPr>
-          <p:cNvSpPr txBox="1"/>
-          <p:nvPr/>
-        </p:nvSpPr>
-        <p:spPr>
-          <a:xfrm>
-            <a:off x="5878583" y="6212806"/>
-            <a:ext cx="1209907" cy="369332"/>
-          </a:xfrm>
-          <a:prstGeom prst="rect">
-            <a:avLst/>
-          </a:prstGeom>
-          <a:noFill/>
-        </p:spPr>
-        <p:txBody>
-          <a:bodyPr wrap="square" rtlCol="0">
-            <a:spAutoFit/>
-          </a:bodyPr>
-          <a:lstStyle/>
-          <a:p>
-            <a:r>
-              <a:rPr lang="ja-JP" altLang="en-US" dirty="0"/>
-              <a:t>最大</a:t>
-            </a:r>
-            <a:r>
-              <a:rPr lang="en-US" altLang="ja-JP" dirty="0"/>
-              <a:t>10</a:t>
-            </a:r>
-            <a:r>
-              <a:rPr lang="ja-JP" altLang="en-US" dirty="0"/>
-              <a:t>台</a:t>
-            </a:r>
-            <a:endParaRPr kumimoji="1" lang="ja-JP" altLang="en-US" dirty="0"/>
           </a:p>
         </p:txBody>
       </p:sp>
@@ -27158,193 +28496,4 @@
   <a:objectDefaults/>
   <a:extraClrSchemeLst/>
 </a:theme>
-</file>
-
-<file path=customXml/item1.xml><?xml version="1.0" encoding="utf-8"?>
-<p:properties xmlns:p="http://schemas.microsoft.com/office/2006/metadata/properties" xmlns:xsi="http://www.w3.org/2001/XMLSchema-instance" xmlns:pc="http://schemas.microsoft.com/office/infopath/2007/PartnerControls">
-  <documentManagement/>
-</p:properties>
-</file>
-
-<file path=customXml/item2.xml><?xml version="1.0" encoding="utf-8"?>
-<?mso-contentType ?>
-<FormTemplates xmlns="http://schemas.microsoft.com/sharepoint/v3/contenttype/forms">
-  <Display>DocumentLibraryForm</Display>
-  <Edit>DocumentLibraryForm</Edit>
-  <New>DocumentLibraryForm</New>
-</FormTemplates>
-</file>
-
-<file path=customXml/item3.xml><?xml version="1.0" encoding="utf-8"?>
-<ct:contentTypeSchema xmlns:ct="http://schemas.microsoft.com/office/2006/metadata/contentType" xmlns:ma="http://schemas.microsoft.com/office/2006/metadata/properties/metaAttributes" ct:_="" ma:_="" ma:contentTypeName="ドキュメント" ma:contentTypeID="0x01010084FABC01750754469A9A21C30F936C75" ma:contentTypeVersion="2" ma:contentTypeDescription="新しいドキュメントを作成します。" ma:contentTypeScope="" ma:versionID="680993e058c844a7567c3c65d8e88610">
-  <xsd:schema xmlns:xsd="http://www.w3.org/2001/XMLSchema" xmlns:xs="http://www.w3.org/2001/XMLSchema" xmlns:p="http://schemas.microsoft.com/office/2006/metadata/properties" xmlns:ns2="e3c7534c-8447-4121-a676-7eb0e8edc712" targetNamespace="http://schemas.microsoft.com/office/2006/metadata/properties" ma:root="true" ma:fieldsID="252a2382b168dd3443305f8014b8a96d" ns2:_="">
-    <xsd:import namespace="e3c7534c-8447-4121-a676-7eb0e8edc712"/>
-    <xsd:element name="properties">
-      <xsd:complexType>
-        <xsd:sequence>
-          <xsd:element name="documentManagement">
-            <xsd:complexType>
-              <xsd:all>
-                <xsd:element ref="ns2:MediaServiceMetadata" minOccurs="0"/>
-                <xsd:element ref="ns2:MediaServiceFastMetadata" minOccurs="0"/>
-              </xsd:all>
-            </xsd:complexType>
-          </xsd:element>
-        </xsd:sequence>
-      </xsd:complexType>
-    </xsd:element>
-  </xsd:schema>
-  <xsd:schema xmlns:xsd="http://www.w3.org/2001/XMLSchema" xmlns:xs="http://www.w3.org/2001/XMLSchema" xmlns:dms="http://schemas.microsoft.com/office/2006/documentManagement/types" xmlns:pc="http://schemas.microsoft.com/office/infopath/2007/PartnerControls" targetNamespace="e3c7534c-8447-4121-a676-7eb0e8edc712" elementFormDefault="qualified">
-    <xsd:import namespace="http://schemas.microsoft.com/office/2006/documentManagement/types"/>
-    <xsd:import namespace="http://schemas.microsoft.com/office/infopath/2007/PartnerControls"/>
-    <xsd:element name="MediaServiceMetadata" ma:index="8" nillable="true" ma:displayName="MediaServiceMetadata" ma:hidden="true" ma:internalName="MediaServiceMetadata" ma:readOnly="true">
-      <xsd:simpleType>
-        <xsd:restriction base="dms:Note"/>
-      </xsd:simpleType>
-    </xsd:element>
-    <xsd:element name="MediaServiceFastMetadata" ma:index="9" nillable="true" ma:displayName="MediaServiceFastMetadata" ma:hidden="true" ma:internalName="MediaServiceFastMetadata" ma:readOnly="true">
-      <xsd:simpleType>
-        <xsd:restriction base="dms:Note"/>
-      </xsd:simpleType>
-    </xsd:element>
-  </xsd:schema>
-  <xsd:schema xmlns="http://schemas.openxmlformats.org/package/2006/metadata/core-properties" xmlns:xsd="http://www.w3.org/2001/XMLSchema" xmlns:xsi="http://www.w3.org/2001/XMLSchema-instance" xmlns:dc="http://purl.org/dc/elements/1.1/" xmlns:dcterms="http://purl.org/dc/terms/" xmlns:odoc="http://schemas.microsoft.com/internal/obd" targetNamespace="http://schemas.openxmlformats.org/package/2006/metadata/core-properties" elementFormDefault="qualified" attributeFormDefault="unqualified" blockDefault="#all">
-    <xsd:import namespace="http://purl.org/dc/elements/1.1/" schemaLocation="http://dublincore.org/schemas/xmls/qdc/2003/04/02/dc.xsd"/>
-    <xsd:import namespace="http://purl.org/dc/terms/" schemaLocation="http://dublincore.org/schemas/xmls/qdc/2003/04/02/dcterms.xsd"/>
-    <xsd:element name="coreProperties" type="CT_coreProperties"/>
-    <xsd:complexType name="CT_coreProperties">
-      <xsd:all>
-        <xsd:element ref="dc:creator" minOccurs="0" maxOccurs="1"/>
-        <xsd:element ref="dcterms:created" minOccurs="0" maxOccurs="1"/>
-        <xsd:element ref="dc:identifier" minOccurs="0" maxOccurs="1"/>
-        <xsd:element name="contentType" minOccurs="0" maxOccurs="1" type="xsd:string" ma:index="0" ma:displayName="コンテンツ タイプ"/>
-        <xsd:element ref="dc:title" minOccurs="0" maxOccurs="1" ma:index="4" ma:displayName="タイトル"/>
-        <xsd:element ref="dc:subject" minOccurs="0" maxOccurs="1"/>
-        <xsd:element ref="dc:description" minOccurs="0" maxOccurs="1"/>
-        <xsd:element name="keywords" minOccurs="0" maxOccurs="1" type="xsd:string"/>
-        <xsd:element ref="dc:language" minOccurs="0" maxOccurs="1"/>
-        <xsd:element name="category" minOccurs="0" maxOccurs="1" type="xsd:string"/>
-        <xsd:element name="version" minOccurs="0" maxOccurs="1" type="xsd:string"/>
-        <xsd:element name="revision" minOccurs="0" maxOccurs="1" type="xsd:string">
-          <xsd:annotation>
-            <xsd:documentation>
-                        This value indicates the number of saves or revisions. The application is responsible for updating this value after each revision.
-                    </xsd:documentation>
-          </xsd:annotation>
-        </xsd:element>
-        <xsd:element name="lastModifiedBy" minOccurs="0" maxOccurs="1" type="xsd:string"/>
-        <xsd:element ref="dcterms:modified" minOccurs="0" maxOccurs="1"/>
-        <xsd:element name="contentStatus" minOccurs="0" maxOccurs="1" type="xsd:string"/>
-      </xsd:all>
-    </xsd:complexType>
-  </xsd:schema>
-  <xs:schema xmlns:pc="http://schemas.microsoft.com/office/infopath/2007/PartnerControls" xmlns:xs="http://www.w3.org/2001/XMLSchema" targetNamespace="http://schemas.microsoft.com/office/infopath/2007/PartnerControls" elementFormDefault="qualified" attributeFormDefault="unqualified">
-    <xs:element name="Person">
-      <xs:complexType>
-        <xs:sequence>
-          <xs:element ref="pc:DisplayName" minOccurs="0"/>
-          <xs:element ref="pc:AccountId" minOccurs="0"/>
-          <xs:element ref="pc:AccountType" minOccurs="0"/>
-        </xs:sequence>
-      </xs:complexType>
-    </xs:element>
-    <xs:element name="DisplayName" type="xs:string"/>
-    <xs:element name="AccountId" type="xs:string"/>
-    <xs:element name="AccountType" type="xs:string"/>
-    <xs:element name="BDCAssociatedEntity">
-      <xs:complexType>
-        <xs:sequence>
-          <xs:element ref="pc:BDCEntity" minOccurs="0" maxOccurs="unbounded"/>
-        </xs:sequence>
-        <xs:attribute ref="pc:EntityNamespace"/>
-        <xs:attribute ref="pc:EntityName"/>
-        <xs:attribute ref="pc:SystemInstanceName"/>
-        <xs:attribute ref="pc:AssociationName"/>
-      </xs:complexType>
-    </xs:element>
-    <xs:attribute name="EntityNamespace" type="xs:string"/>
-    <xs:attribute name="EntityName" type="xs:string"/>
-    <xs:attribute name="SystemInstanceName" type="xs:string"/>
-    <xs:attribute name="AssociationName" type="xs:string"/>
-    <xs:element name="BDCEntity">
-      <xs:complexType>
-        <xs:sequence>
-          <xs:element ref="pc:EntityDisplayName" minOccurs="0"/>
-          <xs:element ref="pc:EntityInstanceReference" minOccurs="0"/>
-          <xs:element ref="pc:EntityId1" minOccurs="0"/>
-          <xs:element ref="pc:EntityId2" minOccurs="0"/>
-          <xs:element ref="pc:EntityId3" minOccurs="0"/>
-          <xs:element ref="pc:EntityId4" minOccurs="0"/>
-          <xs:element ref="pc:EntityId5" minOccurs="0"/>
-        </xs:sequence>
-      </xs:complexType>
-    </xs:element>
-    <xs:element name="EntityDisplayName" type="xs:string"/>
-    <xs:element name="EntityInstanceReference" type="xs:string"/>
-    <xs:element name="EntityId1" type="xs:string"/>
-    <xs:element name="EntityId2" type="xs:string"/>
-    <xs:element name="EntityId3" type="xs:string"/>
-    <xs:element name="EntityId4" type="xs:string"/>
-    <xs:element name="EntityId5" type="xs:string"/>
-    <xs:element name="Terms">
-      <xs:complexType>
-        <xs:sequence>
-          <xs:element ref="pc:TermInfo" minOccurs="0" maxOccurs="unbounded"/>
-        </xs:sequence>
-      </xs:complexType>
-    </xs:element>
-    <xs:element name="TermInfo">
-      <xs:complexType>
-        <xs:sequence>
-          <xs:element ref="pc:TermName" minOccurs="0"/>
-          <xs:element ref="pc:TermId" minOccurs="0"/>
-        </xs:sequence>
-      </xs:complexType>
-    </xs:element>
-    <xs:element name="TermName" type="xs:string"/>
-    <xs:element name="TermId" type="xs:string"/>
-  </xs:schema>
-</ct:contentTypeSchema>
-</file>
-
-<file path=customXml/itemProps1.xml><?xml version="1.0" encoding="utf-8"?>
-<ds:datastoreItem xmlns:ds="http://schemas.openxmlformats.org/officeDocument/2006/customXml" ds:itemID="{7D2DF80A-40B4-495F-A15B-9E9755F00A7A}">
-  <ds:schemaRefs>
-    <ds:schemaRef ds:uri="http://schemas.microsoft.com/office/2006/metadata/properties"/>
-    <ds:schemaRef ds:uri="http://purl.org/dc/terms/"/>
-    <ds:schemaRef ds:uri="http://schemas.openxmlformats.org/package/2006/metadata/core-properties"/>
-    <ds:schemaRef ds:uri="e3c7534c-8447-4121-a676-7eb0e8edc712"/>
-    <ds:schemaRef ds:uri="http://schemas.microsoft.com/office/2006/documentManagement/types"/>
-    <ds:schemaRef ds:uri="http://schemas.microsoft.com/office/infopath/2007/PartnerControls"/>
-    <ds:schemaRef ds:uri="http://purl.org/dc/elements/1.1/"/>
-    <ds:schemaRef ds:uri="http://www.w3.org/XML/1998/namespace"/>
-    <ds:schemaRef ds:uri="http://purl.org/dc/dcmitype/"/>
-  </ds:schemaRefs>
-</ds:datastoreItem>
-</file>
-
-<file path=customXml/itemProps2.xml><?xml version="1.0" encoding="utf-8"?>
-<ds:datastoreItem xmlns:ds="http://schemas.openxmlformats.org/officeDocument/2006/customXml" ds:itemID="{13F84729-594C-4E0F-8EA2-5AB0534BB9E4}">
-  <ds:schemaRefs>
-    <ds:schemaRef ds:uri="http://schemas.microsoft.com/sharepoint/v3/contenttype/forms"/>
-  </ds:schemaRefs>
-</ds:datastoreItem>
-</file>
-
-<file path=customXml/itemProps3.xml><?xml version="1.0" encoding="utf-8"?>
-<ds:datastoreItem xmlns:ds="http://schemas.openxmlformats.org/officeDocument/2006/customXml" ds:itemID="{C5E8BB82-79FF-4160-B5DD-52F81091988C}">
-  <ds:schemaRefs>
-    <ds:schemaRef ds:uri="http://schemas.microsoft.com/office/2006/metadata/contentType"/>
-    <ds:schemaRef ds:uri="http://schemas.microsoft.com/office/2006/metadata/properties/metaAttributes"/>
-    <ds:schemaRef ds:uri="http://www.w3.org/2001/XMLSchema"/>
-    <ds:schemaRef ds:uri="http://schemas.microsoft.com/office/2006/metadata/properties"/>
-    <ds:schemaRef ds:uri="e3c7534c-8447-4121-a676-7eb0e8edc712"/>
-    <ds:schemaRef ds:uri="http://schemas.microsoft.com/office/2006/documentManagement/types"/>
-    <ds:schemaRef ds:uri="http://schemas.microsoft.com/office/infopath/2007/PartnerControls"/>
-    <ds:schemaRef ds:uri="http://schemas.openxmlformats.org/package/2006/metadata/core-properties"/>
-    <ds:schemaRef ds:uri="http://purl.org/dc/elements/1.1/"/>
-    <ds:schemaRef ds:uri="http://purl.org/dc/terms/"/>
-    <ds:schemaRef ds:uri="http://schemas.microsoft.com/internal/obd"/>
-  </ds:schemaRefs>
-</ds:datastoreItem>
 </file>
--- a/docs/setting-samples-hyperv-overview_ja.pptx
+++ b/docs/setting-samples-hyperv-overview_ja.pptx
@@ -2,35 +2,35 @@
 <file path=ppt/presentation.xml><?xml version="1.0" encoding="utf-8"?>
 <p:presentation xmlns:a="http://schemas.openxmlformats.org/drawingml/2006/main" xmlns:r="http://schemas.openxmlformats.org/officeDocument/2006/relationships" xmlns:p="http://schemas.openxmlformats.org/presentationml/2006/main" removePersonalInfoOnSave="1" strictFirstAndLastChars="0" saveSubsetFonts="1" autoCompressPictures="0">
   <p:sldMasterIdLst>
-    <p:sldMasterId id="2147483657" r:id="rId1"/>
+    <p:sldMasterId id="2147483657" r:id="rId4"/>
   </p:sldMasterIdLst>
   <p:notesMasterIdLst>
-    <p:notesMasterId r:id="rId22"/>
+    <p:notesMasterId r:id="rId25"/>
   </p:notesMasterIdLst>
   <p:handoutMasterIdLst>
-    <p:handoutMasterId r:id="rId23"/>
+    <p:handoutMasterId r:id="rId26"/>
   </p:handoutMasterIdLst>
   <p:sldIdLst>
-    <p:sldId id="262" r:id="rId2"/>
-    <p:sldId id="317" r:id="rId3"/>
-    <p:sldId id="535" r:id="rId4"/>
-    <p:sldId id="553" r:id="rId5"/>
-    <p:sldId id="554" r:id="rId6"/>
-    <p:sldId id="555" r:id="rId7"/>
-    <p:sldId id="563" r:id="rId8"/>
-    <p:sldId id="556" r:id="rId9"/>
-    <p:sldId id="557" r:id="rId10"/>
-    <p:sldId id="558" r:id="rId11"/>
-    <p:sldId id="559" r:id="rId12"/>
-    <p:sldId id="560" r:id="rId13"/>
-    <p:sldId id="561" r:id="rId14"/>
-    <p:sldId id="564" r:id="rId15"/>
-    <p:sldId id="562" r:id="rId16"/>
-    <p:sldId id="549" r:id="rId17"/>
-    <p:sldId id="565" r:id="rId18"/>
-    <p:sldId id="567" r:id="rId19"/>
-    <p:sldId id="566" r:id="rId20"/>
-    <p:sldId id="318" r:id="rId21"/>
+    <p:sldId id="262" r:id="rId5"/>
+    <p:sldId id="317" r:id="rId6"/>
+    <p:sldId id="535" r:id="rId7"/>
+    <p:sldId id="553" r:id="rId8"/>
+    <p:sldId id="554" r:id="rId9"/>
+    <p:sldId id="555" r:id="rId10"/>
+    <p:sldId id="563" r:id="rId11"/>
+    <p:sldId id="556" r:id="rId12"/>
+    <p:sldId id="557" r:id="rId13"/>
+    <p:sldId id="558" r:id="rId14"/>
+    <p:sldId id="559" r:id="rId15"/>
+    <p:sldId id="560" r:id="rId16"/>
+    <p:sldId id="561" r:id="rId17"/>
+    <p:sldId id="564" r:id="rId18"/>
+    <p:sldId id="562" r:id="rId19"/>
+    <p:sldId id="549" r:id="rId20"/>
+    <p:sldId id="565" r:id="rId21"/>
+    <p:sldId id="567" r:id="rId22"/>
+    <p:sldId id="566" r:id="rId23"/>
+    <p:sldId id="318" r:id="rId24"/>
   </p:sldIdLst>
   <p:sldSz cx="12192000" cy="6858000"/>
   <p:notesSz cx="6807200" cy="9939338"/>
@@ -232,7 +232,8 @@
 <file path=ppt/revisionInfo.xml><?xml version="1.0" encoding="utf-8"?>
 <p1510:revInfo xmlns:a="http://schemas.openxmlformats.org/drawingml/2006/main" xmlns:r="http://schemas.openxmlformats.org/officeDocument/2006/relationships" xmlns:p1510="http://schemas.microsoft.com/office/powerpoint/2015/10/main">
   <p1510:revLst>
-    <p1510:client id="{EDCC9849-962B-4191-B510-1C6A1CC166D3}" v="1173" dt="2021-12-27T08:30:27.530"/>
+    <p1510:client id="{0E4E4D50-FBFF-40D5-8FB5-BA0C5B796B57}" v="20" dt="2021-12-20T00:11:37.728"/>
+    <p1510:client id="{28D09BD0-4E6E-4754-AF29-10AA1563230C}" v="220" dt="2021-12-16T07:17:24.009"/>
   </p1510:revLst>
 </p1510:revInfo>
 </file>
@@ -323,7 +324,7 @@
               <a:rPr kumimoji="1" lang="ja-JP" altLang="en-US" smtClean="0">
                 <a:ea typeface="メイリオ" panose="020B0604030504040204" pitchFamily="50" charset="-128"/>
               </a:rPr>
-              <a:t>2021/12/27</a:t>
+              <a:t>2022/2/14</a:t>
             </a:fld>
             <a:endParaRPr kumimoji="1" lang="ja-JP" altLang="en-US" dirty="0">
               <a:ea typeface="メイリオ" panose="020B0604030504040204" pitchFamily="50" charset="-128"/>
@@ -469,7 +470,7 @@
             <a:fld id="{4B26993D-C081-44EB-B0F5-A9F467792B62}" type="datetimeFigureOut">
               <a:rPr lang="ja-JP" altLang="en-US" smtClean="0"/>
               <a:pPr/>
-              <a:t>2021/12/27</a:t>
+              <a:t>2022/2/14</a:t>
             </a:fld>
             <a:endParaRPr lang="ja-JP" altLang="en-US" dirty="0"/>
           </a:p>
@@ -757,91 +758,6 @@
     <p:extLst>
       <p:ext uri="{BB962C8B-B14F-4D97-AF65-F5344CB8AC3E}">
         <p14:creationId xmlns:p14="http://schemas.microsoft.com/office/powerpoint/2010/main" val="1843696059"/>
-      </p:ext>
-    </p:extLst>
-  </p:cSld>
-  <p:clrMapOvr>
-    <a:masterClrMapping/>
-  </p:clrMapOvr>
-</p:notes>
-</file>
-
-<file path=ppt/notesSlides/notesSlide2.xml><?xml version="1.0" encoding="utf-8"?>
-<p:notes xmlns:a="http://schemas.openxmlformats.org/drawingml/2006/main" xmlns:r="http://schemas.openxmlformats.org/officeDocument/2006/relationships" xmlns:p="http://schemas.openxmlformats.org/presentationml/2006/main">
-  <p:cSld>
-    <p:spTree>
-      <p:nvGrpSpPr>
-        <p:cNvPr id="1" name=""/>
-        <p:cNvGrpSpPr/>
-        <p:nvPr/>
-      </p:nvGrpSpPr>
-      <p:grpSpPr>
-        <a:xfrm>
-          <a:off x="0" y="0"/>
-          <a:ext cx="0" cy="0"/>
-          <a:chOff x="0" y="0"/>
-          <a:chExt cx="0" cy="0"/>
-        </a:xfrm>
-      </p:grpSpPr>
-      <p:sp>
-        <p:nvSpPr>
-          <p:cNvPr id="2" name="スライド イメージ プレースホルダー 1"/>
-          <p:cNvSpPr>
-            <a:spLocks noGrp="1" noRot="1" noChangeAspect="1"/>
-          </p:cNvSpPr>
-          <p:nvPr>
-            <p:ph type="sldImg"/>
-          </p:nvPr>
-        </p:nvSpPr>
-        <p:spPr/>
-      </p:sp>
-      <p:sp>
-        <p:nvSpPr>
-          <p:cNvPr id="3" name="ノート プレースホルダー 2"/>
-          <p:cNvSpPr>
-            <a:spLocks noGrp="1"/>
-          </p:cNvSpPr>
-          <p:nvPr>
-            <p:ph type="body" idx="1"/>
-          </p:nvPr>
-        </p:nvSpPr>
-        <p:spPr/>
-        <p:txBody>
-          <a:bodyPr/>
-          <a:lstStyle/>
-          <a:p>
-            <a:endParaRPr kumimoji="1" lang="ja-JP" altLang="en-US" dirty="0"/>
-          </a:p>
-        </p:txBody>
-      </p:sp>
-      <p:sp>
-        <p:nvSpPr>
-          <p:cNvPr id="4" name="スライド番号プレースホルダー 3"/>
-          <p:cNvSpPr>
-            <a:spLocks noGrp="1"/>
-          </p:cNvSpPr>
-          <p:nvPr>
-            <p:ph type="sldNum" sz="quarter" idx="5"/>
-          </p:nvPr>
-        </p:nvSpPr>
-        <p:spPr/>
-        <p:txBody>
-          <a:bodyPr/>
-          <a:lstStyle/>
-          <a:p>
-            <a:fld id="{CFBBA293-708C-4261-9FD1-AE04041D5F79}" type="slidenum">
-              <a:rPr lang="ja-JP" altLang="en-US" smtClean="0"/>
-              <a:pPr/>
-              <a:t>14</a:t>
-            </a:fld>
-            <a:endParaRPr lang="ja-JP" altLang="en-US" dirty="0"/>
-          </a:p>
-        </p:txBody>
-      </p:sp>
-    </p:spTree>
-    <p:extLst>
-      <p:ext uri="{BB962C8B-B14F-4D97-AF65-F5344CB8AC3E}">
-        <p14:creationId xmlns:p14="http://schemas.microsoft.com/office/powerpoint/2010/main" val="291546989"/>
       </p:ext>
     </p:extLst>
   </p:cSld>
@@ -3878,17 +3794,24 @@
                 <a:ea typeface="+mn-lt"/>
                 <a:cs typeface="+mn-lt"/>
               </a:rPr>
-              <a:t>ITAバージョン</a:t>
-            </a:r>
-            <a:r>
-              <a:rPr lang="en-US" altLang="ja-JP" dirty="0">
+              <a:t>ITA</a:t>
+            </a:r>
+            <a:r>
+              <a:rPr lang="ja-JP" dirty="0" smtClean="0">
+                <a:ea typeface="+mn-lt"/>
+                <a:cs typeface="+mn-lt"/>
+              </a:rPr>
+              <a:t>バージョン</a:t>
+            </a:r>
+            <a:r>
+              <a:rPr lang="en-US" altLang="ja-JP" dirty="0" smtClean="0">
                 <a:ea typeface="+mn-lt"/>
                 <a:cs typeface="+mn-lt"/>
               </a:rPr>
               <a:t>1.9.0</a:t>
             </a:r>
             <a:r>
-              <a:rPr lang="ja-JP" dirty="0">
+              <a:rPr lang="ja-JP" dirty="0" smtClean="0">
                 <a:ea typeface="+mn-lt"/>
                 <a:cs typeface="+mn-lt"/>
               </a:rPr>
@@ -4196,7 +4119,9 @@
             <a:endParaRPr lang="en-US" altLang="ja-JP" dirty="0"/>
           </a:p>
           <a:p>
-            <a:pPr lvl="1"/>
+            <a:pPr marL="180975" indent="0">
+              <a:buNone/>
+            </a:pPr>
             <a:r>
               <a:rPr lang="ja-JP" altLang="en-US" dirty="0"/>
               <a:t>仮想マシンの状態は「仮想マシン設定」メニューで確認できます。</a:t>
@@ -4245,7 +4170,7 @@
           <a:lstStyle/>
           <a:p>
             <a:pPr algn="ctr"/>
-            <a:endParaRPr kumimoji="1" lang="ja-JP" altLang="en-US" b="1" dirty="0">
+            <a:endParaRPr kumimoji="1" lang="ja-JP" altLang="en-US" b="1" dirty="0" smtClean="0">
               <a:latin typeface="+mn-ea"/>
             </a:endParaRPr>
           </a:p>
@@ -4296,7 +4221,7 @@
           <a:p>
             <a:pPr algn="ctr"/>
             <a:r>
-              <a:rPr kumimoji="1" lang="ja-JP" altLang="en-US" b="1" dirty="0">
+              <a:rPr kumimoji="1" lang="ja-JP" altLang="en-US" b="1" dirty="0" smtClean="0">
                 <a:latin typeface="+mn-ea"/>
               </a:rPr>
               <a:t>仮想マシン起動</a:t>
@@ -4320,8 +4245,8 @@
         </p:blipFill>
         <p:spPr>
           <a:xfrm>
-            <a:off x="5115992" y="4709838"/>
-            <a:ext cx="6815598" cy="1743278"/>
+            <a:off x="4031351" y="4336453"/>
+            <a:ext cx="7920000" cy="2025760"/>
           </a:xfrm>
           <a:prstGeom prst="rect">
             <a:avLst/>
@@ -4344,218 +4269,14 @@
         </p:blipFill>
         <p:spPr>
           <a:xfrm>
-            <a:off x="1343340" y="2494870"/>
-            <a:ext cx="6815598" cy="1726240"/>
+            <a:off x="238938" y="2131583"/>
+            <a:ext cx="7920000" cy="2005960"/>
           </a:xfrm>
           <a:prstGeom prst="rect">
             <a:avLst/>
           </a:prstGeom>
         </p:spPr>
       </p:pic>
-      <p:sp>
-        <p:nvSpPr>
-          <p:cNvPr id="4" name="正方形/長方形 3">
-            <a:extLst>
-              <a:ext uri="{FF2B5EF4-FFF2-40B4-BE49-F238E27FC236}">
-                <a16:creationId xmlns:a16="http://schemas.microsoft.com/office/drawing/2014/main" id="{AC58FA32-6758-4AA4-82F2-D06A5CC7D877}"/>
-              </a:ext>
-            </a:extLst>
-          </p:cNvPr>
-          <p:cNvSpPr/>
-          <p:nvPr/>
-        </p:nvSpPr>
-        <p:spPr bwMode="auto">
-          <a:xfrm>
-            <a:off x="82147" y="2050583"/>
-            <a:ext cx="2160300" cy="468000"/>
-          </a:xfrm>
-          <a:prstGeom prst="rect">
-            <a:avLst/>
-          </a:prstGeom>
-          <a:solidFill>
-            <a:schemeClr val="bg1">
-              <a:lumMod val="95000"/>
-            </a:schemeClr>
-          </a:solidFill>
-          <a:ln w="12700">
-            <a:noFill/>
-          </a:ln>
-          <a:effectLst/>
-        </p:spPr>
-        <p:txBody>
-          <a:bodyPr rot="0" spcFirstLastPara="0" vertOverflow="overflow" horzOverflow="overflow" vert="horz" wrap="none" lIns="72000" tIns="72000" rIns="72000" bIns="72000" numCol="1" spcCol="0" rtlCol="0" fromWordArt="0" anchor="ctr" anchorCtr="0" forceAA="0" compatLnSpc="1">
-            <a:prstTxWarp prst="textNoShape">
-              <a:avLst/>
-            </a:prstTxWarp>
-            <a:noAutofit/>
-          </a:bodyPr>
-          <a:lstStyle/>
-          <a:p>
-            <a:pPr algn="ctr"/>
-            <a:r>
-              <a:rPr kumimoji="1" lang="en-US" altLang="ja-JP" dirty="0">
-                <a:latin typeface="+mn-ea"/>
-              </a:rPr>
-              <a:t>Conductor</a:t>
-            </a:r>
-            <a:r>
-              <a:rPr kumimoji="1" lang="ja-JP" altLang="en-US" dirty="0">
-                <a:latin typeface="+mn-ea"/>
-              </a:rPr>
-              <a:t>実行前</a:t>
-            </a:r>
-          </a:p>
-        </p:txBody>
-      </p:sp>
-      <p:sp>
-        <p:nvSpPr>
-          <p:cNvPr id="11" name="正方形/長方形 10">
-            <a:extLst>
-              <a:ext uri="{FF2B5EF4-FFF2-40B4-BE49-F238E27FC236}">
-                <a16:creationId xmlns:a16="http://schemas.microsoft.com/office/drawing/2014/main" id="{4B87DB4D-DBA0-447F-B7D7-AE424B5E7E92}"/>
-              </a:ext>
-            </a:extLst>
-          </p:cNvPr>
-          <p:cNvSpPr/>
-          <p:nvPr/>
-        </p:nvSpPr>
-        <p:spPr bwMode="auto">
-          <a:xfrm>
-            <a:off x="3670989" y="4264263"/>
-            <a:ext cx="2160300" cy="468000"/>
-          </a:xfrm>
-          <a:prstGeom prst="rect">
-            <a:avLst/>
-          </a:prstGeom>
-          <a:solidFill>
-            <a:schemeClr val="bg1">
-              <a:lumMod val="95000"/>
-            </a:schemeClr>
-          </a:solidFill>
-          <a:ln w="12700">
-            <a:noFill/>
-          </a:ln>
-          <a:effectLst/>
-        </p:spPr>
-        <p:txBody>
-          <a:bodyPr rot="0" spcFirstLastPara="0" vertOverflow="overflow" horzOverflow="overflow" vert="horz" wrap="none" lIns="72000" tIns="72000" rIns="72000" bIns="72000" numCol="1" spcCol="0" rtlCol="0" fromWordArt="0" anchor="ctr" anchorCtr="0" forceAA="0" compatLnSpc="1">
-            <a:prstTxWarp prst="textNoShape">
-              <a:avLst/>
-            </a:prstTxWarp>
-            <a:noAutofit/>
-          </a:bodyPr>
-          <a:lstStyle/>
-          <a:p>
-            <a:pPr algn="ctr"/>
-            <a:r>
-              <a:rPr kumimoji="1" lang="en-US" altLang="ja-JP" dirty="0">
-                <a:latin typeface="+mn-ea"/>
-              </a:rPr>
-              <a:t>Conductor</a:t>
-            </a:r>
-            <a:r>
-              <a:rPr kumimoji="1" lang="ja-JP" altLang="en-US" dirty="0">
-                <a:latin typeface="+mn-ea"/>
-              </a:rPr>
-              <a:t>実行後</a:t>
-            </a:r>
-          </a:p>
-        </p:txBody>
-      </p:sp>
-      <p:sp>
-        <p:nvSpPr>
-          <p:cNvPr id="14" name="正方形/長方形 13">
-            <a:extLst>
-              <a:ext uri="{FF2B5EF4-FFF2-40B4-BE49-F238E27FC236}">
-                <a16:creationId xmlns:a16="http://schemas.microsoft.com/office/drawing/2014/main" id="{45A3A95C-FDEE-45DB-91FD-34B8A0E7EA96}"/>
-              </a:ext>
-            </a:extLst>
-          </p:cNvPr>
-          <p:cNvSpPr/>
-          <p:nvPr/>
-        </p:nvSpPr>
-        <p:spPr bwMode="auto">
-          <a:xfrm>
-            <a:off x="8140370" y="5928176"/>
-            <a:ext cx="675210" cy="194341"/>
-          </a:xfrm>
-          <a:prstGeom prst="rect">
-            <a:avLst/>
-          </a:prstGeom>
-          <a:noFill/>
-          <a:ln w="38100">
-            <a:solidFill>
-              <a:schemeClr val="accent6">
-                <a:lumMod val="75000"/>
-                <a:lumOff val="25000"/>
-              </a:schemeClr>
-            </a:solidFill>
-          </a:ln>
-          <a:effectLst/>
-        </p:spPr>
-        <p:txBody>
-          <a:bodyPr rot="0" spcFirstLastPara="0" vertOverflow="overflow" horzOverflow="overflow" vert="horz" wrap="none" lIns="72000" tIns="72000" rIns="72000" bIns="72000" numCol="1" spcCol="0" rtlCol="0" fromWordArt="0" anchor="ctr" anchorCtr="0" forceAA="0" compatLnSpc="1">
-            <a:prstTxWarp prst="textNoShape">
-              <a:avLst/>
-            </a:prstTxWarp>
-            <a:noAutofit/>
-          </a:bodyPr>
-          <a:lstStyle/>
-          <a:p>
-            <a:pPr algn="ctr"/>
-            <a:endParaRPr kumimoji="1" lang="ja-JP" altLang="en-US" b="1" dirty="0">
-              <a:latin typeface="+mn-ea"/>
-            </a:endParaRPr>
-          </a:p>
-        </p:txBody>
-      </p:sp>
-      <p:sp>
-        <p:nvSpPr>
-          <p:cNvPr id="15" name="正方形/長方形 14">
-            <a:extLst>
-              <a:ext uri="{FF2B5EF4-FFF2-40B4-BE49-F238E27FC236}">
-                <a16:creationId xmlns:a16="http://schemas.microsoft.com/office/drawing/2014/main" id="{1D77E20A-E344-40E6-AEA7-939DFD6FAF3D}"/>
-              </a:ext>
-            </a:extLst>
-          </p:cNvPr>
-          <p:cNvSpPr/>
-          <p:nvPr/>
-        </p:nvSpPr>
-        <p:spPr bwMode="auto">
-          <a:xfrm>
-            <a:off x="4343375" y="3675902"/>
-            <a:ext cx="675210" cy="194341"/>
-          </a:xfrm>
-          <a:prstGeom prst="rect">
-            <a:avLst/>
-          </a:prstGeom>
-          <a:noFill/>
-          <a:ln w="38100">
-            <a:solidFill>
-              <a:schemeClr val="accent6">
-                <a:lumMod val="75000"/>
-                <a:lumOff val="25000"/>
-              </a:schemeClr>
-            </a:solidFill>
-          </a:ln>
-          <a:effectLst/>
-        </p:spPr>
-        <p:txBody>
-          <a:bodyPr rot="0" spcFirstLastPara="0" vertOverflow="overflow" horzOverflow="overflow" vert="horz" wrap="none" lIns="72000" tIns="72000" rIns="72000" bIns="72000" numCol="1" spcCol="0" rtlCol="0" fromWordArt="0" anchor="ctr" anchorCtr="0" forceAA="0" compatLnSpc="1">
-            <a:prstTxWarp prst="textNoShape">
-              <a:avLst/>
-            </a:prstTxWarp>
-            <a:noAutofit/>
-          </a:bodyPr>
-          <a:lstStyle/>
-          <a:p>
-            <a:pPr algn="ctr"/>
-            <a:endParaRPr kumimoji="1" lang="ja-JP" altLang="en-US" b="1" dirty="0">
-              <a:latin typeface="+mn-ea"/>
-            </a:endParaRPr>
-          </a:p>
-        </p:txBody>
-      </p:sp>
     </p:spTree>
     <p:extLst>
       <p:ext uri="{BB962C8B-B14F-4D97-AF65-F5344CB8AC3E}">
@@ -4673,188 +4394,26 @@
             <a:endParaRPr lang="en-US" altLang="ja-JP" dirty="0"/>
           </a:p>
           <a:p>
-            <a:pPr lvl="1"/>
+            <a:pPr marL="180975" indent="0">
+              <a:buNone/>
+            </a:pPr>
             <a:r>
               <a:rPr lang="ja-JP" altLang="en-US" dirty="0"/>
               <a:t>仮想マシンの状態は「仮想マシン設定」メニューで確認できます。</a:t>
             </a:r>
             <a:endParaRPr lang="en-US" altLang="ja-JP" dirty="0"/>
-          </a:p>
-        </p:txBody>
-      </p:sp>
-      <p:pic>
-        <p:nvPicPr>
-          <p:cNvPr id="8" name="図 7"/>
-          <p:cNvPicPr>
-            <a:picLocks noChangeAspect="1"/>
-          </p:cNvPicPr>
-          <p:nvPr/>
-        </p:nvPicPr>
-        <p:blipFill>
-          <a:blip r:embed="rId2"/>
-          <a:stretch>
-            <a:fillRect/>
-          </a:stretch>
-        </p:blipFill>
-        <p:spPr>
-          <a:xfrm>
-            <a:off x="1775400" y="2457398"/>
-            <a:ext cx="6383950" cy="1632873"/>
-          </a:xfrm>
-          <a:prstGeom prst="rect">
-            <a:avLst/>
-          </a:prstGeom>
-        </p:spPr>
-      </p:pic>
-      <p:pic>
-        <p:nvPicPr>
-          <p:cNvPr id="9" name="図 8"/>
-          <p:cNvPicPr>
-            <a:picLocks noChangeAspect="1"/>
-          </p:cNvPicPr>
-          <p:nvPr/>
-        </p:nvPicPr>
-        <p:blipFill>
-          <a:blip r:embed="rId3"/>
-          <a:stretch>
-            <a:fillRect/>
-          </a:stretch>
-        </p:blipFill>
-        <p:spPr>
-          <a:xfrm>
-            <a:off x="5567401" y="4657796"/>
-            <a:ext cx="6383950" cy="1616913"/>
-          </a:xfrm>
-          <a:prstGeom prst="rect">
-            <a:avLst/>
-          </a:prstGeom>
-        </p:spPr>
-      </p:pic>
-      <p:sp>
-        <p:nvSpPr>
-          <p:cNvPr id="10" name="正方形/長方形 9">
-            <a:extLst>
-              <a:ext uri="{FF2B5EF4-FFF2-40B4-BE49-F238E27FC236}">
-                <a16:creationId xmlns:a16="http://schemas.microsoft.com/office/drawing/2014/main" id="{67B59161-AE04-4050-954A-798451F3D900}"/>
-              </a:ext>
-            </a:extLst>
-          </p:cNvPr>
-          <p:cNvSpPr/>
-          <p:nvPr/>
-        </p:nvSpPr>
-        <p:spPr bwMode="auto">
-          <a:xfrm>
-            <a:off x="82147" y="2050583"/>
-            <a:ext cx="2160300" cy="468000"/>
-          </a:xfrm>
-          <a:prstGeom prst="rect">
-            <a:avLst/>
-          </a:prstGeom>
-          <a:solidFill>
-            <a:schemeClr val="bg1">
-              <a:lumMod val="95000"/>
-            </a:schemeClr>
-          </a:solidFill>
-          <a:ln w="12700">
-            <a:noFill/>
-          </a:ln>
-          <a:effectLst/>
-        </p:spPr>
-        <p:txBody>
-          <a:bodyPr rot="0" spcFirstLastPara="0" vertOverflow="overflow" horzOverflow="overflow" vert="horz" wrap="none" lIns="72000" tIns="72000" rIns="72000" bIns="72000" numCol="1" spcCol="0" rtlCol="0" fromWordArt="0" anchor="ctr" anchorCtr="0" forceAA="0" compatLnSpc="1">
-            <a:prstTxWarp prst="textNoShape">
-              <a:avLst/>
-            </a:prstTxWarp>
-            <a:noAutofit/>
-          </a:bodyPr>
-          <a:lstStyle/>
-          <a:p>
-            <a:pPr algn="ctr"/>
-            <a:r>
-              <a:rPr kumimoji="1" lang="en-US" altLang="ja-JP" dirty="0">
-                <a:latin typeface="+mn-ea"/>
-              </a:rPr>
-              <a:t>Conductor</a:t>
-            </a:r>
-            <a:r>
-              <a:rPr kumimoji="1" lang="ja-JP" altLang="en-US" dirty="0">
-                <a:latin typeface="+mn-ea"/>
-              </a:rPr>
-              <a:t>実行前</a:t>
-            </a:r>
           </a:p>
         </p:txBody>
       </p:sp>
       <p:sp>
         <p:nvSpPr>
-          <p:cNvPr id="11" name="正方形/長方形 10">
-            <a:extLst>
-              <a:ext uri="{FF2B5EF4-FFF2-40B4-BE49-F238E27FC236}">
-                <a16:creationId xmlns:a16="http://schemas.microsoft.com/office/drawing/2014/main" id="{426E4CC9-7A62-4EFF-9CAC-57E0C5F4C973}"/>
-              </a:ext>
-            </a:extLst>
-          </p:cNvPr>
-          <p:cNvSpPr/>
-          <p:nvPr/>
-        </p:nvSpPr>
-        <p:spPr bwMode="auto">
-          <a:xfrm>
-            <a:off x="3670989" y="4264263"/>
-            <a:ext cx="2160300" cy="468000"/>
-          </a:xfrm>
-          <a:prstGeom prst="rect">
-            <a:avLst/>
-          </a:prstGeom>
-          <a:solidFill>
-            <a:schemeClr val="bg1">
-              <a:lumMod val="95000"/>
-            </a:schemeClr>
-          </a:solidFill>
-          <a:ln w="12700">
-            <a:noFill/>
-          </a:ln>
-          <a:effectLst/>
-        </p:spPr>
-        <p:txBody>
-          <a:bodyPr rot="0" spcFirstLastPara="0" vertOverflow="overflow" horzOverflow="overflow" vert="horz" wrap="none" lIns="72000" tIns="72000" rIns="72000" bIns="72000" numCol="1" spcCol="0" rtlCol="0" fromWordArt="0" anchor="ctr" anchorCtr="0" forceAA="0" compatLnSpc="1">
-            <a:prstTxWarp prst="textNoShape">
-              <a:avLst/>
-            </a:prstTxWarp>
-            <a:noAutofit/>
-          </a:bodyPr>
-          <a:lstStyle/>
-          <a:p>
-            <a:pPr algn="ctr"/>
-            <a:r>
-              <a:rPr kumimoji="1" lang="en-US" altLang="ja-JP" dirty="0">
-                <a:latin typeface="+mn-ea"/>
-              </a:rPr>
-              <a:t>Conductor</a:t>
-            </a:r>
-            <a:r>
-              <a:rPr kumimoji="1" lang="ja-JP" altLang="en-US" dirty="0">
-                <a:latin typeface="+mn-ea"/>
-              </a:rPr>
-              <a:t>実行後</a:t>
-            </a:r>
-          </a:p>
-        </p:txBody>
-      </p:sp>
-      <p:sp>
-        <p:nvSpPr>
-          <p:cNvPr id="12" name="曲折矢印 8">
-            <a:extLst>
-              <a:ext uri="{FF2B5EF4-FFF2-40B4-BE49-F238E27FC236}">
-                <a16:creationId xmlns:a16="http://schemas.microsoft.com/office/drawing/2014/main" id="{70987E49-D98B-4C43-B5AB-3AC3434EB62B}"/>
-              </a:ext>
-            </a:extLst>
-          </p:cNvPr>
+          <p:cNvPr id="6" name="曲折矢印 5"/>
           <p:cNvSpPr/>
           <p:nvPr/>
         </p:nvSpPr>
         <p:spPr bwMode="auto">
           <a:xfrm rot="5400000">
-            <a:off x="8530402" y="2607198"/>
+            <a:off x="8413501" y="2654120"/>
             <a:ext cx="1368190" cy="1682593"/>
           </a:xfrm>
           <a:prstGeom prst="bentArrow">
@@ -4886,7 +4445,7 @@
           <a:lstStyle/>
           <a:p>
             <a:pPr algn="ctr"/>
-            <a:endParaRPr kumimoji="1" lang="ja-JP" altLang="en-US" b="1" dirty="0">
+            <a:endParaRPr kumimoji="1" lang="ja-JP" altLang="en-US" b="1" dirty="0" smtClean="0">
               <a:latin typeface="+mn-ea"/>
             </a:endParaRPr>
           </a:p>
@@ -4894,19 +4453,13 @@
       </p:sp>
       <p:sp>
         <p:nvSpPr>
-          <p:cNvPr id="13" name="角丸四角形吹き出し 9">
-            <a:extLst>
-              <a:ext uri="{FF2B5EF4-FFF2-40B4-BE49-F238E27FC236}">
-                <a16:creationId xmlns:a16="http://schemas.microsoft.com/office/drawing/2014/main" id="{D35396A2-4293-4F0B-B3C3-0A2DB7A052A8}"/>
-              </a:ext>
-            </a:extLst>
-          </p:cNvPr>
+          <p:cNvPr id="7" name="角丸四角形吹き出し 6"/>
           <p:cNvSpPr/>
           <p:nvPr/>
         </p:nvSpPr>
         <p:spPr bwMode="auto">
           <a:xfrm>
-            <a:off x="9840520" y="2380814"/>
+            <a:off x="9768510" y="2385095"/>
             <a:ext cx="1931088" cy="513658"/>
           </a:xfrm>
           <a:prstGeom prst="wedgeRoundRectCallout">
@@ -4943,117 +4496,62 @@
           <a:p>
             <a:pPr algn="ctr"/>
             <a:r>
-              <a:rPr kumimoji="1" lang="ja-JP" altLang="en-US" b="1" dirty="0">
+              <a:rPr kumimoji="1" lang="ja-JP" altLang="en-US" b="1" dirty="0" smtClean="0">
                 <a:latin typeface="+mn-ea"/>
               </a:rPr>
-              <a:t>仮想マシン</a:t>
-            </a:r>
-            <a:r>
-              <a:rPr lang="ja-JP" altLang="en-US" b="1" dirty="0">
-                <a:latin typeface="+mn-ea"/>
-              </a:rPr>
-              <a:t>停止</a:t>
-            </a:r>
-            <a:endParaRPr kumimoji="1" lang="ja-JP" altLang="en-US" b="1" dirty="0">
-              <a:latin typeface="+mn-ea"/>
-            </a:endParaRPr>
+              <a:t>仮想マシン停止</a:t>
+            </a:r>
           </a:p>
         </p:txBody>
       </p:sp>
-      <p:sp>
-        <p:nvSpPr>
-          <p:cNvPr id="14" name="正方形/長方形 13">
-            <a:extLst>
-              <a:ext uri="{FF2B5EF4-FFF2-40B4-BE49-F238E27FC236}">
-                <a16:creationId xmlns:a16="http://schemas.microsoft.com/office/drawing/2014/main" id="{F667A69C-E48C-4469-A398-6BF6C568B714}"/>
-              </a:ext>
-            </a:extLst>
-          </p:cNvPr>
-          <p:cNvSpPr/>
+      <p:pic>
+        <p:nvPicPr>
+          <p:cNvPr id="8" name="図 7"/>
+          <p:cNvPicPr>
+            <a:picLocks noChangeAspect="1"/>
+          </p:cNvPicPr>
           <p:nvPr/>
-        </p:nvSpPr>
-        <p:spPr bwMode="auto">
+        </p:nvPicPr>
+        <p:blipFill>
+          <a:blip r:embed="rId2"/>
+          <a:stretch>
+            <a:fillRect/>
+          </a:stretch>
+        </p:blipFill>
+        <p:spPr>
           <a:xfrm>
-            <a:off x="4583790" y="3585184"/>
-            <a:ext cx="675210" cy="194341"/>
+            <a:off x="239350" y="2064512"/>
+            <a:ext cx="7920000" cy="2025760"/>
           </a:xfrm>
           <a:prstGeom prst="rect">
             <a:avLst/>
           </a:prstGeom>
-          <a:noFill/>
-          <a:ln w="38100">
-            <a:solidFill>
-              <a:schemeClr val="accent6">
-                <a:lumMod val="75000"/>
-                <a:lumOff val="25000"/>
-              </a:schemeClr>
-            </a:solidFill>
-          </a:ln>
-          <a:effectLst/>
         </p:spPr>
-        <p:txBody>
-          <a:bodyPr rot="0" spcFirstLastPara="0" vertOverflow="overflow" horzOverflow="overflow" vert="horz" wrap="none" lIns="72000" tIns="72000" rIns="72000" bIns="72000" numCol="1" spcCol="0" rtlCol="0" fromWordArt="0" anchor="ctr" anchorCtr="0" forceAA="0" compatLnSpc="1">
-            <a:prstTxWarp prst="textNoShape">
-              <a:avLst/>
-            </a:prstTxWarp>
-            <a:noAutofit/>
-          </a:bodyPr>
-          <a:lstStyle/>
-          <a:p>
-            <a:pPr algn="ctr"/>
-            <a:endParaRPr kumimoji="1" lang="ja-JP" altLang="en-US" b="1" dirty="0">
-              <a:latin typeface="+mn-ea"/>
-            </a:endParaRPr>
-          </a:p>
-        </p:txBody>
-      </p:sp>
-      <p:sp>
-        <p:nvSpPr>
-          <p:cNvPr id="15" name="正方形/長方形 14">
-            <a:extLst>
-              <a:ext uri="{FF2B5EF4-FFF2-40B4-BE49-F238E27FC236}">
-                <a16:creationId xmlns:a16="http://schemas.microsoft.com/office/drawing/2014/main" id="{C69E92EC-CC42-4303-99BF-EFADF34D2E21}"/>
-              </a:ext>
-            </a:extLst>
-          </p:cNvPr>
-          <p:cNvSpPr/>
+      </p:pic>
+      <p:pic>
+        <p:nvPicPr>
+          <p:cNvPr id="9" name="図 8"/>
+          <p:cNvPicPr>
+            <a:picLocks noChangeAspect="1"/>
+          </p:cNvPicPr>
           <p:nvPr/>
-        </p:nvSpPr>
-        <p:spPr bwMode="auto">
+        </p:nvPicPr>
+        <p:blipFill>
+          <a:blip r:embed="rId3"/>
+          <a:stretch>
+            <a:fillRect/>
+          </a:stretch>
+        </p:blipFill>
+        <p:spPr>
           <a:xfrm>
-            <a:off x="8385460" y="5755009"/>
-            <a:ext cx="675210" cy="194341"/>
+            <a:off x="4031351" y="4268750"/>
+            <a:ext cx="7920000" cy="2005960"/>
           </a:xfrm>
           <a:prstGeom prst="rect">
             <a:avLst/>
           </a:prstGeom>
-          <a:noFill/>
-          <a:ln w="38100">
-            <a:solidFill>
-              <a:schemeClr val="accent6">
-                <a:lumMod val="75000"/>
-                <a:lumOff val="25000"/>
-              </a:schemeClr>
-            </a:solidFill>
-          </a:ln>
-          <a:effectLst/>
         </p:spPr>
-        <p:txBody>
-          <a:bodyPr rot="0" spcFirstLastPara="0" vertOverflow="overflow" horzOverflow="overflow" vert="horz" wrap="none" lIns="72000" tIns="72000" rIns="72000" bIns="72000" numCol="1" spcCol="0" rtlCol="0" fromWordArt="0" anchor="ctr" anchorCtr="0" forceAA="0" compatLnSpc="1">
-            <a:prstTxWarp prst="textNoShape">
-              <a:avLst/>
-            </a:prstTxWarp>
-            <a:noAutofit/>
-          </a:bodyPr>
-          <a:lstStyle/>
-          <a:p>
-            <a:pPr algn="ctr"/>
-            <a:endParaRPr kumimoji="1" lang="ja-JP" altLang="en-US" b="1" dirty="0">
-              <a:latin typeface="+mn-ea"/>
-            </a:endParaRPr>
-          </a:p>
-        </p:txBody>
-      </p:sp>
+      </p:pic>
     </p:spTree>
     <p:extLst>
       <p:ext uri="{BB962C8B-B14F-4D97-AF65-F5344CB8AC3E}">
@@ -5166,12 +4664,22 @@
             </a:pPr>
             <a:r>
               <a:rPr lang="ja-JP" altLang="en-US" dirty="0"/>
-              <a:t>対象の仮想マシンは「削除」状態である必要があります。</a:t>
+              <a:t>対象の仮想マシンは</a:t>
+            </a:r>
+            <a:r>
+              <a:rPr lang="ja-JP" altLang="en-US" dirty="0" smtClean="0"/>
+              <a:t>「削除」</a:t>
+            </a:r>
+            <a:r>
+              <a:rPr lang="ja-JP" altLang="en-US" dirty="0"/>
+              <a:t>状態である必要があります。</a:t>
             </a:r>
             <a:endParaRPr lang="en-US" altLang="ja-JP" dirty="0"/>
           </a:p>
           <a:p>
-            <a:pPr lvl="1"/>
+            <a:pPr marL="180975" indent="0">
+              <a:buNone/>
+            </a:pPr>
             <a:r>
               <a:rPr lang="ja-JP" altLang="en-US" dirty="0"/>
               <a:t>仮想マシンの状態は「仮想マシン設定」メニューで確認できます。</a:t>
@@ -5183,69 +4691,15 @@
           </a:p>
         </p:txBody>
       </p:sp>
-      <p:pic>
-        <p:nvPicPr>
-          <p:cNvPr id="6" name="図 5"/>
-          <p:cNvPicPr>
-            <a:picLocks noChangeAspect="1"/>
-          </p:cNvPicPr>
-          <p:nvPr/>
-        </p:nvPicPr>
-        <p:blipFill>
-          <a:blip r:embed="rId2"/>
-          <a:stretch>
-            <a:fillRect/>
-          </a:stretch>
-        </p:blipFill>
-        <p:spPr>
-          <a:xfrm>
-            <a:off x="1705094" y="2439416"/>
-            <a:ext cx="6454255" cy="1650855"/>
-          </a:xfrm>
-          <a:prstGeom prst="rect">
-            <a:avLst/>
-          </a:prstGeom>
-        </p:spPr>
-      </p:pic>
-      <p:pic>
-        <p:nvPicPr>
-          <p:cNvPr id="8" name="図 7"/>
-          <p:cNvPicPr>
-            <a:picLocks noChangeAspect="1"/>
-          </p:cNvPicPr>
-          <p:nvPr/>
-        </p:nvPicPr>
-        <p:blipFill>
-          <a:blip r:embed="rId3"/>
-          <a:stretch>
-            <a:fillRect/>
-          </a:stretch>
-        </p:blipFill>
-        <p:spPr>
-          <a:xfrm>
-            <a:off x="5087859" y="4675836"/>
-            <a:ext cx="6863491" cy="1650856"/>
-          </a:xfrm>
-          <a:prstGeom prst="rect">
-            <a:avLst/>
-          </a:prstGeom>
-        </p:spPr>
-      </p:pic>
       <p:sp>
         <p:nvSpPr>
-          <p:cNvPr id="9" name="曲折矢印 8">
-            <a:extLst>
-              <a:ext uri="{FF2B5EF4-FFF2-40B4-BE49-F238E27FC236}">
-                <a16:creationId xmlns:a16="http://schemas.microsoft.com/office/drawing/2014/main" id="{3A76AB87-3117-446A-94FA-F678EE9C8E17}"/>
-              </a:ext>
-            </a:extLst>
-          </p:cNvPr>
+          <p:cNvPr id="4" name="曲折矢印 3"/>
           <p:cNvSpPr/>
           <p:nvPr/>
         </p:nvSpPr>
         <p:spPr bwMode="auto">
           <a:xfrm rot="5400000">
-            <a:off x="8530402" y="2607198"/>
+            <a:off x="8530608" y="2612158"/>
             <a:ext cx="1368190" cy="1682593"/>
           </a:xfrm>
           <a:prstGeom prst="bentArrow">
@@ -5277,7 +4731,7 @@
           <a:lstStyle/>
           <a:p>
             <a:pPr algn="ctr"/>
-            <a:endParaRPr kumimoji="1" lang="ja-JP" altLang="en-US" b="1" dirty="0">
+            <a:endParaRPr kumimoji="1" lang="ja-JP" altLang="en-US" b="1" dirty="0" smtClean="0">
               <a:latin typeface="+mn-ea"/>
             </a:endParaRPr>
           </a:p>
@@ -5285,19 +4739,13 @@
       </p:sp>
       <p:sp>
         <p:nvSpPr>
-          <p:cNvPr id="10" name="角丸四角形吹き出し 9">
-            <a:extLst>
-              <a:ext uri="{FF2B5EF4-FFF2-40B4-BE49-F238E27FC236}">
-                <a16:creationId xmlns:a16="http://schemas.microsoft.com/office/drawing/2014/main" id="{AEDE8EBA-3E9A-4358-ABA9-4271D7F9FD25}"/>
-              </a:ext>
-            </a:extLst>
-          </p:cNvPr>
+          <p:cNvPr id="5" name="角丸四角形吹き出し 4"/>
           <p:cNvSpPr/>
           <p:nvPr/>
         </p:nvSpPr>
         <p:spPr bwMode="auto">
           <a:xfrm>
-            <a:off x="9840520" y="2380814"/>
+            <a:off x="9840520" y="2398369"/>
             <a:ext cx="1931088" cy="513658"/>
           </a:xfrm>
           <a:prstGeom prst="wedgeRoundRectCallout">
@@ -5334,180 +4782,62 @@
           <a:p>
             <a:pPr algn="ctr"/>
             <a:r>
-              <a:rPr kumimoji="1" lang="ja-JP" altLang="en-US" b="1" dirty="0">
+              <a:rPr kumimoji="1" lang="ja-JP" altLang="en-US" b="1" dirty="0" smtClean="0">
                 <a:latin typeface="+mn-ea"/>
               </a:rPr>
-              <a:t>仮想マシン</a:t>
-            </a:r>
-            <a:r>
-              <a:rPr lang="ja-JP" altLang="en-US" b="1" dirty="0">
-                <a:latin typeface="+mn-ea"/>
-              </a:rPr>
-              <a:t>削除</a:t>
-            </a:r>
-            <a:endParaRPr kumimoji="1" lang="ja-JP" altLang="en-US" b="1" dirty="0">
-              <a:latin typeface="+mn-ea"/>
-            </a:endParaRPr>
+              <a:t>仮想マシン削除</a:t>
+            </a:r>
           </a:p>
         </p:txBody>
       </p:sp>
-      <p:sp>
-        <p:nvSpPr>
-          <p:cNvPr id="11" name="正方形/長方形 10">
-            <a:extLst>
-              <a:ext uri="{FF2B5EF4-FFF2-40B4-BE49-F238E27FC236}">
-                <a16:creationId xmlns:a16="http://schemas.microsoft.com/office/drawing/2014/main" id="{223A4364-1250-436E-A58A-1A9EEB23E967}"/>
-              </a:ext>
-            </a:extLst>
-          </p:cNvPr>
-          <p:cNvSpPr/>
+      <p:pic>
+        <p:nvPicPr>
+          <p:cNvPr id="6" name="図 5"/>
+          <p:cNvPicPr>
+            <a:picLocks noChangeAspect="1"/>
+          </p:cNvPicPr>
           <p:nvPr/>
-        </p:nvSpPr>
-        <p:spPr bwMode="auto">
+        </p:nvPicPr>
+        <p:blipFill>
+          <a:blip r:embed="rId2"/>
+          <a:stretch>
+            <a:fillRect/>
+          </a:stretch>
+        </p:blipFill>
+        <p:spPr>
           <a:xfrm>
-            <a:off x="82147" y="2050583"/>
-            <a:ext cx="2160300" cy="468000"/>
+            <a:off x="239350" y="2064512"/>
+            <a:ext cx="7920000" cy="2025760"/>
           </a:xfrm>
           <a:prstGeom prst="rect">
             <a:avLst/>
           </a:prstGeom>
-          <a:solidFill>
-            <a:schemeClr val="bg1">
-              <a:lumMod val="95000"/>
-            </a:schemeClr>
-          </a:solidFill>
-          <a:ln w="12700">
-            <a:noFill/>
-          </a:ln>
-          <a:effectLst/>
         </p:spPr>
-        <p:txBody>
-          <a:bodyPr rot="0" spcFirstLastPara="0" vertOverflow="overflow" horzOverflow="overflow" vert="horz" wrap="none" lIns="72000" tIns="72000" rIns="72000" bIns="72000" numCol="1" spcCol="0" rtlCol="0" fromWordArt="0" anchor="ctr" anchorCtr="0" forceAA="0" compatLnSpc="1">
-            <a:prstTxWarp prst="textNoShape">
-              <a:avLst/>
-            </a:prstTxWarp>
-            <a:noAutofit/>
-          </a:bodyPr>
-          <a:lstStyle/>
-          <a:p>
-            <a:pPr algn="ctr"/>
-            <a:r>
-              <a:rPr kumimoji="1" lang="en-US" altLang="ja-JP" dirty="0">
-                <a:latin typeface="+mn-ea"/>
-              </a:rPr>
-              <a:t>Conductor</a:t>
-            </a:r>
-            <a:r>
-              <a:rPr kumimoji="1" lang="ja-JP" altLang="en-US" dirty="0">
-                <a:latin typeface="+mn-ea"/>
-              </a:rPr>
-              <a:t>実行前</a:t>
-            </a:r>
-          </a:p>
-        </p:txBody>
-      </p:sp>
-      <p:sp>
-        <p:nvSpPr>
-          <p:cNvPr id="12" name="正方形/長方形 11">
-            <a:extLst>
-              <a:ext uri="{FF2B5EF4-FFF2-40B4-BE49-F238E27FC236}">
-                <a16:creationId xmlns:a16="http://schemas.microsoft.com/office/drawing/2014/main" id="{7E82BD72-9AFA-45B6-92E5-F7133662B9C0}"/>
-              </a:ext>
-            </a:extLst>
-          </p:cNvPr>
-          <p:cNvSpPr/>
+      </p:pic>
+      <p:pic>
+        <p:nvPicPr>
+          <p:cNvPr id="8" name="図 7"/>
+          <p:cNvPicPr>
+            <a:picLocks noChangeAspect="1"/>
+          </p:cNvPicPr>
           <p:nvPr/>
-        </p:nvSpPr>
-        <p:spPr bwMode="auto">
+        </p:nvPicPr>
+        <p:blipFill>
+          <a:blip r:embed="rId3"/>
+          <a:stretch>
+            <a:fillRect/>
+          </a:stretch>
+        </p:blipFill>
+        <p:spPr>
           <a:xfrm>
-            <a:off x="3670989" y="4264263"/>
-            <a:ext cx="2160300" cy="468000"/>
+            <a:off x="4031351" y="4342881"/>
+            <a:ext cx="7920000" cy="1904975"/>
           </a:xfrm>
           <a:prstGeom prst="rect">
             <a:avLst/>
           </a:prstGeom>
-          <a:solidFill>
-            <a:schemeClr val="bg1">
-              <a:lumMod val="95000"/>
-            </a:schemeClr>
-          </a:solidFill>
-          <a:ln w="12700">
-            <a:noFill/>
-          </a:ln>
-          <a:effectLst/>
         </p:spPr>
-        <p:txBody>
-          <a:bodyPr rot="0" spcFirstLastPara="0" vertOverflow="overflow" horzOverflow="overflow" vert="horz" wrap="none" lIns="72000" tIns="72000" rIns="72000" bIns="72000" numCol="1" spcCol="0" rtlCol="0" fromWordArt="0" anchor="ctr" anchorCtr="0" forceAA="0" compatLnSpc="1">
-            <a:prstTxWarp prst="textNoShape">
-              <a:avLst/>
-            </a:prstTxWarp>
-            <a:noAutofit/>
-          </a:bodyPr>
-          <a:lstStyle/>
-          <a:p>
-            <a:pPr algn="ctr"/>
-            <a:r>
-              <a:rPr kumimoji="1" lang="en-US" altLang="ja-JP" dirty="0">
-                <a:latin typeface="+mn-ea"/>
-              </a:rPr>
-              <a:t>Conductor</a:t>
-            </a:r>
-            <a:r>
-              <a:rPr kumimoji="1" lang="ja-JP" altLang="en-US" dirty="0">
-                <a:latin typeface="+mn-ea"/>
-              </a:rPr>
-              <a:t>実行後</a:t>
-            </a:r>
-          </a:p>
-        </p:txBody>
-      </p:sp>
-      <p:sp>
-        <p:nvSpPr>
-          <p:cNvPr id="13" name="正方形/長方形 12">
-            <a:extLst>
-              <a:ext uri="{FF2B5EF4-FFF2-40B4-BE49-F238E27FC236}">
-                <a16:creationId xmlns:a16="http://schemas.microsoft.com/office/drawing/2014/main" id="{35D305FA-A197-446E-A51A-9485FDFEA128}"/>
-              </a:ext>
-            </a:extLst>
-          </p:cNvPr>
-          <p:cNvSpPr/>
-          <p:nvPr/>
-        </p:nvSpPr>
-        <p:spPr bwMode="auto">
-          <a:xfrm>
-            <a:off x="3215601" y="3585184"/>
-            <a:ext cx="4943748" cy="194341"/>
-          </a:xfrm>
-          <a:prstGeom prst="rect">
-            <a:avLst/>
-          </a:prstGeom>
-          <a:noFill/>
-          <a:ln w="38100">
-            <a:solidFill>
-              <a:schemeClr val="accent6">
-                <a:lumMod val="75000"/>
-                <a:lumOff val="25000"/>
-              </a:schemeClr>
-            </a:solidFill>
-          </a:ln>
-          <a:effectLst/>
-        </p:spPr>
-        <p:txBody>
-          <a:bodyPr rot="0" spcFirstLastPara="0" vertOverflow="overflow" horzOverflow="overflow" vert="horz" wrap="none" lIns="72000" tIns="72000" rIns="72000" bIns="72000" numCol="1" spcCol="0" rtlCol="0" fromWordArt="0" anchor="ctr" anchorCtr="0" forceAA="0" compatLnSpc="1">
-            <a:prstTxWarp prst="textNoShape">
-              <a:avLst/>
-            </a:prstTxWarp>
-            <a:noAutofit/>
-          </a:bodyPr>
-          <a:lstStyle/>
-          <a:p>
-            <a:pPr algn="ctr"/>
-            <a:endParaRPr kumimoji="1" lang="ja-JP" altLang="en-US" b="1" dirty="0">
-              <a:latin typeface="+mn-ea"/>
-            </a:endParaRPr>
-          </a:p>
-        </p:txBody>
-      </p:sp>
+      </p:pic>
     </p:spTree>
     <p:extLst>
       <p:ext uri="{BB962C8B-B14F-4D97-AF65-F5344CB8AC3E}">
@@ -5634,12 +4964,28 @@
             </a:r>
             <a:r>
               <a:rPr lang="ja-JP" altLang="en-US" dirty="0"/>
-              <a:t>アドレス設定を変更します。対象の仮想マシンは作成済である必要があります。</a:t>
+              <a:t>アドレス設定を変更します。</a:t>
             </a:r>
             <a:endParaRPr lang="en-US" altLang="ja-JP" dirty="0"/>
           </a:p>
           <a:p>
-            <a:pPr lvl="1"/>
+            <a:pPr marL="180975" indent="0">
+              <a:buNone/>
+            </a:pPr>
+            <a:r>
+              <a:rPr lang="ja-JP" altLang="en-US" dirty="0"/>
+              <a:t>対象の仮想マシンは作成済である必要があります</a:t>
+            </a:r>
+            <a:r>
+              <a:rPr lang="ja-JP" altLang="en-US" dirty="0" smtClean="0"/>
+              <a:t>。</a:t>
+            </a:r>
+            <a:endParaRPr lang="en-US" altLang="ja-JP" strike="sngStrike" dirty="0"/>
+          </a:p>
+          <a:p>
+            <a:pPr marL="180975" indent="0">
+              <a:buNone/>
+            </a:pPr>
             <a:r>
               <a:rPr lang="en-US" altLang="ja-JP" dirty="0"/>
               <a:t>IP</a:t>
@@ -5663,38 +5009,16 @@
           </p:cNvPicPr>
           <p:nvPr/>
         </p:nvPicPr>
-        <p:blipFill rotWithShape="1">
+        <p:blipFill>
           <a:blip r:embed="rId2"/>
-          <a:srcRect b="11961"/>
-          <a:stretch/>
+          <a:stretch>
+            <a:fillRect/>
+          </a:stretch>
         </p:blipFill>
         <p:spPr>
           <a:xfrm>
-            <a:off x="454330" y="2524807"/>
-            <a:ext cx="5260339" cy="2648621"/>
-          </a:xfrm>
-          <a:prstGeom prst="rect">
-            <a:avLst/>
-          </a:prstGeom>
-        </p:spPr>
-      </p:pic>
-      <p:pic>
-        <p:nvPicPr>
-          <p:cNvPr id="7" name="図 6"/>
-          <p:cNvPicPr>
-            <a:picLocks noChangeAspect="1"/>
-          </p:cNvPicPr>
-          <p:nvPr/>
-        </p:nvPicPr>
-        <p:blipFill rotWithShape="1">
-          <a:blip r:embed="rId3"/>
-          <a:srcRect b="11961"/>
-          <a:stretch/>
-        </p:blipFill>
-        <p:spPr>
-          <a:xfrm>
-            <a:off x="6617538" y="3792835"/>
-            <a:ext cx="5166075" cy="2648621"/>
+            <a:off x="427739" y="2276839"/>
+            <a:ext cx="5260339" cy="3008439"/>
           </a:xfrm>
           <a:prstGeom prst="rect">
             <a:avLst/>
@@ -5703,219 +5027,21 @@
       </p:pic>
       <p:sp>
         <p:nvSpPr>
-          <p:cNvPr id="8" name="正方形/長方形 7"/>
-          <p:cNvSpPr/>
-          <p:nvPr/>
-        </p:nvSpPr>
-        <p:spPr bwMode="auto">
-          <a:xfrm>
-            <a:off x="3784921" y="4958026"/>
-            <a:ext cx="594000" cy="174264"/>
-          </a:xfrm>
-          <a:prstGeom prst="rect">
-            <a:avLst/>
-          </a:prstGeom>
-          <a:noFill/>
-          <a:ln w="25400">
-            <a:solidFill>
-              <a:schemeClr val="accent6">
-                <a:lumMod val="75000"/>
-                <a:lumOff val="25000"/>
-              </a:schemeClr>
-            </a:solidFill>
-          </a:ln>
-          <a:effectLst/>
-        </p:spPr>
-        <p:txBody>
-          <a:bodyPr rot="0" spcFirstLastPara="0" vertOverflow="overflow" horzOverflow="overflow" vert="horz" wrap="none" lIns="72000" tIns="72000" rIns="72000" bIns="72000" numCol="1" spcCol="0" rtlCol="0" fromWordArt="0" anchor="ctr" anchorCtr="0" forceAA="0" compatLnSpc="1">
-            <a:prstTxWarp prst="textNoShape">
-              <a:avLst/>
-            </a:prstTxWarp>
-            <a:noAutofit/>
-          </a:bodyPr>
-          <a:lstStyle/>
-          <a:p>
-            <a:pPr algn="ctr"/>
-            <a:endParaRPr kumimoji="1" lang="ja-JP" altLang="en-US" b="1" dirty="0">
-              <a:latin typeface="+mn-ea"/>
-            </a:endParaRPr>
-          </a:p>
-        </p:txBody>
-      </p:sp>
-      <p:sp>
-        <p:nvSpPr>
-          <p:cNvPr id="9" name="正方形/長方形 8"/>
-          <p:cNvSpPr/>
-          <p:nvPr/>
-        </p:nvSpPr>
-        <p:spPr bwMode="auto">
-          <a:xfrm>
-            <a:off x="9880487" y="6095280"/>
-            <a:ext cx="594000" cy="149467"/>
-          </a:xfrm>
-          <a:prstGeom prst="rect">
-            <a:avLst/>
-          </a:prstGeom>
-          <a:noFill/>
-          <a:ln w="25400">
-            <a:solidFill>
-              <a:schemeClr val="accent6">
-                <a:lumMod val="75000"/>
-                <a:lumOff val="25000"/>
-              </a:schemeClr>
-            </a:solidFill>
-          </a:ln>
-          <a:effectLst/>
-        </p:spPr>
-        <p:txBody>
-          <a:bodyPr rot="0" spcFirstLastPara="0" vertOverflow="overflow" horzOverflow="overflow" vert="horz" wrap="none" lIns="72000" tIns="72000" rIns="72000" bIns="72000" numCol="1" spcCol="0" rtlCol="0" fromWordArt="0" anchor="ctr" anchorCtr="0" forceAA="0" compatLnSpc="1">
-            <a:prstTxWarp prst="textNoShape">
-              <a:avLst/>
-            </a:prstTxWarp>
-            <a:noAutofit/>
-          </a:bodyPr>
-          <a:lstStyle/>
-          <a:p>
-            <a:pPr algn="ctr"/>
-            <a:endParaRPr kumimoji="1" lang="ja-JP" altLang="en-US" b="1" dirty="0">
-              <a:latin typeface="+mn-ea"/>
-            </a:endParaRPr>
-          </a:p>
-        </p:txBody>
-      </p:sp>
-      <p:sp>
-        <p:nvSpPr>
-          <p:cNvPr id="10" name="正方形/長方形 9">
-            <a:extLst>
-              <a:ext uri="{FF2B5EF4-FFF2-40B4-BE49-F238E27FC236}">
-                <a16:creationId xmlns:a16="http://schemas.microsoft.com/office/drawing/2014/main" id="{981EC528-8E5C-4AF6-B578-AF195F87B9DA}"/>
-              </a:ext>
-            </a:extLst>
-          </p:cNvPr>
-          <p:cNvSpPr/>
-          <p:nvPr/>
-        </p:nvSpPr>
-        <p:spPr bwMode="auto">
-          <a:xfrm>
-            <a:off x="82147" y="2050583"/>
-            <a:ext cx="2160300" cy="468000"/>
-          </a:xfrm>
-          <a:prstGeom prst="rect">
-            <a:avLst/>
-          </a:prstGeom>
-          <a:solidFill>
-            <a:schemeClr val="bg1">
-              <a:lumMod val="95000"/>
-            </a:schemeClr>
-          </a:solidFill>
-          <a:ln w="12700">
-            <a:noFill/>
-          </a:ln>
-          <a:effectLst/>
-        </p:spPr>
-        <p:txBody>
-          <a:bodyPr rot="0" spcFirstLastPara="0" vertOverflow="overflow" horzOverflow="overflow" vert="horz" wrap="none" lIns="72000" tIns="72000" rIns="72000" bIns="72000" numCol="1" spcCol="0" rtlCol="0" fromWordArt="0" anchor="ctr" anchorCtr="0" forceAA="0" compatLnSpc="1">
-            <a:prstTxWarp prst="textNoShape">
-              <a:avLst/>
-            </a:prstTxWarp>
-            <a:noAutofit/>
-          </a:bodyPr>
-          <a:lstStyle/>
-          <a:p>
-            <a:pPr algn="ctr"/>
-            <a:r>
-              <a:rPr kumimoji="1" lang="en-US" altLang="ja-JP" dirty="0">
-                <a:latin typeface="+mn-ea"/>
-              </a:rPr>
-              <a:t>Conductor</a:t>
-            </a:r>
-            <a:r>
-              <a:rPr kumimoji="1" lang="ja-JP" altLang="en-US" dirty="0">
-                <a:latin typeface="+mn-ea"/>
-              </a:rPr>
-              <a:t>実行前</a:t>
-            </a:r>
-          </a:p>
-        </p:txBody>
-      </p:sp>
-      <p:sp>
-        <p:nvSpPr>
-          <p:cNvPr id="11" name="正方形/長方形 10">
-            <a:extLst>
-              <a:ext uri="{FF2B5EF4-FFF2-40B4-BE49-F238E27FC236}">
-                <a16:creationId xmlns:a16="http://schemas.microsoft.com/office/drawing/2014/main" id="{E0A388A4-77D9-429B-81EE-AB6C5969A53E}"/>
-              </a:ext>
-            </a:extLst>
-          </p:cNvPr>
-          <p:cNvSpPr/>
-          <p:nvPr/>
-        </p:nvSpPr>
-        <p:spPr bwMode="auto">
-          <a:xfrm>
-            <a:off x="5929649" y="3346341"/>
-            <a:ext cx="2160300" cy="468000"/>
-          </a:xfrm>
-          <a:prstGeom prst="rect">
-            <a:avLst/>
-          </a:prstGeom>
-          <a:solidFill>
-            <a:schemeClr val="bg1">
-              <a:lumMod val="95000"/>
-            </a:schemeClr>
-          </a:solidFill>
-          <a:ln w="12700">
-            <a:noFill/>
-          </a:ln>
-          <a:effectLst/>
-        </p:spPr>
-        <p:txBody>
-          <a:bodyPr rot="0" spcFirstLastPara="0" vertOverflow="overflow" horzOverflow="overflow" vert="horz" wrap="none" lIns="72000" tIns="72000" rIns="72000" bIns="72000" numCol="1" spcCol="0" rtlCol="0" fromWordArt="0" anchor="ctr" anchorCtr="0" forceAA="0" compatLnSpc="1">
-            <a:prstTxWarp prst="textNoShape">
-              <a:avLst/>
-            </a:prstTxWarp>
-            <a:noAutofit/>
-          </a:bodyPr>
-          <a:lstStyle/>
-          <a:p>
-            <a:pPr algn="ctr"/>
-            <a:r>
-              <a:rPr kumimoji="1" lang="en-US" altLang="ja-JP" dirty="0">
-                <a:latin typeface="+mn-ea"/>
-              </a:rPr>
-              <a:t>Conductor</a:t>
-            </a:r>
-            <a:r>
-              <a:rPr kumimoji="1" lang="ja-JP" altLang="en-US" dirty="0">
-                <a:latin typeface="+mn-ea"/>
-              </a:rPr>
-              <a:t>実行後</a:t>
-            </a:r>
-          </a:p>
-        </p:txBody>
-      </p:sp>
-      <p:sp>
-        <p:nvSpPr>
-          <p:cNvPr id="12" name="曲折矢印 4">
-            <a:extLst>
-              <a:ext uri="{FF2B5EF4-FFF2-40B4-BE49-F238E27FC236}">
-                <a16:creationId xmlns:a16="http://schemas.microsoft.com/office/drawing/2014/main" id="{36C9583D-F6AA-419F-B541-22872BB5C4FE}"/>
-              </a:ext>
-            </a:extLst>
-          </p:cNvPr>
+          <p:cNvPr id="5" name="曲折矢印 4"/>
           <p:cNvSpPr/>
           <p:nvPr/>
         </p:nvSpPr>
         <p:spPr bwMode="auto">
           <a:xfrm rot="5400000">
-            <a:off x="6295465" y="2052552"/>
-            <a:ext cx="720101" cy="1682593"/>
+            <a:off x="6878482" y="1706882"/>
+            <a:ext cx="735851" cy="2739883"/>
           </a:xfrm>
           <a:prstGeom prst="bentArrow">
             <a:avLst>
-              <a:gd name="adj1" fmla="val 35582"/>
-              <a:gd name="adj2" fmla="val 34921"/>
+              <a:gd name="adj1" fmla="val 32001"/>
+              <a:gd name="adj2" fmla="val 30251"/>
               <a:gd name="adj3" fmla="val 25000"/>
-              <a:gd name="adj4" fmla="val 43750"/>
+              <a:gd name="adj4" fmla="val 42000"/>
             </a:avLst>
           </a:prstGeom>
           <a:solidFill>
@@ -5944,7 +5070,7 @@
           <a:lstStyle/>
           <a:p>
             <a:pPr algn="ctr"/>
-            <a:endParaRPr kumimoji="1" lang="ja-JP" altLang="en-US" b="1" dirty="0">
+            <a:endParaRPr kumimoji="1" lang="ja-JP" altLang="en-US" b="1" dirty="0" smtClean="0">
               <a:latin typeface="+mn-ea"/>
             </a:endParaRPr>
           </a:p>
@@ -5952,25 +5078,19 @@
       </p:sp>
       <p:sp>
         <p:nvSpPr>
-          <p:cNvPr id="13" name="角丸四角形吹き出し 5">
-            <a:extLst>
-              <a:ext uri="{FF2B5EF4-FFF2-40B4-BE49-F238E27FC236}">
-                <a16:creationId xmlns:a16="http://schemas.microsoft.com/office/drawing/2014/main" id="{F76A6749-4888-4695-B766-965D37B25F49}"/>
-              </a:ext>
-            </a:extLst>
-          </p:cNvPr>
+          <p:cNvPr id="6" name="角丸四角形吹き出し 5"/>
           <p:cNvSpPr/>
           <p:nvPr/>
         </p:nvSpPr>
         <p:spPr bwMode="auto">
           <a:xfrm>
-            <a:off x="7677460" y="2404683"/>
-            <a:ext cx="2632648" cy="513658"/>
+            <a:off x="8791683" y="2276839"/>
+            <a:ext cx="1931088" cy="513658"/>
           </a:xfrm>
           <a:prstGeom prst="wedgeRoundRectCallout">
             <a:avLst>
-              <a:gd name="adj1" fmla="val -58734"/>
-              <a:gd name="adj2" fmla="val 31316"/>
+              <a:gd name="adj1" fmla="val -60181"/>
+              <a:gd name="adj2" fmla="val 42442"/>
               <a:gd name="adj3" fmla="val 16667"/>
             </a:avLst>
           </a:prstGeom>
@@ -6001,18 +5121,115 @@
           <a:p>
             <a:pPr algn="ctr"/>
             <a:r>
-              <a:rPr kumimoji="1" lang="en-US" altLang="ja-JP" b="1" dirty="0">
+              <a:rPr kumimoji="1" lang="en-US" altLang="ja-JP" b="1" dirty="0" smtClean="0">
                 <a:latin typeface="+mn-ea"/>
               </a:rPr>
               <a:t>IP</a:t>
             </a:r>
             <a:r>
-              <a:rPr lang="ja-JP" altLang="en-US" b="1" dirty="0">
+              <a:rPr kumimoji="1" lang="ja-JP" altLang="en-US" b="1" dirty="0" smtClean="0">
                 <a:latin typeface="+mn-ea"/>
               </a:rPr>
               <a:t>アドレス設定</a:t>
             </a:r>
-            <a:endParaRPr kumimoji="1" lang="en-US" altLang="ja-JP" b="1" dirty="0">
+          </a:p>
+        </p:txBody>
+      </p:sp>
+      <p:pic>
+        <p:nvPicPr>
+          <p:cNvPr id="7" name="図 6"/>
+          <p:cNvPicPr>
+            <a:picLocks noChangeAspect="1"/>
+          </p:cNvPicPr>
+          <p:nvPr/>
+        </p:nvPicPr>
+        <p:blipFill>
+          <a:blip r:embed="rId3"/>
+          <a:stretch>
+            <a:fillRect/>
+          </a:stretch>
+        </p:blipFill>
+        <p:spPr>
+          <a:xfrm>
+            <a:off x="6262352" y="3444749"/>
+            <a:ext cx="5166075" cy="3008439"/>
+          </a:xfrm>
+          <a:prstGeom prst="rect">
+            <a:avLst/>
+          </a:prstGeom>
+        </p:spPr>
+      </p:pic>
+      <p:sp>
+        <p:nvSpPr>
+          <p:cNvPr id="8" name="正方形/長方形 7"/>
+          <p:cNvSpPr/>
+          <p:nvPr/>
+        </p:nvSpPr>
+        <p:spPr bwMode="auto">
+          <a:xfrm>
+            <a:off x="3785330" y="4725180"/>
+            <a:ext cx="540000" cy="144020"/>
+          </a:xfrm>
+          <a:prstGeom prst="rect">
+            <a:avLst/>
+          </a:prstGeom>
+          <a:noFill/>
+          <a:ln w="25400">
+            <a:solidFill>
+              <a:srgbClr val="FF0000"/>
+            </a:solidFill>
+          </a:ln>
+          <a:effectLst/>
+        </p:spPr>
+        <p:txBody>
+          <a:bodyPr rot="0" spcFirstLastPara="0" vertOverflow="overflow" horzOverflow="overflow" vert="horz" wrap="none" lIns="72000" tIns="72000" rIns="72000" bIns="72000" numCol="1" spcCol="0" rtlCol="0" fromWordArt="0" anchor="ctr" anchorCtr="0" forceAA="0" compatLnSpc="1">
+            <a:prstTxWarp prst="textNoShape">
+              <a:avLst/>
+            </a:prstTxWarp>
+            <a:noAutofit/>
+          </a:bodyPr>
+          <a:lstStyle/>
+          <a:p>
+            <a:pPr algn="ctr"/>
+            <a:endParaRPr kumimoji="1" lang="ja-JP" altLang="en-US" b="1" dirty="0" smtClean="0">
+              <a:latin typeface="+mn-ea"/>
+            </a:endParaRPr>
+          </a:p>
+        </p:txBody>
+      </p:sp>
+      <p:sp>
+        <p:nvSpPr>
+          <p:cNvPr id="9" name="正方形/長方形 8"/>
+          <p:cNvSpPr/>
+          <p:nvPr/>
+        </p:nvSpPr>
+        <p:spPr bwMode="auto">
+          <a:xfrm>
+            <a:off x="9552301" y="5760164"/>
+            <a:ext cx="540000" cy="123526"/>
+          </a:xfrm>
+          <a:prstGeom prst="rect">
+            <a:avLst/>
+          </a:prstGeom>
+          <a:noFill/>
+          <a:ln w="25400">
+            <a:solidFill>
+              <a:srgbClr val="FF0000"/>
+            </a:solidFill>
+          </a:ln>
+          <a:effectLst/>
+        </p:spPr>
+        <p:txBody>
+          <a:bodyPr rot="0" spcFirstLastPara="0" vertOverflow="overflow" horzOverflow="overflow" vert="horz" wrap="none" lIns="72000" tIns="72000" rIns="72000" bIns="72000" numCol="1" spcCol="0" rtlCol="0" fromWordArt="0" anchor="ctr" anchorCtr="0" forceAA="0" compatLnSpc="1">
+            <a:prstTxWarp prst="textNoShape">
+              <a:avLst/>
+            </a:prstTxWarp>
+            <a:noAutofit/>
+          </a:bodyPr>
+          <a:lstStyle/>
+          <a:p>
+            <a:pPr algn="ctr"/>
+            <a:endParaRPr kumimoji="1" lang="ja-JP" altLang="en-US" b="1" dirty="0" smtClean="0">
               <a:latin typeface="+mn-ea"/>
             </a:endParaRPr>
           </a:p>
@@ -6120,7 +5337,18 @@
             </a:r>
             <a:r>
               <a:rPr lang="ja-JP" altLang="en-US" dirty="0"/>
-              <a:t>上の仮想マシンに仮想ハードディスクが追加され、</a:t>
+              <a:t>上の仮想マシンに</a:t>
+            </a:r>
+            <a:r>
+              <a:rPr lang="en-US" altLang="ja-JP" dirty="0"/>
+              <a:t/>
+            </a:r>
+            <a:br>
+              <a:rPr lang="en-US" altLang="ja-JP" dirty="0"/>
+            </a:br>
+            <a:r>
+              <a:rPr lang="ja-JP" altLang="en-US" dirty="0"/>
+              <a:t>仮想ハードディスクが追加され、</a:t>
             </a:r>
             <a:r>
               <a:rPr lang="en-US" altLang="ja-JP" dirty="0"/>
@@ -6128,23 +5356,46 @@
             </a:r>
             <a:r>
               <a:rPr lang="ja-JP" altLang="en-US" dirty="0"/>
-              <a:t>で接続されます。対象の仮想マシンは作成済である必要があります。</a:t>
-            </a:r>
-            <a:endParaRPr lang="en-US" altLang="ja-JP" dirty="0"/>
+              <a:t>で接続されます</a:t>
+            </a:r>
+            <a:r>
+              <a:rPr lang="ja-JP" altLang="en-US" dirty="0" smtClean="0"/>
+              <a:t>。</a:t>
+            </a:r>
+            <a:r>
+              <a:rPr lang="en-US" altLang="ja-JP" dirty="0" smtClean="0"/>
+              <a:t/>
+            </a:r>
+            <a:br>
+              <a:rPr lang="en-US" altLang="ja-JP" dirty="0" smtClean="0"/>
+            </a:br>
+            <a:r>
+              <a:rPr lang="ja-JP" altLang="en-US" dirty="0" smtClean="0"/>
+              <a:t>追加後は仮想マシン内の「ディスクの設定」から有効にしてください。</a:t>
+            </a:r>
+            <a:endParaRPr lang="en-US" altLang="ja-JP" dirty="0" smtClean="0"/>
           </a:p>
           <a:p>
-            <a:pPr lvl="1"/>
-            <a:r>
-              <a:rPr lang="ja-JP" altLang="en-US" dirty="0"/>
-              <a:t>追加後は仮想マシン内の「ディスクの設定」から有効にしてください。</a:t>
-            </a:r>
-            <a:endParaRPr lang="en-US" altLang="ja-JP" dirty="0"/>
+            <a:pPr marL="180975" indent="0">
+              <a:buNone/>
+            </a:pPr>
+            <a:r>
+              <a:rPr lang="ja-JP" altLang="en-US" dirty="0" smtClean="0"/>
+              <a:t>対象の仮想マシンは作成済である必要があります。</a:t>
+            </a:r>
+            <a:endParaRPr lang="en-US" altLang="ja-JP" strike="sngStrike" dirty="0" smtClean="0"/>
           </a:p>
           <a:p>
-            <a:pPr lvl="1"/>
+            <a:pPr marL="180975" indent="0">
+              <a:buNone/>
+            </a:pPr>
+            <a:r>
+              <a:rPr lang="ja-JP" altLang="en-US" dirty="0" smtClean="0"/>
+              <a:t>仮想</a:t>
+            </a:r>
             <a:r>
               <a:rPr lang="ja-JP" altLang="en-US" dirty="0"/>
-              <a:t>仮想ハードディスク設定の際、仮想マシンは停止・起動されます。</a:t>
+              <a:t>ハードディスク設定の際、仮想マシンは停止・起動されます。</a:t>
             </a:r>
             <a:endParaRPr lang="en-US" altLang="ja-JP" dirty="0"/>
           </a:p>
@@ -6162,7 +5413,7 @@
           <p:nvPr/>
         </p:nvPicPr>
         <p:blipFill>
-          <a:blip r:embed="rId3"/>
+          <a:blip r:embed="rId2"/>
           <a:stretch>
             <a:fillRect/>
           </a:stretch>
@@ -6185,7 +5436,7 @@
         </p:nvSpPr>
         <p:spPr bwMode="auto">
           <a:xfrm rot="5400000">
-            <a:off x="6295465" y="2052552"/>
+            <a:off x="6295465" y="2195918"/>
             <a:ext cx="720101" cy="1682593"/>
           </a:xfrm>
           <a:prstGeom prst="bentArrow">
@@ -6222,7 +5473,7 @@
           <a:lstStyle/>
           <a:p>
             <a:pPr algn="ctr"/>
-            <a:endParaRPr kumimoji="1" lang="ja-JP" altLang="en-US" b="1" dirty="0">
+            <a:endParaRPr kumimoji="1" lang="ja-JP" altLang="en-US" b="1" dirty="0" smtClean="0">
               <a:latin typeface="+mn-ea"/>
             </a:endParaRPr>
           </a:p>
@@ -6236,7 +5487,7 @@
         </p:nvSpPr>
         <p:spPr bwMode="auto">
           <a:xfrm>
-            <a:off x="7677460" y="2404683"/>
+            <a:off x="7677460" y="2564881"/>
             <a:ext cx="2632648" cy="513658"/>
           </a:xfrm>
           <a:prstGeom prst="wedgeRoundRectCallout">
@@ -6273,7 +5524,7 @@
           <a:p>
             <a:pPr algn="ctr"/>
             <a:r>
-              <a:rPr kumimoji="1" lang="ja-JP" altLang="en-US" b="1" dirty="0">
+              <a:rPr kumimoji="1" lang="ja-JP" altLang="en-US" b="1" dirty="0" smtClean="0">
                 <a:latin typeface="+mn-ea"/>
               </a:rPr>
               <a:t>仮想ハードディスク追加</a:t>
@@ -6290,14 +5541,14 @@
           <p:nvPr/>
         </p:nvPicPr>
         <p:blipFill>
-          <a:blip r:embed="rId4"/>
+          <a:blip r:embed="rId3"/>
           <a:stretch>
             <a:fillRect/>
           </a:stretch>
         </p:blipFill>
         <p:spPr>
           <a:xfrm>
-            <a:off x="6384040" y="3501010"/>
+            <a:off x="6150420" y="3459969"/>
             <a:ext cx="5134692" cy="3010320"/>
           </a:xfrm>
           <a:prstGeom prst="rect">
@@ -6313,7 +5564,7 @@
         </p:nvSpPr>
         <p:spPr bwMode="auto">
           <a:xfrm>
-            <a:off x="6913324" y="5645201"/>
+            <a:off x="6679704" y="5604160"/>
             <a:ext cx="1000515" cy="144020"/>
           </a:xfrm>
           <a:prstGeom prst="rect">
@@ -6322,10 +5573,7 @@
           <a:noFill/>
           <a:ln w="25400">
             <a:solidFill>
-              <a:schemeClr val="accent6">
-                <a:lumMod val="75000"/>
-                <a:lumOff val="25000"/>
-              </a:schemeClr>
+              <a:srgbClr val="FF0000"/>
             </a:solidFill>
           </a:ln>
           <a:effectLst/>
@@ -6340,7 +5588,7 @@
           <a:lstStyle/>
           <a:p>
             <a:pPr algn="ctr"/>
-            <a:endParaRPr kumimoji="1" lang="ja-JP" altLang="en-US" b="1" dirty="0">
+            <a:endParaRPr kumimoji="1" lang="ja-JP" altLang="en-US" b="1" dirty="0" smtClean="0">
               <a:latin typeface="+mn-ea"/>
             </a:endParaRPr>
           </a:p>
@@ -6354,7 +5602,7 @@
         </p:nvSpPr>
         <p:spPr bwMode="auto">
           <a:xfrm>
-            <a:off x="6913324" y="6240331"/>
+            <a:off x="6679704" y="6199290"/>
             <a:ext cx="1000515" cy="144020"/>
           </a:xfrm>
           <a:prstGeom prst="rect">
@@ -6363,10 +5611,7 @@
           <a:noFill/>
           <a:ln w="25400">
             <a:solidFill>
-              <a:schemeClr val="accent6">
-                <a:lumMod val="75000"/>
-                <a:lumOff val="25000"/>
-              </a:schemeClr>
+              <a:srgbClr val="FF0000"/>
             </a:solidFill>
           </a:ln>
           <a:effectLst/>
@@ -6381,119 +5626,9 @@
           <a:lstStyle/>
           <a:p>
             <a:pPr algn="ctr"/>
-            <a:endParaRPr kumimoji="1" lang="ja-JP" altLang="en-US" b="1" dirty="0">
+            <a:endParaRPr kumimoji="1" lang="ja-JP" altLang="en-US" b="1" dirty="0" smtClean="0">
               <a:latin typeface="+mn-ea"/>
             </a:endParaRPr>
-          </a:p>
-        </p:txBody>
-      </p:sp>
-      <p:sp>
-        <p:nvSpPr>
-          <p:cNvPr id="10" name="正方形/長方形 9">
-            <a:extLst>
-              <a:ext uri="{FF2B5EF4-FFF2-40B4-BE49-F238E27FC236}">
-                <a16:creationId xmlns:a16="http://schemas.microsoft.com/office/drawing/2014/main" id="{E3DDB62A-7F89-43F6-98B9-6D1276E89D4D}"/>
-              </a:ext>
-            </a:extLst>
-          </p:cNvPr>
-          <p:cNvSpPr/>
-          <p:nvPr/>
-        </p:nvSpPr>
-        <p:spPr bwMode="auto">
-          <a:xfrm>
-            <a:off x="82147" y="2050583"/>
-            <a:ext cx="2160300" cy="468000"/>
-          </a:xfrm>
-          <a:prstGeom prst="rect">
-            <a:avLst/>
-          </a:prstGeom>
-          <a:solidFill>
-            <a:schemeClr val="bg1">
-              <a:lumMod val="95000"/>
-            </a:schemeClr>
-          </a:solidFill>
-          <a:ln w="12700">
-            <a:noFill/>
-          </a:ln>
-          <a:effectLst/>
-        </p:spPr>
-        <p:txBody>
-          <a:bodyPr rot="0" spcFirstLastPara="0" vertOverflow="overflow" horzOverflow="overflow" vert="horz" wrap="none" lIns="72000" tIns="72000" rIns="72000" bIns="72000" numCol="1" spcCol="0" rtlCol="0" fromWordArt="0" anchor="ctr" anchorCtr="0" forceAA="0" compatLnSpc="1">
-            <a:prstTxWarp prst="textNoShape">
-              <a:avLst/>
-            </a:prstTxWarp>
-            <a:noAutofit/>
-          </a:bodyPr>
-          <a:lstStyle/>
-          <a:p>
-            <a:pPr algn="ctr"/>
-            <a:r>
-              <a:rPr kumimoji="1" lang="en-US" altLang="ja-JP" dirty="0">
-                <a:latin typeface="+mn-ea"/>
-              </a:rPr>
-              <a:t>Conductor</a:t>
-            </a:r>
-            <a:r>
-              <a:rPr kumimoji="1" lang="ja-JP" altLang="en-US" dirty="0">
-                <a:latin typeface="+mn-ea"/>
-              </a:rPr>
-              <a:t>実行前</a:t>
-            </a:r>
-          </a:p>
-        </p:txBody>
-      </p:sp>
-      <p:sp>
-        <p:nvSpPr>
-          <p:cNvPr id="11" name="正方形/長方形 10">
-            <a:extLst>
-              <a:ext uri="{FF2B5EF4-FFF2-40B4-BE49-F238E27FC236}">
-                <a16:creationId xmlns:a16="http://schemas.microsoft.com/office/drawing/2014/main" id="{F9DAEC3B-2120-4ECF-872B-9F7F49CC92B2}"/>
-              </a:ext>
-            </a:extLst>
-          </p:cNvPr>
-          <p:cNvSpPr/>
-          <p:nvPr/>
-        </p:nvSpPr>
-        <p:spPr bwMode="auto">
-          <a:xfrm>
-            <a:off x="5929649" y="3346341"/>
-            <a:ext cx="2160300" cy="468000"/>
-          </a:xfrm>
-          <a:prstGeom prst="rect">
-            <a:avLst/>
-          </a:prstGeom>
-          <a:solidFill>
-            <a:schemeClr val="bg1">
-              <a:lumMod val="95000"/>
-            </a:schemeClr>
-          </a:solidFill>
-          <a:ln w="12700">
-            <a:noFill/>
-          </a:ln>
-          <a:effectLst/>
-        </p:spPr>
-        <p:txBody>
-          <a:bodyPr rot="0" spcFirstLastPara="0" vertOverflow="overflow" horzOverflow="overflow" vert="horz" wrap="none" lIns="72000" tIns="72000" rIns="72000" bIns="72000" numCol="1" spcCol="0" rtlCol="0" fromWordArt="0" anchor="ctr" anchorCtr="0" forceAA="0" compatLnSpc="1">
-            <a:prstTxWarp prst="textNoShape">
-              <a:avLst/>
-            </a:prstTxWarp>
-            <a:noAutofit/>
-          </a:bodyPr>
-          <a:lstStyle/>
-          <a:p>
-            <a:pPr algn="ctr"/>
-            <a:r>
-              <a:rPr kumimoji="1" lang="en-US" altLang="ja-JP" dirty="0">
-                <a:latin typeface="+mn-ea"/>
-              </a:rPr>
-              <a:t>Conductor</a:t>
-            </a:r>
-            <a:r>
-              <a:rPr kumimoji="1" lang="ja-JP" altLang="en-US" dirty="0">
-                <a:latin typeface="+mn-ea"/>
-              </a:rPr>
-              <a:t>実行後</a:t>
-            </a:r>
           </a:p>
         </p:txBody>
       </p:sp>
@@ -6549,8 +5684,12 @@
           <a:lstStyle/>
           <a:p>
             <a:r>
-              <a:rPr kumimoji="1" lang="en-US" altLang="ja-JP" dirty="0"/>
-              <a:t>3. </a:t>
+              <a:rPr lang="en-US" altLang="ja-JP" dirty="0"/>
+              <a:t>7</a:t>
+            </a:r>
+            <a:r>
+              <a:rPr kumimoji="1" lang="en-US" altLang="ja-JP" dirty="0" smtClean="0"/>
+              <a:t>. </a:t>
             </a:r>
             <a:r>
               <a:rPr kumimoji="1" lang="ja-JP" altLang="en-US" dirty="0"/>
@@ -6581,20 +5720,54 @@
           <a:lstStyle/>
           <a:p>
             <a:r>
-              <a:rPr lang="en-US" altLang="ja-JP" dirty="0"/>
+              <a:rPr lang="en-US" altLang="ja-JP" dirty="0" smtClean="0"/>
               <a:t>IP</a:t>
             </a:r>
             <a:r>
-              <a:rPr lang="ja-JP" altLang="en-US" dirty="0"/>
-              <a:t>アドレス設定や仮想ハードディスク追加が成功しない</a:t>
+              <a:rPr lang="ja-JP" altLang="en-US" dirty="0" smtClean="0"/>
+              <a:t>アドレス設定や仮想ハードディスク追加が成功しない場合</a:t>
             </a:r>
             <a:endParaRPr lang="en-US" altLang="ja-JP" dirty="0"/>
           </a:p>
           <a:p>
             <a:pPr lvl="1"/>
             <a:r>
-              <a:rPr lang="ja-JP" altLang="en-US" dirty="0"/>
+              <a:rPr lang="ja-JP" altLang="en-US" dirty="0" smtClean="0"/>
               <a:t>仮想マシンのシャットダウンが正常に完了せず作業がエラーとなることがあります。</a:t>
+            </a:r>
+            <a:r>
+              <a:rPr lang="en-US" altLang="ja-JP" dirty="0" smtClean="0"/>
+              <a:t/>
+            </a:r>
+            <a:br>
+              <a:rPr lang="en-US" altLang="ja-JP" dirty="0" smtClean="0"/>
+            </a:br>
+            <a:r>
+              <a:rPr lang="ja-JP" altLang="en-US" dirty="0" smtClean="0"/>
+              <a:t>その場合、</a:t>
+            </a:r>
+            <a:r>
+              <a:rPr lang="en-US" altLang="ja-JP" dirty="0" smtClean="0"/>
+              <a:t>Hyper-V</a:t>
+            </a:r>
+            <a:r>
+              <a:rPr lang="ja-JP" altLang="en-US" dirty="0" smtClean="0"/>
+              <a:t>マネージャー上で対象仮想マシンを「停止」するか、タスクマネージャーから対象タスクを終了してから再度実行してください。</a:t>
+            </a:r>
+            <a:r>
+              <a:rPr lang="en-US" altLang="ja-JP" dirty="0" smtClean="0"/>
+              <a:t/>
+            </a:r>
+            <a:br>
+              <a:rPr lang="en-US" altLang="ja-JP" dirty="0" smtClean="0"/>
+            </a:br>
+            <a:r>
+              <a:rPr lang="en-US" altLang="ja-JP" dirty="0" smtClean="0"/>
+              <a:t>※</a:t>
+            </a:r>
+            <a:r>
+              <a:rPr lang="ja-JP" altLang="en-US" dirty="0" smtClean="0"/>
+              <a:t>強制的に停止した場合再起動時にメッセージが表示される場合があります。</a:t>
             </a:r>
             <a:r>
               <a:rPr lang="en-US" altLang="ja-JP" dirty="0"/>
@@ -6604,93 +5777,59 @@
               <a:rPr lang="en-US" altLang="ja-JP" dirty="0"/>
             </a:br>
             <a:r>
-              <a:rPr lang="ja-JP" altLang="en-US" dirty="0"/>
-              <a:t>その場合、</a:t>
-            </a:r>
-            <a:r>
-              <a:rPr lang="en-US" altLang="ja-JP" dirty="0"/>
-              <a:t>Hyper-V</a:t>
-            </a:r>
-            <a:r>
-              <a:rPr lang="ja-JP" altLang="en-US" dirty="0"/>
-              <a:t>マネージャー上で対象仮想マシンを「停止」するか、タスクマネージャーから対象タスクを終了してから再度実行してください。</a:t>
-            </a:r>
-            <a:r>
-              <a:rPr lang="en-US" altLang="ja-JP" dirty="0"/>
+              <a:rPr lang="en-US" altLang="ja-JP" dirty="0" smtClean="0"/>
               <a:t/>
             </a:r>
             <a:br>
-              <a:rPr lang="en-US" altLang="ja-JP" dirty="0"/>
-            </a:br>
-            <a:r>
-              <a:rPr lang="en-US" altLang="ja-JP" dirty="0"/>
-              <a:t>※</a:t>
-            </a:r>
-            <a:r>
-              <a:rPr lang="ja-JP" altLang="en-US" dirty="0"/>
-              <a:t>強制的に停止した場合再起動時にメッセージが表示される場合があります。</a:t>
-            </a:r>
-            <a:r>
-              <a:rPr lang="en-US" altLang="ja-JP" dirty="0"/>
-              <a:t/>
-            </a:r>
-            <a:br>
-              <a:rPr lang="en-US" altLang="ja-JP" dirty="0"/>
-            </a:br>
-            <a:r>
-              <a:rPr lang="en-US" altLang="ja-JP" dirty="0"/>
-              <a:t/>
-            </a:r>
-            <a:br>
-              <a:rPr lang="en-US" altLang="ja-JP" dirty="0"/>
+              <a:rPr lang="en-US" altLang="ja-JP" dirty="0" smtClean="0"/>
             </a:br>
             <a:endParaRPr lang="en-US" altLang="ja-JP" dirty="0"/>
           </a:p>
           <a:p>
             <a:r>
-              <a:rPr lang="ja-JP" altLang="en-US" dirty="0"/>
-              <a:t>処理状況を変えたのに対象がないといってエラーになる</a:t>
+              <a:rPr lang="ja-JP" altLang="en-US" dirty="0" smtClean="0"/>
+              <a:t>処理状況を変えたのに対象がないといってエラーになる場合</a:t>
             </a:r>
             <a:endParaRPr lang="en-US" altLang="ja-JP" dirty="0"/>
           </a:p>
           <a:p>
             <a:pPr lvl="1"/>
             <a:r>
-              <a:rPr lang="ja-JP" altLang="en-US" dirty="0"/>
+              <a:rPr lang="ja-JP" altLang="en-US" dirty="0" smtClean="0"/>
               <a:t>パラメータシートの処理状況を変更したにもかかわらず、上記のエラーになっている場合、変更から実行までの時間が短すぎて設定が反映されず、変更前の設定値で実行されてしまっていることが考えられます。</a:t>
             </a:r>
             <a:r>
-              <a:rPr lang="en-US" altLang="ja-JP" dirty="0"/>
+              <a:rPr lang="en-US" altLang="ja-JP" dirty="0" smtClean="0"/>
               <a:t/>
             </a:r>
             <a:br>
-              <a:rPr lang="en-US" altLang="ja-JP" dirty="0"/>
+              <a:rPr lang="en-US" altLang="ja-JP" dirty="0" smtClean="0"/>
             </a:br>
             <a:r>
-              <a:rPr lang="ja-JP" altLang="en-US" dirty="0"/>
+              <a:rPr lang="ja-JP" altLang="en-US" dirty="0" smtClean="0"/>
               <a:t>しばらく分待ってから再度実行するか、「</a:t>
             </a:r>
             <a:r>
-              <a:rPr lang="en-US" altLang="ja-JP" dirty="0" err="1"/>
+              <a:rPr lang="en-US" altLang="ja-JP" dirty="0" err="1" smtClean="0"/>
               <a:t>Ansible</a:t>
             </a:r>
             <a:r>
-              <a:rPr lang="en-US" altLang="ja-JP" dirty="0"/>
+              <a:rPr lang="en-US" altLang="ja-JP" dirty="0" smtClean="0"/>
               <a:t>-Legacy/</a:t>
             </a:r>
             <a:r>
-              <a:rPr lang="ja-JP" altLang="en-US" dirty="0"/>
+              <a:rPr lang="ja-JP" altLang="en-US" dirty="0" smtClean="0"/>
               <a:t>代入値管理」メニューで値が変更されているのを確認してから実行してください。</a:t>
             </a:r>
             <a:endParaRPr lang="en-US" altLang="ja-JP" dirty="0"/>
           </a:p>
           <a:p>
             <a:pPr lvl="1"/>
-            <a:endParaRPr lang="en-US" altLang="ja-JP" dirty="0"/>
+            <a:endParaRPr lang="en-US" altLang="ja-JP" dirty="0" smtClean="0"/>
           </a:p>
           <a:p>
             <a:pPr lvl="1"/>
-            <a:endParaRPr lang="en-US" altLang="ja-JP" dirty="0"/>
+            <a:endParaRPr lang="en-US" altLang="ja-JP" dirty="0" smtClean="0"/>
           </a:p>
         </p:txBody>
       </p:sp>
@@ -6799,11 +5938,14 @@
           <a:p>
             <a:pPr algn="ctr"/>
             <a:r>
-              <a:rPr kumimoji="1" lang="ja-JP" altLang="en-US" sz="2400" dirty="0">
+              <a:rPr kumimoji="1" lang="ja-JP" altLang="en-US" sz="2400" dirty="0" smtClean="0">
                 <a:latin typeface="+mn-ea"/>
               </a:rPr>
               <a:t>起動済</a:t>
             </a:r>
+            <a:endParaRPr kumimoji="1" lang="ja-JP" altLang="en-US" sz="2400" dirty="0">
+              <a:latin typeface="+mn-ea"/>
+            </a:endParaRPr>
           </a:p>
         </p:txBody>
       </p:sp>
@@ -6854,11 +5996,14 @@
           <a:p>
             <a:pPr algn="ctr"/>
             <a:r>
-              <a:rPr kumimoji="1" lang="ja-JP" altLang="en-US" sz="2400" dirty="0">
+              <a:rPr kumimoji="1" lang="ja-JP" altLang="en-US" sz="2400" dirty="0" smtClean="0">
                 <a:latin typeface="+mn-ea"/>
               </a:rPr>
               <a:t>削除済</a:t>
             </a:r>
+            <a:endParaRPr kumimoji="1" lang="ja-JP" altLang="en-US" sz="2400" dirty="0">
+              <a:latin typeface="+mn-ea"/>
+            </a:endParaRPr>
           </a:p>
         </p:txBody>
       </p:sp>
@@ -6909,11 +6054,14 @@
           <a:p>
             <a:pPr algn="ctr"/>
             <a:r>
-              <a:rPr kumimoji="1" lang="ja-JP" altLang="en-US" sz="2400" dirty="0">
+              <a:rPr kumimoji="1" lang="ja-JP" altLang="en-US" sz="2400" dirty="0" smtClean="0">
                 <a:latin typeface="+mn-ea"/>
               </a:rPr>
               <a:t>停止済</a:t>
             </a:r>
+            <a:endParaRPr kumimoji="1" lang="ja-JP" altLang="en-US" sz="2400" dirty="0">
+              <a:latin typeface="+mn-ea"/>
+            </a:endParaRPr>
           </a:p>
         </p:txBody>
       </p:sp>
@@ -7190,9 +6338,10 @@
           <a:lstStyle/>
           <a:p>
             <a:r>
-              <a:rPr kumimoji="1" lang="ja-JP" altLang="en-US" sz="2000" dirty="0"/>
+              <a:rPr kumimoji="1" lang="ja-JP" altLang="en-US" sz="2000" dirty="0" smtClean="0"/>
               <a:t>追加</a:t>
             </a:r>
+            <a:endParaRPr kumimoji="1" lang="ja-JP" altLang="en-US" sz="2000" dirty="0"/>
           </a:p>
         </p:txBody>
       </p:sp>
@@ -7219,9 +6368,10 @@
           <a:lstStyle/>
           <a:p>
             <a:r>
-              <a:rPr kumimoji="1" lang="ja-JP" altLang="en-US" sz="2000" dirty="0"/>
+              <a:rPr kumimoji="1" lang="ja-JP" altLang="en-US" sz="2000" dirty="0" smtClean="0"/>
               <a:t>削除</a:t>
             </a:r>
+            <a:endParaRPr kumimoji="1" lang="ja-JP" altLang="en-US" sz="2000" dirty="0"/>
           </a:p>
         </p:txBody>
       </p:sp>
@@ -7248,9 +6398,10 @@
           <a:lstStyle/>
           <a:p>
             <a:r>
-              <a:rPr kumimoji="1" lang="ja-JP" altLang="en-US" sz="2000" dirty="0"/>
+              <a:rPr kumimoji="1" lang="ja-JP" altLang="en-US" sz="2000" dirty="0" smtClean="0"/>
               <a:t>削除</a:t>
             </a:r>
+            <a:endParaRPr kumimoji="1" lang="ja-JP" altLang="en-US" sz="2000" dirty="0"/>
           </a:p>
         </p:txBody>
       </p:sp>
@@ -7277,9 +6428,10 @@
           <a:lstStyle/>
           <a:p>
             <a:r>
-              <a:rPr kumimoji="1" lang="ja-JP" altLang="en-US" sz="2000" dirty="0"/>
+              <a:rPr kumimoji="1" lang="ja-JP" altLang="en-US" sz="2000" dirty="0" smtClean="0"/>
               <a:t>停止</a:t>
             </a:r>
+            <a:endParaRPr kumimoji="1" lang="ja-JP" altLang="en-US" sz="2000" dirty="0"/>
           </a:p>
         </p:txBody>
       </p:sp>
@@ -7306,9 +6458,10 @@
           <a:lstStyle/>
           <a:p>
             <a:r>
-              <a:rPr kumimoji="1" lang="ja-JP" altLang="en-US" sz="2000" dirty="0"/>
+              <a:rPr kumimoji="1" lang="ja-JP" altLang="en-US" sz="2000" dirty="0" smtClean="0"/>
               <a:t>起動</a:t>
             </a:r>
+            <a:endParaRPr kumimoji="1" lang="ja-JP" altLang="en-US" sz="2000" dirty="0"/>
           </a:p>
         </p:txBody>
       </p:sp>
@@ -7437,13 +6590,14 @@
           <a:lstStyle/>
           <a:p>
             <a:r>
-              <a:rPr kumimoji="1" lang="en-US" altLang="ja-JP" sz="1600" dirty="0" err="1"/>
+              <a:rPr kumimoji="1" lang="en-US" altLang="ja-JP" sz="1600" dirty="0" err="1" smtClean="0"/>
               <a:t>Ansible</a:t>
             </a:r>
             <a:r>
-              <a:rPr kumimoji="1" lang="ja-JP" altLang="en-US" sz="1600" dirty="0"/>
+              <a:rPr kumimoji="1" lang="ja-JP" altLang="en-US" sz="1600" dirty="0" smtClean="0"/>
               <a:t>が設定する処理状況</a:t>
             </a:r>
+            <a:endParaRPr kumimoji="1" lang="ja-JP" altLang="en-US" sz="1600" dirty="0"/>
           </a:p>
         </p:txBody>
       </p:sp>
@@ -7470,9 +6624,10 @@
           <a:lstStyle/>
           <a:p>
             <a:r>
-              <a:rPr kumimoji="1" lang="ja-JP" altLang="en-US" sz="1600" dirty="0"/>
+              <a:rPr kumimoji="1" lang="ja-JP" altLang="en-US" sz="1600" dirty="0" smtClean="0"/>
               <a:t>ユーザが設定する処理状況</a:t>
             </a:r>
+            <a:endParaRPr kumimoji="1" lang="ja-JP" altLang="en-US" sz="1600" dirty="0"/>
           </a:p>
         </p:txBody>
       </p:sp>
@@ -7853,7 +7008,15 @@
                     <a:p>
                       <a:r>
                         <a:rPr kumimoji="1" lang="ja-JP" altLang="en-US" sz="1600" dirty="0"/>
-                        <a:t>新規で仮想マシンを作成し、作成された仮想マシン情報を機器一覧へ登録します。</a:t>
+                        <a:t>新規で仮想マシンを作成</a:t>
+                      </a:r>
+                      <a:r>
+                        <a:rPr kumimoji="1" lang="ja-JP" altLang="en-US" sz="1600" dirty="0" smtClean="0"/>
+                        <a:t>し、作成された仮想マシン情報を機器一覧へ登録します</a:t>
+                      </a:r>
+                      <a:r>
+                        <a:rPr kumimoji="1" lang="ja-JP" altLang="en-US" sz="1600" dirty="0"/>
+                        <a:t>。</a:t>
                       </a:r>
                       <a:endParaRPr kumimoji="1" lang="en-US" altLang="ja-JP" sz="1600" dirty="0"/>
                     </a:p>
@@ -8440,15 +7603,20 @@
                       </a:r>
                       <a:r>
                         <a:rPr kumimoji="1" lang="ja-JP" altLang="en-US" sz="1600" dirty="0"/>
-                        <a:t>アドレスや仮想ハードディスクも削除されます。</a:t>
+                        <a:t>アドレスや仮想ハードディスクも削除されます</a:t>
                       </a:r>
-                      <a:endParaRPr kumimoji="1" lang="en-US" altLang="ja-JP" sz="1600" dirty="0"/>
+                      <a:r>
+                        <a:rPr kumimoji="1" lang="ja-JP" altLang="en-US" sz="1600" dirty="0" smtClean="0"/>
+                        <a:t>。</a:t>
+                      </a:r>
+                      <a:endParaRPr kumimoji="1" lang="en-US" altLang="ja-JP" sz="1600" dirty="0" smtClean="0"/>
                     </a:p>
                     <a:p>
                       <a:r>
-                        <a:rPr kumimoji="1" lang="ja-JP" altLang="en-US" sz="1600" dirty="0"/>
+                        <a:rPr kumimoji="1" lang="ja-JP" altLang="en-US" sz="1600" dirty="0" smtClean="0"/>
                         <a:t>機器一覧へ登録されている情報は削除されません。</a:t>
                       </a:r>
+                      <a:endParaRPr kumimoji="1" lang="ja-JP" altLang="en-US" sz="1600" dirty="0"/>
                     </a:p>
                   </a:txBody>
                   <a:tcPr>
@@ -8852,7 +8020,7 @@
                     <a:lstStyle/>
                     <a:p>
                       <a:r>
-                        <a:rPr kumimoji="1" lang="en-US" altLang="ja-JP" sz="1600"/>
+                        <a:rPr kumimoji="1" lang="en-US" altLang="ja-JP" sz="1600" smtClean="0"/>
                         <a:t>No.</a:t>
                       </a:r>
                       <a:endParaRPr kumimoji="1" lang="ja-JP" altLang="en-US" sz="1600" dirty="0"/>
@@ -8903,11 +8071,11 @@
                     <a:lstStyle/>
                     <a:p>
                       <a:r>
-                        <a:rPr kumimoji="1" lang="en-US" altLang="ja-JP" sz="1600"/>
+                        <a:rPr kumimoji="1" lang="en-US" altLang="ja-JP" sz="1600" smtClean="0"/>
                         <a:t>Movement</a:t>
                       </a:r>
                       <a:r>
-                        <a:rPr kumimoji="1" lang="ja-JP" altLang="en-US" sz="1600"/>
+                        <a:rPr kumimoji="1" lang="ja-JP" altLang="en-US" sz="1600" smtClean="0"/>
                         <a:t>名</a:t>
                       </a:r>
                       <a:endParaRPr kumimoji="1" lang="ja-JP" altLang="en-US" sz="1600" dirty="0"/>
@@ -8958,7 +8126,7 @@
                     <a:lstStyle/>
                     <a:p>
                       <a:r>
-                        <a:rPr kumimoji="1" lang="ja-JP" altLang="en-US" sz="1600"/>
+                        <a:rPr kumimoji="1" lang="ja-JP" altLang="en-US" sz="1600" smtClean="0"/>
                         <a:t>自動化ツール</a:t>
                       </a:r>
                       <a:endParaRPr kumimoji="1" lang="ja-JP" altLang="en-US" sz="1600" dirty="0"/>
@@ -9009,7 +8177,7 @@
                     <a:lstStyle/>
                     <a:p>
                       <a:r>
-                        <a:rPr kumimoji="1" lang="ja-JP" altLang="en-US" sz="1600"/>
+                        <a:rPr kumimoji="1" lang="ja-JP" altLang="en-US" sz="1600" smtClean="0"/>
                         <a:t>概要</a:t>
                       </a:r>
                       <a:endParaRPr kumimoji="1" lang="ja-JP" altLang="en-US" sz="1600" dirty="0"/>
@@ -9070,7 +8238,7 @@
                         <a:buNone/>
                       </a:pPr>
                       <a:r>
-                        <a:rPr kumimoji="1" lang="en-US" altLang="ja-JP" sz="1600" b="0" i="0" u="none" strike="noStrike" noProof="0">
+                        <a:rPr kumimoji="1" lang="en-US" altLang="ja-JP" sz="1600" b="0" i="0" u="none" strike="noStrike" noProof="0" smtClean="0">
                           <a:latin typeface="メイリオ"/>
                         </a:rPr>
                         <a:t>260001</a:t>
@@ -9140,7 +8308,7 @@
                         <a:buNone/>
                       </a:pPr>
                       <a:r>
-                        <a:rPr lang="ja-JP" altLang="en-US" sz="1600"/>
+                        <a:rPr lang="ja-JP" altLang="en-US" sz="1600" smtClean="0"/>
                         <a:t>仮想マシン作成</a:t>
                       </a:r>
                       <a:endParaRPr lang="ja-JP" altLang="en-US" sz="1600" dirty="0"/>
@@ -9195,7 +8363,7 @@
                     <a:p>
                       <a:pPr latinLnBrk="1"/>
                       <a:r>
-                        <a:rPr kumimoji="1" lang="en-US" altLang="ja-JP" sz="1600" b="0" i="0" kern="1200" dirty="0" err="1">
+                        <a:rPr kumimoji="1" lang="en-US" altLang="ja-JP" sz="1600" b="0" i="0" kern="1200" dirty="0" err="1" smtClean="0">
                           <a:solidFill>
                             <a:schemeClr val="dk1"/>
                           </a:solidFill>
@@ -9207,7 +8375,7 @@
                         <a:t>Ansible</a:t>
                       </a:r>
                       <a:r>
-                        <a:rPr kumimoji="1" lang="en-US" altLang="ja-JP" sz="1600" b="0" i="0" kern="1200" dirty="0">
+                        <a:rPr kumimoji="1" lang="en-US" altLang="ja-JP" sz="1600" b="0" i="0" kern="1200" dirty="0" smtClean="0">
                           <a:solidFill>
                             <a:schemeClr val="dk1"/>
                           </a:solidFill>
@@ -9218,6 +8386,15 @@
                         </a:rPr>
                         <a:t>-Legacy</a:t>
                       </a:r>
+                      <a:endParaRPr kumimoji="1" lang="en-US" altLang="ja-JP" sz="1600" b="0" i="0" kern="1200" dirty="0">
+                        <a:solidFill>
+                          <a:schemeClr val="dk1"/>
+                        </a:solidFill>
+                        <a:effectLst/>
+                        <a:latin typeface="+mn-lt"/>
+                        <a:ea typeface="+mn-ea"/>
+                        <a:cs typeface="+mn-cs"/>
+                      </a:endParaRPr>
                     </a:p>
                   </a:txBody>
                   <a:tcPr anchor="ctr">
@@ -9268,7 +8445,7 @@
                     <a:lstStyle/>
                     <a:p>
                       <a:r>
-                        <a:rPr kumimoji="1" lang="ja-JP" altLang="en-US" sz="1600"/>
+                        <a:rPr kumimoji="1" lang="ja-JP" altLang="en-US" sz="1600" smtClean="0"/>
                         <a:t>仮想マシンを作成します。</a:t>
                       </a:r>
                       <a:endParaRPr kumimoji="1" lang="ja-JP" altLang="en-US" sz="1600" dirty="0"/>
@@ -9332,7 +8509,7 @@
                         <a:buNone/>
                       </a:pPr>
                       <a:r>
-                        <a:rPr kumimoji="1" lang="en-US" altLang="ja-JP" sz="1600"/>
+                        <a:rPr kumimoji="1" lang="en-US" altLang="ja-JP" sz="1600" smtClean="0"/>
                         <a:t>260002</a:t>
                       </a:r>
                       <a:endParaRPr kumimoji="1" lang="en-US" altLang="ja-JP" sz="1600" dirty="0"/>
@@ -9398,11 +8575,11 @@
                         <a:buNone/>
                       </a:pPr>
                       <a:r>
-                        <a:rPr lang="en-US" altLang="ja-JP" sz="1600"/>
+                        <a:rPr lang="en-US" altLang="ja-JP" sz="1600" smtClean="0"/>
                         <a:t>IP</a:t>
                       </a:r>
                       <a:r>
-                        <a:rPr lang="ja-JP" altLang="en-US" sz="1600"/>
+                        <a:rPr lang="ja-JP" altLang="en-US" sz="1600" smtClean="0"/>
                         <a:t>アドレス設定</a:t>
                       </a:r>
                       <a:endParaRPr lang="ja-JP" altLang="en-US" sz="1600" dirty="0"/>
@@ -9457,7 +8634,7 @@
                     <a:p>
                       <a:pPr latinLnBrk="1"/>
                       <a:r>
-                        <a:rPr kumimoji="1" lang="en-US" altLang="ja-JP" sz="1600" b="0" i="0" kern="1200" dirty="0" err="1">
+                        <a:rPr kumimoji="1" lang="en-US" altLang="ja-JP" sz="1600" b="0" i="0" kern="1200" dirty="0" err="1" smtClean="0">
                           <a:solidFill>
                             <a:schemeClr val="dk1"/>
                           </a:solidFill>
@@ -9469,7 +8646,7 @@
                         <a:t>Ansible</a:t>
                       </a:r>
                       <a:r>
-                        <a:rPr kumimoji="1" lang="en-US" altLang="ja-JP" sz="1600" b="0" i="0" kern="1200" dirty="0">
+                        <a:rPr kumimoji="1" lang="en-US" altLang="ja-JP" sz="1600" b="0" i="0" kern="1200" dirty="0" smtClean="0">
                           <a:solidFill>
                             <a:schemeClr val="dk1"/>
                           </a:solidFill>
@@ -9480,6 +8657,15 @@
                         </a:rPr>
                         <a:t>-Legacy</a:t>
                       </a:r>
+                      <a:endParaRPr kumimoji="1" lang="en-US" altLang="ja-JP" sz="1600" b="0" i="0" kern="1200" dirty="0">
+                        <a:solidFill>
+                          <a:schemeClr val="dk1"/>
+                        </a:solidFill>
+                        <a:effectLst/>
+                        <a:latin typeface="+mn-lt"/>
+                        <a:ea typeface="+mn-ea"/>
+                        <a:cs typeface="+mn-cs"/>
+                      </a:endParaRPr>
                     </a:p>
                   </a:txBody>
                   <a:tcPr anchor="ctr">
@@ -9533,15 +8719,15 @@
                         <a:buNone/>
                       </a:pPr>
                       <a:r>
-                        <a:rPr kumimoji="1" lang="ja-JP" altLang="en-US" sz="1600"/>
+                        <a:rPr kumimoji="1" lang="ja-JP" altLang="en-US" sz="1600" smtClean="0"/>
                         <a:t>作成済の仮想マシンに</a:t>
                       </a:r>
                       <a:r>
-                        <a:rPr kumimoji="1" lang="en-US" altLang="ja-JP" sz="1600"/>
+                        <a:rPr kumimoji="1" lang="en-US" altLang="ja-JP" sz="1600" smtClean="0"/>
                         <a:t>IP</a:t>
                       </a:r>
                       <a:r>
-                        <a:rPr kumimoji="1" lang="ja-JP" altLang="en-US" sz="1600"/>
+                        <a:rPr kumimoji="1" lang="ja-JP" altLang="en-US" sz="1600" smtClean="0"/>
                         <a:t>アドレスを設定します。</a:t>
                       </a:r>
                       <a:endParaRPr kumimoji="1" lang="ja-JP" altLang="en-US" sz="1600" dirty="0"/>
@@ -9619,7 +8805,7 @@
                         <a:defRPr/>
                       </a:pPr>
                       <a:r>
-                        <a:rPr kumimoji="1" lang="en-US" altLang="ja-JP" sz="1600"/>
+                        <a:rPr kumimoji="1" lang="en-US" altLang="ja-JP" sz="1600" smtClean="0"/>
                         <a:t>260003</a:t>
                       </a:r>
                       <a:endParaRPr kumimoji="1" lang="en-US" altLang="ja-JP" sz="1600" dirty="0"/>
@@ -9676,7 +8862,7 @@
                         <a:buNone/>
                       </a:pPr>
                       <a:r>
-                        <a:rPr kumimoji="1" lang="ja-JP" altLang="en-US" sz="1600" b="0" i="0" u="none" strike="noStrike" noProof="0">
+                        <a:rPr kumimoji="1" lang="ja-JP" altLang="en-US" sz="1600" b="0" i="0" u="none" strike="noStrike" noProof="0" smtClean="0">
                           <a:latin typeface="+mn-lt"/>
                           <a:ea typeface="+mn-ea"/>
                         </a:rPr>
@@ -9753,7 +8939,7 @@
                         <a:defRPr/>
                       </a:pPr>
                       <a:r>
-                        <a:rPr kumimoji="1" lang="en-US" altLang="ja-JP" sz="1600" b="0" i="0" kern="1200" dirty="0" err="1">
+                        <a:rPr kumimoji="1" lang="en-US" altLang="ja-JP" sz="1600" b="0" i="0" kern="1200" dirty="0" err="1" smtClean="0">
                           <a:solidFill>
                             <a:schemeClr val="dk1"/>
                           </a:solidFill>
@@ -9765,7 +8951,7 @@
                         <a:t>Ansible</a:t>
                       </a:r>
                       <a:r>
-                        <a:rPr kumimoji="1" lang="en-US" altLang="ja-JP" sz="1600" b="0" i="0" kern="1200" dirty="0">
+                        <a:rPr kumimoji="1" lang="en-US" altLang="ja-JP" sz="1600" b="0" i="0" kern="1200" dirty="0" smtClean="0">
                           <a:solidFill>
                             <a:schemeClr val="dk1"/>
                           </a:solidFill>
@@ -9826,11 +9012,11 @@
                     <a:lstStyle/>
                     <a:p>
                       <a:r>
-                        <a:rPr kumimoji="1" lang="ja-JP" altLang="en-US" sz="1600"/>
+                        <a:rPr kumimoji="1" lang="ja-JP" altLang="en-US" sz="1600" smtClean="0"/>
                         <a:t>作成済の</a:t>
                       </a:r>
                       <a:r>
-                        <a:rPr kumimoji="1" lang="ja-JP" altLang="en-US" sz="1600" b="0" i="0" u="none" strike="noStrike" noProof="0">
+                        <a:rPr kumimoji="1" lang="ja-JP" altLang="en-US" sz="1600" b="0" i="0" u="none" strike="noStrike" noProof="0" smtClean="0">
                           <a:latin typeface="+mn-lt"/>
                           <a:ea typeface="+mn-ea"/>
                         </a:rPr>
@@ -9914,7 +9100,7 @@
                         <a:defRPr/>
                       </a:pPr>
                       <a:r>
-                        <a:rPr kumimoji="1" lang="en-US" altLang="ja-JP" sz="1600"/>
+                        <a:rPr kumimoji="1" lang="en-US" altLang="ja-JP" sz="1600" smtClean="0"/>
                         <a:t>260004</a:t>
                       </a:r>
                       <a:endParaRPr kumimoji="1" lang="en-US" altLang="ja-JP" sz="1600" dirty="0"/>
@@ -9968,7 +9154,7 @@
                     <a:lstStyle/>
                     <a:p>
                       <a:r>
-                        <a:rPr kumimoji="1" lang="ja-JP" altLang="en-US" sz="1600"/>
+                        <a:rPr kumimoji="1" lang="ja-JP" altLang="en-US" sz="1600" smtClean="0"/>
                         <a:t>仮想マシン削除</a:t>
                       </a:r>
                       <a:endParaRPr kumimoji="1" lang="ja-JP" altLang="en-US" sz="1600" dirty="0"/>
@@ -10039,7 +9225,7 @@
                         <a:defRPr/>
                       </a:pPr>
                       <a:r>
-                        <a:rPr kumimoji="1" lang="en-US" altLang="ja-JP" sz="1600" b="0" i="0" kern="1200" dirty="0" err="1">
+                        <a:rPr kumimoji="1" lang="en-US" altLang="ja-JP" sz="1600" b="0" i="0" kern="1200" dirty="0" err="1" smtClean="0">
                           <a:solidFill>
                             <a:schemeClr val="dk1"/>
                           </a:solidFill>
@@ -10051,7 +9237,7 @@
                         <a:t>Ansible</a:t>
                       </a:r>
                       <a:r>
-                        <a:rPr kumimoji="1" lang="en-US" altLang="ja-JP" sz="1600" b="0" i="0" kern="1200" dirty="0">
+                        <a:rPr kumimoji="1" lang="en-US" altLang="ja-JP" sz="1600" b="0" i="0" kern="1200" dirty="0" smtClean="0">
                           <a:solidFill>
                             <a:schemeClr val="dk1"/>
                           </a:solidFill>
@@ -10112,7 +9298,7 @@
                     <a:lstStyle/>
                     <a:p>
                       <a:r>
-                        <a:rPr kumimoji="1" lang="ja-JP" altLang="en-US" sz="1600"/>
+                        <a:rPr kumimoji="1" lang="ja-JP" altLang="en-US" sz="1600" smtClean="0"/>
                         <a:t>仮想マシンを削除します。</a:t>
                       </a:r>
                       <a:endParaRPr kumimoji="1" lang="ja-JP" altLang="en-US" sz="1600" dirty="0"/>
@@ -10190,7 +9376,7 @@
                         <a:defRPr/>
                       </a:pPr>
                       <a:r>
-                        <a:rPr kumimoji="1" lang="en-US" altLang="ja-JP" sz="1600"/>
+                        <a:rPr kumimoji="1" lang="en-US" altLang="ja-JP" sz="1600" smtClean="0"/>
                         <a:t>260005</a:t>
                       </a:r>
                       <a:endParaRPr kumimoji="1" lang="en-US" altLang="ja-JP" sz="1600" dirty="0"/>
@@ -10244,7 +9430,7 @@
                     <a:lstStyle/>
                     <a:p>
                       <a:r>
-                        <a:rPr kumimoji="1" lang="ja-JP" altLang="en-US" sz="1600"/>
+                        <a:rPr kumimoji="1" lang="ja-JP" altLang="en-US" sz="1600" smtClean="0"/>
                         <a:t>仮想マシン起動</a:t>
                       </a:r>
                       <a:endParaRPr kumimoji="1" lang="ja-JP" altLang="en-US" sz="1600" dirty="0"/>
@@ -10315,7 +9501,7 @@
                         <a:defRPr/>
                       </a:pPr>
                       <a:r>
-                        <a:rPr kumimoji="1" lang="en-US" altLang="ja-JP" sz="1600" b="0" i="0" kern="1200" dirty="0" err="1">
+                        <a:rPr kumimoji="1" lang="en-US" altLang="ja-JP" sz="1600" b="0" i="0" kern="1200" dirty="0" err="1" smtClean="0">
                           <a:solidFill>
                             <a:schemeClr val="dk1"/>
                           </a:solidFill>
@@ -10327,7 +9513,7 @@
                         <a:t>Ansible</a:t>
                       </a:r>
                       <a:r>
-                        <a:rPr kumimoji="1" lang="en-US" altLang="ja-JP" sz="1600" b="0" i="0" kern="1200" dirty="0">
+                        <a:rPr kumimoji="1" lang="en-US" altLang="ja-JP" sz="1600" b="0" i="0" kern="1200" dirty="0" smtClean="0">
                           <a:solidFill>
                             <a:schemeClr val="dk1"/>
                           </a:solidFill>
@@ -10405,7 +9591,7 @@
                         <a:defRPr/>
                       </a:pPr>
                       <a:r>
-                        <a:rPr kumimoji="1" lang="ja-JP" altLang="en-US" sz="1600"/>
+                        <a:rPr kumimoji="1" lang="ja-JP" altLang="en-US" sz="1600" smtClean="0"/>
                         <a:t>停止中の仮想マシンを起動します。</a:t>
                       </a:r>
                       <a:endParaRPr kumimoji="1" lang="ja-JP" altLang="en-US" sz="1600" dirty="0"/>
@@ -10483,7 +9669,7 @@
                         <a:defRPr/>
                       </a:pPr>
                       <a:r>
-                        <a:rPr kumimoji="1" lang="en-US" altLang="ja-JP" sz="1600"/>
+                        <a:rPr kumimoji="1" lang="en-US" altLang="ja-JP" sz="1600" smtClean="0"/>
                         <a:t>260006</a:t>
                       </a:r>
                       <a:endParaRPr kumimoji="1" lang="en-US" altLang="ja-JP" sz="1600" dirty="0"/>
@@ -10537,7 +9723,7 @@
                     <a:lstStyle/>
                     <a:p>
                       <a:r>
-                        <a:rPr kumimoji="1" lang="ja-JP" altLang="en-US" sz="1600"/>
+                        <a:rPr kumimoji="1" lang="ja-JP" altLang="en-US" sz="1600" smtClean="0"/>
                         <a:t>仮想マシン停止</a:t>
                       </a:r>
                       <a:endParaRPr kumimoji="1" lang="ja-JP" altLang="en-US" sz="1600" dirty="0"/>
@@ -10608,7 +9794,7 @@
                         <a:defRPr/>
                       </a:pPr>
                       <a:r>
-                        <a:rPr kumimoji="1" lang="en-US" altLang="ja-JP" sz="1600" b="0" i="0" kern="1200" dirty="0" err="1">
+                        <a:rPr kumimoji="1" lang="en-US" altLang="ja-JP" sz="1600" b="0" i="0" kern="1200" dirty="0" err="1" smtClean="0">
                           <a:solidFill>
                             <a:schemeClr val="dk1"/>
                           </a:solidFill>
@@ -10620,7 +9806,7 @@
                         <a:t>Ansible</a:t>
                       </a:r>
                       <a:r>
-                        <a:rPr kumimoji="1" lang="en-US" altLang="ja-JP" sz="1600" b="0" i="0" kern="1200" dirty="0">
+                        <a:rPr kumimoji="1" lang="en-US" altLang="ja-JP" sz="1600" b="0" i="0" kern="1200" dirty="0" smtClean="0">
                           <a:solidFill>
                             <a:schemeClr val="dk1"/>
                           </a:solidFill>
@@ -10681,7 +9867,7 @@
                     <a:lstStyle/>
                     <a:p>
                       <a:r>
-                        <a:rPr kumimoji="1" lang="ja-JP" altLang="en-US" sz="1600"/>
+                        <a:rPr kumimoji="1" lang="ja-JP" altLang="en-US" sz="1600" smtClean="0"/>
                         <a:t>起動中の仮想マシンを停止します</a:t>
                       </a:r>
                       <a:endParaRPr kumimoji="1" lang="ja-JP" altLang="en-US" sz="1600" dirty="0"/>
@@ -10759,7 +9945,7 @@
                         <a:defRPr/>
                       </a:pPr>
                       <a:r>
-                        <a:rPr kumimoji="1" lang="en-US" altLang="ja-JP" sz="1600"/>
+                        <a:rPr kumimoji="1" lang="en-US" altLang="ja-JP" sz="1600" smtClean="0"/>
                         <a:t>260007</a:t>
                       </a:r>
                       <a:endParaRPr kumimoji="1" lang="en-US" altLang="ja-JP" sz="1600" dirty="0"/>
@@ -10813,7 +9999,7 @@
                     <a:lstStyle/>
                     <a:p>
                       <a:r>
-                        <a:rPr kumimoji="1" lang="zh-TW" altLang="en-US" sz="1600"/>
+                        <a:rPr kumimoji="1" lang="zh-TW" altLang="en-US" sz="1600" smtClean="0"/>
                         <a:t>機器一覧更新</a:t>
                       </a:r>
                       <a:endParaRPr kumimoji="1" lang="zh-TW" altLang="en-US" sz="1600" dirty="0"/>
@@ -10884,7 +10070,7 @@
                         <a:defRPr/>
                       </a:pPr>
                       <a:r>
-                        <a:rPr kumimoji="1" lang="en-US" altLang="ja-JP" sz="1600" b="0" i="0" kern="1200" dirty="0" err="1">
+                        <a:rPr kumimoji="1" lang="en-US" altLang="ja-JP" sz="1600" b="0" i="0" kern="1200" dirty="0" err="1" smtClean="0">
                           <a:solidFill>
                             <a:schemeClr val="dk1"/>
                           </a:solidFill>
@@ -10896,7 +10082,7 @@
                         <a:t>Ansible</a:t>
                       </a:r>
                       <a:r>
-                        <a:rPr kumimoji="1" lang="en-US" altLang="ja-JP" sz="1600" b="0" i="0" kern="1200" dirty="0">
+                        <a:rPr kumimoji="1" lang="en-US" altLang="ja-JP" sz="1600" b="0" i="0" kern="1200" dirty="0" smtClean="0">
                           <a:solidFill>
                             <a:schemeClr val="dk1"/>
                           </a:solidFill>
@@ -10957,25 +10143,26 @@
                     <a:lstStyle/>
                     <a:p>
                       <a:r>
-                        <a:rPr kumimoji="1" lang="ja-JP" altLang="en-US" sz="1600" dirty="0"/>
+                        <a:rPr kumimoji="1" lang="ja-JP" altLang="en-US" sz="1600" dirty="0" smtClean="0"/>
                         <a:t>仮想マシン情報に入力された仮想マシン名で</a:t>
                       </a:r>
                       <a:r>
-                        <a:rPr kumimoji="1" lang="en-US" altLang="ja-JP" sz="1600" dirty="0"/>
+                        <a:rPr kumimoji="1" lang="en-US" altLang="ja-JP" sz="1600" dirty="0" smtClean="0"/>
                         <a:t>Hyper-V</a:t>
                       </a:r>
                       <a:r>
-                        <a:rPr kumimoji="1" lang="ja-JP" altLang="en-US" sz="1600" dirty="0"/>
+                        <a:rPr kumimoji="1" lang="ja-JP" altLang="en-US" sz="1600" dirty="0" smtClean="0"/>
                         <a:t>から情報を取得し機器一覧へ登録</a:t>
                       </a:r>
                       <a:r>
-                        <a:rPr kumimoji="1" lang="en-US" altLang="ja-JP" sz="1600" dirty="0"/>
+                        <a:rPr kumimoji="1" lang="en-US" altLang="ja-JP" sz="1600" dirty="0" smtClean="0"/>
                         <a:t>/</a:t>
                       </a:r>
                       <a:r>
-                        <a:rPr kumimoji="1" lang="ja-JP" altLang="en-US" sz="1600" dirty="0"/>
+                        <a:rPr kumimoji="1" lang="ja-JP" altLang="en-US" sz="1600" dirty="0" smtClean="0"/>
                         <a:t>更新します。</a:t>
                       </a:r>
+                      <a:endParaRPr kumimoji="1" lang="ja-JP" altLang="en-US" sz="1600" dirty="0"/>
                     </a:p>
                   </a:txBody>
                   <a:tcPr anchor="ctr">
@@ -17182,7 +16369,7 @@
             </a:r>
             <a:r>
               <a:rPr lang="ja-JP" altLang="en-US" dirty="0"/>
-              <a:t>と組み合わせて実行される</a:t>
+              <a:t> と組み合わせて実行される</a:t>
             </a:r>
             <a:r>
               <a:rPr kumimoji="1" lang="en-US" altLang="ja-JP" dirty="0"/>
@@ -17194,7 +16381,7 @@
             </a:r>
             <a:r>
               <a:rPr lang="ja-JP" altLang="en-US" dirty="0"/>
-              <a:t>の概要を記載しています。</a:t>
+              <a:t>の概要を記載するものです。</a:t>
             </a:r>
             <a:endParaRPr lang="en-US" altLang="ja-JP" dirty="0"/>
           </a:p>
@@ -17418,7 +16605,7 @@
             </a:r>
             <a:r>
               <a:rPr kumimoji="1" lang="ja-JP" altLang="en-US" dirty="0"/>
-              <a:t>を使ったことがない人でも簡単に仮想マシンを作成・削除することが出来ます。</a:t>
+              <a:t>を使ったことがない人でも簡単に仮想マシンを作成することが出来ます。</a:t>
             </a:r>
           </a:p>
         </p:txBody>
@@ -21112,41 +20299,18 @@
             </a:r>
             <a:r>
               <a:rPr lang="ja-JP" altLang="en-US" dirty="0"/>
-              <a:t>を使って実施されます。</a:t>
+              <a:t>を使って実施される。</a:t>
             </a:r>
             <a:endParaRPr lang="en-US" altLang="ja-JP" dirty="0"/>
           </a:p>
           <a:p>
-            <a:pPr marL="180975" indent="0">
-              <a:buNone/>
-            </a:pPr>
-            <a:r>
-              <a:rPr lang="ja-JP" altLang="en-US" dirty="0"/>
-              <a:t>この</a:t>
-            </a:r>
             <a:r>
               <a:rPr lang="en-US" altLang="ja-JP" dirty="0"/>
               <a:t>GUI</a:t>
             </a:r>
             <a:r>
               <a:rPr lang="ja-JP" altLang="en-US" dirty="0"/>
-              <a:t>操作には仮想化やサーバそのものに関する知識と、ある種の</a:t>
-            </a:r>
-            <a:r>
-              <a:rPr lang="en-US" altLang="ja-JP" dirty="0"/>
-              <a:t>”</a:t>
-            </a:r>
-            <a:r>
-              <a:rPr lang="ja-JP" altLang="en-US" dirty="0"/>
-              <a:t>慣れ</a:t>
-            </a:r>
-            <a:r>
-              <a:rPr lang="en-US" altLang="ja-JP" dirty="0"/>
-              <a:t>”</a:t>
-            </a:r>
-            <a:r>
-              <a:rPr lang="ja-JP" altLang="en-US" dirty="0"/>
-              <a:t>が必要となります。</a:t>
+              <a:t>操作は煩雑であり、仮想マシンの知識と慣れが必要</a:t>
             </a:r>
             <a:endParaRPr lang="en-US" altLang="ja-JP" dirty="0"/>
           </a:p>
@@ -21156,56 +20320,19 @@
           <a:p>
             <a:r>
               <a:rPr lang="ja-JP" altLang="en-US" dirty="0"/>
-              <a:t>またコンピューティングリソースが安価に調達できるようになったため、仮想化基盤がさらに大きくなり、扱うことができる仮想マシンが増大しました。</a:t>
+              <a:t>仮想化基盤が大きくなり、扱うことができる仮想マシンが増大し、管理者の負担が増えた</a:t>
             </a:r>
             <a:endParaRPr lang="en-US" altLang="ja-JP" dirty="0"/>
           </a:p>
           <a:p>
-            <a:pPr marL="180975" indent="0">
-              <a:buNone/>
-            </a:pPr>
             <a:r>
               <a:rPr lang="ja-JP" altLang="en-US" dirty="0"/>
-              <a:t>その結果、</a:t>
-            </a:r>
-            <a:r>
-              <a:rPr lang="en-US" altLang="ja-JP" dirty="0"/>
-              <a:t>Hyper-V</a:t>
-            </a:r>
-            <a:r>
-              <a:rPr lang="ja-JP" altLang="en-US" dirty="0"/>
-              <a:t>上の</a:t>
-            </a:r>
-            <a:r>
-              <a:rPr lang="ja-JP" altLang="en-US" u="sng" dirty="0"/>
-              <a:t>仮想マシンの管理（払い出し・削除等）コストが増大</a:t>
-            </a:r>
-            <a:r>
-              <a:rPr lang="ja-JP" altLang="en-US" dirty="0"/>
-              <a:t>しています。</a:t>
+              <a:t>基本的な作業を自動化し、管理者の負担軽減することが目的</a:t>
             </a:r>
             <a:endParaRPr lang="en-US" altLang="ja-JP" dirty="0"/>
           </a:p>
           <a:p>
-            <a:endParaRPr lang="en-US" altLang="ja-JP" dirty="0"/>
-          </a:p>
-          <a:p>
-            <a:r>
-              <a:rPr lang="en-US" altLang="ja-JP" dirty="0"/>
-              <a:t>Hyper-V</a:t>
-            </a:r>
-            <a:r>
-              <a:rPr lang="ja-JP" altLang="en-US" dirty="0"/>
-              <a:t>モデルは、これらの仮想マシンの管理作業の自動化及び一部の権限を一般ユーザにもたせることで</a:t>
-            </a:r>
-            <a:r>
-              <a:rPr lang="ja-JP" altLang="en-US" u="sng" dirty="0"/>
-              <a:t>管理コストを低減することを目的</a:t>
-            </a:r>
-            <a:r>
-              <a:rPr lang="ja-JP" altLang="en-US" dirty="0"/>
-              <a:t>としています。</a:t>
-            </a:r>
+            <a:endParaRPr lang="ja-JP" altLang="en-US" dirty="0"/>
           </a:p>
         </p:txBody>
       </p:sp>
@@ -21293,522 +20420,48 @@
           <a:lstStyle/>
           <a:p>
             <a:r>
-              <a:rPr lang="en-US" altLang="ja-JP" dirty="0"/>
-              <a:t>Hyper-V</a:t>
-            </a:r>
-            <a:r>
-              <a:rPr lang="ja-JP" altLang="en-US" dirty="0"/>
-              <a:t>モデルでは、</a:t>
-            </a:r>
-            <a:r>
-              <a:rPr lang="en-US" altLang="ja-JP" dirty="0"/>
-              <a:t>Ansible</a:t>
-            </a:r>
-            <a:r>
-              <a:rPr lang="ja-JP" altLang="en-US" dirty="0"/>
-              <a:t>を使って</a:t>
-            </a:r>
-            <a:r>
-              <a:rPr lang="en-US" altLang="ja-JP" dirty="0"/>
-              <a:t>Hyper-V</a:t>
-            </a:r>
-            <a:r>
-              <a:rPr lang="ja-JP" altLang="en-US" dirty="0"/>
-              <a:t>上の仮想マシンを操作しています。</a:t>
-            </a:r>
-            <a:endParaRPr lang="en-US" altLang="ja-JP" dirty="0"/>
-          </a:p>
-          <a:p>
-            <a:pPr marL="180975" indent="0">
-              <a:buNone/>
-            </a:pPr>
-            <a:r>
-              <a:rPr lang="ja-JP" altLang="en-US" dirty="0"/>
-              <a:t>また一部の</a:t>
-            </a:r>
-            <a:r>
-              <a:rPr lang="en-US" altLang="ja-JP" dirty="0"/>
-              <a:t>Movement</a:t>
-            </a:r>
-            <a:r>
-              <a:rPr lang="ja-JP" altLang="en-US" dirty="0"/>
-              <a:t>では</a:t>
-            </a:r>
-            <a:r>
-              <a:rPr lang="en-US" altLang="ja-JP" dirty="0" err="1"/>
-              <a:t>Powershell</a:t>
-            </a:r>
-            <a:r>
-              <a:rPr lang="en-US" altLang="ja-JP" dirty="0"/>
-              <a:t> Script</a:t>
-            </a:r>
-            <a:r>
-              <a:rPr lang="ja-JP" altLang="en-US" dirty="0"/>
-              <a:t>を使用していますが、このスクリプトも</a:t>
-            </a:r>
-            <a:r>
-              <a:rPr lang="en-US" altLang="ja-JP" dirty="0"/>
-              <a:t>Ansible</a:t>
-            </a:r>
-            <a:r>
-              <a:rPr lang="ja-JP" altLang="en-US" dirty="0"/>
-              <a:t>経由で実行しています。</a:t>
-            </a:r>
-            <a:endParaRPr lang="en-US" altLang="ja-JP" dirty="0"/>
+              <a:rPr kumimoji="1" lang="ja-JP" altLang="en-US" dirty="0"/>
+              <a:t>利用ユーザに対して難しさを隠ぺいする一方で、管理者は本モデルがどのように動作しているか知っておく必要がある</a:t>
+            </a:r>
+            <a:endParaRPr kumimoji="1" lang="en-US" altLang="ja-JP" dirty="0"/>
           </a:p>
           <a:p>
             <a:endParaRPr lang="en-US" altLang="ja-JP" dirty="0"/>
           </a:p>
-        </p:txBody>
-      </p:sp>
-      <p:sp>
-        <p:nvSpPr>
-          <p:cNvPr id="16" name="矢印: 右 15">
-            <a:extLst>
-              <a:ext uri="{FF2B5EF4-FFF2-40B4-BE49-F238E27FC236}">
-                <a16:creationId xmlns:a16="http://schemas.microsoft.com/office/drawing/2014/main" id="{1FF93B07-6466-401C-9A60-2317DEBB14C9}"/>
-              </a:ext>
-            </a:extLst>
-          </p:cNvPr>
-          <p:cNvSpPr/>
-          <p:nvPr/>
-        </p:nvSpPr>
-        <p:spPr bwMode="auto">
-          <a:xfrm rot="16200000">
-            <a:off x="3827685" y="5480615"/>
-            <a:ext cx="360050" cy="433400"/>
-          </a:xfrm>
-          <a:prstGeom prst="rightArrow">
-            <a:avLst/>
-          </a:prstGeom>
-          <a:solidFill>
-            <a:schemeClr val="accent2">
-              <a:lumMod val="60000"/>
-              <a:lumOff val="40000"/>
-            </a:schemeClr>
-          </a:solidFill>
-          <a:ln w="12700">
-            <a:noFill/>
-          </a:ln>
-          <a:effectLst/>
-        </p:spPr>
-        <p:txBody>
-          <a:bodyPr rot="0" spcFirstLastPara="0" vertOverflow="overflow" horzOverflow="overflow" vert="horz" wrap="none" lIns="72000" tIns="72000" rIns="72000" bIns="72000" numCol="1" spcCol="0" rtlCol="0" fromWordArt="0" anchor="ctr" anchorCtr="0" forceAA="0" compatLnSpc="1">
-            <a:prstTxWarp prst="textNoShape">
-              <a:avLst/>
-            </a:prstTxWarp>
-            <a:noAutofit/>
-          </a:bodyPr>
-          <a:lstStyle/>
           <a:p>
-            <a:pPr algn="ctr"/>
-            <a:endParaRPr kumimoji="1" lang="ja-JP" altLang="en-US" b="1" dirty="0">
-              <a:latin typeface="+mn-ea"/>
-            </a:endParaRPr>
-          </a:p>
-        </p:txBody>
-      </p:sp>
-      <p:sp>
-        <p:nvSpPr>
-          <p:cNvPr id="17" name="テキスト ボックス 16">
-            <a:extLst>
-              <a:ext uri="{FF2B5EF4-FFF2-40B4-BE49-F238E27FC236}">
-                <a16:creationId xmlns:a16="http://schemas.microsoft.com/office/drawing/2014/main" id="{6E0E77A5-E9FF-4BEA-9F5A-A71CB30CBFCF}"/>
-              </a:ext>
-            </a:extLst>
-          </p:cNvPr>
-          <p:cNvSpPr txBox="1"/>
-          <p:nvPr/>
-        </p:nvSpPr>
-        <p:spPr>
-          <a:xfrm>
-            <a:off x="2711530" y="5896927"/>
-            <a:ext cx="2592360" cy="307777"/>
-          </a:xfrm>
-          <a:prstGeom prst="rect">
-            <a:avLst/>
-          </a:prstGeom>
-          <a:noFill/>
-        </p:spPr>
-        <p:txBody>
-          <a:bodyPr wrap="square" rtlCol="0">
-            <a:spAutoFit/>
-          </a:bodyPr>
-          <a:lstStyle/>
-          <a:p>
-            <a:pPr algn="ctr"/>
-            <a:r>
-              <a:rPr kumimoji="1" lang="en-US" altLang="ja-JP" sz="1400" dirty="0"/>
+            <a:r>
+              <a:rPr lang="en-US" altLang="ja-JP" dirty="0"/>
               <a:t>Hyper-V</a:t>
             </a:r>
             <a:r>
-              <a:rPr kumimoji="1" lang="ja-JP" altLang="en-US" sz="1400" dirty="0"/>
-              <a:t>モデルとして整備</a:t>
-            </a:r>
-          </a:p>
-        </p:txBody>
-      </p:sp>
-      <p:grpSp>
-        <p:nvGrpSpPr>
-          <p:cNvPr id="20" name="グループ化 19">
-            <a:extLst>
-              <a:ext uri="{FF2B5EF4-FFF2-40B4-BE49-F238E27FC236}">
-                <a16:creationId xmlns:a16="http://schemas.microsoft.com/office/drawing/2014/main" id="{E84397D0-CF54-4231-A2E4-9A465407A716}"/>
-              </a:ext>
-            </a:extLst>
-          </p:cNvPr>
-          <p:cNvGrpSpPr/>
-          <p:nvPr/>
-        </p:nvGrpSpPr>
-        <p:grpSpPr>
-          <a:xfrm>
-            <a:off x="963125" y="2222902"/>
-            <a:ext cx="10264451" cy="3274800"/>
-            <a:chOff x="1631380" y="3068950"/>
-            <a:chExt cx="8684507" cy="2770730"/>
-          </a:xfrm>
-        </p:grpSpPr>
-        <p:grpSp>
-          <p:nvGrpSpPr>
-            <p:cNvPr id="14" name="グループ化 13">
-              <a:extLst>
-                <a:ext uri="{FF2B5EF4-FFF2-40B4-BE49-F238E27FC236}">
-                  <a16:creationId xmlns:a16="http://schemas.microsoft.com/office/drawing/2014/main" id="{068259B2-7A68-4BA5-BD57-9ECC14955612}"/>
-                </a:ext>
-              </a:extLst>
-            </p:cNvPr>
-            <p:cNvGrpSpPr/>
-            <p:nvPr/>
-          </p:nvGrpSpPr>
-          <p:grpSpPr>
-            <a:xfrm>
-              <a:off x="1631380" y="3068950"/>
-              <a:ext cx="8684507" cy="2770730"/>
-              <a:chOff x="3853" y="1916791"/>
-              <a:chExt cx="12188143" cy="3888540"/>
-            </a:xfrm>
-          </p:grpSpPr>
-          <p:pic>
-            <p:nvPicPr>
-              <p:cNvPr id="4" name="図 3">
-                <a:extLst>
-                  <a:ext uri="{FF2B5EF4-FFF2-40B4-BE49-F238E27FC236}">
-                    <a16:creationId xmlns:a16="http://schemas.microsoft.com/office/drawing/2014/main" id="{7BAA2194-0FBD-46B5-836A-8997E5B3A0EC}"/>
-                  </a:ext>
-                </a:extLst>
-              </p:cNvPr>
-              <p:cNvPicPr>
-                <a:picLocks noChangeAspect="1"/>
-              </p:cNvPicPr>
-              <p:nvPr/>
-            </p:nvPicPr>
-            <p:blipFill rotWithShape="1">
-              <a:blip r:embed="rId2">
-                <a:extLst>
-                  <a:ext uri="{28A0092B-C50C-407E-A947-70E740481C1C}">
-                    <a14:useLocalDpi xmlns:a14="http://schemas.microsoft.com/office/drawing/2010/main" val="0"/>
-                  </a:ext>
-                </a:extLst>
-              </a:blip>
-              <a:srcRect/>
-              <a:stretch/>
-            </p:blipFill>
-            <p:spPr>
-              <a:xfrm>
-                <a:off x="3853" y="1916791"/>
-                <a:ext cx="12188143" cy="3888540"/>
-              </a:xfrm>
-              <a:prstGeom prst="rect">
-                <a:avLst/>
-              </a:prstGeom>
-            </p:spPr>
-          </p:pic>
-          <p:sp>
-            <p:nvSpPr>
-              <p:cNvPr id="10" name="正方形/長方形 9">
-                <a:extLst>
-                  <a:ext uri="{FF2B5EF4-FFF2-40B4-BE49-F238E27FC236}">
-                    <a16:creationId xmlns:a16="http://schemas.microsoft.com/office/drawing/2014/main" id="{F678A42F-E309-4046-A3E9-803D3DB9799D}"/>
-                  </a:ext>
-                </a:extLst>
-              </p:cNvPr>
-              <p:cNvSpPr/>
-              <p:nvPr/>
-            </p:nvSpPr>
-            <p:spPr bwMode="auto">
-              <a:xfrm>
-                <a:off x="9624490" y="5517290"/>
-                <a:ext cx="720100" cy="144020"/>
-              </a:xfrm>
-              <a:prstGeom prst="rect">
-                <a:avLst/>
-              </a:prstGeom>
-              <a:solidFill>
-                <a:srgbClr val="E6F5F6"/>
-              </a:solidFill>
-              <a:ln w="12700">
-                <a:noFill/>
-              </a:ln>
-              <a:effectLst/>
-            </p:spPr>
-            <p:txBody>
-              <a:bodyPr rot="0" spcFirstLastPara="0" vertOverflow="overflow" horzOverflow="overflow" vert="horz" wrap="none" lIns="72000" tIns="72000" rIns="72000" bIns="72000" numCol="1" spcCol="0" rtlCol="0" fromWordArt="0" anchor="ctr" anchorCtr="0" forceAA="0" compatLnSpc="1">
-                <a:prstTxWarp prst="textNoShape">
-                  <a:avLst/>
-                </a:prstTxWarp>
-                <a:noAutofit/>
-              </a:bodyPr>
-              <a:lstStyle/>
-              <a:p>
-                <a:pPr algn="ctr"/>
-                <a:r>
-                  <a:rPr kumimoji="1" lang="en-US" altLang="ja-JP" sz="900" b="1" dirty="0">
-                    <a:solidFill>
-                      <a:schemeClr val="accent4">
-                        <a:lumMod val="60000"/>
-                        <a:lumOff val="40000"/>
-                      </a:schemeClr>
-                    </a:solidFill>
-                    <a:latin typeface="+mn-ea"/>
-                  </a:rPr>
-                  <a:t>Hyper-V</a:t>
-                </a:r>
-                <a:endParaRPr kumimoji="1" lang="ja-JP" altLang="en-US" sz="900" b="1" dirty="0">
-                  <a:solidFill>
-                    <a:schemeClr val="accent4">
-                      <a:lumMod val="60000"/>
-                      <a:lumOff val="40000"/>
-                    </a:schemeClr>
-                  </a:solidFill>
-                  <a:latin typeface="+mn-ea"/>
-                </a:endParaRPr>
-              </a:p>
-            </p:txBody>
-          </p:sp>
-        </p:grpSp>
-        <p:sp>
-          <p:nvSpPr>
-            <p:cNvPr id="15" name="正方形/長方形 14">
-              <a:extLst>
-                <a:ext uri="{FF2B5EF4-FFF2-40B4-BE49-F238E27FC236}">
-                  <a16:creationId xmlns:a16="http://schemas.microsoft.com/office/drawing/2014/main" id="{5DBB200C-8755-46B9-AEB6-EFD3084D4DCD}"/>
-                </a:ext>
-              </a:extLst>
-            </p:cNvPr>
-            <p:cNvSpPr/>
-            <p:nvPr/>
-          </p:nvSpPr>
-          <p:spPr bwMode="auto">
-            <a:xfrm>
-              <a:off x="3935700" y="4293120"/>
-              <a:ext cx="576080" cy="1546560"/>
-            </a:xfrm>
-            <a:prstGeom prst="rect">
-              <a:avLst/>
-            </a:prstGeom>
-            <a:noFill/>
-            <a:ln w="38100">
-              <a:solidFill>
-                <a:schemeClr val="accent2">
-                  <a:lumMod val="60000"/>
-                  <a:lumOff val="40000"/>
-                </a:schemeClr>
-              </a:solidFill>
-            </a:ln>
-            <a:effectLst/>
-          </p:spPr>
-          <p:txBody>
-            <a:bodyPr rot="0" spcFirstLastPara="0" vertOverflow="overflow" horzOverflow="overflow" vert="horz" wrap="none" lIns="72000" tIns="72000" rIns="72000" bIns="72000" numCol="1" spcCol="0" rtlCol="0" fromWordArt="0" anchor="ctr" anchorCtr="0" forceAA="0" compatLnSpc="1">
-              <a:prstTxWarp prst="textNoShape">
-                <a:avLst/>
-              </a:prstTxWarp>
-              <a:noAutofit/>
-            </a:bodyPr>
-            <a:lstStyle/>
-            <a:p>
-              <a:pPr algn="ctr"/>
-              <a:endParaRPr kumimoji="1" lang="ja-JP" altLang="en-US" b="1" dirty="0">
-                <a:latin typeface="+mn-ea"/>
-              </a:endParaRPr>
-            </a:p>
-          </p:txBody>
-        </p:sp>
-        <p:sp>
-          <p:nvSpPr>
-            <p:cNvPr id="18" name="正方形/長方形 17">
-              <a:extLst>
-                <a:ext uri="{FF2B5EF4-FFF2-40B4-BE49-F238E27FC236}">
-                  <a16:creationId xmlns:a16="http://schemas.microsoft.com/office/drawing/2014/main" id="{3CBA33D4-DB0A-413E-804E-81DFAA4EA2D8}"/>
-                </a:ext>
-              </a:extLst>
-            </p:cNvPr>
-            <p:cNvSpPr/>
-            <p:nvPr/>
-          </p:nvSpPr>
-          <p:spPr bwMode="auto">
-            <a:xfrm>
-              <a:off x="6672080" y="3678209"/>
-              <a:ext cx="1368190" cy="470890"/>
-            </a:xfrm>
-            <a:prstGeom prst="rect">
-              <a:avLst/>
-            </a:prstGeom>
-            <a:noFill/>
-            <a:ln w="38100">
-              <a:solidFill>
-                <a:schemeClr val="accent2">
-                  <a:lumMod val="60000"/>
-                  <a:lumOff val="40000"/>
-                </a:schemeClr>
-              </a:solidFill>
-            </a:ln>
-            <a:effectLst/>
-          </p:spPr>
-          <p:txBody>
-            <a:bodyPr rot="0" spcFirstLastPara="0" vertOverflow="overflow" horzOverflow="overflow" vert="horz" wrap="none" lIns="72000" tIns="72000" rIns="72000" bIns="72000" numCol="1" spcCol="0" rtlCol="0" fromWordArt="0" anchor="ctr" anchorCtr="0" forceAA="0" compatLnSpc="1">
-              <a:prstTxWarp prst="textNoShape">
-                <a:avLst/>
-              </a:prstTxWarp>
-              <a:noAutofit/>
-            </a:bodyPr>
-            <a:lstStyle/>
-            <a:p>
-              <a:pPr algn="ctr"/>
-              <a:endParaRPr kumimoji="1" lang="ja-JP" altLang="en-US" b="1" dirty="0">
-                <a:latin typeface="+mn-ea"/>
-              </a:endParaRPr>
-            </a:p>
-          </p:txBody>
-        </p:sp>
-        <p:sp>
-          <p:nvSpPr>
-            <p:cNvPr id="19" name="正方形/長方形 18">
-              <a:extLst>
-                <a:ext uri="{FF2B5EF4-FFF2-40B4-BE49-F238E27FC236}">
-                  <a16:creationId xmlns:a16="http://schemas.microsoft.com/office/drawing/2014/main" id="{E759756B-96B2-4A87-8501-F7B38D700B8A}"/>
-                </a:ext>
-              </a:extLst>
-            </p:cNvPr>
-            <p:cNvSpPr/>
-            <p:nvPr/>
-          </p:nvSpPr>
-          <p:spPr bwMode="auto">
-            <a:xfrm>
-              <a:off x="8256300" y="5193330"/>
-              <a:ext cx="936130" cy="612000"/>
-            </a:xfrm>
-            <a:prstGeom prst="rect">
-              <a:avLst/>
-            </a:prstGeom>
-            <a:noFill/>
-            <a:ln w="38100">
-              <a:solidFill>
-                <a:schemeClr val="accent2">
-                  <a:lumMod val="60000"/>
-                  <a:lumOff val="40000"/>
-                </a:schemeClr>
-              </a:solidFill>
-            </a:ln>
-            <a:effectLst/>
-          </p:spPr>
-          <p:txBody>
-            <a:bodyPr rot="0" spcFirstLastPara="0" vertOverflow="overflow" horzOverflow="overflow" vert="horz" wrap="none" lIns="72000" tIns="72000" rIns="72000" bIns="72000" numCol="1" spcCol="0" rtlCol="0" fromWordArt="0" anchor="ctr" anchorCtr="0" forceAA="0" compatLnSpc="1">
-              <a:prstTxWarp prst="textNoShape">
-                <a:avLst/>
-              </a:prstTxWarp>
-              <a:noAutofit/>
-            </a:bodyPr>
-            <a:lstStyle/>
-            <a:p>
-              <a:pPr algn="ctr"/>
-              <a:endParaRPr kumimoji="1" lang="ja-JP" altLang="en-US" b="1" dirty="0">
-                <a:latin typeface="+mn-ea"/>
-              </a:endParaRPr>
-            </a:p>
-          </p:txBody>
-        </p:sp>
-      </p:grpSp>
-      <p:sp>
-        <p:nvSpPr>
-          <p:cNvPr id="21" name="矢印: 右 20">
-            <a:extLst>
-              <a:ext uri="{FF2B5EF4-FFF2-40B4-BE49-F238E27FC236}">
-                <a16:creationId xmlns:a16="http://schemas.microsoft.com/office/drawing/2014/main" id="{B4CF8799-14CA-4582-97CA-4603414AE3D0}"/>
-              </a:ext>
-            </a:extLst>
-          </p:cNvPr>
-          <p:cNvSpPr/>
-          <p:nvPr/>
-        </p:nvSpPr>
-        <p:spPr bwMode="auto">
-          <a:xfrm rot="16200000">
-            <a:off x="9175475" y="5480615"/>
-            <a:ext cx="360050" cy="433400"/>
-          </a:xfrm>
-          <a:prstGeom prst="rightArrow">
-            <a:avLst/>
-          </a:prstGeom>
-          <a:solidFill>
-            <a:schemeClr val="accent2">
-              <a:lumMod val="60000"/>
-              <a:lumOff val="40000"/>
-            </a:schemeClr>
-          </a:solidFill>
-          <a:ln w="12700">
-            <a:noFill/>
-          </a:ln>
-          <a:effectLst/>
-        </p:spPr>
-        <p:txBody>
-          <a:bodyPr rot="0" spcFirstLastPara="0" vertOverflow="overflow" horzOverflow="overflow" vert="horz" wrap="none" lIns="72000" tIns="72000" rIns="72000" bIns="72000" numCol="1" spcCol="0" rtlCol="0" fromWordArt="0" anchor="ctr" anchorCtr="0" forceAA="0" compatLnSpc="1">
-            <a:prstTxWarp prst="textNoShape">
-              <a:avLst/>
-            </a:prstTxWarp>
-            <a:noAutofit/>
-          </a:bodyPr>
-          <a:lstStyle/>
-          <a:p>
-            <a:pPr algn="ctr"/>
-            <a:endParaRPr kumimoji="1" lang="ja-JP" altLang="en-US" b="1" dirty="0">
-              <a:latin typeface="+mn-ea"/>
-            </a:endParaRPr>
-          </a:p>
-        </p:txBody>
-      </p:sp>
-      <p:sp>
-        <p:nvSpPr>
-          <p:cNvPr id="22" name="テキスト ボックス 21">
-            <a:extLst>
-              <a:ext uri="{FF2B5EF4-FFF2-40B4-BE49-F238E27FC236}">
-                <a16:creationId xmlns:a16="http://schemas.microsoft.com/office/drawing/2014/main" id="{EDD4F498-673C-410B-AC2D-472BF27F6250}"/>
-              </a:ext>
-            </a:extLst>
-          </p:cNvPr>
-          <p:cNvSpPr txBox="1"/>
-          <p:nvPr/>
-        </p:nvSpPr>
-        <p:spPr>
-          <a:xfrm>
-            <a:off x="8059320" y="5896927"/>
-            <a:ext cx="2592360" cy="307777"/>
-          </a:xfrm>
-          <a:prstGeom prst="rect">
-            <a:avLst/>
-          </a:prstGeom>
-          <a:noFill/>
-        </p:spPr>
-        <p:txBody>
-          <a:bodyPr wrap="square" rtlCol="0">
-            <a:spAutoFit/>
-          </a:bodyPr>
-          <a:lstStyle/>
-          <a:p>
-            <a:pPr algn="ctr"/>
-            <a:r>
-              <a:rPr kumimoji="1" lang="ja-JP" altLang="en-US" sz="1400"/>
-              <a:t>対象プラットフォーム</a:t>
-            </a:r>
-            <a:endParaRPr kumimoji="1" lang="ja-JP" altLang="en-US" sz="1400" dirty="0"/>
+              <a:rPr lang="ja-JP" altLang="en-US" dirty="0"/>
+              <a:t>は</a:t>
+            </a:r>
+            <a:r>
+              <a:rPr lang="en-US" altLang="ja-JP" dirty="0"/>
+              <a:t>PowerShell</a:t>
+            </a:r>
+            <a:r>
+              <a:rPr lang="ja-JP" altLang="en-US" dirty="0"/>
+              <a:t>のコマンドが用意されているので、</a:t>
+            </a:r>
+            <a:r>
+              <a:rPr lang="en-US" altLang="ja-JP" dirty="0"/>
+              <a:t>PowerShell</a:t>
+            </a:r>
+            <a:r>
+              <a:rPr lang="ja-JP" altLang="en-US" dirty="0"/>
+              <a:t>を</a:t>
+            </a:r>
+            <a:r>
+              <a:rPr lang="en-US" altLang="ja-JP" dirty="0"/>
+              <a:t>Ansible</a:t>
+            </a:r>
+            <a:r>
+              <a:rPr lang="ja-JP" altLang="en-US" dirty="0"/>
+              <a:t>を使って実行することで自動化を実現している</a:t>
+            </a:r>
+            <a:endParaRPr kumimoji="1" lang="ja-JP" altLang="en-US" dirty="0"/>
           </a:p>
         </p:txBody>
       </p:sp>
@@ -23598,15 +22251,15 @@
               <a:t>HDD</a:t>
             </a:r>
             <a:r>
-              <a:rPr lang="ja-JP" altLang="en-US" dirty="0"/>
+              <a:rPr lang="ja-JP" altLang="en-US" dirty="0" smtClean="0"/>
               <a:t>追加</a:t>
             </a:r>
-            <a:endParaRPr lang="en-US" altLang="ja-JP" dirty="0"/>
+            <a:endParaRPr lang="en-US" altLang="ja-JP" dirty="0" smtClean="0"/>
           </a:p>
           <a:p>
             <a:pPr lvl="1"/>
             <a:r>
-              <a:rPr lang="ja-JP" altLang="en-US" dirty="0"/>
+              <a:rPr lang="ja-JP" altLang="en-US" dirty="0" smtClean="0"/>
               <a:t>機器一覧への登録・更新</a:t>
             </a:r>
             <a:endParaRPr lang="en-US" altLang="ja-JP" dirty="0"/>
@@ -23727,44 +22380,54 @@
             </a:r>
             <a:r>
               <a:rPr lang="ja-JP" altLang="en-US" dirty="0"/>
-              <a:t>を使用することで、</a:t>
-            </a:r>
-            <a:r>
-              <a:rPr lang="en-US" altLang="ja-JP" dirty="0"/>
+              <a:t>を使用することで</a:t>
+            </a:r>
+            <a:r>
+              <a:rPr lang="ja-JP" altLang="en-US" dirty="0" smtClean="0"/>
+              <a:t>、</a:t>
+            </a:r>
+            <a:r>
+              <a:rPr lang="en-US" altLang="ja-JP" dirty="0" smtClean="0"/>
               <a:t>Hyper-V</a:t>
             </a:r>
             <a:r>
               <a:rPr lang="ja-JP" altLang="en-US" dirty="0"/>
-              <a:t>上に仮想マシンの新規作成・</a:t>
-            </a:r>
-            <a:r>
-              <a:rPr lang="en-US" altLang="ja-JP" dirty="0"/>
+              <a:t>上に仮想</a:t>
+            </a:r>
+            <a:r>
+              <a:rPr lang="ja-JP" altLang="en-US" dirty="0" smtClean="0"/>
+              <a:t>マシンの新規作成・</a:t>
+            </a:r>
+            <a:r>
+              <a:rPr lang="en-US" altLang="ja-JP" dirty="0" smtClean="0"/>
               <a:t>IP</a:t>
             </a:r>
             <a:r>
-              <a:rPr lang="ja-JP" altLang="en-US" dirty="0"/>
+              <a:rPr lang="ja-JP" altLang="en-US" dirty="0" smtClean="0"/>
               <a:t>アドレス設定・仮想ハードディスク追加・</a:t>
             </a:r>
             <a:r>
-              <a:rPr lang="en-US" altLang="ja-JP" dirty="0"/>
+              <a:rPr lang="en-US" altLang="ja-JP" dirty="0" smtClean="0"/>
               <a:t>ITA</a:t>
             </a:r>
             <a:r>
-              <a:rPr lang="ja-JP" altLang="en-US" dirty="0"/>
+              <a:rPr lang="ja-JP" altLang="en-US" dirty="0" smtClean="0"/>
               <a:t>の機器一覧に仮想マシン情報の登録</a:t>
             </a:r>
             <a:r>
-              <a:rPr lang="en-US" altLang="ja-JP" dirty="0"/>
+              <a:rPr lang="en-US" altLang="ja-JP" dirty="0" smtClean="0"/>
               <a:t>/</a:t>
             </a:r>
             <a:r>
-              <a:rPr lang="ja-JP" altLang="en-US" dirty="0"/>
+              <a:rPr lang="ja-JP" altLang="en-US" dirty="0" smtClean="0"/>
               <a:t>更新を行います。</a:t>
             </a:r>
             <a:endParaRPr lang="en-US" altLang="ja-JP" dirty="0"/>
           </a:p>
           <a:p>
-            <a:pPr lvl="1"/>
+            <a:pPr marL="180975" indent="0">
+              <a:buNone/>
+            </a:pPr>
             <a:r>
               <a:rPr lang="ja-JP" altLang="en-US" dirty="0"/>
               <a:t>作成される仮想マシンは一回のオペレーションで最大</a:t>
@@ -23780,12 +22443,12 @@
             <a:endParaRPr lang="en-US" altLang="ja-JP" dirty="0"/>
           </a:p>
           <a:p>
-            <a:pPr marL="361950" lvl="1" indent="0">
+            <a:pPr marL="180975" indent="0">
               <a:buNone/>
             </a:pPr>
             <a:r>
               <a:rPr lang="ja-JP" altLang="en-US" dirty="0"/>
-              <a:t>また、仮想ハードディスクは</a:t>
+              <a:t>仮想ハードディスクは</a:t>
             </a:r>
             <a:r>
               <a:rPr lang="en-US" altLang="ja-JP" dirty="0"/>
@@ -23793,9 +22456,13 @@
             </a:r>
             <a:r>
               <a:rPr lang="ja-JP" altLang="en-US" dirty="0"/>
-              <a:t>で接続されます。</a:t>
-            </a:r>
-            <a:endParaRPr lang="en-US" altLang="ja-JP" dirty="0"/>
+              <a:t>で接続されます</a:t>
+            </a:r>
+            <a:r>
+              <a:rPr lang="ja-JP" altLang="en-US" dirty="0" smtClean="0"/>
+              <a:t>。</a:t>
+            </a:r>
+            <a:endParaRPr lang="en-US" altLang="ja-JP" dirty="0" smtClean="0"/>
           </a:p>
           <a:p>
             <a:pPr marL="180975" indent="0">
@@ -23825,8 +22492,8 @@
         </p:nvSpPr>
         <p:spPr>
           <a:xfrm>
-            <a:off x="1631380" y="2492870"/>
-            <a:ext cx="9192806" cy="3977342"/>
+            <a:off x="1919420" y="2750276"/>
+            <a:ext cx="8616726" cy="3462530"/>
           </a:xfrm>
           <a:prstGeom prst="rect">
             <a:avLst/>
@@ -23988,7 +22655,7 @@
         </p:nvSpPr>
         <p:spPr>
           <a:xfrm>
-            <a:off x="5059975" y="2353362"/>
+            <a:off x="5059975" y="2636890"/>
             <a:ext cx="1637218" cy="260760"/>
           </a:xfrm>
           <a:prstGeom prst="roundRect">
@@ -24161,8 +22828,8 @@
         </p:nvSpPr>
         <p:spPr>
           <a:xfrm>
-            <a:off x="2135450" y="2996940"/>
-            <a:ext cx="8281150" cy="3384470"/>
+            <a:off x="2207460" y="3151162"/>
+            <a:ext cx="8209140" cy="2953427"/>
           </a:xfrm>
           <a:prstGeom prst="rect">
             <a:avLst/>
@@ -24323,8 +22990,8 @@
         </p:nvCxnSpPr>
         <p:spPr bwMode="auto">
           <a:xfrm rot="5400000">
-            <a:off x="4122042" y="1927688"/>
-            <a:ext cx="1070108" cy="2442977"/>
+            <a:off x="4263806" y="2069452"/>
+            <a:ext cx="786580" cy="2442977"/>
           </a:xfrm>
           <a:prstGeom prst="bentConnector3">
             <a:avLst/>
@@ -24374,8 +23041,8 @@
         </p:nvCxnSpPr>
         <p:spPr bwMode="auto">
           <a:xfrm rot="5400000">
-            <a:off x="5211770" y="3017416"/>
-            <a:ext cx="1070108" cy="263520"/>
+            <a:off x="5353534" y="3159180"/>
+            <a:ext cx="786580" cy="263520"/>
           </a:xfrm>
           <a:prstGeom prst="bentConnector3">
             <a:avLst/>
@@ -24422,7 +23089,7 @@
         </p:nvSpPr>
         <p:spPr>
           <a:xfrm>
-            <a:off x="6914789" y="4886496"/>
+            <a:off x="6439323" y="4886496"/>
             <a:ext cx="965655" cy="369332"/>
           </a:xfrm>
           <a:prstGeom prst="rect">
@@ -24461,8 +23128,8 @@
         </p:nvCxnSpPr>
         <p:spPr bwMode="auto">
           <a:xfrm rot="16200000" flipH="1">
-            <a:off x="7051212" y="1441493"/>
-            <a:ext cx="1070108" cy="3415365"/>
+            <a:off x="7192976" y="1583257"/>
+            <a:ext cx="786580" cy="3415365"/>
           </a:xfrm>
           <a:prstGeom prst="bentConnector3">
             <a:avLst>
@@ -26257,13 +24924,14 @@
                 <a:t>仮想マシン</a:t>
               </a:r>
               <a:r>
-                <a:rPr lang="en-US" altLang="ja-JP" sz="1200" dirty="0">
+                <a:rPr kumimoji="1" lang="en-US" altLang="ja-JP" sz="1200" dirty="0">
                   <a:solidFill>
                     <a:sysClr val="windowText" lastClr="000000"/>
                   </a:solidFill>
                   <a:latin typeface="+mn-ea"/>
+                  <a:ea typeface="+mn-ea"/>
                 </a:rPr>
-                <a:t>J</a:t>
+                <a:t>E</a:t>
               </a:r>
               <a:endParaRPr kumimoji="1" lang="ja-JP" altLang="en-US" sz="1050" dirty="0">
                 <a:solidFill>
@@ -27027,52 +25695,6 @@
       </p:sp>
       <p:sp>
         <p:nvSpPr>
-          <p:cNvPr id="33" name="テキスト ボックス 32">
-            <a:extLst>
-              <a:ext uri="{FF2B5EF4-FFF2-40B4-BE49-F238E27FC236}">
-                <a16:creationId xmlns:a16="http://schemas.microsoft.com/office/drawing/2014/main" id="{78C81A33-8120-43F0-99E9-58A4FBD72425}"/>
-              </a:ext>
-            </a:extLst>
-          </p:cNvPr>
-          <p:cNvSpPr txBox="1"/>
-          <p:nvPr/>
-        </p:nvSpPr>
-        <p:spPr>
-          <a:xfrm>
-            <a:off x="5757467" y="6156098"/>
-            <a:ext cx="1209907" cy="369332"/>
-          </a:xfrm>
-          <a:prstGeom prst="rect">
-            <a:avLst/>
-          </a:prstGeom>
-          <a:solidFill>
-            <a:schemeClr val="bg1"/>
-          </a:solidFill>
-        </p:spPr>
-        <p:txBody>
-          <a:bodyPr wrap="square" rtlCol="0">
-            <a:spAutoFit/>
-          </a:bodyPr>
-          <a:lstStyle/>
-          <a:p>
-            <a:r>
-              <a:rPr lang="ja-JP" altLang="en-US" dirty="0"/>
-              <a:t>最大</a:t>
-            </a:r>
-            <a:r>
-              <a:rPr lang="en-US" altLang="ja-JP" dirty="0"/>
-              <a:t>10</a:t>
-            </a:r>
-            <a:r>
-              <a:rPr lang="ja-JP" altLang="en-US" dirty="0"/>
-              <a:t>台</a:t>
-            </a:r>
-            <a:endParaRPr kumimoji="1" lang="ja-JP" altLang="en-US" dirty="0"/>
-          </a:p>
-        </p:txBody>
-      </p:sp>
-      <p:sp>
-        <p:nvSpPr>
           <p:cNvPr id="3" name="右中かっこ 2">
             <a:extLst>
               <a:ext uri="{FF2B5EF4-FFF2-40B4-BE49-F238E27FC236}">
@@ -27115,6 +25737,50 @@
           <a:p>
             <a:pPr algn="ctr"/>
             <a:endParaRPr kumimoji="1" lang="ja-JP" altLang="en-US"/>
+          </a:p>
+        </p:txBody>
+      </p:sp>
+      <p:sp>
+        <p:nvSpPr>
+          <p:cNvPr id="33" name="テキスト ボックス 32">
+            <a:extLst>
+              <a:ext uri="{FF2B5EF4-FFF2-40B4-BE49-F238E27FC236}">
+                <a16:creationId xmlns:a16="http://schemas.microsoft.com/office/drawing/2014/main" id="{78C81A33-8120-43F0-99E9-58A4FBD72425}"/>
+              </a:ext>
+            </a:extLst>
+          </p:cNvPr>
+          <p:cNvSpPr txBox="1"/>
+          <p:nvPr/>
+        </p:nvSpPr>
+        <p:spPr>
+          <a:xfrm>
+            <a:off x="5878583" y="6212806"/>
+            <a:ext cx="1209907" cy="369332"/>
+          </a:xfrm>
+          <a:prstGeom prst="rect">
+            <a:avLst/>
+          </a:prstGeom>
+          <a:noFill/>
+        </p:spPr>
+        <p:txBody>
+          <a:bodyPr wrap="square" rtlCol="0">
+            <a:spAutoFit/>
+          </a:bodyPr>
+          <a:lstStyle/>
+          <a:p>
+            <a:r>
+              <a:rPr lang="ja-JP" altLang="en-US" dirty="0"/>
+              <a:t>最大</a:t>
+            </a:r>
+            <a:r>
+              <a:rPr lang="en-US" altLang="ja-JP" dirty="0"/>
+              <a:t>10</a:t>
+            </a:r>
+            <a:r>
+              <a:rPr lang="ja-JP" altLang="en-US" dirty="0"/>
+              <a:t>台</a:t>
+            </a:r>
+            <a:endParaRPr kumimoji="1" lang="ja-JP" altLang="en-US" dirty="0"/>
           </a:p>
         </p:txBody>
       </p:sp>
@@ -28496,4 +27162,193 @@
   <a:objectDefaults/>
   <a:extraClrSchemeLst/>
 </a:theme>
+</file>
+
+<file path=customXml/item1.xml><?xml version="1.0" encoding="utf-8"?>
+<?mso-contentType ?>
+<FormTemplates xmlns="http://schemas.microsoft.com/sharepoint/v3/contenttype/forms">
+  <Display>DocumentLibraryForm</Display>
+  <Edit>DocumentLibraryForm</Edit>
+  <New>DocumentLibraryForm</New>
+</FormTemplates>
+</file>
+
+<file path=customXml/item2.xml><?xml version="1.0" encoding="utf-8"?>
+<ct:contentTypeSchema xmlns:ct="http://schemas.microsoft.com/office/2006/metadata/contentType" xmlns:ma="http://schemas.microsoft.com/office/2006/metadata/properties/metaAttributes" ct:_="" ma:_="" ma:contentTypeName="ドキュメント" ma:contentTypeID="0x01010084FABC01750754469A9A21C30F936C75" ma:contentTypeVersion="2" ma:contentTypeDescription="新しいドキュメントを作成します。" ma:contentTypeScope="" ma:versionID="680993e058c844a7567c3c65d8e88610">
+  <xsd:schema xmlns:xsd="http://www.w3.org/2001/XMLSchema" xmlns:xs="http://www.w3.org/2001/XMLSchema" xmlns:p="http://schemas.microsoft.com/office/2006/metadata/properties" xmlns:ns2="e3c7534c-8447-4121-a676-7eb0e8edc712" targetNamespace="http://schemas.microsoft.com/office/2006/metadata/properties" ma:root="true" ma:fieldsID="252a2382b168dd3443305f8014b8a96d" ns2:_="">
+    <xsd:import namespace="e3c7534c-8447-4121-a676-7eb0e8edc712"/>
+    <xsd:element name="properties">
+      <xsd:complexType>
+        <xsd:sequence>
+          <xsd:element name="documentManagement">
+            <xsd:complexType>
+              <xsd:all>
+                <xsd:element ref="ns2:MediaServiceMetadata" minOccurs="0"/>
+                <xsd:element ref="ns2:MediaServiceFastMetadata" minOccurs="0"/>
+              </xsd:all>
+            </xsd:complexType>
+          </xsd:element>
+        </xsd:sequence>
+      </xsd:complexType>
+    </xsd:element>
+  </xsd:schema>
+  <xsd:schema xmlns:xsd="http://www.w3.org/2001/XMLSchema" xmlns:xs="http://www.w3.org/2001/XMLSchema" xmlns:dms="http://schemas.microsoft.com/office/2006/documentManagement/types" xmlns:pc="http://schemas.microsoft.com/office/infopath/2007/PartnerControls" targetNamespace="e3c7534c-8447-4121-a676-7eb0e8edc712" elementFormDefault="qualified">
+    <xsd:import namespace="http://schemas.microsoft.com/office/2006/documentManagement/types"/>
+    <xsd:import namespace="http://schemas.microsoft.com/office/infopath/2007/PartnerControls"/>
+    <xsd:element name="MediaServiceMetadata" ma:index="8" nillable="true" ma:displayName="MediaServiceMetadata" ma:hidden="true" ma:internalName="MediaServiceMetadata" ma:readOnly="true">
+      <xsd:simpleType>
+        <xsd:restriction base="dms:Note"/>
+      </xsd:simpleType>
+    </xsd:element>
+    <xsd:element name="MediaServiceFastMetadata" ma:index="9" nillable="true" ma:displayName="MediaServiceFastMetadata" ma:hidden="true" ma:internalName="MediaServiceFastMetadata" ma:readOnly="true">
+      <xsd:simpleType>
+        <xsd:restriction base="dms:Note"/>
+      </xsd:simpleType>
+    </xsd:element>
+  </xsd:schema>
+  <xsd:schema xmlns="http://schemas.openxmlformats.org/package/2006/metadata/core-properties" xmlns:xsd="http://www.w3.org/2001/XMLSchema" xmlns:xsi="http://www.w3.org/2001/XMLSchema-instance" xmlns:dc="http://purl.org/dc/elements/1.1/" xmlns:dcterms="http://purl.org/dc/terms/" xmlns:odoc="http://schemas.microsoft.com/internal/obd" targetNamespace="http://schemas.openxmlformats.org/package/2006/metadata/core-properties" elementFormDefault="qualified" attributeFormDefault="unqualified" blockDefault="#all">
+    <xsd:import namespace="http://purl.org/dc/elements/1.1/" schemaLocation="http://dublincore.org/schemas/xmls/qdc/2003/04/02/dc.xsd"/>
+    <xsd:import namespace="http://purl.org/dc/terms/" schemaLocation="http://dublincore.org/schemas/xmls/qdc/2003/04/02/dcterms.xsd"/>
+    <xsd:element name="coreProperties" type="CT_coreProperties"/>
+    <xsd:complexType name="CT_coreProperties">
+      <xsd:all>
+        <xsd:element ref="dc:creator" minOccurs="0" maxOccurs="1"/>
+        <xsd:element ref="dcterms:created" minOccurs="0" maxOccurs="1"/>
+        <xsd:element ref="dc:identifier" minOccurs="0" maxOccurs="1"/>
+        <xsd:element name="contentType" minOccurs="0" maxOccurs="1" type="xsd:string" ma:index="0" ma:displayName="コンテンツ タイプ"/>
+        <xsd:element ref="dc:title" minOccurs="0" maxOccurs="1" ma:index="4" ma:displayName="タイトル"/>
+        <xsd:element ref="dc:subject" minOccurs="0" maxOccurs="1"/>
+        <xsd:element ref="dc:description" minOccurs="0" maxOccurs="1"/>
+        <xsd:element name="keywords" minOccurs="0" maxOccurs="1" type="xsd:string"/>
+        <xsd:element ref="dc:language" minOccurs="0" maxOccurs="1"/>
+        <xsd:element name="category" minOccurs="0" maxOccurs="1" type="xsd:string"/>
+        <xsd:element name="version" minOccurs="0" maxOccurs="1" type="xsd:string"/>
+        <xsd:element name="revision" minOccurs="0" maxOccurs="1" type="xsd:string">
+          <xsd:annotation>
+            <xsd:documentation>
+                        This value indicates the number of saves or revisions. The application is responsible for updating this value after each revision.
+                    </xsd:documentation>
+          </xsd:annotation>
+        </xsd:element>
+        <xsd:element name="lastModifiedBy" minOccurs="0" maxOccurs="1" type="xsd:string"/>
+        <xsd:element ref="dcterms:modified" minOccurs="0" maxOccurs="1"/>
+        <xsd:element name="contentStatus" minOccurs="0" maxOccurs="1" type="xsd:string"/>
+      </xsd:all>
+    </xsd:complexType>
+  </xsd:schema>
+  <xs:schema xmlns:pc="http://schemas.microsoft.com/office/infopath/2007/PartnerControls" xmlns:xs="http://www.w3.org/2001/XMLSchema" targetNamespace="http://schemas.microsoft.com/office/infopath/2007/PartnerControls" elementFormDefault="qualified" attributeFormDefault="unqualified">
+    <xs:element name="Person">
+      <xs:complexType>
+        <xs:sequence>
+          <xs:element ref="pc:DisplayName" minOccurs="0"/>
+          <xs:element ref="pc:AccountId" minOccurs="0"/>
+          <xs:element ref="pc:AccountType" minOccurs="0"/>
+        </xs:sequence>
+      </xs:complexType>
+    </xs:element>
+    <xs:element name="DisplayName" type="xs:string"/>
+    <xs:element name="AccountId" type="xs:string"/>
+    <xs:element name="AccountType" type="xs:string"/>
+    <xs:element name="BDCAssociatedEntity">
+      <xs:complexType>
+        <xs:sequence>
+          <xs:element ref="pc:BDCEntity" minOccurs="0" maxOccurs="unbounded"/>
+        </xs:sequence>
+        <xs:attribute ref="pc:EntityNamespace"/>
+        <xs:attribute ref="pc:EntityName"/>
+        <xs:attribute ref="pc:SystemInstanceName"/>
+        <xs:attribute ref="pc:AssociationName"/>
+      </xs:complexType>
+    </xs:element>
+    <xs:attribute name="EntityNamespace" type="xs:string"/>
+    <xs:attribute name="EntityName" type="xs:string"/>
+    <xs:attribute name="SystemInstanceName" type="xs:string"/>
+    <xs:attribute name="AssociationName" type="xs:string"/>
+    <xs:element name="BDCEntity">
+      <xs:complexType>
+        <xs:sequence>
+          <xs:element ref="pc:EntityDisplayName" minOccurs="0"/>
+          <xs:element ref="pc:EntityInstanceReference" minOccurs="0"/>
+          <xs:element ref="pc:EntityId1" minOccurs="0"/>
+          <xs:element ref="pc:EntityId2" minOccurs="0"/>
+          <xs:element ref="pc:EntityId3" minOccurs="0"/>
+          <xs:element ref="pc:EntityId4" minOccurs="0"/>
+          <xs:element ref="pc:EntityId5" minOccurs="0"/>
+        </xs:sequence>
+      </xs:complexType>
+    </xs:element>
+    <xs:element name="EntityDisplayName" type="xs:string"/>
+    <xs:element name="EntityInstanceReference" type="xs:string"/>
+    <xs:element name="EntityId1" type="xs:string"/>
+    <xs:element name="EntityId2" type="xs:string"/>
+    <xs:element name="EntityId3" type="xs:string"/>
+    <xs:element name="EntityId4" type="xs:string"/>
+    <xs:element name="EntityId5" type="xs:string"/>
+    <xs:element name="Terms">
+      <xs:complexType>
+        <xs:sequence>
+          <xs:element ref="pc:TermInfo" minOccurs="0" maxOccurs="unbounded"/>
+        </xs:sequence>
+      </xs:complexType>
+    </xs:element>
+    <xs:element name="TermInfo">
+      <xs:complexType>
+        <xs:sequence>
+          <xs:element ref="pc:TermName" minOccurs="0"/>
+          <xs:element ref="pc:TermId" minOccurs="0"/>
+        </xs:sequence>
+      </xs:complexType>
+    </xs:element>
+    <xs:element name="TermName" type="xs:string"/>
+    <xs:element name="TermId" type="xs:string"/>
+  </xs:schema>
+</ct:contentTypeSchema>
+</file>
+
+<file path=customXml/item3.xml><?xml version="1.0" encoding="utf-8"?>
+<p:properties xmlns:p="http://schemas.microsoft.com/office/2006/metadata/properties" xmlns:xsi="http://www.w3.org/2001/XMLSchema-instance" xmlns:pc="http://schemas.microsoft.com/office/infopath/2007/PartnerControls">
+  <documentManagement/>
+</p:properties>
+</file>
+
+<file path=customXml/itemProps1.xml><?xml version="1.0" encoding="utf-8"?>
+<ds:datastoreItem xmlns:ds="http://schemas.openxmlformats.org/officeDocument/2006/customXml" ds:itemID="{13F84729-594C-4E0F-8EA2-5AB0534BB9E4}">
+  <ds:schemaRefs>
+    <ds:schemaRef ds:uri="http://schemas.microsoft.com/sharepoint/v3/contenttype/forms"/>
+  </ds:schemaRefs>
+</ds:datastoreItem>
+</file>
+
+<file path=customXml/itemProps2.xml><?xml version="1.0" encoding="utf-8"?>
+<ds:datastoreItem xmlns:ds="http://schemas.openxmlformats.org/officeDocument/2006/customXml" ds:itemID="{C5E8BB82-79FF-4160-B5DD-52F81091988C}">
+  <ds:schemaRefs>
+    <ds:schemaRef ds:uri="http://schemas.microsoft.com/office/2006/metadata/contentType"/>
+    <ds:schemaRef ds:uri="http://schemas.microsoft.com/office/2006/metadata/properties/metaAttributes"/>
+    <ds:schemaRef ds:uri="http://www.w3.org/2001/XMLSchema"/>
+    <ds:schemaRef ds:uri="http://schemas.microsoft.com/office/2006/metadata/properties"/>
+    <ds:schemaRef ds:uri="e3c7534c-8447-4121-a676-7eb0e8edc712"/>
+    <ds:schemaRef ds:uri="http://schemas.microsoft.com/office/2006/documentManagement/types"/>
+    <ds:schemaRef ds:uri="http://schemas.microsoft.com/office/infopath/2007/PartnerControls"/>
+    <ds:schemaRef ds:uri="http://schemas.openxmlformats.org/package/2006/metadata/core-properties"/>
+    <ds:schemaRef ds:uri="http://purl.org/dc/elements/1.1/"/>
+    <ds:schemaRef ds:uri="http://purl.org/dc/terms/"/>
+    <ds:schemaRef ds:uri="http://schemas.microsoft.com/internal/obd"/>
+  </ds:schemaRefs>
+</ds:datastoreItem>
+</file>
+
+<file path=customXml/itemProps3.xml><?xml version="1.0" encoding="utf-8"?>
+<ds:datastoreItem xmlns:ds="http://schemas.openxmlformats.org/officeDocument/2006/customXml" ds:itemID="{7D2DF80A-40B4-495F-A15B-9E9755F00A7A}">
+  <ds:schemaRefs>
+    <ds:schemaRef ds:uri="http://purl.org/dc/terms/"/>
+    <ds:schemaRef ds:uri="http://schemas.openxmlformats.org/package/2006/metadata/core-properties"/>
+    <ds:schemaRef ds:uri="e3c7534c-8447-4121-a676-7eb0e8edc712"/>
+    <ds:schemaRef ds:uri="http://purl.org/dc/dcmitype/"/>
+    <ds:schemaRef ds:uri="http://schemas.microsoft.com/office/infopath/2007/PartnerControls"/>
+    <ds:schemaRef ds:uri="http://schemas.microsoft.com/office/2006/documentManagement/types"/>
+    <ds:schemaRef ds:uri="http://purl.org/dc/elements/1.1/"/>
+    <ds:schemaRef ds:uri="http://schemas.microsoft.com/office/2006/metadata/properties"/>
+    <ds:schemaRef ds:uri="http://www.w3.org/XML/1998/namespace"/>
+  </ds:schemaRefs>
+</ds:datastoreItem>
 </file>
--- a/docs/setting-samples-hyperv-overview_ja.pptx
+++ b/docs/setting-samples-hyperv-overview_ja.pptx
@@ -324,7 +324,7 @@
               <a:rPr kumimoji="1" lang="ja-JP" altLang="en-US" smtClean="0">
                 <a:ea typeface="メイリオ" panose="020B0604030504040204" pitchFamily="50" charset="-128"/>
               </a:rPr>
-              <a:t>2022/2/14</a:t>
+              <a:t>2023/1/20</a:t>
             </a:fld>
             <a:endParaRPr kumimoji="1" lang="ja-JP" altLang="en-US" dirty="0">
               <a:ea typeface="メイリオ" panose="020B0604030504040204" pitchFamily="50" charset="-128"/>
@@ -470,7 +470,7 @@
             <a:fld id="{4B26993D-C081-44EB-B0F5-A9F467792B62}" type="datetimeFigureOut">
               <a:rPr lang="ja-JP" altLang="en-US" smtClean="0"/>
               <a:pPr/>
-              <a:t>2022/2/14</a:t>
+              <a:t>2023/1/20</a:t>
             </a:fld>
             <a:endParaRPr lang="ja-JP" altLang="en-US" dirty="0"/>
           </a:p>
@@ -1854,10 +1854,6 @@
             <a:r>
               <a:rPr kumimoji="1" lang="ja-JP" altLang="en-US" dirty="0"/>
               <a:t>行にわたる場合は</a:t>
-            </a:r>
-            <a:r>
-              <a:rPr kumimoji="1" lang="en-US" altLang="ja-JP" dirty="0"/>
-              <a:t/>
             </a:r>
             <a:br>
               <a:rPr kumimoji="1" lang="en-US" altLang="ja-JP" dirty="0"/>
@@ -3718,10 +3714,6 @@
               <a:rPr lang="en-US" altLang="ja-JP" sz="6000" b="1" dirty="0" err="1"/>
               <a:t>amples</a:t>
             </a:r>
-            <a:r>
-              <a:rPr lang="en-US" altLang="ja-JP" sz="6000" b="1" dirty="0"/>
-              <a:t/>
-            </a:r>
             <a:br>
               <a:rPr lang="en-US" altLang="ja-JP" sz="6000" b="1" dirty="0"/>
             </a:br>
@@ -3783,7 +3775,7 @@
             </a:r>
             <a:r>
               <a:rPr lang="en-US" altLang="ja-JP" dirty="0"/>
-              <a:t>1.0</a:t>
+              <a:t>1.1</a:t>
             </a:r>
             <a:r>
               <a:rPr lang="ja-JP" altLang="en-US" dirty="0"/>
@@ -3794,24 +3786,17 @@
                 <a:ea typeface="+mn-lt"/>
                 <a:cs typeface="+mn-lt"/>
               </a:rPr>
-              <a:t>ITA</a:t>
-            </a:r>
-            <a:r>
-              <a:rPr lang="ja-JP" dirty="0" smtClean="0">
+              <a:t>ITAバージョン</a:t>
+            </a:r>
+            <a:r>
+              <a:rPr lang="en-US" altLang="ja-JP" dirty="0">
                 <a:ea typeface="+mn-lt"/>
                 <a:cs typeface="+mn-lt"/>
               </a:rPr>
-              <a:t>バージョン</a:t>
-            </a:r>
-            <a:r>
-              <a:rPr lang="en-US" altLang="ja-JP" dirty="0" smtClean="0">
-                <a:ea typeface="+mn-lt"/>
-                <a:cs typeface="+mn-lt"/>
-              </a:rPr>
-              <a:t>1.9.0</a:t>
-            </a:r>
-            <a:r>
-              <a:rPr lang="ja-JP" dirty="0" smtClean="0">
+              <a:t>1.10.2</a:t>
+            </a:r>
+            <a:r>
+              <a:rPr lang="ja-JP" dirty="0">
                 <a:ea typeface="+mn-lt"/>
                 <a:cs typeface="+mn-lt"/>
               </a:rPr>
@@ -4170,7 +4155,7 @@
           <a:lstStyle/>
           <a:p>
             <a:pPr algn="ctr"/>
-            <a:endParaRPr kumimoji="1" lang="ja-JP" altLang="en-US" b="1" dirty="0" smtClean="0">
+            <a:endParaRPr kumimoji="1" lang="ja-JP" altLang="en-US" b="1" dirty="0">
               <a:latin typeface="+mn-ea"/>
             </a:endParaRPr>
           </a:p>
@@ -4221,7 +4206,7 @@
           <a:p>
             <a:pPr algn="ctr"/>
             <a:r>
-              <a:rPr kumimoji="1" lang="ja-JP" altLang="en-US" b="1" dirty="0" smtClean="0">
+              <a:rPr kumimoji="1" lang="ja-JP" altLang="en-US" b="1" dirty="0">
                 <a:latin typeface="+mn-ea"/>
               </a:rPr>
               <a:t>仮想マシン起動</a:t>
@@ -4445,7 +4430,7 @@
           <a:lstStyle/>
           <a:p>
             <a:pPr algn="ctr"/>
-            <a:endParaRPr kumimoji="1" lang="ja-JP" altLang="en-US" b="1" dirty="0" smtClean="0">
+            <a:endParaRPr kumimoji="1" lang="ja-JP" altLang="en-US" b="1" dirty="0">
               <a:latin typeface="+mn-ea"/>
             </a:endParaRPr>
           </a:p>
@@ -4496,7 +4481,7 @@
           <a:p>
             <a:pPr algn="ctr"/>
             <a:r>
-              <a:rPr kumimoji="1" lang="ja-JP" altLang="en-US" b="1" dirty="0" smtClean="0">
+              <a:rPr kumimoji="1" lang="ja-JP" altLang="en-US" b="1" dirty="0">
                 <a:latin typeface="+mn-ea"/>
               </a:rPr>
               <a:t>仮想マシン停止</a:t>
@@ -4664,15 +4649,7 @@
             </a:pPr>
             <a:r>
               <a:rPr lang="ja-JP" altLang="en-US" dirty="0"/>
-              <a:t>対象の仮想マシンは</a:t>
-            </a:r>
-            <a:r>
-              <a:rPr lang="ja-JP" altLang="en-US" dirty="0" smtClean="0"/>
-              <a:t>「削除」</a:t>
-            </a:r>
-            <a:r>
-              <a:rPr lang="ja-JP" altLang="en-US" dirty="0"/>
-              <a:t>状態である必要があります。</a:t>
+              <a:t>対象の仮想マシンは「削除」状態である必要があります。</a:t>
             </a:r>
             <a:endParaRPr lang="en-US" altLang="ja-JP" dirty="0"/>
           </a:p>
@@ -4731,7 +4708,7 @@
           <a:lstStyle/>
           <a:p>
             <a:pPr algn="ctr"/>
-            <a:endParaRPr kumimoji="1" lang="ja-JP" altLang="en-US" b="1" dirty="0" smtClean="0">
+            <a:endParaRPr kumimoji="1" lang="ja-JP" altLang="en-US" b="1" dirty="0">
               <a:latin typeface="+mn-ea"/>
             </a:endParaRPr>
           </a:p>
@@ -4782,7 +4759,7 @@
           <a:p>
             <a:pPr algn="ctr"/>
             <a:r>
-              <a:rPr kumimoji="1" lang="ja-JP" altLang="en-US" b="1" dirty="0" smtClean="0">
+              <a:rPr kumimoji="1" lang="ja-JP" altLang="en-US" b="1" dirty="0">
                 <a:latin typeface="+mn-ea"/>
               </a:rPr>
               <a:t>仮想マシン削除</a:t>
@@ -4974,11 +4951,7 @@
             </a:pPr>
             <a:r>
               <a:rPr lang="ja-JP" altLang="en-US" dirty="0"/>
-              <a:t>対象の仮想マシンは作成済である必要があります</a:t>
-            </a:r>
-            <a:r>
-              <a:rPr lang="ja-JP" altLang="en-US" dirty="0" smtClean="0"/>
-              <a:t>。</a:t>
+              <a:t>対象の仮想マシンは作成済である必要があります。</a:t>
             </a:r>
             <a:endParaRPr lang="en-US" altLang="ja-JP" strike="sngStrike" dirty="0"/>
           </a:p>
@@ -5070,7 +5043,7 @@
           <a:lstStyle/>
           <a:p>
             <a:pPr algn="ctr"/>
-            <a:endParaRPr kumimoji="1" lang="ja-JP" altLang="en-US" b="1" dirty="0" smtClean="0">
+            <a:endParaRPr kumimoji="1" lang="ja-JP" altLang="en-US" b="1" dirty="0">
               <a:latin typeface="+mn-ea"/>
             </a:endParaRPr>
           </a:p>
@@ -5121,13 +5094,13 @@
           <a:p>
             <a:pPr algn="ctr"/>
             <a:r>
-              <a:rPr kumimoji="1" lang="en-US" altLang="ja-JP" b="1" dirty="0" smtClean="0">
+              <a:rPr kumimoji="1" lang="en-US" altLang="ja-JP" b="1" dirty="0">
                 <a:latin typeface="+mn-ea"/>
               </a:rPr>
               <a:t>IP</a:t>
             </a:r>
             <a:r>
-              <a:rPr kumimoji="1" lang="ja-JP" altLang="en-US" b="1" dirty="0" smtClean="0">
+              <a:rPr kumimoji="1" lang="ja-JP" altLang="en-US" b="1" dirty="0">
                 <a:latin typeface="+mn-ea"/>
               </a:rPr>
               <a:t>アドレス設定</a:t>
@@ -5191,7 +5164,7 @@
           <a:lstStyle/>
           <a:p>
             <a:pPr algn="ctr"/>
-            <a:endParaRPr kumimoji="1" lang="ja-JP" altLang="en-US" b="1" dirty="0" smtClean="0">
+            <a:endParaRPr kumimoji="1" lang="ja-JP" altLang="en-US" b="1" dirty="0">
               <a:latin typeface="+mn-ea"/>
             </a:endParaRPr>
           </a:p>
@@ -5229,7 +5202,7 @@
           <a:lstStyle/>
           <a:p>
             <a:pPr algn="ctr"/>
-            <a:endParaRPr kumimoji="1" lang="ja-JP" altLang="en-US" b="1" dirty="0" smtClean="0">
+            <a:endParaRPr kumimoji="1" lang="ja-JP" altLang="en-US" b="1" dirty="0">
               <a:latin typeface="+mn-ea"/>
             </a:endParaRPr>
           </a:p>
@@ -5339,10 +5312,6 @@
               <a:rPr lang="ja-JP" altLang="en-US" dirty="0"/>
               <a:t>上の仮想マシンに</a:t>
             </a:r>
-            <a:r>
-              <a:rPr lang="en-US" altLang="ja-JP" dirty="0"/>
-              <a:t/>
-            </a:r>
             <a:br>
               <a:rPr lang="en-US" altLang="ja-JP" dirty="0"/>
             </a:br>
@@ -5356,46 +5325,34 @@
             </a:r>
             <a:r>
               <a:rPr lang="ja-JP" altLang="en-US" dirty="0"/>
-              <a:t>で接続されます</a:t>
-            </a:r>
-            <a:r>
-              <a:rPr lang="ja-JP" altLang="en-US" dirty="0" smtClean="0"/>
-              <a:t>。</a:t>
-            </a:r>
-            <a:r>
-              <a:rPr lang="en-US" altLang="ja-JP" dirty="0" smtClean="0"/>
-              <a:t/>
+              <a:t>で接続されます。</a:t>
             </a:r>
             <a:br>
-              <a:rPr lang="en-US" altLang="ja-JP" dirty="0" smtClean="0"/>
+              <a:rPr lang="en-US" altLang="ja-JP" dirty="0"/>
             </a:br>
             <a:r>
-              <a:rPr lang="ja-JP" altLang="en-US" dirty="0" smtClean="0"/>
+              <a:rPr lang="ja-JP" altLang="en-US" dirty="0"/>
               <a:t>追加後は仮想マシン内の「ディスクの設定」から有効にしてください。</a:t>
             </a:r>
-            <a:endParaRPr lang="en-US" altLang="ja-JP" dirty="0" smtClean="0"/>
+            <a:endParaRPr lang="en-US" altLang="ja-JP" dirty="0"/>
           </a:p>
           <a:p>
             <a:pPr marL="180975" indent="0">
               <a:buNone/>
             </a:pPr>
             <a:r>
-              <a:rPr lang="ja-JP" altLang="en-US" dirty="0" smtClean="0"/>
+              <a:rPr lang="ja-JP" altLang="en-US" dirty="0"/>
               <a:t>対象の仮想マシンは作成済である必要があります。</a:t>
             </a:r>
-            <a:endParaRPr lang="en-US" altLang="ja-JP" strike="sngStrike" dirty="0" smtClean="0"/>
+            <a:endParaRPr lang="en-US" altLang="ja-JP" strike="sngStrike" dirty="0"/>
           </a:p>
           <a:p>
             <a:pPr marL="180975" indent="0">
               <a:buNone/>
             </a:pPr>
             <a:r>
-              <a:rPr lang="ja-JP" altLang="en-US" dirty="0" smtClean="0"/>
-              <a:t>仮想</a:t>
-            </a:r>
-            <a:r>
               <a:rPr lang="ja-JP" altLang="en-US" dirty="0"/>
-              <a:t>ハードディスク設定の際、仮想マシンは停止・起動されます。</a:t>
+              <a:t>仮想ハードディスク設定の際、仮想マシンは停止・起動されます。</a:t>
             </a:r>
             <a:endParaRPr lang="en-US" altLang="ja-JP" dirty="0"/>
           </a:p>
@@ -5473,7 +5430,7 @@
           <a:lstStyle/>
           <a:p>
             <a:pPr algn="ctr"/>
-            <a:endParaRPr kumimoji="1" lang="ja-JP" altLang="en-US" b="1" dirty="0" smtClean="0">
+            <a:endParaRPr kumimoji="1" lang="ja-JP" altLang="en-US" b="1" dirty="0">
               <a:latin typeface="+mn-ea"/>
             </a:endParaRPr>
           </a:p>
@@ -5524,7 +5481,7 @@
           <a:p>
             <a:pPr algn="ctr"/>
             <a:r>
-              <a:rPr kumimoji="1" lang="ja-JP" altLang="en-US" b="1" dirty="0" smtClean="0">
+              <a:rPr kumimoji="1" lang="ja-JP" altLang="en-US" b="1" dirty="0">
                 <a:latin typeface="+mn-ea"/>
               </a:rPr>
               <a:t>仮想ハードディスク追加</a:t>
@@ -5588,7 +5545,7 @@
           <a:lstStyle/>
           <a:p>
             <a:pPr algn="ctr"/>
-            <a:endParaRPr kumimoji="1" lang="ja-JP" altLang="en-US" b="1" dirty="0" smtClean="0">
+            <a:endParaRPr kumimoji="1" lang="ja-JP" altLang="en-US" b="1" dirty="0">
               <a:latin typeface="+mn-ea"/>
             </a:endParaRPr>
           </a:p>
@@ -5626,7 +5583,7 @@
           <a:lstStyle/>
           <a:p>
             <a:pPr algn="ctr"/>
-            <a:endParaRPr kumimoji="1" lang="ja-JP" altLang="en-US" b="1" dirty="0" smtClean="0">
+            <a:endParaRPr kumimoji="1" lang="ja-JP" altLang="en-US" b="1" dirty="0">
               <a:latin typeface="+mn-ea"/>
             </a:endParaRPr>
           </a:p>
@@ -5688,7 +5645,7 @@
               <a:t>7</a:t>
             </a:r>
             <a:r>
-              <a:rPr kumimoji="1" lang="en-US" altLang="ja-JP" dirty="0" smtClean="0"/>
+              <a:rPr kumimoji="1" lang="en-US" altLang="ja-JP" dirty="0"/>
               <a:t>. </a:t>
             </a:r>
             <a:r>
@@ -5720,11 +5677,11 @@
           <a:lstStyle/>
           <a:p>
             <a:r>
-              <a:rPr lang="en-US" altLang="ja-JP" dirty="0" smtClean="0"/>
+              <a:rPr lang="en-US" altLang="ja-JP" dirty="0"/>
               <a:t>IP</a:t>
             </a:r>
             <a:r>
-              <a:rPr lang="ja-JP" altLang="en-US" dirty="0" smtClean="0"/>
+              <a:rPr lang="ja-JP" altLang="en-US" dirty="0"/>
               <a:t>アドレス設定や仮想ハードディスク追加が成功しない場合</a:t>
             </a:r>
             <a:endParaRPr lang="en-US" altLang="ja-JP" dirty="0"/>
@@ -5732,62 +5689,46 @@
           <a:p>
             <a:pPr lvl="1"/>
             <a:r>
-              <a:rPr lang="ja-JP" altLang="en-US" dirty="0" smtClean="0"/>
+              <a:rPr lang="ja-JP" altLang="en-US" dirty="0"/>
               <a:t>仮想マシンのシャットダウンが正常に完了せず作業がエラーとなることがあります。</a:t>
-            </a:r>
-            <a:r>
-              <a:rPr lang="en-US" altLang="ja-JP" dirty="0" smtClean="0"/>
-              <a:t/>
-            </a:r>
-            <a:br>
-              <a:rPr lang="en-US" altLang="ja-JP" dirty="0" smtClean="0"/>
-            </a:br>
-            <a:r>
-              <a:rPr lang="ja-JP" altLang="en-US" dirty="0" smtClean="0"/>
-              <a:t>その場合、</a:t>
-            </a:r>
-            <a:r>
-              <a:rPr lang="en-US" altLang="ja-JP" dirty="0" smtClean="0"/>
-              <a:t>Hyper-V</a:t>
-            </a:r>
-            <a:r>
-              <a:rPr lang="ja-JP" altLang="en-US" dirty="0" smtClean="0"/>
-              <a:t>マネージャー上で対象仮想マシンを「停止」するか、タスクマネージャーから対象タスクを終了してから再度実行してください。</a:t>
-            </a:r>
-            <a:r>
-              <a:rPr lang="en-US" altLang="ja-JP" dirty="0" smtClean="0"/>
-              <a:t/>
-            </a:r>
-            <a:br>
-              <a:rPr lang="en-US" altLang="ja-JP" dirty="0" smtClean="0"/>
-            </a:br>
-            <a:r>
-              <a:rPr lang="en-US" altLang="ja-JP" dirty="0" smtClean="0"/>
-              <a:t>※</a:t>
-            </a:r>
-            <a:r>
-              <a:rPr lang="ja-JP" altLang="en-US" dirty="0" smtClean="0"/>
-              <a:t>強制的に停止した場合再起動時にメッセージが表示される場合があります。</a:t>
-            </a:r>
-            <a:r>
-              <a:rPr lang="en-US" altLang="ja-JP" dirty="0"/>
-              <a:t/>
             </a:r>
             <a:br>
               <a:rPr lang="en-US" altLang="ja-JP" dirty="0"/>
             </a:br>
             <a:r>
-              <a:rPr lang="en-US" altLang="ja-JP" dirty="0" smtClean="0"/>
-              <a:t/>
+              <a:rPr lang="ja-JP" altLang="en-US" dirty="0"/>
+              <a:t>その場合、</a:t>
+            </a:r>
+            <a:r>
+              <a:rPr lang="en-US" altLang="ja-JP" dirty="0"/>
+              <a:t>Hyper-V</a:t>
+            </a:r>
+            <a:r>
+              <a:rPr lang="ja-JP" altLang="en-US" dirty="0"/>
+              <a:t>マネージャー上で対象仮想マシンを「停止」するか、タスクマネージャーから対象タスクを終了してから再度実行してください。</a:t>
             </a:r>
             <a:br>
-              <a:rPr lang="en-US" altLang="ja-JP" dirty="0" smtClean="0"/>
+              <a:rPr lang="en-US" altLang="ja-JP" dirty="0"/>
+            </a:br>
+            <a:r>
+              <a:rPr lang="en-US" altLang="ja-JP" dirty="0"/>
+              <a:t>※</a:t>
+            </a:r>
+            <a:r>
+              <a:rPr lang="ja-JP" altLang="en-US" dirty="0"/>
+              <a:t>強制的に停止した場合再起動時にメッセージが表示される場合があります。</a:t>
+            </a:r>
+            <a:br>
+              <a:rPr lang="en-US" altLang="ja-JP" dirty="0"/>
+            </a:br>
+            <a:br>
+              <a:rPr lang="en-US" altLang="ja-JP" dirty="0"/>
             </a:br>
             <a:endParaRPr lang="en-US" altLang="ja-JP" dirty="0"/>
           </a:p>
           <a:p>
             <a:r>
-              <a:rPr lang="ja-JP" altLang="en-US" dirty="0" smtClean="0"/>
+              <a:rPr lang="ja-JP" altLang="en-US" dirty="0"/>
               <a:t>処理状況を変えたのに対象がないといってエラーになる場合</a:t>
             </a:r>
             <a:endParaRPr lang="en-US" altLang="ja-JP" dirty="0"/>
@@ -5795,41 +5736,37 @@
           <a:p>
             <a:pPr lvl="1"/>
             <a:r>
-              <a:rPr lang="ja-JP" altLang="en-US" dirty="0" smtClean="0"/>
+              <a:rPr lang="ja-JP" altLang="en-US" dirty="0"/>
               <a:t>パラメータシートの処理状況を変更したにもかかわらず、上記のエラーになっている場合、変更から実行までの時間が短すぎて設定が反映されず、変更前の設定値で実行されてしまっていることが考えられます。</a:t>
             </a:r>
-            <a:r>
-              <a:rPr lang="en-US" altLang="ja-JP" dirty="0" smtClean="0"/>
-              <a:t/>
-            </a:r>
             <a:br>
-              <a:rPr lang="en-US" altLang="ja-JP" dirty="0" smtClean="0"/>
+              <a:rPr lang="en-US" altLang="ja-JP" dirty="0"/>
             </a:br>
             <a:r>
-              <a:rPr lang="ja-JP" altLang="en-US" dirty="0" smtClean="0"/>
+              <a:rPr lang="ja-JP" altLang="en-US" dirty="0"/>
               <a:t>しばらく分待ってから再度実行するか、「</a:t>
             </a:r>
             <a:r>
-              <a:rPr lang="en-US" altLang="ja-JP" dirty="0" err="1" smtClean="0"/>
+              <a:rPr lang="en-US" altLang="ja-JP" dirty="0" err="1"/>
               <a:t>Ansible</a:t>
             </a:r>
             <a:r>
-              <a:rPr lang="en-US" altLang="ja-JP" dirty="0" smtClean="0"/>
+              <a:rPr lang="en-US" altLang="ja-JP" dirty="0"/>
               <a:t>-Legacy/</a:t>
             </a:r>
             <a:r>
-              <a:rPr lang="ja-JP" altLang="en-US" dirty="0" smtClean="0"/>
+              <a:rPr lang="ja-JP" altLang="en-US" dirty="0"/>
               <a:t>代入値管理」メニューで値が変更されているのを確認してから実行してください。</a:t>
             </a:r>
             <a:endParaRPr lang="en-US" altLang="ja-JP" dirty="0"/>
           </a:p>
           <a:p>
             <a:pPr lvl="1"/>
-            <a:endParaRPr lang="en-US" altLang="ja-JP" dirty="0" smtClean="0"/>
+            <a:endParaRPr lang="en-US" altLang="ja-JP" dirty="0"/>
           </a:p>
           <a:p>
             <a:pPr lvl="1"/>
-            <a:endParaRPr lang="en-US" altLang="ja-JP" dirty="0" smtClean="0"/>
+            <a:endParaRPr lang="en-US" altLang="ja-JP" dirty="0"/>
           </a:p>
         </p:txBody>
       </p:sp>
@@ -5938,14 +5875,11 @@
           <a:p>
             <a:pPr algn="ctr"/>
             <a:r>
-              <a:rPr kumimoji="1" lang="ja-JP" altLang="en-US" sz="2400" dirty="0" smtClean="0">
+              <a:rPr kumimoji="1" lang="ja-JP" altLang="en-US" sz="2400" dirty="0">
                 <a:latin typeface="+mn-ea"/>
               </a:rPr>
               <a:t>起動済</a:t>
             </a:r>
-            <a:endParaRPr kumimoji="1" lang="ja-JP" altLang="en-US" sz="2400" dirty="0">
-              <a:latin typeface="+mn-ea"/>
-            </a:endParaRPr>
           </a:p>
         </p:txBody>
       </p:sp>
@@ -5996,14 +5930,11 @@
           <a:p>
             <a:pPr algn="ctr"/>
             <a:r>
-              <a:rPr kumimoji="1" lang="ja-JP" altLang="en-US" sz="2400" dirty="0" smtClean="0">
+              <a:rPr kumimoji="1" lang="ja-JP" altLang="en-US" sz="2400" dirty="0">
                 <a:latin typeface="+mn-ea"/>
               </a:rPr>
               <a:t>削除済</a:t>
             </a:r>
-            <a:endParaRPr kumimoji="1" lang="ja-JP" altLang="en-US" sz="2400" dirty="0">
-              <a:latin typeface="+mn-ea"/>
-            </a:endParaRPr>
           </a:p>
         </p:txBody>
       </p:sp>
@@ -6054,14 +5985,11 @@
           <a:p>
             <a:pPr algn="ctr"/>
             <a:r>
-              <a:rPr kumimoji="1" lang="ja-JP" altLang="en-US" sz="2400" dirty="0" smtClean="0">
+              <a:rPr kumimoji="1" lang="ja-JP" altLang="en-US" sz="2400" dirty="0">
                 <a:latin typeface="+mn-ea"/>
               </a:rPr>
               <a:t>停止済</a:t>
             </a:r>
-            <a:endParaRPr kumimoji="1" lang="ja-JP" altLang="en-US" sz="2400" dirty="0">
-              <a:latin typeface="+mn-ea"/>
-            </a:endParaRPr>
           </a:p>
         </p:txBody>
       </p:sp>
@@ -6338,10 +6266,9 @@
           <a:lstStyle/>
           <a:p>
             <a:r>
-              <a:rPr kumimoji="1" lang="ja-JP" altLang="en-US" sz="2000" dirty="0" smtClean="0"/>
+              <a:rPr kumimoji="1" lang="ja-JP" altLang="en-US" sz="2000" dirty="0"/>
               <a:t>追加</a:t>
             </a:r>
-            <a:endParaRPr kumimoji="1" lang="ja-JP" altLang="en-US" sz="2000" dirty="0"/>
           </a:p>
         </p:txBody>
       </p:sp>
@@ -6368,10 +6295,9 @@
           <a:lstStyle/>
           <a:p>
             <a:r>
-              <a:rPr kumimoji="1" lang="ja-JP" altLang="en-US" sz="2000" dirty="0" smtClean="0"/>
+              <a:rPr kumimoji="1" lang="ja-JP" altLang="en-US" sz="2000" dirty="0"/>
               <a:t>削除</a:t>
             </a:r>
-            <a:endParaRPr kumimoji="1" lang="ja-JP" altLang="en-US" sz="2000" dirty="0"/>
           </a:p>
         </p:txBody>
       </p:sp>
@@ -6398,10 +6324,9 @@
           <a:lstStyle/>
           <a:p>
             <a:r>
-              <a:rPr kumimoji="1" lang="ja-JP" altLang="en-US" sz="2000" dirty="0" smtClean="0"/>
+              <a:rPr kumimoji="1" lang="ja-JP" altLang="en-US" sz="2000" dirty="0"/>
               <a:t>削除</a:t>
             </a:r>
-            <a:endParaRPr kumimoji="1" lang="ja-JP" altLang="en-US" sz="2000" dirty="0"/>
           </a:p>
         </p:txBody>
       </p:sp>
@@ -6428,10 +6353,9 @@
           <a:lstStyle/>
           <a:p>
             <a:r>
-              <a:rPr kumimoji="1" lang="ja-JP" altLang="en-US" sz="2000" dirty="0" smtClean="0"/>
+              <a:rPr kumimoji="1" lang="ja-JP" altLang="en-US" sz="2000" dirty="0"/>
               <a:t>停止</a:t>
             </a:r>
-            <a:endParaRPr kumimoji="1" lang="ja-JP" altLang="en-US" sz="2000" dirty="0"/>
           </a:p>
         </p:txBody>
       </p:sp>
@@ -6458,10 +6382,9 @@
           <a:lstStyle/>
           <a:p>
             <a:r>
-              <a:rPr kumimoji="1" lang="ja-JP" altLang="en-US" sz="2000" dirty="0" smtClean="0"/>
+              <a:rPr kumimoji="1" lang="ja-JP" altLang="en-US" sz="2000" dirty="0"/>
               <a:t>起動</a:t>
             </a:r>
-            <a:endParaRPr kumimoji="1" lang="ja-JP" altLang="en-US" sz="2000" dirty="0"/>
           </a:p>
         </p:txBody>
       </p:sp>
@@ -6590,14 +6513,13 @@
           <a:lstStyle/>
           <a:p>
             <a:r>
-              <a:rPr kumimoji="1" lang="en-US" altLang="ja-JP" sz="1600" dirty="0" err="1" smtClean="0"/>
+              <a:rPr kumimoji="1" lang="en-US" altLang="ja-JP" sz="1600" dirty="0" err="1"/>
               <a:t>Ansible</a:t>
             </a:r>
             <a:r>
-              <a:rPr kumimoji="1" lang="ja-JP" altLang="en-US" sz="1600" dirty="0" smtClean="0"/>
+              <a:rPr kumimoji="1" lang="ja-JP" altLang="en-US" sz="1600" dirty="0"/>
               <a:t>が設定する処理状況</a:t>
             </a:r>
-            <a:endParaRPr kumimoji="1" lang="ja-JP" altLang="en-US" sz="1600" dirty="0"/>
           </a:p>
         </p:txBody>
       </p:sp>
@@ -6624,10 +6546,9 @@
           <a:lstStyle/>
           <a:p>
             <a:r>
-              <a:rPr kumimoji="1" lang="ja-JP" altLang="en-US" sz="1600" dirty="0" smtClean="0"/>
+              <a:rPr kumimoji="1" lang="ja-JP" altLang="en-US" sz="1600" dirty="0"/>
               <a:t>ユーザが設定する処理状況</a:t>
             </a:r>
-            <a:endParaRPr kumimoji="1" lang="ja-JP" altLang="en-US" sz="1600" dirty="0"/>
           </a:p>
         </p:txBody>
       </p:sp>
@@ -7008,15 +6929,7 @@
                     <a:p>
                       <a:r>
                         <a:rPr kumimoji="1" lang="ja-JP" altLang="en-US" sz="1600" dirty="0"/>
-                        <a:t>新規で仮想マシンを作成</a:t>
-                      </a:r>
-                      <a:r>
-                        <a:rPr kumimoji="1" lang="ja-JP" altLang="en-US" sz="1600" dirty="0" smtClean="0"/>
-                        <a:t>し、作成された仮想マシン情報を機器一覧へ登録します</a:t>
-                      </a:r>
-                      <a:r>
-                        <a:rPr kumimoji="1" lang="ja-JP" altLang="en-US" sz="1600" dirty="0"/>
-                        <a:t>。</a:t>
+                        <a:t>新規で仮想マシンを作成し、作成された仮想マシン情報を機器一覧へ登録します。</a:t>
                       </a:r>
                       <a:endParaRPr kumimoji="1" lang="en-US" altLang="ja-JP" sz="1600" dirty="0"/>
                     </a:p>
@@ -7603,20 +7516,15 @@
                       </a:r>
                       <a:r>
                         <a:rPr kumimoji="1" lang="ja-JP" altLang="en-US" sz="1600" dirty="0"/>
-                        <a:t>アドレスや仮想ハードディスクも削除されます</a:t>
+                        <a:t>アドレスや仮想ハードディスクも削除されます。</a:t>
                       </a:r>
-                      <a:r>
-                        <a:rPr kumimoji="1" lang="ja-JP" altLang="en-US" sz="1600" dirty="0" smtClean="0"/>
-                        <a:t>。</a:t>
-                      </a:r>
-                      <a:endParaRPr kumimoji="1" lang="en-US" altLang="ja-JP" sz="1600" dirty="0" smtClean="0"/>
+                      <a:endParaRPr kumimoji="1" lang="en-US" altLang="ja-JP" sz="1600" dirty="0"/>
                     </a:p>
                     <a:p>
                       <a:r>
-                        <a:rPr kumimoji="1" lang="ja-JP" altLang="en-US" sz="1600" dirty="0" smtClean="0"/>
+                        <a:rPr kumimoji="1" lang="ja-JP" altLang="en-US" sz="1600" dirty="0"/>
                         <a:t>機器一覧へ登録されている情報は削除されません。</a:t>
                       </a:r>
-                      <a:endParaRPr kumimoji="1" lang="ja-JP" altLang="en-US" sz="1600" dirty="0"/>
                     </a:p>
                   </a:txBody>
                   <a:tcPr>
@@ -8020,7 +7928,7 @@
                     <a:lstStyle/>
                     <a:p>
                       <a:r>
-                        <a:rPr kumimoji="1" lang="en-US" altLang="ja-JP" sz="1600" smtClean="0"/>
+                        <a:rPr kumimoji="1" lang="en-US" altLang="ja-JP" sz="1600"/>
                         <a:t>No.</a:t>
                       </a:r>
                       <a:endParaRPr kumimoji="1" lang="ja-JP" altLang="en-US" sz="1600" dirty="0"/>
@@ -8071,11 +7979,11 @@
                     <a:lstStyle/>
                     <a:p>
                       <a:r>
-                        <a:rPr kumimoji="1" lang="en-US" altLang="ja-JP" sz="1600" smtClean="0"/>
+                        <a:rPr kumimoji="1" lang="en-US" altLang="ja-JP" sz="1600"/>
                         <a:t>Movement</a:t>
                       </a:r>
                       <a:r>
-                        <a:rPr kumimoji="1" lang="ja-JP" altLang="en-US" sz="1600" smtClean="0"/>
+                        <a:rPr kumimoji="1" lang="ja-JP" altLang="en-US" sz="1600"/>
                         <a:t>名</a:t>
                       </a:r>
                       <a:endParaRPr kumimoji="1" lang="ja-JP" altLang="en-US" sz="1600" dirty="0"/>
@@ -8126,7 +8034,7 @@
                     <a:lstStyle/>
                     <a:p>
                       <a:r>
-                        <a:rPr kumimoji="1" lang="ja-JP" altLang="en-US" sz="1600" smtClean="0"/>
+                        <a:rPr kumimoji="1" lang="ja-JP" altLang="en-US" sz="1600"/>
                         <a:t>自動化ツール</a:t>
                       </a:r>
                       <a:endParaRPr kumimoji="1" lang="ja-JP" altLang="en-US" sz="1600" dirty="0"/>
@@ -8177,7 +8085,7 @@
                     <a:lstStyle/>
                     <a:p>
                       <a:r>
-                        <a:rPr kumimoji="1" lang="ja-JP" altLang="en-US" sz="1600" smtClean="0"/>
+                        <a:rPr kumimoji="1" lang="ja-JP" altLang="en-US" sz="1600"/>
                         <a:t>概要</a:t>
                       </a:r>
                       <a:endParaRPr kumimoji="1" lang="ja-JP" altLang="en-US" sz="1600" dirty="0"/>
@@ -8238,7 +8146,7 @@
                         <a:buNone/>
                       </a:pPr>
                       <a:r>
-                        <a:rPr kumimoji="1" lang="en-US" altLang="ja-JP" sz="1600" b="0" i="0" u="none" strike="noStrike" noProof="0" smtClean="0">
+                        <a:rPr kumimoji="1" lang="en-US" altLang="ja-JP" sz="1600" b="0" i="0" u="none" strike="noStrike" noProof="0">
                           <a:latin typeface="メイリオ"/>
                         </a:rPr>
                         <a:t>260001</a:t>
@@ -8308,7 +8216,7 @@
                         <a:buNone/>
                       </a:pPr>
                       <a:r>
-                        <a:rPr lang="ja-JP" altLang="en-US" sz="1600" smtClean="0"/>
+                        <a:rPr lang="ja-JP" altLang="en-US" sz="1600"/>
                         <a:t>仮想マシン作成</a:t>
                       </a:r>
                       <a:endParaRPr lang="ja-JP" altLang="en-US" sz="1600" dirty="0"/>
@@ -8363,7 +8271,7 @@
                     <a:p>
                       <a:pPr latinLnBrk="1"/>
                       <a:r>
-                        <a:rPr kumimoji="1" lang="en-US" altLang="ja-JP" sz="1600" b="0" i="0" kern="1200" dirty="0" err="1" smtClean="0">
+                        <a:rPr kumimoji="1" lang="en-US" altLang="ja-JP" sz="1600" b="0" i="0" kern="1200" dirty="0" err="1">
                           <a:solidFill>
                             <a:schemeClr val="dk1"/>
                           </a:solidFill>
@@ -8375,7 +8283,7 @@
                         <a:t>Ansible</a:t>
                       </a:r>
                       <a:r>
-                        <a:rPr kumimoji="1" lang="en-US" altLang="ja-JP" sz="1600" b="0" i="0" kern="1200" dirty="0" smtClean="0">
+                        <a:rPr kumimoji="1" lang="en-US" altLang="ja-JP" sz="1600" b="0" i="0" kern="1200" dirty="0">
                           <a:solidFill>
                             <a:schemeClr val="dk1"/>
                           </a:solidFill>
@@ -8386,15 +8294,6 @@
                         </a:rPr>
                         <a:t>-Legacy</a:t>
                       </a:r>
-                      <a:endParaRPr kumimoji="1" lang="en-US" altLang="ja-JP" sz="1600" b="0" i="0" kern="1200" dirty="0">
-                        <a:solidFill>
-                          <a:schemeClr val="dk1"/>
-                        </a:solidFill>
-                        <a:effectLst/>
-                        <a:latin typeface="+mn-lt"/>
-                        <a:ea typeface="+mn-ea"/>
-                        <a:cs typeface="+mn-cs"/>
-                      </a:endParaRPr>
                     </a:p>
                   </a:txBody>
                   <a:tcPr anchor="ctr">
@@ -8445,7 +8344,7 @@
                     <a:lstStyle/>
                     <a:p>
                       <a:r>
-                        <a:rPr kumimoji="1" lang="ja-JP" altLang="en-US" sz="1600" smtClean="0"/>
+                        <a:rPr kumimoji="1" lang="ja-JP" altLang="en-US" sz="1600"/>
                         <a:t>仮想マシンを作成します。</a:t>
                       </a:r>
                       <a:endParaRPr kumimoji="1" lang="ja-JP" altLang="en-US" sz="1600" dirty="0"/>
@@ -8509,7 +8408,7 @@
                         <a:buNone/>
                       </a:pPr>
                       <a:r>
-                        <a:rPr kumimoji="1" lang="en-US" altLang="ja-JP" sz="1600" smtClean="0"/>
+                        <a:rPr kumimoji="1" lang="en-US" altLang="ja-JP" sz="1600"/>
                         <a:t>260002</a:t>
                       </a:r>
                       <a:endParaRPr kumimoji="1" lang="en-US" altLang="ja-JP" sz="1600" dirty="0"/>
@@ -8575,11 +8474,11 @@
                         <a:buNone/>
                       </a:pPr>
                       <a:r>
-                        <a:rPr lang="en-US" altLang="ja-JP" sz="1600" smtClean="0"/>
+                        <a:rPr lang="en-US" altLang="ja-JP" sz="1600"/>
                         <a:t>IP</a:t>
                       </a:r>
                       <a:r>
-                        <a:rPr lang="ja-JP" altLang="en-US" sz="1600" smtClean="0"/>
+                        <a:rPr lang="ja-JP" altLang="en-US" sz="1600"/>
                         <a:t>アドレス設定</a:t>
                       </a:r>
                       <a:endParaRPr lang="ja-JP" altLang="en-US" sz="1600" dirty="0"/>
@@ -8634,7 +8533,7 @@
                     <a:p>
                       <a:pPr latinLnBrk="1"/>
                       <a:r>
-                        <a:rPr kumimoji="1" lang="en-US" altLang="ja-JP" sz="1600" b="0" i="0" kern="1200" dirty="0" err="1" smtClean="0">
+                        <a:rPr kumimoji="1" lang="en-US" altLang="ja-JP" sz="1600" b="0" i="0" kern="1200" dirty="0" err="1">
                           <a:solidFill>
                             <a:schemeClr val="dk1"/>
                           </a:solidFill>
@@ -8646,7 +8545,7 @@
                         <a:t>Ansible</a:t>
                       </a:r>
                       <a:r>
-                        <a:rPr kumimoji="1" lang="en-US" altLang="ja-JP" sz="1600" b="0" i="0" kern="1200" dirty="0" smtClean="0">
+                        <a:rPr kumimoji="1" lang="en-US" altLang="ja-JP" sz="1600" b="0" i="0" kern="1200" dirty="0">
                           <a:solidFill>
                             <a:schemeClr val="dk1"/>
                           </a:solidFill>
@@ -8657,15 +8556,6 @@
                         </a:rPr>
                         <a:t>-Legacy</a:t>
                       </a:r>
-                      <a:endParaRPr kumimoji="1" lang="en-US" altLang="ja-JP" sz="1600" b="0" i="0" kern="1200" dirty="0">
-                        <a:solidFill>
-                          <a:schemeClr val="dk1"/>
-                        </a:solidFill>
-                        <a:effectLst/>
-                        <a:latin typeface="+mn-lt"/>
-                        <a:ea typeface="+mn-ea"/>
-                        <a:cs typeface="+mn-cs"/>
-                      </a:endParaRPr>
                     </a:p>
                   </a:txBody>
                   <a:tcPr anchor="ctr">
@@ -8719,15 +8609,15 @@
                         <a:buNone/>
                       </a:pPr>
                       <a:r>
-                        <a:rPr kumimoji="1" lang="ja-JP" altLang="en-US" sz="1600" smtClean="0"/>
+                        <a:rPr kumimoji="1" lang="ja-JP" altLang="en-US" sz="1600"/>
                         <a:t>作成済の仮想マシンに</a:t>
                       </a:r>
                       <a:r>
-                        <a:rPr kumimoji="1" lang="en-US" altLang="ja-JP" sz="1600" smtClean="0"/>
+                        <a:rPr kumimoji="1" lang="en-US" altLang="ja-JP" sz="1600"/>
                         <a:t>IP</a:t>
                       </a:r>
                       <a:r>
-                        <a:rPr kumimoji="1" lang="ja-JP" altLang="en-US" sz="1600" smtClean="0"/>
+                        <a:rPr kumimoji="1" lang="ja-JP" altLang="en-US" sz="1600"/>
                         <a:t>アドレスを設定します。</a:t>
                       </a:r>
                       <a:endParaRPr kumimoji="1" lang="ja-JP" altLang="en-US" sz="1600" dirty="0"/>
@@ -8805,7 +8695,7 @@
                         <a:defRPr/>
                       </a:pPr>
                       <a:r>
-                        <a:rPr kumimoji="1" lang="en-US" altLang="ja-JP" sz="1600" smtClean="0"/>
+                        <a:rPr kumimoji="1" lang="en-US" altLang="ja-JP" sz="1600"/>
                         <a:t>260003</a:t>
                       </a:r>
                       <a:endParaRPr kumimoji="1" lang="en-US" altLang="ja-JP" sz="1600" dirty="0"/>
@@ -8862,7 +8752,7 @@
                         <a:buNone/>
                       </a:pPr>
                       <a:r>
-                        <a:rPr kumimoji="1" lang="ja-JP" altLang="en-US" sz="1600" b="0" i="0" u="none" strike="noStrike" noProof="0" smtClean="0">
+                        <a:rPr kumimoji="1" lang="ja-JP" altLang="en-US" sz="1600" b="0" i="0" u="none" strike="noStrike" noProof="0">
                           <a:latin typeface="+mn-lt"/>
                           <a:ea typeface="+mn-ea"/>
                         </a:rPr>
@@ -8939,7 +8829,7 @@
                         <a:defRPr/>
                       </a:pPr>
                       <a:r>
-                        <a:rPr kumimoji="1" lang="en-US" altLang="ja-JP" sz="1600" b="0" i="0" kern="1200" dirty="0" err="1" smtClean="0">
+                        <a:rPr kumimoji="1" lang="en-US" altLang="ja-JP" sz="1600" b="0" i="0" kern="1200" dirty="0" err="1">
                           <a:solidFill>
                             <a:schemeClr val="dk1"/>
                           </a:solidFill>
@@ -8951,7 +8841,7 @@
                         <a:t>Ansible</a:t>
                       </a:r>
                       <a:r>
-                        <a:rPr kumimoji="1" lang="en-US" altLang="ja-JP" sz="1600" b="0" i="0" kern="1200" dirty="0" smtClean="0">
+                        <a:rPr kumimoji="1" lang="en-US" altLang="ja-JP" sz="1600" b="0" i="0" kern="1200" dirty="0">
                           <a:solidFill>
                             <a:schemeClr val="dk1"/>
                           </a:solidFill>
@@ -9012,11 +8902,11 @@
                     <a:lstStyle/>
                     <a:p>
                       <a:r>
-                        <a:rPr kumimoji="1" lang="ja-JP" altLang="en-US" sz="1600" smtClean="0"/>
+                        <a:rPr kumimoji="1" lang="ja-JP" altLang="en-US" sz="1600"/>
                         <a:t>作成済の</a:t>
                       </a:r>
                       <a:r>
-                        <a:rPr kumimoji="1" lang="ja-JP" altLang="en-US" sz="1600" b="0" i="0" u="none" strike="noStrike" noProof="0" smtClean="0">
+                        <a:rPr kumimoji="1" lang="ja-JP" altLang="en-US" sz="1600" b="0" i="0" u="none" strike="noStrike" noProof="0">
                           <a:latin typeface="+mn-lt"/>
                           <a:ea typeface="+mn-ea"/>
                         </a:rPr>
@@ -9100,7 +8990,7 @@
                         <a:defRPr/>
                       </a:pPr>
                       <a:r>
-                        <a:rPr kumimoji="1" lang="en-US" altLang="ja-JP" sz="1600" smtClean="0"/>
+                        <a:rPr kumimoji="1" lang="en-US" altLang="ja-JP" sz="1600"/>
                         <a:t>260004</a:t>
                       </a:r>
                       <a:endParaRPr kumimoji="1" lang="en-US" altLang="ja-JP" sz="1600" dirty="0"/>
@@ -9154,7 +9044,7 @@
                     <a:lstStyle/>
                     <a:p>
                       <a:r>
-                        <a:rPr kumimoji="1" lang="ja-JP" altLang="en-US" sz="1600" smtClean="0"/>
+                        <a:rPr kumimoji="1" lang="ja-JP" altLang="en-US" sz="1600"/>
                         <a:t>仮想マシン削除</a:t>
                       </a:r>
                       <a:endParaRPr kumimoji="1" lang="ja-JP" altLang="en-US" sz="1600" dirty="0"/>
@@ -9225,7 +9115,7 @@
                         <a:defRPr/>
                       </a:pPr>
                       <a:r>
-                        <a:rPr kumimoji="1" lang="en-US" altLang="ja-JP" sz="1600" b="0" i="0" kern="1200" dirty="0" err="1" smtClean="0">
+                        <a:rPr kumimoji="1" lang="en-US" altLang="ja-JP" sz="1600" b="0" i="0" kern="1200" dirty="0" err="1">
                           <a:solidFill>
                             <a:schemeClr val="dk1"/>
                           </a:solidFill>
@@ -9237,7 +9127,7 @@
                         <a:t>Ansible</a:t>
                       </a:r>
                       <a:r>
-                        <a:rPr kumimoji="1" lang="en-US" altLang="ja-JP" sz="1600" b="0" i="0" kern="1200" dirty="0" smtClean="0">
+                        <a:rPr kumimoji="1" lang="en-US" altLang="ja-JP" sz="1600" b="0" i="0" kern="1200" dirty="0">
                           <a:solidFill>
                             <a:schemeClr val="dk1"/>
                           </a:solidFill>
@@ -9298,7 +9188,7 @@
                     <a:lstStyle/>
                     <a:p>
                       <a:r>
-                        <a:rPr kumimoji="1" lang="ja-JP" altLang="en-US" sz="1600" smtClean="0"/>
+                        <a:rPr kumimoji="1" lang="ja-JP" altLang="en-US" sz="1600"/>
                         <a:t>仮想マシンを削除します。</a:t>
                       </a:r>
                       <a:endParaRPr kumimoji="1" lang="ja-JP" altLang="en-US" sz="1600" dirty="0"/>
@@ -9376,7 +9266,7 @@
                         <a:defRPr/>
                       </a:pPr>
                       <a:r>
-                        <a:rPr kumimoji="1" lang="en-US" altLang="ja-JP" sz="1600" smtClean="0"/>
+                        <a:rPr kumimoji="1" lang="en-US" altLang="ja-JP" sz="1600"/>
                         <a:t>260005</a:t>
                       </a:r>
                       <a:endParaRPr kumimoji="1" lang="en-US" altLang="ja-JP" sz="1600" dirty="0"/>
@@ -9430,7 +9320,7 @@
                     <a:lstStyle/>
                     <a:p>
                       <a:r>
-                        <a:rPr kumimoji="1" lang="ja-JP" altLang="en-US" sz="1600" smtClean="0"/>
+                        <a:rPr kumimoji="1" lang="ja-JP" altLang="en-US" sz="1600"/>
                         <a:t>仮想マシン起動</a:t>
                       </a:r>
                       <a:endParaRPr kumimoji="1" lang="ja-JP" altLang="en-US" sz="1600" dirty="0"/>
@@ -9501,7 +9391,7 @@
                         <a:defRPr/>
                       </a:pPr>
                       <a:r>
-                        <a:rPr kumimoji="1" lang="en-US" altLang="ja-JP" sz="1600" b="0" i="0" kern="1200" dirty="0" err="1" smtClean="0">
+                        <a:rPr kumimoji="1" lang="en-US" altLang="ja-JP" sz="1600" b="0" i="0" kern="1200" dirty="0" err="1">
                           <a:solidFill>
                             <a:schemeClr val="dk1"/>
                           </a:solidFill>
@@ -9513,7 +9403,7 @@
                         <a:t>Ansible</a:t>
                       </a:r>
                       <a:r>
-                        <a:rPr kumimoji="1" lang="en-US" altLang="ja-JP" sz="1600" b="0" i="0" kern="1200" dirty="0" smtClean="0">
+                        <a:rPr kumimoji="1" lang="en-US" altLang="ja-JP" sz="1600" b="0" i="0" kern="1200" dirty="0">
                           <a:solidFill>
                             <a:schemeClr val="dk1"/>
                           </a:solidFill>
@@ -9591,7 +9481,7 @@
                         <a:defRPr/>
                       </a:pPr>
                       <a:r>
-                        <a:rPr kumimoji="1" lang="ja-JP" altLang="en-US" sz="1600" smtClean="0"/>
+                        <a:rPr kumimoji="1" lang="ja-JP" altLang="en-US" sz="1600"/>
                         <a:t>停止中の仮想マシンを起動します。</a:t>
                       </a:r>
                       <a:endParaRPr kumimoji="1" lang="ja-JP" altLang="en-US" sz="1600" dirty="0"/>
@@ -9669,7 +9559,7 @@
                         <a:defRPr/>
                       </a:pPr>
                       <a:r>
-                        <a:rPr kumimoji="1" lang="en-US" altLang="ja-JP" sz="1600" smtClean="0"/>
+                        <a:rPr kumimoji="1" lang="en-US" altLang="ja-JP" sz="1600"/>
                         <a:t>260006</a:t>
                       </a:r>
                       <a:endParaRPr kumimoji="1" lang="en-US" altLang="ja-JP" sz="1600" dirty="0"/>
@@ -9723,7 +9613,7 @@
                     <a:lstStyle/>
                     <a:p>
                       <a:r>
-                        <a:rPr kumimoji="1" lang="ja-JP" altLang="en-US" sz="1600" smtClean="0"/>
+                        <a:rPr kumimoji="1" lang="ja-JP" altLang="en-US" sz="1600"/>
                         <a:t>仮想マシン停止</a:t>
                       </a:r>
                       <a:endParaRPr kumimoji="1" lang="ja-JP" altLang="en-US" sz="1600" dirty="0"/>
@@ -9794,7 +9684,7 @@
                         <a:defRPr/>
                       </a:pPr>
                       <a:r>
-                        <a:rPr kumimoji="1" lang="en-US" altLang="ja-JP" sz="1600" b="0" i="0" kern="1200" dirty="0" err="1" smtClean="0">
+                        <a:rPr kumimoji="1" lang="en-US" altLang="ja-JP" sz="1600" b="0" i="0" kern="1200" dirty="0" err="1">
                           <a:solidFill>
                             <a:schemeClr val="dk1"/>
                           </a:solidFill>
@@ -9806,7 +9696,7 @@
                         <a:t>Ansible</a:t>
                       </a:r>
                       <a:r>
-                        <a:rPr kumimoji="1" lang="en-US" altLang="ja-JP" sz="1600" b="0" i="0" kern="1200" dirty="0" smtClean="0">
+                        <a:rPr kumimoji="1" lang="en-US" altLang="ja-JP" sz="1600" b="0" i="0" kern="1200" dirty="0">
                           <a:solidFill>
                             <a:schemeClr val="dk1"/>
                           </a:solidFill>
@@ -9867,7 +9757,7 @@
                     <a:lstStyle/>
                     <a:p>
                       <a:r>
-                        <a:rPr kumimoji="1" lang="ja-JP" altLang="en-US" sz="1600" smtClean="0"/>
+                        <a:rPr kumimoji="1" lang="ja-JP" altLang="en-US" sz="1600"/>
                         <a:t>起動中の仮想マシンを停止します</a:t>
                       </a:r>
                       <a:endParaRPr kumimoji="1" lang="ja-JP" altLang="en-US" sz="1600" dirty="0"/>
@@ -9945,7 +9835,7 @@
                         <a:defRPr/>
                       </a:pPr>
                       <a:r>
-                        <a:rPr kumimoji="1" lang="en-US" altLang="ja-JP" sz="1600" smtClean="0"/>
+                        <a:rPr kumimoji="1" lang="en-US" altLang="ja-JP" sz="1600"/>
                         <a:t>260007</a:t>
                       </a:r>
                       <a:endParaRPr kumimoji="1" lang="en-US" altLang="ja-JP" sz="1600" dirty="0"/>
@@ -9999,7 +9889,7 @@
                     <a:lstStyle/>
                     <a:p>
                       <a:r>
-                        <a:rPr kumimoji="1" lang="zh-TW" altLang="en-US" sz="1600" smtClean="0"/>
+                        <a:rPr kumimoji="1" lang="zh-TW" altLang="en-US" sz="1600"/>
                         <a:t>機器一覧更新</a:t>
                       </a:r>
                       <a:endParaRPr kumimoji="1" lang="zh-TW" altLang="en-US" sz="1600" dirty="0"/>
@@ -10070,7 +9960,7 @@
                         <a:defRPr/>
                       </a:pPr>
                       <a:r>
-                        <a:rPr kumimoji="1" lang="en-US" altLang="ja-JP" sz="1600" b="0" i="0" kern="1200" dirty="0" err="1" smtClean="0">
+                        <a:rPr kumimoji="1" lang="en-US" altLang="ja-JP" sz="1600" b="0" i="0" kern="1200" dirty="0" err="1">
                           <a:solidFill>
                             <a:schemeClr val="dk1"/>
                           </a:solidFill>
@@ -10082,7 +9972,7 @@
                         <a:t>Ansible</a:t>
                       </a:r>
                       <a:r>
-                        <a:rPr kumimoji="1" lang="en-US" altLang="ja-JP" sz="1600" b="0" i="0" kern="1200" dirty="0" smtClean="0">
+                        <a:rPr kumimoji="1" lang="en-US" altLang="ja-JP" sz="1600" b="0" i="0" kern="1200" dirty="0">
                           <a:solidFill>
                             <a:schemeClr val="dk1"/>
                           </a:solidFill>
@@ -10143,26 +10033,25 @@
                     <a:lstStyle/>
                     <a:p>
                       <a:r>
-                        <a:rPr kumimoji="1" lang="ja-JP" altLang="en-US" sz="1600" dirty="0" smtClean="0"/>
+                        <a:rPr kumimoji="1" lang="ja-JP" altLang="en-US" sz="1600" dirty="0"/>
                         <a:t>仮想マシン情報に入力された仮想マシン名で</a:t>
                       </a:r>
                       <a:r>
-                        <a:rPr kumimoji="1" lang="en-US" altLang="ja-JP" sz="1600" dirty="0" smtClean="0"/>
+                        <a:rPr kumimoji="1" lang="en-US" altLang="ja-JP" sz="1600" dirty="0"/>
                         <a:t>Hyper-V</a:t>
                       </a:r>
                       <a:r>
-                        <a:rPr kumimoji="1" lang="ja-JP" altLang="en-US" sz="1600" dirty="0" smtClean="0"/>
+                        <a:rPr kumimoji="1" lang="ja-JP" altLang="en-US" sz="1600" dirty="0"/>
                         <a:t>から情報を取得し機器一覧へ登録</a:t>
                       </a:r>
                       <a:r>
-                        <a:rPr kumimoji="1" lang="en-US" altLang="ja-JP" sz="1600" dirty="0" smtClean="0"/>
+                        <a:rPr kumimoji="1" lang="en-US" altLang="ja-JP" sz="1600" dirty="0"/>
                         <a:t>/</a:t>
                       </a:r>
                       <a:r>
-                        <a:rPr kumimoji="1" lang="ja-JP" altLang="en-US" sz="1600" dirty="0" smtClean="0"/>
+                        <a:rPr kumimoji="1" lang="ja-JP" altLang="en-US" sz="1600" dirty="0"/>
                         <a:t>更新します。</a:t>
                       </a:r>
-                      <a:endParaRPr kumimoji="1" lang="ja-JP" altLang="en-US" sz="1600" dirty="0"/>
                     </a:p>
                   </a:txBody>
                   <a:tcPr anchor="ctr">
@@ -18397,16 +18286,6 @@
             </a:lstStyle>
             <a:p>
               <a:pPr algn="ctr"/>
-              <a:r>
-                <a:rPr kumimoji="1" lang="en-US" altLang="ja-JP" sz="1200" dirty="0">
-                  <a:solidFill>
-                    <a:sysClr val="windowText" lastClr="000000"/>
-                  </a:solidFill>
-                  <a:latin typeface="+mn-ea"/>
-                  <a:ea typeface="+mn-ea"/>
-                </a:rPr>
-                <a:t/>
-              </a:r>
               <a:br>
                 <a:rPr kumimoji="1" lang="en-US" altLang="ja-JP" sz="1200" dirty="0">
                   <a:solidFill>
@@ -18857,16 +18736,6 @@
             </a:lstStyle>
             <a:p>
               <a:pPr algn="ctr"/>
-              <a:r>
-                <a:rPr kumimoji="1" lang="en-US" altLang="ja-JP" sz="1200" dirty="0">
-                  <a:solidFill>
-                    <a:sysClr val="windowText" lastClr="000000"/>
-                  </a:solidFill>
-                  <a:latin typeface="+mn-ea"/>
-                  <a:ea typeface="+mn-ea"/>
-                </a:rPr>
-                <a:t/>
-              </a:r>
               <a:br>
                 <a:rPr kumimoji="1" lang="en-US" altLang="ja-JP" sz="1200" dirty="0">
                   <a:solidFill>
@@ -22251,15 +22120,15 @@
               <a:t>HDD</a:t>
             </a:r>
             <a:r>
-              <a:rPr lang="ja-JP" altLang="en-US" dirty="0" smtClean="0"/>
+              <a:rPr lang="ja-JP" altLang="en-US" dirty="0"/>
               <a:t>追加</a:t>
             </a:r>
-            <a:endParaRPr lang="en-US" altLang="ja-JP" dirty="0" smtClean="0"/>
+            <a:endParaRPr lang="en-US" altLang="ja-JP" dirty="0"/>
           </a:p>
           <a:p>
             <a:pPr lvl="1"/>
             <a:r>
-              <a:rPr lang="ja-JP" altLang="en-US" dirty="0" smtClean="0"/>
+              <a:rPr lang="ja-JP" altLang="en-US" dirty="0"/>
               <a:t>機器一覧への登録・更新</a:t>
             </a:r>
             <a:endParaRPr lang="en-US" altLang="ja-JP" dirty="0"/>
@@ -22380,46 +22249,38 @@
             </a:r>
             <a:r>
               <a:rPr lang="ja-JP" altLang="en-US" dirty="0"/>
-              <a:t>を使用することで</a:t>
-            </a:r>
-            <a:r>
-              <a:rPr lang="ja-JP" altLang="en-US" dirty="0" smtClean="0"/>
-              <a:t>、</a:t>
-            </a:r>
-            <a:r>
-              <a:rPr lang="en-US" altLang="ja-JP" dirty="0" smtClean="0"/>
+              <a:t>を使用することで、</a:t>
+            </a:r>
+            <a:r>
+              <a:rPr lang="en-US" altLang="ja-JP" dirty="0"/>
               <a:t>Hyper-V</a:t>
             </a:r>
             <a:r>
               <a:rPr lang="ja-JP" altLang="en-US" dirty="0"/>
-              <a:t>上に仮想</a:t>
-            </a:r>
-            <a:r>
-              <a:rPr lang="ja-JP" altLang="en-US" dirty="0" smtClean="0"/>
-              <a:t>マシンの新規作成・</a:t>
-            </a:r>
-            <a:r>
-              <a:rPr lang="en-US" altLang="ja-JP" dirty="0" smtClean="0"/>
+              <a:t>上に仮想マシンの新規作成・</a:t>
+            </a:r>
+            <a:r>
+              <a:rPr lang="en-US" altLang="ja-JP" dirty="0"/>
               <a:t>IP</a:t>
             </a:r>
             <a:r>
-              <a:rPr lang="ja-JP" altLang="en-US" dirty="0" smtClean="0"/>
+              <a:rPr lang="ja-JP" altLang="en-US" dirty="0"/>
               <a:t>アドレス設定・仮想ハードディスク追加・</a:t>
             </a:r>
             <a:r>
-              <a:rPr lang="en-US" altLang="ja-JP" dirty="0" smtClean="0"/>
+              <a:rPr lang="en-US" altLang="ja-JP" dirty="0"/>
               <a:t>ITA</a:t>
             </a:r>
             <a:r>
-              <a:rPr lang="ja-JP" altLang="en-US" dirty="0" smtClean="0"/>
+              <a:rPr lang="ja-JP" altLang="en-US" dirty="0"/>
               <a:t>の機器一覧に仮想マシン情報の登録</a:t>
             </a:r>
             <a:r>
-              <a:rPr lang="en-US" altLang="ja-JP" dirty="0" smtClean="0"/>
+              <a:rPr lang="en-US" altLang="ja-JP" dirty="0"/>
               <a:t>/</a:t>
             </a:r>
             <a:r>
-              <a:rPr lang="ja-JP" altLang="en-US" dirty="0" smtClean="0"/>
+              <a:rPr lang="ja-JP" altLang="en-US" dirty="0"/>
               <a:t>更新を行います。</a:t>
             </a:r>
             <a:endParaRPr lang="en-US" altLang="ja-JP" dirty="0"/>
@@ -22456,13 +22317,9 @@
             </a:r>
             <a:r>
               <a:rPr lang="ja-JP" altLang="en-US" dirty="0"/>
-              <a:t>で接続されます</a:t>
-            </a:r>
-            <a:r>
-              <a:rPr lang="ja-JP" altLang="en-US" dirty="0" smtClean="0"/>
-              <a:t>。</a:t>
-            </a:r>
-            <a:endParaRPr lang="en-US" altLang="ja-JP" dirty="0" smtClean="0"/>
+              <a:t>で接続されます。</a:t>
+            </a:r>
+            <a:endParaRPr lang="en-US" altLang="ja-JP" dirty="0"/>
           </a:p>
           <a:p>
             <a:pPr marL="180975" indent="0">
@@ -23326,16 +23183,6 @@
             </a:lstStyle>
             <a:p>
               <a:pPr algn="ctr"/>
-              <a:r>
-                <a:rPr kumimoji="1" lang="en-US" altLang="ja-JP" sz="1200" dirty="0">
-                  <a:solidFill>
-                    <a:sysClr val="windowText" lastClr="000000"/>
-                  </a:solidFill>
-                  <a:latin typeface="+mn-ea"/>
-                  <a:ea typeface="+mn-ea"/>
-                </a:rPr>
-                <a:t/>
-              </a:r>
               <a:br>
                 <a:rPr kumimoji="1" lang="en-US" altLang="ja-JP" sz="1200" dirty="0">
                   <a:solidFill>
@@ -24110,16 +23957,6 @@
             </a:lstStyle>
             <a:p>
               <a:pPr algn="ctr"/>
-              <a:r>
-                <a:rPr kumimoji="1" lang="en-US" altLang="ja-JP" sz="1200" dirty="0">
-                  <a:solidFill>
-                    <a:sysClr val="windowText" lastClr="000000"/>
-                  </a:solidFill>
-                  <a:latin typeface="+mn-ea"/>
-                  <a:ea typeface="+mn-ea"/>
-                </a:rPr>
-                <a:t/>
-              </a:r>
               <a:br>
                 <a:rPr kumimoji="1" lang="en-US" altLang="ja-JP" sz="1200" dirty="0">
                   <a:solidFill>
@@ -24894,16 +24731,6 @@
             </a:lstStyle>
             <a:p>
               <a:pPr algn="ctr"/>
-              <a:r>
-                <a:rPr kumimoji="1" lang="en-US" altLang="ja-JP" sz="1200" dirty="0">
-                  <a:solidFill>
-                    <a:sysClr val="windowText" lastClr="000000"/>
-                  </a:solidFill>
-                  <a:latin typeface="+mn-ea"/>
-                  <a:ea typeface="+mn-ea"/>
-                </a:rPr>
-                <a:t/>
-              </a:r>
               <a:br>
                 <a:rPr kumimoji="1" lang="en-US" altLang="ja-JP" sz="1200" dirty="0">
                   <a:solidFill>
@@ -27165,15 +26992,6 @@
 </file>
 
 <file path=customXml/item1.xml><?xml version="1.0" encoding="utf-8"?>
-<?mso-contentType ?>
-<FormTemplates xmlns="http://schemas.microsoft.com/sharepoint/v3/contenttype/forms">
-  <Display>DocumentLibraryForm</Display>
-  <Edit>DocumentLibraryForm</Edit>
-  <New>DocumentLibraryForm</New>
-</FormTemplates>
-</file>
-
-<file path=customXml/item2.xml><?xml version="1.0" encoding="utf-8"?>
 <ct:contentTypeSchema xmlns:ct="http://schemas.microsoft.com/office/2006/metadata/contentType" xmlns:ma="http://schemas.microsoft.com/office/2006/metadata/properties/metaAttributes" ct:_="" ma:_="" ma:contentTypeName="ドキュメント" ma:contentTypeID="0x01010084FABC01750754469A9A21C30F936C75" ma:contentTypeVersion="2" ma:contentTypeDescription="新しいドキュメントを作成します。" ma:contentTypeScope="" ma:versionID="680993e058c844a7567c3c65d8e88610">
   <xsd:schema xmlns:xsd="http://www.w3.org/2001/XMLSchema" xmlns:xs="http://www.w3.org/2001/XMLSchema" xmlns:p="http://schemas.microsoft.com/office/2006/metadata/properties" xmlns:ns2="e3c7534c-8447-4121-a676-7eb0e8edc712" targetNamespace="http://schemas.microsoft.com/office/2006/metadata/properties" ma:root="true" ma:fieldsID="252a2382b168dd3443305f8014b8a96d" ns2:_="">
     <xsd:import namespace="e3c7534c-8447-4121-a676-7eb0e8edc712"/>
@@ -27305,21 +27123,22 @@
 </ct:contentTypeSchema>
 </file>
 
-<file path=customXml/item3.xml><?xml version="1.0" encoding="utf-8"?>
+<file path=customXml/item2.xml><?xml version="1.0" encoding="utf-8"?>
 <p:properties xmlns:p="http://schemas.microsoft.com/office/2006/metadata/properties" xmlns:xsi="http://www.w3.org/2001/XMLSchema-instance" xmlns:pc="http://schemas.microsoft.com/office/infopath/2007/PartnerControls">
   <documentManagement/>
 </p:properties>
 </file>
 
-<file path=customXml/itemProps1.xml><?xml version="1.0" encoding="utf-8"?>
-<ds:datastoreItem xmlns:ds="http://schemas.openxmlformats.org/officeDocument/2006/customXml" ds:itemID="{13F84729-594C-4E0F-8EA2-5AB0534BB9E4}">
-  <ds:schemaRefs>
-    <ds:schemaRef ds:uri="http://schemas.microsoft.com/sharepoint/v3/contenttype/forms"/>
-  </ds:schemaRefs>
-</ds:datastoreItem>
+<file path=customXml/item3.xml><?xml version="1.0" encoding="utf-8"?>
+<?mso-contentType ?>
+<FormTemplates xmlns="http://schemas.microsoft.com/sharepoint/v3/contenttype/forms">
+  <Display>DocumentLibraryForm</Display>
+  <Edit>DocumentLibraryForm</Edit>
+  <New>DocumentLibraryForm</New>
+</FormTemplates>
 </file>
 
-<file path=customXml/itemProps2.xml><?xml version="1.0" encoding="utf-8"?>
+<file path=customXml/itemProps1.xml><?xml version="1.0" encoding="utf-8"?>
 <ds:datastoreItem xmlns:ds="http://schemas.openxmlformats.org/officeDocument/2006/customXml" ds:itemID="{C5E8BB82-79FF-4160-B5DD-52F81091988C}">
   <ds:schemaRefs>
     <ds:schemaRef ds:uri="http://schemas.microsoft.com/office/2006/metadata/contentType"/>
@@ -27337,18 +27156,26 @@
 </ds:datastoreItem>
 </file>
 
-<file path=customXml/itemProps3.xml><?xml version="1.0" encoding="utf-8"?>
+<file path=customXml/itemProps2.xml><?xml version="1.0" encoding="utf-8"?>
 <ds:datastoreItem xmlns:ds="http://schemas.openxmlformats.org/officeDocument/2006/customXml" ds:itemID="{7D2DF80A-40B4-495F-A15B-9E9755F00A7A}">
   <ds:schemaRefs>
+    <ds:schemaRef ds:uri="http://purl.org/dc/elements/1.1/"/>
+    <ds:schemaRef ds:uri="http://schemas.microsoft.com/office/2006/metadata/properties"/>
     <ds:schemaRef ds:uri="http://purl.org/dc/terms/"/>
+    <ds:schemaRef ds:uri="http://schemas.microsoft.com/office/2006/documentManagement/types"/>
+    <ds:schemaRef ds:uri="http://purl.org/dc/dcmitype/"/>
+    <ds:schemaRef ds:uri="http://schemas.microsoft.com/office/infopath/2007/PartnerControls"/>
     <ds:schemaRef ds:uri="http://schemas.openxmlformats.org/package/2006/metadata/core-properties"/>
     <ds:schemaRef ds:uri="e3c7534c-8447-4121-a676-7eb0e8edc712"/>
-    <ds:schemaRef ds:uri="http://purl.org/dc/dcmitype/"/>
-    <ds:schemaRef ds:uri="http://schemas.microsoft.com/office/infopath/2007/PartnerControls"/>
-    <ds:schemaRef ds:uri="http://schemas.microsoft.com/office/2006/documentManagement/types"/>
-    <ds:schemaRef ds:uri="http://purl.org/dc/elements/1.1/"/>
-    <ds:schemaRef ds:uri="http://schemas.microsoft.com/office/2006/metadata/properties"/>
     <ds:schemaRef ds:uri="http://www.w3.org/XML/1998/namespace"/>
   </ds:schemaRefs>
 </ds:datastoreItem>
+</file>
+
+<file path=customXml/itemProps3.xml><?xml version="1.0" encoding="utf-8"?>
+<ds:datastoreItem xmlns:ds="http://schemas.openxmlformats.org/officeDocument/2006/customXml" ds:itemID="{13F84729-594C-4E0F-8EA2-5AB0534BB9E4}">
+  <ds:schemaRefs>
+    <ds:schemaRef ds:uri="http://schemas.microsoft.com/sharepoint/v3/contenttype/forms"/>
+  </ds:schemaRefs>
+</ds:datastoreItem>
 </file>
--- a/docs/setting-samples-hyperv-overview_ja.pptx
+++ b/docs/setting-samples-hyperv-overview_ja.pptx
@@ -324,7 +324,7 @@
               <a:rPr kumimoji="1" lang="ja-JP" altLang="en-US" smtClean="0">
                 <a:ea typeface="メイリオ" panose="020B0604030504040204" pitchFamily="50" charset="-128"/>
               </a:rPr>
-              <a:t>2022/2/14</a:t>
+              <a:t>2023/2/28</a:t>
             </a:fld>
             <a:endParaRPr kumimoji="1" lang="ja-JP" altLang="en-US" dirty="0">
               <a:ea typeface="メイリオ" panose="020B0604030504040204" pitchFamily="50" charset="-128"/>
@@ -470,7 +470,7 @@
             <a:fld id="{4B26993D-C081-44EB-B0F5-A9F467792B62}" type="datetimeFigureOut">
               <a:rPr lang="ja-JP" altLang="en-US" smtClean="0"/>
               <a:pPr/>
-              <a:t>2022/2/14</a:t>
+              <a:t>2023/2/28</a:t>
             </a:fld>
             <a:endParaRPr lang="ja-JP" altLang="en-US" dirty="0"/>
           </a:p>
@@ -1854,10 +1854,6 @@
             <a:r>
               <a:rPr kumimoji="1" lang="ja-JP" altLang="en-US" dirty="0"/>
               <a:t>行にわたる場合は</a:t>
-            </a:r>
-            <a:r>
-              <a:rPr kumimoji="1" lang="en-US" altLang="ja-JP" dirty="0"/>
-              <a:t/>
             </a:r>
             <a:br>
               <a:rPr kumimoji="1" lang="en-US" altLang="ja-JP" dirty="0"/>
@@ -3718,10 +3714,6 @@
               <a:rPr lang="en-US" altLang="ja-JP" sz="6000" b="1" dirty="0" err="1"/>
               <a:t>amples</a:t>
             </a:r>
-            <a:r>
-              <a:rPr lang="en-US" altLang="ja-JP" sz="6000" b="1" dirty="0"/>
-              <a:t/>
-            </a:r>
             <a:br>
               <a:rPr lang="en-US" altLang="ja-JP" sz="6000" b="1" dirty="0"/>
             </a:br>
@@ -3794,24 +3786,17 @@
                 <a:ea typeface="+mn-lt"/>
                 <a:cs typeface="+mn-lt"/>
               </a:rPr>
-              <a:t>ITA</a:t>
-            </a:r>
-            <a:r>
-              <a:rPr lang="ja-JP" dirty="0" smtClean="0">
+              <a:t>ITAバージョン</a:t>
+            </a:r>
+            <a:r>
+              <a:rPr lang="en-US" altLang="ja-JP" dirty="0">
                 <a:ea typeface="+mn-lt"/>
                 <a:cs typeface="+mn-lt"/>
               </a:rPr>
-              <a:t>バージョン</a:t>
-            </a:r>
-            <a:r>
-              <a:rPr lang="en-US" altLang="ja-JP" dirty="0" smtClean="0">
-                <a:ea typeface="+mn-lt"/>
-                <a:cs typeface="+mn-lt"/>
-              </a:rPr>
-              <a:t>1.9.0</a:t>
-            </a:r>
-            <a:r>
-              <a:rPr lang="ja-JP" dirty="0" smtClean="0">
+              <a:t>1.9.0/1.10.2</a:t>
+            </a:r>
+            <a:r>
+              <a:rPr lang="ja-JP" dirty="0">
                 <a:ea typeface="+mn-lt"/>
                 <a:cs typeface="+mn-lt"/>
               </a:rPr>
@@ -4170,7 +4155,7 @@
           <a:lstStyle/>
           <a:p>
             <a:pPr algn="ctr"/>
-            <a:endParaRPr kumimoji="1" lang="ja-JP" altLang="en-US" b="1" dirty="0" smtClean="0">
+            <a:endParaRPr kumimoji="1" lang="ja-JP" altLang="en-US" b="1" dirty="0">
               <a:latin typeface="+mn-ea"/>
             </a:endParaRPr>
           </a:p>
@@ -4221,7 +4206,7 @@
           <a:p>
             <a:pPr algn="ctr"/>
             <a:r>
-              <a:rPr kumimoji="1" lang="ja-JP" altLang="en-US" b="1" dirty="0" smtClean="0">
+              <a:rPr kumimoji="1" lang="ja-JP" altLang="en-US" b="1" dirty="0">
                 <a:latin typeface="+mn-ea"/>
               </a:rPr>
               <a:t>仮想マシン起動</a:t>
@@ -4445,7 +4430,7 @@
           <a:lstStyle/>
           <a:p>
             <a:pPr algn="ctr"/>
-            <a:endParaRPr kumimoji="1" lang="ja-JP" altLang="en-US" b="1" dirty="0" smtClean="0">
+            <a:endParaRPr kumimoji="1" lang="ja-JP" altLang="en-US" b="1" dirty="0">
               <a:latin typeface="+mn-ea"/>
             </a:endParaRPr>
           </a:p>
@@ -4496,7 +4481,7 @@
           <a:p>
             <a:pPr algn="ctr"/>
             <a:r>
-              <a:rPr kumimoji="1" lang="ja-JP" altLang="en-US" b="1" dirty="0" smtClean="0">
+              <a:rPr kumimoji="1" lang="ja-JP" altLang="en-US" b="1" dirty="0">
                 <a:latin typeface="+mn-ea"/>
               </a:rPr>
               <a:t>仮想マシン停止</a:t>
@@ -4664,15 +4649,7 @@
             </a:pPr>
             <a:r>
               <a:rPr lang="ja-JP" altLang="en-US" dirty="0"/>
-              <a:t>対象の仮想マシンは</a:t>
-            </a:r>
-            <a:r>
-              <a:rPr lang="ja-JP" altLang="en-US" dirty="0" smtClean="0"/>
-              <a:t>「削除」</a:t>
-            </a:r>
-            <a:r>
-              <a:rPr lang="ja-JP" altLang="en-US" dirty="0"/>
-              <a:t>状態である必要があります。</a:t>
+              <a:t>対象の仮想マシンは「削除」状態である必要があります。</a:t>
             </a:r>
             <a:endParaRPr lang="en-US" altLang="ja-JP" dirty="0"/>
           </a:p>
@@ -4731,7 +4708,7 @@
           <a:lstStyle/>
           <a:p>
             <a:pPr algn="ctr"/>
-            <a:endParaRPr kumimoji="1" lang="ja-JP" altLang="en-US" b="1" dirty="0" smtClean="0">
+            <a:endParaRPr kumimoji="1" lang="ja-JP" altLang="en-US" b="1" dirty="0">
               <a:latin typeface="+mn-ea"/>
             </a:endParaRPr>
           </a:p>
@@ -4782,7 +4759,7 @@
           <a:p>
             <a:pPr algn="ctr"/>
             <a:r>
-              <a:rPr kumimoji="1" lang="ja-JP" altLang="en-US" b="1" dirty="0" smtClean="0">
+              <a:rPr kumimoji="1" lang="ja-JP" altLang="en-US" b="1" dirty="0">
                 <a:latin typeface="+mn-ea"/>
               </a:rPr>
               <a:t>仮想マシン削除</a:t>
@@ -4974,11 +4951,7 @@
             </a:pPr>
             <a:r>
               <a:rPr lang="ja-JP" altLang="en-US" dirty="0"/>
-              <a:t>対象の仮想マシンは作成済である必要があります</a:t>
-            </a:r>
-            <a:r>
-              <a:rPr lang="ja-JP" altLang="en-US" dirty="0" smtClean="0"/>
-              <a:t>。</a:t>
+              <a:t>対象の仮想マシンは作成済である必要があります。</a:t>
             </a:r>
             <a:endParaRPr lang="en-US" altLang="ja-JP" strike="sngStrike" dirty="0"/>
           </a:p>
@@ -5070,7 +5043,7 @@
           <a:lstStyle/>
           <a:p>
             <a:pPr algn="ctr"/>
-            <a:endParaRPr kumimoji="1" lang="ja-JP" altLang="en-US" b="1" dirty="0" smtClean="0">
+            <a:endParaRPr kumimoji="1" lang="ja-JP" altLang="en-US" b="1" dirty="0">
               <a:latin typeface="+mn-ea"/>
             </a:endParaRPr>
           </a:p>
@@ -5121,13 +5094,13 @@
           <a:p>
             <a:pPr algn="ctr"/>
             <a:r>
-              <a:rPr kumimoji="1" lang="en-US" altLang="ja-JP" b="1" dirty="0" smtClean="0">
+              <a:rPr kumimoji="1" lang="en-US" altLang="ja-JP" b="1" dirty="0">
                 <a:latin typeface="+mn-ea"/>
               </a:rPr>
               <a:t>IP</a:t>
             </a:r>
             <a:r>
-              <a:rPr kumimoji="1" lang="ja-JP" altLang="en-US" b="1" dirty="0" smtClean="0">
+              <a:rPr kumimoji="1" lang="ja-JP" altLang="en-US" b="1" dirty="0">
                 <a:latin typeface="+mn-ea"/>
               </a:rPr>
               <a:t>アドレス設定</a:t>
@@ -5191,7 +5164,7 @@
           <a:lstStyle/>
           <a:p>
             <a:pPr algn="ctr"/>
-            <a:endParaRPr kumimoji="1" lang="ja-JP" altLang="en-US" b="1" dirty="0" smtClean="0">
+            <a:endParaRPr kumimoji="1" lang="ja-JP" altLang="en-US" b="1" dirty="0">
               <a:latin typeface="+mn-ea"/>
             </a:endParaRPr>
           </a:p>
@@ -5229,7 +5202,7 @@
           <a:lstStyle/>
           <a:p>
             <a:pPr algn="ctr"/>
-            <a:endParaRPr kumimoji="1" lang="ja-JP" altLang="en-US" b="1" dirty="0" smtClean="0">
+            <a:endParaRPr kumimoji="1" lang="ja-JP" altLang="en-US" b="1" dirty="0">
               <a:latin typeface="+mn-ea"/>
             </a:endParaRPr>
           </a:p>
@@ -5339,10 +5312,6 @@
               <a:rPr lang="ja-JP" altLang="en-US" dirty="0"/>
               <a:t>上の仮想マシンに</a:t>
             </a:r>
-            <a:r>
-              <a:rPr lang="en-US" altLang="ja-JP" dirty="0"/>
-              <a:t/>
-            </a:r>
             <a:br>
               <a:rPr lang="en-US" altLang="ja-JP" dirty="0"/>
             </a:br>
@@ -5356,46 +5325,34 @@
             </a:r>
             <a:r>
               <a:rPr lang="ja-JP" altLang="en-US" dirty="0"/>
-              <a:t>で接続されます</a:t>
-            </a:r>
-            <a:r>
-              <a:rPr lang="ja-JP" altLang="en-US" dirty="0" smtClean="0"/>
-              <a:t>。</a:t>
-            </a:r>
-            <a:r>
-              <a:rPr lang="en-US" altLang="ja-JP" dirty="0" smtClean="0"/>
-              <a:t/>
+              <a:t>で接続されます。</a:t>
             </a:r>
             <a:br>
-              <a:rPr lang="en-US" altLang="ja-JP" dirty="0" smtClean="0"/>
+              <a:rPr lang="en-US" altLang="ja-JP" dirty="0"/>
             </a:br>
             <a:r>
-              <a:rPr lang="ja-JP" altLang="en-US" dirty="0" smtClean="0"/>
+              <a:rPr lang="ja-JP" altLang="en-US" dirty="0"/>
               <a:t>追加後は仮想マシン内の「ディスクの設定」から有効にしてください。</a:t>
             </a:r>
-            <a:endParaRPr lang="en-US" altLang="ja-JP" dirty="0" smtClean="0"/>
+            <a:endParaRPr lang="en-US" altLang="ja-JP" dirty="0"/>
           </a:p>
           <a:p>
             <a:pPr marL="180975" indent="0">
               <a:buNone/>
             </a:pPr>
             <a:r>
-              <a:rPr lang="ja-JP" altLang="en-US" dirty="0" smtClean="0"/>
+              <a:rPr lang="ja-JP" altLang="en-US" dirty="0"/>
               <a:t>対象の仮想マシンは作成済である必要があります。</a:t>
             </a:r>
-            <a:endParaRPr lang="en-US" altLang="ja-JP" strike="sngStrike" dirty="0" smtClean="0"/>
+            <a:endParaRPr lang="en-US" altLang="ja-JP" strike="sngStrike" dirty="0"/>
           </a:p>
           <a:p>
             <a:pPr marL="180975" indent="0">
               <a:buNone/>
             </a:pPr>
             <a:r>
-              <a:rPr lang="ja-JP" altLang="en-US" dirty="0" smtClean="0"/>
-              <a:t>仮想</a:t>
-            </a:r>
-            <a:r>
               <a:rPr lang="ja-JP" altLang="en-US" dirty="0"/>
-              <a:t>ハードディスク設定の際、仮想マシンは停止・起動されます。</a:t>
+              <a:t>仮想ハードディスク設定の際、仮想マシンは停止・起動されます。</a:t>
             </a:r>
             <a:endParaRPr lang="en-US" altLang="ja-JP" dirty="0"/>
           </a:p>
@@ -5473,7 +5430,7 @@
           <a:lstStyle/>
           <a:p>
             <a:pPr algn="ctr"/>
-            <a:endParaRPr kumimoji="1" lang="ja-JP" altLang="en-US" b="1" dirty="0" smtClean="0">
+            <a:endParaRPr kumimoji="1" lang="ja-JP" altLang="en-US" b="1" dirty="0">
               <a:latin typeface="+mn-ea"/>
             </a:endParaRPr>
           </a:p>
@@ -5524,7 +5481,7 @@
           <a:p>
             <a:pPr algn="ctr"/>
             <a:r>
-              <a:rPr kumimoji="1" lang="ja-JP" altLang="en-US" b="1" dirty="0" smtClean="0">
+              <a:rPr kumimoji="1" lang="ja-JP" altLang="en-US" b="1" dirty="0">
                 <a:latin typeface="+mn-ea"/>
               </a:rPr>
               <a:t>仮想ハードディスク追加</a:t>
@@ -5588,7 +5545,7 @@
           <a:lstStyle/>
           <a:p>
             <a:pPr algn="ctr"/>
-            <a:endParaRPr kumimoji="1" lang="ja-JP" altLang="en-US" b="1" dirty="0" smtClean="0">
+            <a:endParaRPr kumimoji="1" lang="ja-JP" altLang="en-US" b="1" dirty="0">
               <a:latin typeface="+mn-ea"/>
             </a:endParaRPr>
           </a:p>
@@ -5626,7 +5583,7 @@
           <a:lstStyle/>
           <a:p>
             <a:pPr algn="ctr"/>
-            <a:endParaRPr kumimoji="1" lang="ja-JP" altLang="en-US" b="1" dirty="0" smtClean="0">
+            <a:endParaRPr kumimoji="1" lang="ja-JP" altLang="en-US" b="1" dirty="0">
               <a:latin typeface="+mn-ea"/>
             </a:endParaRPr>
           </a:p>
@@ -5688,7 +5645,7 @@
               <a:t>7</a:t>
             </a:r>
             <a:r>
-              <a:rPr kumimoji="1" lang="en-US" altLang="ja-JP" dirty="0" smtClean="0"/>
+              <a:rPr kumimoji="1" lang="en-US" altLang="ja-JP" dirty="0"/>
               <a:t>. </a:t>
             </a:r>
             <a:r>
@@ -5720,11 +5677,11 @@
           <a:lstStyle/>
           <a:p>
             <a:r>
-              <a:rPr lang="en-US" altLang="ja-JP" dirty="0" smtClean="0"/>
+              <a:rPr lang="en-US" altLang="ja-JP" dirty="0"/>
               <a:t>IP</a:t>
             </a:r>
             <a:r>
-              <a:rPr lang="ja-JP" altLang="en-US" dirty="0" smtClean="0"/>
+              <a:rPr lang="ja-JP" altLang="en-US" dirty="0"/>
               <a:t>アドレス設定や仮想ハードディスク追加が成功しない場合</a:t>
             </a:r>
             <a:endParaRPr lang="en-US" altLang="ja-JP" dirty="0"/>
@@ -5732,62 +5689,46 @@
           <a:p>
             <a:pPr lvl="1"/>
             <a:r>
-              <a:rPr lang="ja-JP" altLang="en-US" dirty="0" smtClean="0"/>
+              <a:rPr lang="ja-JP" altLang="en-US" dirty="0"/>
               <a:t>仮想マシンのシャットダウンが正常に完了せず作業がエラーとなることがあります。</a:t>
-            </a:r>
-            <a:r>
-              <a:rPr lang="en-US" altLang="ja-JP" dirty="0" smtClean="0"/>
-              <a:t/>
-            </a:r>
-            <a:br>
-              <a:rPr lang="en-US" altLang="ja-JP" dirty="0" smtClean="0"/>
-            </a:br>
-            <a:r>
-              <a:rPr lang="ja-JP" altLang="en-US" dirty="0" smtClean="0"/>
-              <a:t>その場合、</a:t>
-            </a:r>
-            <a:r>
-              <a:rPr lang="en-US" altLang="ja-JP" dirty="0" smtClean="0"/>
-              <a:t>Hyper-V</a:t>
-            </a:r>
-            <a:r>
-              <a:rPr lang="ja-JP" altLang="en-US" dirty="0" smtClean="0"/>
-              <a:t>マネージャー上で対象仮想マシンを「停止」するか、タスクマネージャーから対象タスクを終了してから再度実行してください。</a:t>
-            </a:r>
-            <a:r>
-              <a:rPr lang="en-US" altLang="ja-JP" dirty="0" smtClean="0"/>
-              <a:t/>
-            </a:r>
-            <a:br>
-              <a:rPr lang="en-US" altLang="ja-JP" dirty="0" smtClean="0"/>
-            </a:br>
-            <a:r>
-              <a:rPr lang="en-US" altLang="ja-JP" dirty="0" smtClean="0"/>
-              <a:t>※</a:t>
-            </a:r>
-            <a:r>
-              <a:rPr lang="ja-JP" altLang="en-US" dirty="0" smtClean="0"/>
-              <a:t>強制的に停止した場合再起動時にメッセージが表示される場合があります。</a:t>
-            </a:r>
-            <a:r>
-              <a:rPr lang="en-US" altLang="ja-JP" dirty="0"/>
-              <a:t/>
             </a:r>
             <a:br>
               <a:rPr lang="en-US" altLang="ja-JP" dirty="0"/>
             </a:br>
             <a:r>
-              <a:rPr lang="en-US" altLang="ja-JP" dirty="0" smtClean="0"/>
-              <a:t/>
+              <a:rPr lang="ja-JP" altLang="en-US" dirty="0"/>
+              <a:t>その場合、</a:t>
+            </a:r>
+            <a:r>
+              <a:rPr lang="en-US" altLang="ja-JP" dirty="0"/>
+              <a:t>Hyper-V</a:t>
+            </a:r>
+            <a:r>
+              <a:rPr lang="ja-JP" altLang="en-US" dirty="0"/>
+              <a:t>マネージャー上で対象仮想マシンを「停止」するか、タスクマネージャーから対象タスクを終了してから再度実行してください。</a:t>
             </a:r>
             <a:br>
-              <a:rPr lang="en-US" altLang="ja-JP" dirty="0" smtClean="0"/>
+              <a:rPr lang="en-US" altLang="ja-JP" dirty="0"/>
+            </a:br>
+            <a:r>
+              <a:rPr lang="en-US" altLang="ja-JP" dirty="0"/>
+              <a:t>※</a:t>
+            </a:r>
+            <a:r>
+              <a:rPr lang="ja-JP" altLang="en-US" dirty="0"/>
+              <a:t>強制的に停止した場合再起動時にメッセージが表示される場合があります。</a:t>
+            </a:r>
+            <a:br>
+              <a:rPr lang="en-US" altLang="ja-JP" dirty="0"/>
+            </a:br>
+            <a:br>
+              <a:rPr lang="en-US" altLang="ja-JP" dirty="0"/>
             </a:br>
             <a:endParaRPr lang="en-US" altLang="ja-JP" dirty="0"/>
           </a:p>
           <a:p>
             <a:r>
-              <a:rPr lang="ja-JP" altLang="en-US" dirty="0" smtClean="0"/>
+              <a:rPr lang="ja-JP" altLang="en-US" dirty="0"/>
               <a:t>処理状況を変えたのに対象がないといってエラーになる場合</a:t>
             </a:r>
             <a:endParaRPr lang="en-US" altLang="ja-JP" dirty="0"/>
@@ -5795,41 +5736,37 @@
           <a:p>
             <a:pPr lvl="1"/>
             <a:r>
-              <a:rPr lang="ja-JP" altLang="en-US" dirty="0" smtClean="0"/>
+              <a:rPr lang="ja-JP" altLang="en-US" dirty="0"/>
               <a:t>パラメータシートの処理状況を変更したにもかかわらず、上記のエラーになっている場合、変更から実行までの時間が短すぎて設定が反映されず、変更前の設定値で実行されてしまっていることが考えられます。</a:t>
             </a:r>
-            <a:r>
-              <a:rPr lang="en-US" altLang="ja-JP" dirty="0" smtClean="0"/>
-              <a:t/>
-            </a:r>
             <a:br>
-              <a:rPr lang="en-US" altLang="ja-JP" dirty="0" smtClean="0"/>
+              <a:rPr lang="en-US" altLang="ja-JP" dirty="0"/>
             </a:br>
             <a:r>
-              <a:rPr lang="ja-JP" altLang="en-US" dirty="0" smtClean="0"/>
+              <a:rPr lang="ja-JP" altLang="en-US" dirty="0"/>
               <a:t>しばらく分待ってから再度実行するか、「</a:t>
             </a:r>
             <a:r>
-              <a:rPr lang="en-US" altLang="ja-JP" dirty="0" err="1" smtClean="0"/>
+              <a:rPr lang="en-US" altLang="ja-JP" dirty="0" err="1"/>
               <a:t>Ansible</a:t>
             </a:r>
             <a:r>
-              <a:rPr lang="en-US" altLang="ja-JP" dirty="0" smtClean="0"/>
+              <a:rPr lang="en-US" altLang="ja-JP" dirty="0"/>
               <a:t>-Legacy/</a:t>
             </a:r>
             <a:r>
-              <a:rPr lang="ja-JP" altLang="en-US" dirty="0" smtClean="0"/>
+              <a:rPr lang="ja-JP" altLang="en-US" dirty="0"/>
               <a:t>代入値管理」メニューで値が変更されているのを確認してから実行してください。</a:t>
             </a:r>
             <a:endParaRPr lang="en-US" altLang="ja-JP" dirty="0"/>
           </a:p>
           <a:p>
             <a:pPr lvl="1"/>
-            <a:endParaRPr lang="en-US" altLang="ja-JP" dirty="0" smtClean="0"/>
+            <a:endParaRPr lang="en-US" altLang="ja-JP" dirty="0"/>
           </a:p>
           <a:p>
             <a:pPr lvl="1"/>
-            <a:endParaRPr lang="en-US" altLang="ja-JP" dirty="0" smtClean="0"/>
+            <a:endParaRPr lang="en-US" altLang="ja-JP" dirty="0"/>
           </a:p>
         </p:txBody>
       </p:sp>
@@ -5938,14 +5875,11 @@
           <a:p>
             <a:pPr algn="ctr"/>
             <a:r>
-              <a:rPr kumimoji="1" lang="ja-JP" altLang="en-US" sz="2400" dirty="0" smtClean="0">
+              <a:rPr kumimoji="1" lang="ja-JP" altLang="en-US" sz="2400" dirty="0">
                 <a:latin typeface="+mn-ea"/>
               </a:rPr>
               <a:t>起動済</a:t>
             </a:r>
-            <a:endParaRPr kumimoji="1" lang="ja-JP" altLang="en-US" sz="2400" dirty="0">
-              <a:latin typeface="+mn-ea"/>
-            </a:endParaRPr>
           </a:p>
         </p:txBody>
       </p:sp>
@@ -5996,14 +5930,11 @@
           <a:p>
             <a:pPr algn="ctr"/>
             <a:r>
-              <a:rPr kumimoji="1" lang="ja-JP" altLang="en-US" sz="2400" dirty="0" smtClean="0">
+              <a:rPr kumimoji="1" lang="ja-JP" altLang="en-US" sz="2400" dirty="0">
                 <a:latin typeface="+mn-ea"/>
               </a:rPr>
               <a:t>削除済</a:t>
             </a:r>
-            <a:endParaRPr kumimoji="1" lang="ja-JP" altLang="en-US" sz="2400" dirty="0">
-              <a:latin typeface="+mn-ea"/>
-            </a:endParaRPr>
           </a:p>
         </p:txBody>
       </p:sp>
@@ -6054,14 +5985,11 @@
           <a:p>
             <a:pPr algn="ctr"/>
             <a:r>
-              <a:rPr kumimoji="1" lang="ja-JP" altLang="en-US" sz="2400" dirty="0" smtClean="0">
+              <a:rPr kumimoji="1" lang="ja-JP" altLang="en-US" sz="2400" dirty="0">
                 <a:latin typeface="+mn-ea"/>
               </a:rPr>
               <a:t>停止済</a:t>
             </a:r>
-            <a:endParaRPr kumimoji="1" lang="ja-JP" altLang="en-US" sz="2400" dirty="0">
-              <a:latin typeface="+mn-ea"/>
-            </a:endParaRPr>
           </a:p>
         </p:txBody>
       </p:sp>
@@ -6338,10 +6266,9 @@
           <a:lstStyle/>
           <a:p>
             <a:r>
-              <a:rPr kumimoji="1" lang="ja-JP" altLang="en-US" sz="2000" dirty="0" smtClean="0"/>
+              <a:rPr kumimoji="1" lang="ja-JP" altLang="en-US" sz="2000" dirty="0"/>
               <a:t>追加</a:t>
             </a:r>
-            <a:endParaRPr kumimoji="1" lang="ja-JP" altLang="en-US" sz="2000" dirty="0"/>
           </a:p>
         </p:txBody>
       </p:sp>
@@ -6368,10 +6295,9 @@
           <a:lstStyle/>
           <a:p>
             <a:r>
-              <a:rPr kumimoji="1" lang="ja-JP" altLang="en-US" sz="2000" dirty="0" smtClean="0"/>
+              <a:rPr kumimoji="1" lang="ja-JP" altLang="en-US" sz="2000" dirty="0"/>
               <a:t>削除</a:t>
             </a:r>
-            <a:endParaRPr kumimoji="1" lang="ja-JP" altLang="en-US" sz="2000" dirty="0"/>
           </a:p>
         </p:txBody>
       </p:sp>
@@ -6398,10 +6324,9 @@
           <a:lstStyle/>
           <a:p>
             <a:r>
-              <a:rPr kumimoji="1" lang="ja-JP" altLang="en-US" sz="2000" dirty="0" smtClean="0"/>
+              <a:rPr kumimoji="1" lang="ja-JP" altLang="en-US" sz="2000" dirty="0"/>
               <a:t>削除</a:t>
             </a:r>
-            <a:endParaRPr kumimoji="1" lang="ja-JP" altLang="en-US" sz="2000" dirty="0"/>
           </a:p>
         </p:txBody>
       </p:sp>
@@ -6428,10 +6353,9 @@
           <a:lstStyle/>
           <a:p>
             <a:r>
-              <a:rPr kumimoji="1" lang="ja-JP" altLang="en-US" sz="2000" dirty="0" smtClean="0"/>
+              <a:rPr kumimoji="1" lang="ja-JP" altLang="en-US" sz="2000" dirty="0"/>
               <a:t>停止</a:t>
             </a:r>
-            <a:endParaRPr kumimoji="1" lang="ja-JP" altLang="en-US" sz="2000" dirty="0"/>
           </a:p>
         </p:txBody>
       </p:sp>
@@ -6458,10 +6382,9 @@
           <a:lstStyle/>
           <a:p>
             <a:r>
-              <a:rPr kumimoji="1" lang="ja-JP" altLang="en-US" sz="2000" dirty="0" smtClean="0"/>
+              <a:rPr kumimoji="1" lang="ja-JP" altLang="en-US" sz="2000" dirty="0"/>
               <a:t>起動</a:t>
             </a:r>
-            <a:endParaRPr kumimoji="1" lang="ja-JP" altLang="en-US" sz="2000" dirty="0"/>
           </a:p>
         </p:txBody>
       </p:sp>
@@ -6590,14 +6513,13 @@
           <a:lstStyle/>
           <a:p>
             <a:r>
-              <a:rPr kumimoji="1" lang="en-US" altLang="ja-JP" sz="1600" dirty="0" err="1" smtClean="0"/>
+              <a:rPr kumimoji="1" lang="en-US" altLang="ja-JP" sz="1600" dirty="0" err="1"/>
               <a:t>Ansible</a:t>
             </a:r>
             <a:r>
-              <a:rPr kumimoji="1" lang="ja-JP" altLang="en-US" sz="1600" dirty="0" smtClean="0"/>
+              <a:rPr kumimoji="1" lang="ja-JP" altLang="en-US" sz="1600" dirty="0"/>
               <a:t>が設定する処理状況</a:t>
             </a:r>
-            <a:endParaRPr kumimoji="1" lang="ja-JP" altLang="en-US" sz="1600" dirty="0"/>
           </a:p>
         </p:txBody>
       </p:sp>
@@ -6624,10 +6546,9 @@
           <a:lstStyle/>
           <a:p>
             <a:r>
-              <a:rPr kumimoji="1" lang="ja-JP" altLang="en-US" sz="1600" dirty="0" smtClean="0"/>
+              <a:rPr kumimoji="1" lang="ja-JP" altLang="en-US" sz="1600" dirty="0"/>
               <a:t>ユーザが設定する処理状況</a:t>
             </a:r>
-            <a:endParaRPr kumimoji="1" lang="ja-JP" altLang="en-US" sz="1600" dirty="0"/>
           </a:p>
         </p:txBody>
       </p:sp>
@@ -7008,15 +6929,7 @@
                     <a:p>
                       <a:r>
                         <a:rPr kumimoji="1" lang="ja-JP" altLang="en-US" sz="1600" dirty="0"/>
-                        <a:t>新規で仮想マシンを作成</a:t>
-                      </a:r>
-                      <a:r>
-                        <a:rPr kumimoji="1" lang="ja-JP" altLang="en-US" sz="1600" dirty="0" smtClean="0"/>
-                        <a:t>し、作成された仮想マシン情報を機器一覧へ登録します</a:t>
-                      </a:r>
-                      <a:r>
-                        <a:rPr kumimoji="1" lang="ja-JP" altLang="en-US" sz="1600" dirty="0"/>
-                        <a:t>。</a:t>
+                        <a:t>新規で仮想マシンを作成し、作成された仮想マシン情報を機器一覧へ登録します。</a:t>
                       </a:r>
                       <a:endParaRPr kumimoji="1" lang="en-US" altLang="ja-JP" sz="1600" dirty="0"/>
                     </a:p>
@@ -7603,20 +7516,15 @@
                       </a:r>
                       <a:r>
                         <a:rPr kumimoji="1" lang="ja-JP" altLang="en-US" sz="1600" dirty="0"/>
-                        <a:t>アドレスや仮想ハードディスクも削除されます</a:t>
+                        <a:t>アドレスや仮想ハードディスクも削除されます。</a:t>
                       </a:r>
-                      <a:r>
-                        <a:rPr kumimoji="1" lang="ja-JP" altLang="en-US" sz="1600" dirty="0" smtClean="0"/>
-                        <a:t>。</a:t>
-                      </a:r>
-                      <a:endParaRPr kumimoji="1" lang="en-US" altLang="ja-JP" sz="1600" dirty="0" smtClean="0"/>
+                      <a:endParaRPr kumimoji="1" lang="en-US" altLang="ja-JP" sz="1600" dirty="0"/>
                     </a:p>
                     <a:p>
                       <a:r>
-                        <a:rPr kumimoji="1" lang="ja-JP" altLang="en-US" sz="1600" dirty="0" smtClean="0"/>
+                        <a:rPr kumimoji="1" lang="ja-JP" altLang="en-US" sz="1600" dirty="0"/>
                         <a:t>機器一覧へ登録されている情報は削除されません。</a:t>
                       </a:r>
-                      <a:endParaRPr kumimoji="1" lang="ja-JP" altLang="en-US" sz="1600" dirty="0"/>
                     </a:p>
                   </a:txBody>
                   <a:tcPr>
@@ -8020,7 +7928,7 @@
                     <a:lstStyle/>
                     <a:p>
                       <a:r>
-                        <a:rPr kumimoji="1" lang="en-US" altLang="ja-JP" sz="1600" smtClean="0"/>
+                        <a:rPr kumimoji="1" lang="en-US" altLang="ja-JP" sz="1600"/>
                         <a:t>No.</a:t>
                       </a:r>
                       <a:endParaRPr kumimoji="1" lang="ja-JP" altLang="en-US" sz="1600" dirty="0"/>
@@ -8071,11 +7979,11 @@
                     <a:lstStyle/>
                     <a:p>
                       <a:r>
-                        <a:rPr kumimoji="1" lang="en-US" altLang="ja-JP" sz="1600" smtClean="0"/>
+                        <a:rPr kumimoji="1" lang="en-US" altLang="ja-JP" sz="1600"/>
                         <a:t>Movement</a:t>
                       </a:r>
                       <a:r>
-                        <a:rPr kumimoji="1" lang="ja-JP" altLang="en-US" sz="1600" smtClean="0"/>
+                        <a:rPr kumimoji="1" lang="ja-JP" altLang="en-US" sz="1600"/>
                         <a:t>名</a:t>
                       </a:r>
                       <a:endParaRPr kumimoji="1" lang="ja-JP" altLang="en-US" sz="1600" dirty="0"/>
@@ -8126,7 +8034,7 @@
                     <a:lstStyle/>
                     <a:p>
                       <a:r>
-                        <a:rPr kumimoji="1" lang="ja-JP" altLang="en-US" sz="1600" smtClean="0"/>
+                        <a:rPr kumimoji="1" lang="ja-JP" altLang="en-US" sz="1600"/>
                         <a:t>自動化ツール</a:t>
                       </a:r>
                       <a:endParaRPr kumimoji="1" lang="ja-JP" altLang="en-US" sz="1600" dirty="0"/>
@@ -8177,7 +8085,7 @@
                     <a:lstStyle/>
                     <a:p>
                       <a:r>
-                        <a:rPr kumimoji="1" lang="ja-JP" altLang="en-US" sz="1600" smtClean="0"/>
+                        <a:rPr kumimoji="1" lang="ja-JP" altLang="en-US" sz="1600"/>
                         <a:t>概要</a:t>
                       </a:r>
                       <a:endParaRPr kumimoji="1" lang="ja-JP" altLang="en-US" sz="1600" dirty="0"/>
@@ -8238,7 +8146,7 @@
                         <a:buNone/>
                       </a:pPr>
                       <a:r>
-                        <a:rPr kumimoji="1" lang="en-US" altLang="ja-JP" sz="1600" b="0" i="0" u="none" strike="noStrike" noProof="0" smtClean="0">
+                        <a:rPr kumimoji="1" lang="en-US" altLang="ja-JP" sz="1600" b="0" i="0" u="none" strike="noStrike" noProof="0">
                           <a:latin typeface="メイリオ"/>
                         </a:rPr>
                         <a:t>260001</a:t>
@@ -8308,7 +8216,7 @@
                         <a:buNone/>
                       </a:pPr>
                       <a:r>
-                        <a:rPr lang="ja-JP" altLang="en-US" sz="1600" smtClean="0"/>
+                        <a:rPr lang="ja-JP" altLang="en-US" sz="1600"/>
                         <a:t>仮想マシン作成</a:t>
                       </a:r>
                       <a:endParaRPr lang="ja-JP" altLang="en-US" sz="1600" dirty="0"/>
@@ -8363,7 +8271,7 @@
                     <a:p>
                       <a:pPr latinLnBrk="1"/>
                       <a:r>
-                        <a:rPr kumimoji="1" lang="en-US" altLang="ja-JP" sz="1600" b="0" i="0" kern="1200" dirty="0" err="1" smtClean="0">
+                        <a:rPr kumimoji="1" lang="en-US" altLang="ja-JP" sz="1600" b="0" i="0" kern="1200" dirty="0" err="1">
                           <a:solidFill>
                             <a:schemeClr val="dk1"/>
                           </a:solidFill>
@@ -8375,7 +8283,7 @@
                         <a:t>Ansible</a:t>
                       </a:r>
                       <a:r>
-                        <a:rPr kumimoji="1" lang="en-US" altLang="ja-JP" sz="1600" b="0" i="0" kern="1200" dirty="0" smtClean="0">
+                        <a:rPr kumimoji="1" lang="en-US" altLang="ja-JP" sz="1600" b="0" i="0" kern="1200" dirty="0">
                           <a:solidFill>
                             <a:schemeClr val="dk1"/>
                           </a:solidFill>
@@ -8386,15 +8294,6 @@
                         </a:rPr>
                         <a:t>-Legacy</a:t>
                       </a:r>
-                      <a:endParaRPr kumimoji="1" lang="en-US" altLang="ja-JP" sz="1600" b="0" i="0" kern="1200" dirty="0">
-                        <a:solidFill>
-                          <a:schemeClr val="dk1"/>
-                        </a:solidFill>
-                        <a:effectLst/>
-                        <a:latin typeface="+mn-lt"/>
-                        <a:ea typeface="+mn-ea"/>
-                        <a:cs typeface="+mn-cs"/>
-                      </a:endParaRPr>
                     </a:p>
                   </a:txBody>
                   <a:tcPr anchor="ctr">
@@ -8445,7 +8344,7 @@
                     <a:lstStyle/>
                     <a:p>
                       <a:r>
-                        <a:rPr kumimoji="1" lang="ja-JP" altLang="en-US" sz="1600" smtClean="0"/>
+                        <a:rPr kumimoji="1" lang="ja-JP" altLang="en-US" sz="1600"/>
                         <a:t>仮想マシンを作成します。</a:t>
                       </a:r>
                       <a:endParaRPr kumimoji="1" lang="ja-JP" altLang="en-US" sz="1600" dirty="0"/>
@@ -8509,7 +8408,7 @@
                         <a:buNone/>
                       </a:pPr>
                       <a:r>
-                        <a:rPr kumimoji="1" lang="en-US" altLang="ja-JP" sz="1600" smtClean="0"/>
+                        <a:rPr kumimoji="1" lang="en-US" altLang="ja-JP" sz="1600"/>
                         <a:t>260002</a:t>
                       </a:r>
                       <a:endParaRPr kumimoji="1" lang="en-US" altLang="ja-JP" sz="1600" dirty="0"/>
@@ -8575,11 +8474,11 @@
                         <a:buNone/>
                       </a:pPr>
                       <a:r>
-                        <a:rPr lang="en-US" altLang="ja-JP" sz="1600" smtClean="0"/>
+                        <a:rPr lang="en-US" altLang="ja-JP" sz="1600"/>
                         <a:t>IP</a:t>
                       </a:r>
                       <a:r>
-                        <a:rPr lang="ja-JP" altLang="en-US" sz="1600" smtClean="0"/>
+                        <a:rPr lang="ja-JP" altLang="en-US" sz="1600"/>
                         <a:t>アドレス設定</a:t>
                       </a:r>
                       <a:endParaRPr lang="ja-JP" altLang="en-US" sz="1600" dirty="0"/>
@@ -8634,7 +8533,7 @@
                     <a:p>
                       <a:pPr latinLnBrk="1"/>
                       <a:r>
-                        <a:rPr kumimoji="1" lang="en-US" altLang="ja-JP" sz="1600" b="0" i="0" kern="1200" dirty="0" err="1" smtClean="0">
+                        <a:rPr kumimoji="1" lang="en-US" altLang="ja-JP" sz="1600" b="0" i="0" kern="1200" dirty="0" err="1">
                           <a:solidFill>
                             <a:schemeClr val="dk1"/>
                           </a:solidFill>
@@ -8646,7 +8545,7 @@
                         <a:t>Ansible</a:t>
                       </a:r>
                       <a:r>
-                        <a:rPr kumimoji="1" lang="en-US" altLang="ja-JP" sz="1600" b="0" i="0" kern="1200" dirty="0" smtClean="0">
+                        <a:rPr kumimoji="1" lang="en-US" altLang="ja-JP" sz="1600" b="0" i="0" kern="1200" dirty="0">
                           <a:solidFill>
                             <a:schemeClr val="dk1"/>
                           </a:solidFill>
@@ -8657,15 +8556,6 @@
                         </a:rPr>
                         <a:t>-Legacy</a:t>
                       </a:r>
-                      <a:endParaRPr kumimoji="1" lang="en-US" altLang="ja-JP" sz="1600" b="0" i="0" kern="1200" dirty="0">
-                        <a:solidFill>
-                          <a:schemeClr val="dk1"/>
-                        </a:solidFill>
-                        <a:effectLst/>
-                        <a:latin typeface="+mn-lt"/>
-                        <a:ea typeface="+mn-ea"/>
-                        <a:cs typeface="+mn-cs"/>
-                      </a:endParaRPr>
                     </a:p>
                   </a:txBody>
                   <a:tcPr anchor="ctr">
@@ -8719,15 +8609,15 @@
                         <a:buNone/>
                       </a:pPr>
                       <a:r>
-                        <a:rPr kumimoji="1" lang="ja-JP" altLang="en-US" sz="1600" smtClean="0"/>
+                        <a:rPr kumimoji="1" lang="ja-JP" altLang="en-US" sz="1600"/>
                         <a:t>作成済の仮想マシンに</a:t>
                       </a:r>
                       <a:r>
-                        <a:rPr kumimoji="1" lang="en-US" altLang="ja-JP" sz="1600" smtClean="0"/>
+                        <a:rPr kumimoji="1" lang="en-US" altLang="ja-JP" sz="1600"/>
                         <a:t>IP</a:t>
                       </a:r>
                       <a:r>
-                        <a:rPr kumimoji="1" lang="ja-JP" altLang="en-US" sz="1600" smtClean="0"/>
+                        <a:rPr kumimoji="1" lang="ja-JP" altLang="en-US" sz="1600"/>
                         <a:t>アドレスを設定します。</a:t>
                       </a:r>
                       <a:endParaRPr kumimoji="1" lang="ja-JP" altLang="en-US" sz="1600" dirty="0"/>
@@ -8805,7 +8695,7 @@
                         <a:defRPr/>
                       </a:pPr>
                       <a:r>
-                        <a:rPr kumimoji="1" lang="en-US" altLang="ja-JP" sz="1600" smtClean="0"/>
+                        <a:rPr kumimoji="1" lang="en-US" altLang="ja-JP" sz="1600"/>
                         <a:t>260003</a:t>
                       </a:r>
                       <a:endParaRPr kumimoji="1" lang="en-US" altLang="ja-JP" sz="1600" dirty="0"/>
@@ -8862,7 +8752,7 @@
                         <a:buNone/>
                       </a:pPr>
                       <a:r>
-                        <a:rPr kumimoji="1" lang="ja-JP" altLang="en-US" sz="1600" b="0" i="0" u="none" strike="noStrike" noProof="0" smtClean="0">
+                        <a:rPr kumimoji="1" lang="ja-JP" altLang="en-US" sz="1600" b="0" i="0" u="none" strike="noStrike" noProof="0">
                           <a:latin typeface="+mn-lt"/>
                           <a:ea typeface="+mn-ea"/>
                         </a:rPr>
@@ -8939,7 +8829,7 @@
                         <a:defRPr/>
                       </a:pPr>
                       <a:r>
-                        <a:rPr kumimoji="1" lang="en-US" altLang="ja-JP" sz="1600" b="0" i="0" kern="1200" dirty="0" err="1" smtClean="0">
+                        <a:rPr kumimoji="1" lang="en-US" altLang="ja-JP" sz="1600" b="0" i="0" kern="1200" dirty="0" err="1">
                           <a:solidFill>
                             <a:schemeClr val="dk1"/>
                           </a:solidFill>
@@ -8951,7 +8841,7 @@
                         <a:t>Ansible</a:t>
                       </a:r>
                       <a:r>
-                        <a:rPr kumimoji="1" lang="en-US" altLang="ja-JP" sz="1600" b="0" i="0" kern="1200" dirty="0" smtClean="0">
+                        <a:rPr kumimoji="1" lang="en-US" altLang="ja-JP" sz="1600" b="0" i="0" kern="1200" dirty="0">
                           <a:solidFill>
                             <a:schemeClr val="dk1"/>
                           </a:solidFill>
@@ -9012,11 +8902,11 @@
                     <a:lstStyle/>
                     <a:p>
                       <a:r>
-                        <a:rPr kumimoji="1" lang="ja-JP" altLang="en-US" sz="1600" smtClean="0"/>
+                        <a:rPr kumimoji="1" lang="ja-JP" altLang="en-US" sz="1600"/>
                         <a:t>作成済の</a:t>
                       </a:r>
                       <a:r>
-                        <a:rPr kumimoji="1" lang="ja-JP" altLang="en-US" sz="1600" b="0" i="0" u="none" strike="noStrike" noProof="0" smtClean="0">
+                        <a:rPr kumimoji="1" lang="ja-JP" altLang="en-US" sz="1600" b="0" i="0" u="none" strike="noStrike" noProof="0">
                           <a:latin typeface="+mn-lt"/>
                           <a:ea typeface="+mn-ea"/>
                         </a:rPr>
@@ -9100,7 +8990,7 @@
                         <a:defRPr/>
                       </a:pPr>
                       <a:r>
-                        <a:rPr kumimoji="1" lang="en-US" altLang="ja-JP" sz="1600" smtClean="0"/>
+                        <a:rPr kumimoji="1" lang="en-US" altLang="ja-JP" sz="1600"/>
                         <a:t>260004</a:t>
                       </a:r>
                       <a:endParaRPr kumimoji="1" lang="en-US" altLang="ja-JP" sz="1600" dirty="0"/>
@@ -9154,7 +9044,7 @@
                     <a:lstStyle/>
                     <a:p>
                       <a:r>
-                        <a:rPr kumimoji="1" lang="ja-JP" altLang="en-US" sz="1600" smtClean="0"/>
+                        <a:rPr kumimoji="1" lang="ja-JP" altLang="en-US" sz="1600"/>
                         <a:t>仮想マシン削除</a:t>
                       </a:r>
                       <a:endParaRPr kumimoji="1" lang="ja-JP" altLang="en-US" sz="1600" dirty="0"/>
@@ -9225,7 +9115,7 @@
                         <a:defRPr/>
                       </a:pPr>
                       <a:r>
-                        <a:rPr kumimoji="1" lang="en-US" altLang="ja-JP" sz="1600" b="0" i="0" kern="1200" dirty="0" err="1" smtClean="0">
+                        <a:rPr kumimoji="1" lang="en-US" altLang="ja-JP" sz="1600" b="0" i="0" kern="1200" dirty="0" err="1">
                           <a:solidFill>
                             <a:schemeClr val="dk1"/>
                           </a:solidFill>
@@ -9237,7 +9127,7 @@
                         <a:t>Ansible</a:t>
                       </a:r>
                       <a:r>
-                        <a:rPr kumimoji="1" lang="en-US" altLang="ja-JP" sz="1600" b="0" i="0" kern="1200" dirty="0" smtClean="0">
+                        <a:rPr kumimoji="1" lang="en-US" altLang="ja-JP" sz="1600" b="0" i="0" kern="1200" dirty="0">
                           <a:solidFill>
                             <a:schemeClr val="dk1"/>
                           </a:solidFill>
@@ -9298,7 +9188,7 @@
                     <a:lstStyle/>
                     <a:p>
                       <a:r>
-                        <a:rPr kumimoji="1" lang="ja-JP" altLang="en-US" sz="1600" smtClean="0"/>
+                        <a:rPr kumimoji="1" lang="ja-JP" altLang="en-US" sz="1600"/>
                         <a:t>仮想マシンを削除します。</a:t>
                       </a:r>
                       <a:endParaRPr kumimoji="1" lang="ja-JP" altLang="en-US" sz="1600" dirty="0"/>
@@ -9376,7 +9266,7 @@
                         <a:defRPr/>
                       </a:pPr>
                       <a:r>
-                        <a:rPr kumimoji="1" lang="en-US" altLang="ja-JP" sz="1600" smtClean="0"/>
+                        <a:rPr kumimoji="1" lang="en-US" altLang="ja-JP" sz="1600"/>
                         <a:t>260005</a:t>
                       </a:r>
                       <a:endParaRPr kumimoji="1" lang="en-US" altLang="ja-JP" sz="1600" dirty="0"/>
@@ -9430,7 +9320,7 @@
                     <a:lstStyle/>
                     <a:p>
                       <a:r>
-                        <a:rPr kumimoji="1" lang="ja-JP" altLang="en-US" sz="1600" smtClean="0"/>
+                        <a:rPr kumimoji="1" lang="ja-JP" altLang="en-US" sz="1600"/>
                         <a:t>仮想マシン起動</a:t>
                       </a:r>
                       <a:endParaRPr kumimoji="1" lang="ja-JP" altLang="en-US" sz="1600" dirty="0"/>
@@ -9501,7 +9391,7 @@
                         <a:defRPr/>
                       </a:pPr>
                       <a:r>
-                        <a:rPr kumimoji="1" lang="en-US" altLang="ja-JP" sz="1600" b="0" i="0" kern="1200" dirty="0" err="1" smtClean="0">
+                        <a:rPr kumimoji="1" lang="en-US" altLang="ja-JP" sz="1600" b="0" i="0" kern="1200" dirty="0" err="1">
                           <a:solidFill>
                             <a:schemeClr val="dk1"/>
                           </a:solidFill>
@@ -9513,7 +9403,7 @@
                         <a:t>Ansible</a:t>
                       </a:r>
                       <a:r>
-                        <a:rPr kumimoji="1" lang="en-US" altLang="ja-JP" sz="1600" b="0" i="0" kern="1200" dirty="0" smtClean="0">
+                        <a:rPr kumimoji="1" lang="en-US" altLang="ja-JP" sz="1600" b="0" i="0" kern="1200" dirty="0">
                           <a:solidFill>
                             <a:schemeClr val="dk1"/>
                           </a:solidFill>
@@ -9591,7 +9481,7 @@
                         <a:defRPr/>
                       </a:pPr>
                       <a:r>
-                        <a:rPr kumimoji="1" lang="ja-JP" altLang="en-US" sz="1600" smtClean="0"/>
+                        <a:rPr kumimoji="1" lang="ja-JP" altLang="en-US" sz="1600"/>
                         <a:t>停止中の仮想マシンを起動します。</a:t>
                       </a:r>
                       <a:endParaRPr kumimoji="1" lang="ja-JP" altLang="en-US" sz="1600" dirty="0"/>
@@ -9669,7 +9559,7 @@
                         <a:defRPr/>
                       </a:pPr>
                       <a:r>
-                        <a:rPr kumimoji="1" lang="en-US" altLang="ja-JP" sz="1600" smtClean="0"/>
+                        <a:rPr kumimoji="1" lang="en-US" altLang="ja-JP" sz="1600"/>
                         <a:t>260006</a:t>
                       </a:r>
                       <a:endParaRPr kumimoji="1" lang="en-US" altLang="ja-JP" sz="1600" dirty="0"/>
@@ -9723,7 +9613,7 @@
                     <a:lstStyle/>
                     <a:p>
                       <a:r>
-                        <a:rPr kumimoji="1" lang="ja-JP" altLang="en-US" sz="1600" smtClean="0"/>
+                        <a:rPr kumimoji="1" lang="ja-JP" altLang="en-US" sz="1600"/>
                         <a:t>仮想マシン停止</a:t>
                       </a:r>
                       <a:endParaRPr kumimoji="1" lang="ja-JP" altLang="en-US" sz="1600" dirty="0"/>
@@ -9794,7 +9684,7 @@
                         <a:defRPr/>
                       </a:pPr>
                       <a:r>
-                        <a:rPr kumimoji="1" lang="en-US" altLang="ja-JP" sz="1600" b="0" i="0" kern="1200" dirty="0" err="1" smtClean="0">
+                        <a:rPr kumimoji="1" lang="en-US" altLang="ja-JP" sz="1600" b="0" i="0" kern="1200" dirty="0" err="1">
                           <a:solidFill>
                             <a:schemeClr val="dk1"/>
                           </a:solidFill>
@@ -9806,7 +9696,7 @@
                         <a:t>Ansible</a:t>
                       </a:r>
                       <a:r>
-                        <a:rPr kumimoji="1" lang="en-US" altLang="ja-JP" sz="1600" b="0" i="0" kern="1200" dirty="0" smtClean="0">
+                        <a:rPr kumimoji="1" lang="en-US" altLang="ja-JP" sz="1600" b="0" i="0" kern="1200" dirty="0">
                           <a:solidFill>
                             <a:schemeClr val="dk1"/>
                           </a:solidFill>
@@ -9867,7 +9757,7 @@
                     <a:lstStyle/>
                     <a:p>
                       <a:r>
-                        <a:rPr kumimoji="1" lang="ja-JP" altLang="en-US" sz="1600" smtClean="0"/>
+                        <a:rPr kumimoji="1" lang="ja-JP" altLang="en-US" sz="1600"/>
                         <a:t>起動中の仮想マシンを停止します</a:t>
                       </a:r>
                       <a:endParaRPr kumimoji="1" lang="ja-JP" altLang="en-US" sz="1600" dirty="0"/>
@@ -9945,7 +9835,7 @@
                         <a:defRPr/>
                       </a:pPr>
                       <a:r>
-                        <a:rPr kumimoji="1" lang="en-US" altLang="ja-JP" sz="1600" smtClean="0"/>
+                        <a:rPr kumimoji="1" lang="en-US" altLang="ja-JP" sz="1600"/>
                         <a:t>260007</a:t>
                       </a:r>
                       <a:endParaRPr kumimoji="1" lang="en-US" altLang="ja-JP" sz="1600" dirty="0"/>
@@ -9999,7 +9889,7 @@
                     <a:lstStyle/>
                     <a:p>
                       <a:r>
-                        <a:rPr kumimoji="1" lang="zh-TW" altLang="en-US" sz="1600" smtClean="0"/>
+                        <a:rPr kumimoji="1" lang="zh-TW" altLang="en-US" sz="1600"/>
                         <a:t>機器一覧更新</a:t>
                       </a:r>
                       <a:endParaRPr kumimoji="1" lang="zh-TW" altLang="en-US" sz="1600" dirty="0"/>
@@ -10070,7 +9960,7 @@
                         <a:defRPr/>
                       </a:pPr>
                       <a:r>
-                        <a:rPr kumimoji="1" lang="en-US" altLang="ja-JP" sz="1600" b="0" i="0" kern="1200" dirty="0" err="1" smtClean="0">
+                        <a:rPr kumimoji="1" lang="en-US" altLang="ja-JP" sz="1600" b="0" i="0" kern="1200" dirty="0" err="1">
                           <a:solidFill>
                             <a:schemeClr val="dk1"/>
                           </a:solidFill>
@@ -10082,7 +9972,7 @@
                         <a:t>Ansible</a:t>
                       </a:r>
                       <a:r>
-                        <a:rPr kumimoji="1" lang="en-US" altLang="ja-JP" sz="1600" b="0" i="0" kern="1200" dirty="0" smtClean="0">
+                        <a:rPr kumimoji="1" lang="en-US" altLang="ja-JP" sz="1600" b="0" i="0" kern="1200" dirty="0">
                           <a:solidFill>
                             <a:schemeClr val="dk1"/>
                           </a:solidFill>
@@ -10143,26 +10033,25 @@
                     <a:lstStyle/>
                     <a:p>
                       <a:r>
-                        <a:rPr kumimoji="1" lang="ja-JP" altLang="en-US" sz="1600" dirty="0" smtClean="0"/>
+                        <a:rPr kumimoji="1" lang="ja-JP" altLang="en-US" sz="1600" dirty="0"/>
                         <a:t>仮想マシン情報に入力された仮想マシン名で</a:t>
                       </a:r>
                       <a:r>
-                        <a:rPr kumimoji="1" lang="en-US" altLang="ja-JP" sz="1600" dirty="0" smtClean="0"/>
+                        <a:rPr kumimoji="1" lang="en-US" altLang="ja-JP" sz="1600" dirty="0"/>
                         <a:t>Hyper-V</a:t>
                       </a:r>
                       <a:r>
-                        <a:rPr kumimoji="1" lang="ja-JP" altLang="en-US" sz="1600" dirty="0" smtClean="0"/>
+                        <a:rPr kumimoji="1" lang="ja-JP" altLang="en-US" sz="1600" dirty="0"/>
                         <a:t>から情報を取得し機器一覧へ登録</a:t>
                       </a:r>
                       <a:r>
-                        <a:rPr kumimoji="1" lang="en-US" altLang="ja-JP" sz="1600" dirty="0" smtClean="0"/>
+                        <a:rPr kumimoji="1" lang="en-US" altLang="ja-JP" sz="1600" dirty="0"/>
                         <a:t>/</a:t>
                       </a:r>
                       <a:r>
-                        <a:rPr kumimoji="1" lang="ja-JP" altLang="en-US" sz="1600" dirty="0" smtClean="0"/>
+                        <a:rPr kumimoji="1" lang="ja-JP" altLang="en-US" sz="1600" dirty="0"/>
                         <a:t>更新します。</a:t>
                       </a:r>
-                      <a:endParaRPr kumimoji="1" lang="ja-JP" altLang="en-US" sz="1600" dirty="0"/>
                     </a:p>
                   </a:txBody>
                   <a:tcPr anchor="ctr">
@@ -18397,16 +18286,6 @@
             </a:lstStyle>
             <a:p>
               <a:pPr algn="ctr"/>
-              <a:r>
-                <a:rPr kumimoji="1" lang="en-US" altLang="ja-JP" sz="1200" dirty="0">
-                  <a:solidFill>
-                    <a:sysClr val="windowText" lastClr="000000"/>
-                  </a:solidFill>
-                  <a:latin typeface="+mn-ea"/>
-                  <a:ea typeface="+mn-ea"/>
-                </a:rPr>
-                <a:t/>
-              </a:r>
               <a:br>
                 <a:rPr kumimoji="1" lang="en-US" altLang="ja-JP" sz="1200" dirty="0">
                   <a:solidFill>
@@ -18857,16 +18736,6 @@
             </a:lstStyle>
             <a:p>
               <a:pPr algn="ctr"/>
-              <a:r>
-                <a:rPr kumimoji="1" lang="en-US" altLang="ja-JP" sz="1200" dirty="0">
-                  <a:solidFill>
-                    <a:sysClr val="windowText" lastClr="000000"/>
-                  </a:solidFill>
-                  <a:latin typeface="+mn-ea"/>
-                  <a:ea typeface="+mn-ea"/>
-                </a:rPr>
-                <a:t/>
-              </a:r>
               <a:br>
                 <a:rPr kumimoji="1" lang="en-US" altLang="ja-JP" sz="1200" dirty="0">
                   <a:solidFill>
@@ -22251,15 +22120,15 @@
               <a:t>HDD</a:t>
             </a:r>
             <a:r>
-              <a:rPr lang="ja-JP" altLang="en-US" dirty="0" smtClean="0"/>
+              <a:rPr lang="ja-JP" altLang="en-US" dirty="0"/>
               <a:t>追加</a:t>
             </a:r>
-            <a:endParaRPr lang="en-US" altLang="ja-JP" dirty="0" smtClean="0"/>
+            <a:endParaRPr lang="en-US" altLang="ja-JP" dirty="0"/>
           </a:p>
           <a:p>
             <a:pPr lvl="1"/>
             <a:r>
-              <a:rPr lang="ja-JP" altLang="en-US" dirty="0" smtClean="0"/>
+              <a:rPr lang="ja-JP" altLang="en-US" dirty="0"/>
               <a:t>機器一覧への登録・更新</a:t>
             </a:r>
             <a:endParaRPr lang="en-US" altLang="ja-JP" dirty="0"/>
@@ -22380,46 +22249,38 @@
             </a:r>
             <a:r>
               <a:rPr lang="ja-JP" altLang="en-US" dirty="0"/>
-              <a:t>を使用することで</a:t>
-            </a:r>
-            <a:r>
-              <a:rPr lang="ja-JP" altLang="en-US" dirty="0" smtClean="0"/>
-              <a:t>、</a:t>
-            </a:r>
-            <a:r>
-              <a:rPr lang="en-US" altLang="ja-JP" dirty="0" smtClean="0"/>
+              <a:t>を使用することで、</a:t>
+            </a:r>
+            <a:r>
+              <a:rPr lang="en-US" altLang="ja-JP" dirty="0"/>
               <a:t>Hyper-V</a:t>
             </a:r>
             <a:r>
               <a:rPr lang="ja-JP" altLang="en-US" dirty="0"/>
-              <a:t>上に仮想</a:t>
-            </a:r>
-            <a:r>
-              <a:rPr lang="ja-JP" altLang="en-US" dirty="0" smtClean="0"/>
-              <a:t>マシンの新規作成・</a:t>
-            </a:r>
-            <a:r>
-              <a:rPr lang="en-US" altLang="ja-JP" dirty="0" smtClean="0"/>
+              <a:t>上に仮想マシンの新規作成・</a:t>
+            </a:r>
+            <a:r>
+              <a:rPr lang="en-US" altLang="ja-JP" dirty="0"/>
               <a:t>IP</a:t>
             </a:r>
             <a:r>
-              <a:rPr lang="ja-JP" altLang="en-US" dirty="0" smtClean="0"/>
+              <a:rPr lang="ja-JP" altLang="en-US" dirty="0"/>
               <a:t>アドレス設定・仮想ハードディスク追加・</a:t>
             </a:r>
             <a:r>
-              <a:rPr lang="en-US" altLang="ja-JP" dirty="0" smtClean="0"/>
+              <a:rPr lang="en-US" altLang="ja-JP" dirty="0"/>
               <a:t>ITA</a:t>
             </a:r>
             <a:r>
-              <a:rPr lang="ja-JP" altLang="en-US" dirty="0" smtClean="0"/>
+              <a:rPr lang="ja-JP" altLang="en-US" dirty="0"/>
               <a:t>の機器一覧に仮想マシン情報の登録</a:t>
             </a:r>
             <a:r>
-              <a:rPr lang="en-US" altLang="ja-JP" dirty="0" smtClean="0"/>
+              <a:rPr lang="en-US" altLang="ja-JP" dirty="0"/>
               <a:t>/</a:t>
             </a:r>
             <a:r>
-              <a:rPr lang="ja-JP" altLang="en-US" dirty="0" smtClean="0"/>
+              <a:rPr lang="ja-JP" altLang="en-US" dirty="0"/>
               <a:t>更新を行います。</a:t>
             </a:r>
             <a:endParaRPr lang="en-US" altLang="ja-JP" dirty="0"/>
@@ -22456,13 +22317,9 @@
             </a:r>
             <a:r>
               <a:rPr lang="ja-JP" altLang="en-US" dirty="0"/>
-              <a:t>で接続されます</a:t>
-            </a:r>
-            <a:r>
-              <a:rPr lang="ja-JP" altLang="en-US" dirty="0" smtClean="0"/>
-              <a:t>。</a:t>
-            </a:r>
-            <a:endParaRPr lang="en-US" altLang="ja-JP" dirty="0" smtClean="0"/>
+              <a:t>で接続されます。</a:t>
+            </a:r>
+            <a:endParaRPr lang="en-US" altLang="ja-JP" dirty="0"/>
           </a:p>
           <a:p>
             <a:pPr marL="180975" indent="0">
@@ -23326,16 +23183,6 @@
             </a:lstStyle>
             <a:p>
               <a:pPr algn="ctr"/>
-              <a:r>
-                <a:rPr kumimoji="1" lang="en-US" altLang="ja-JP" sz="1200" dirty="0">
-                  <a:solidFill>
-                    <a:sysClr val="windowText" lastClr="000000"/>
-                  </a:solidFill>
-                  <a:latin typeface="+mn-ea"/>
-                  <a:ea typeface="+mn-ea"/>
-                </a:rPr>
-                <a:t/>
-              </a:r>
               <a:br>
                 <a:rPr kumimoji="1" lang="en-US" altLang="ja-JP" sz="1200" dirty="0">
                   <a:solidFill>
@@ -24110,16 +23957,6 @@
             </a:lstStyle>
             <a:p>
               <a:pPr algn="ctr"/>
-              <a:r>
-                <a:rPr kumimoji="1" lang="en-US" altLang="ja-JP" sz="1200" dirty="0">
-                  <a:solidFill>
-                    <a:sysClr val="windowText" lastClr="000000"/>
-                  </a:solidFill>
-                  <a:latin typeface="+mn-ea"/>
-                  <a:ea typeface="+mn-ea"/>
-                </a:rPr>
-                <a:t/>
-              </a:r>
               <a:br>
                 <a:rPr kumimoji="1" lang="en-US" altLang="ja-JP" sz="1200" dirty="0">
                   <a:solidFill>
@@ -24894,16 +24731,6 @@
             </a:lstStyle>
             <a:p>
               <a:pPr algn="ctr"/>
-              <a:r>
-                <a:rPr kumimoji="1" lang="en-US" altLang="ja-JP" sz="1200" dirty="0">
-                  <a:solidFill>
-                    <a:sysClr val="windowText" lastClr="000000"/>
-                  </a:solidFill>
-                  <a:latin typeface="+mn-ea"/>
-                  <a:ea typeface="+mn-ea"/>
-                </a:rPr>
-                <a:t/>
-              </a:r>
               <a:br>
                 <a:rPr kumimoji="1" lang="en-US" altLang="ja-JP" sz="1200" dirty="0">
                   <a:solidFill>
@@ -27165,15 +26992,6 @@
 </file>
 
 <file path=customXml/item1.xml><?xml version="1.0" encoding="utf-8"?>
-<?mso-contentType ?>
-<FormTemplates xmlns="http://schemas.microsoft.com/sharepoint/v3/contenttype/forms">
-  <Display>DocumentLibraryForm</Display>
-  <Edit>DocumentLibraryForm</Edit>
-  <New>DocumentLibraryForm</New>
-</FormTemplates>
-</file>
-
-<file path=customXml/item2.xml><?xml version="1.0" encoding="utf-8"?>
 <ct:contentTypeSchema xmlns:ct="http://schemas.microsoft.com/office/2006/metadata/contentType" xmlns:ma="http://schemas.microsoft.com/office/2006/metadata/properties/metaAttributes" ct:_="" ma:_="" ma:contentTypeName="ドキュメント" ma:contentTypeID="0x01010084FABC01750754469A9A21C30F936C75" ma:contentTypeVersion="2" ma:contentTypeDescription="新しいドキュメントを作成します。" ma:contentTypeScope="" ma:versionID="680993e058c844a7567c3c65d8e88610">
   <xsd:schema xmlns:xsd="http://www.w3.org/2001/XMLSchema" xmlns:xs="http://www.w3.org/2001/XMLSchema" xmlns:p="http://schemas.microsoft.com/office/2006/metadata/properties" xmlns:ns2="e3c7534c-8447-4121-a676-7eb0e8edc712" targetNamespace="http://schemas.microsoft.com/office/2006/metadata/properties" ma:root="true" ma:fieldsID="252a2382b168dd3443305f8014b8a96d" ns2:_="">
     <xsd:import namespace="e3c7534c-8447-4121-a676-7eb0e8edc712"/>
@@ -27305,6 +27123,15 @@
 </ct:contentTypeSchema>
 </file>
 
+<file path=customXml/item2.xml><?xml version="1.0" encoding="utf-8"?>
+<?mso-contentType ?>
+<FormTemplates xmlns="http://schemas.microsoft.com/sharepoint/v3/contenttype/forms">
+  <Display>DocumentLibraryForm</Display>
+  <Edit>DocumentLibraryForm</Edit>
+  <New>DocumentLibraryForm</New>
+</FormTemplates>
+</file>
+
 <file path=customXml/item3.xml><?xml version="1.0" encoding="utf-8"?>
 <p:properties xmlns:p="http://schemas.microsoft.com/office/2006/metadata/properties" xmlns:xsi="http://www.w3.org/2001/XMLSchema-instance" xmlns:pc="http://schemas.microsoft.com/office/infopath/2007/PartnerControls">
   <documentManagement/>
@@ -27312,14 +27139,6 @@
 </file>
 
 <file path=customXml/itemProps1.xml><?xml version="1.0" encoding="utf-8"?>
-<ds:datastoreItem xmlns:ds="http://schemas.openxmlformats.org/officeDocument/2006/customXml" ds:itemID="{13F84729-594C-4E0F-8EA2-5AB0534BB9E4}">
-  <ds:schemaRefs>
-    <ds:schemaRef ds:uri="http://schemas.microsoft.com/sharepoint/v3/contenttype/forms"/>
-  </ds:schemaRefs>
-</ds:datastoreItem>
-</file>
-
-<file path=customXml/itemProps2.xml><?xml version="1.0" encoding="utf-8"?>
 <ds:datastoreItem xmlns:ds="http://schemas.openxmlformats.org/officeDocument/2006/customXml" ds:itemID="{C5E8BB82-79FF-4160-B5DD-52F81091988C}">
   <ds:schemaRefs>
     <ds:schemaRef ds:uri="http://schemas.microsoft.com/office/2006/metadata/contentType"/>
@@ -27337,17 +27156,25 @@
 </ds:datastoreItem>
 </file>
 
+<file path=customXml/itemProps2.xml><?xml version="1.0" encoding="utf-8"?>
+<ds:datastoreItem xmlns:ds="http://schemas.openxmlformats.org/officeDocument/2006/customXml" ds:itemID="{13F84729-594C-4E0F-8EA2-5AB0534BB9E4}">
+  <ds:schemaRefs>
+    <ds:schemaRef ds:uri="http://schemas.microsoft.com/sharepoint/v3/contenttype/forms"/>
+  </ds:schemaRefs>
+</ds:datastoreItem>
+</file>
+
 <file path=customXml/itemProps3.xml><?xml version="1.0" encoding="utf-8"?>
 <ds:datastoreItem xmlns:ds="http://schemas.openxmlformats.org/officeDocument/2006/customXml" ds:itemID="{7D2DF80A-40B4-495F-A15B-9E9755F00A7A}">
   <ds:schemaRefs>
+    <ds:schemaRef ds:uri="http://purl.org/dc/elements/1.1/"/>
+    <ds:schemaRef ds:uri="http://schemas.microsoft.com/office/2006/metadata/properties"/>
     <ds:schemaRef ds:uri="http://purl.org/dc/terms/"/>
+    <ds:schemaRef ds:uri="http://schemas.microsoft.com/office/2006/documentManagement/types"/>
+    <ds:schemaRef ds:uri="http://purl.org/dc/dcmitype/"/>
+    <ds:schemaRef ds:uri="http://schemas.microsoft.com/office/infopath/2007/PartnerControls"/>
     <ds:schemaRef ds:uri="http://schemas.openxmlformats.org/package/2006/metadata/core-properties"/>
     <ds:schemaRef ds:uri="e3c7534c-8447-4121-a676-7eb0e8edc712"/>
-    <ds:schemaRef ds:uri="http://purl.org/dc/dcmitype/"/>
-    <ds:schemaRef ds:uri="http://schemas.microsoft.com/office/infopath/2007/PartnerControls"/>
-    <ds:schemaRef ds:uri="http://schemas.microsoft.com/office/2006/documentManagement/types"/>
-    <ds:schemaRef ds:uri="http://purl.org/dc/elements/1.1/"/>
-    <ds:schemaRef ds:uri="http://schemas.microsoft.com/office/2006/metadata/properties"/>
     <ds:schemaRef ds:uri="http://www.w3.org/XML/1998/namespace"/>
   </ds:schemaRefs>
 </ds:datastoreItem>

--- a/docs/setting-samples-hyperv-overview_ja.pptx
+++ b/docs/setting-samples-hyperv-overview_ja.pptx
@@ -324,7 +324,7 @@
               <a:rPr kumimoji="1" lang="ja-JP" altLang="en-US" smtClean="0">
                 <a:ea typeface="メイリオ" panose="020B0604030504040204" pitchFamily="50" charset="-128"/>
               </a:rPr>
-              <a:t>2023/1/20</a:t>
+              <a:t>2022/2/14</a:t>
             </a:fld>
             <a:endParaRPr kumimoji="1" lang="ja-JP" altLang="en-US" dirty="0">
               <a:ea typeface="メイリオ" panose="020B0604030504040204" pitchFamily="50" charset="-128"/>
@@ -470,7 +470,7 @@
             <a:fld id="{4B26993D-C081-44EB-B0F5-A9F467792B62}" type="datetimeFigureOut">
               <a:rPr lang="ja-JP" altLang="en-US" smtClean="0"/>
               <a:pPr/>
-              <a:t>2023/1/20</a:t>
+              <a:t>2022/2/14</a:t>
             </a:fld>
             <a:endParaRPr lang="ja-JP" altLang="en-US" dirty="0"/>
           </a:p>
@@ -1854,6 +1854,10 @@
             <a:r>
               <a:rPr kumimoji="1" lang="ja-JP" altLang="en-US" dirty="0"/>
               <a:t>行にわたる場合は</a:t>
+            </a:r>
+            <a:r>
+              <a:rPr kumimoji="1" lang="en-US" altLang="ja-JP" dirty="0"/>
+              <a:t/>
             </a:r>
             <a:br>
               <a:rPr kumimoji="1" lang="en-US" altLang="ja-JP" dirty="0"/>
@@ -3714,6 +3718,10 @@
               <a:rPr lang="en-US" altLang="ja-JP" sz="6000" b="1" dirty="0" err="1"/>
               <a:t>amples</a:t>
             </a:r>
+            <a:r>
+              <a:rPr lang="en-US" altLang="ja-JP" sz="6000" b="1" dirty="0"/>
+              <a:t/>
+            </a:r>
             <a:br>
               <a:rPr lang="en-US" altLang="ja-JP" sz="6000" b="1" dirty="0"/>
             </a:br>
@@ -3775,7 +3783,7 @@
             </a:r>
             <a:r>
               <a:rPr lang="en-US" altLang="ja-JP" dirty="0"/>
-              <a:t>1.1</a:t>
+              <a:t>1.0</a:t>
             </a:r>
             <a:r>
               <a:rPr lang="ja-JP" altLang="en-US" dirty="0"/>
@@ -3786,17 +3794,24 @@
                 <a:ea typeface="+mn-lt"/>
                 <a:cs typeface="+mn-lt"/>
               </a:rPr>
-              <a:t>ITAバージョン</a:t>
-            </a:r>
-            <a:r>
-              <a:rPr lang="en-US" altLang="ja-JP" dirty="0">
+              <a:t>ITA</a:t>
+            </a:r>
+            <a:r>
+              <a:rPr lang="ja-JP" dirty="0" smtClean="0">
                 <a:ea typeface="+mn-lt"/>
                 <a:cs typeface="+mn-lt"/>
               </a:rPr>
-              <a:t>1.10.2</a:t>
-            </a:r>
-            <a:r>
-              <a:rPr lang="ja-JP" dirty="0">
+              <a:t>バージョン</a:t>
+            </a:r>
+            <a:r>
+              <a:rPr lang="en-US" altLang="ja-JP" dirty="0" smtClean="0">
+                <a:ea typeface="+mn-lt"/>
+                <a:cs typeface="+mn-lt"/>
+              </a:rPr>
+              <a:t>1.9.0</a:t>
+            </a:r>
+            <a:r>
+              <a:rPr lang="ja-JP" dirty="0" smtClean="0">
                 <a:ea typeface="+mn-lt"/>
                 <a:cs typeface="+mn-lt"/>
               </a:rPr>
@@ -4155,7 +4170,7 @@
           <a:lstStyle/>
           <a:p>
             <a:pPr algn="ctr"/>
-            <a:endParaRPr kumimoji="1" lang="ja-JP" altLang="en-US" b="1" dirty="0">
+            <a:endParaRPr kumimoji="1" lang="ja-JP" altLang="en-US" b="1" dirty="0" smtClean="0">
               <a:latin typeface="+mn-ea"/>
             </a:endParaRPr>
           </a:p>
@@ -4206,7 +4221,7 @@
           <a:p>
             <a:pPr algn="ctr"/>
             <a:r>
-              <a:rPr kumimoji="1" lang="ja-JP" altLang="en-US" b="1" dirty="0">
+              <a:rPr kumimoji="1" lang="ja-JP" altLang="en-US" b="1" dirty="0" smtClean="0">
                 <a:latin typeface="+mn-ea"/>
               </a:rPr>
               <a:t>仮想マシン起動</a:t>
@@ -4430,7 +4445,7 @@
           <a:lstStyle/>
           <a:p>
             <a:pPr algn="ctr"/>
-            <a:endParaRPr kumimoji="1" lang="ja-JP" altLang="en-US" b="1" dirty="0">
+            <a:endParaRPr kumimoji="1" lang="ja-JP" altLang="en-US" b="1" dirty="0" smtClean="0">
               <a:latin typeface="+mn-ea"/>
             </a:endParaRPr>
           </a:p>
@@ -4481,7 +4496,7 @@
           <a:p>
             <a:pPr algn="ctr"/>
             <a:r>
-              <a:rPr kumimoji="1" lang="ja-JP" altLang="en-US" b="1" dirty="0">
+              <a:rPr kumimoji="1" lang="ja-JP" altLang="en-US" b="1" dirty="0" smtClean="0">
                 <a:latin typeface="+mn-ea"/>
               </a:rPr>
               <a:t>仮想マシン停止</a:t>
@@ -4649,7 +4664,15 @@
             </a:pPr>
             <a:r>
               <a:rPr lang="ja-JP" altLang="en-US" dirty="0"/>
-              <a:t>対象の仮想マシンは「削除」状態である必要があります。</a:t>
+              <a:t>対象の仮想マシンは</a:t>
+            </a:r>
+            <a:r>
+              <a:rPr lang="ja-JP" altLang="en-US" dirty="0" smtClean="0"/>
+              <a:t>「削除」</a:t>
+            </a:r>
+            <a:r>
+              <a:rPr lang="ja-JP" altLang="en-US" dirty="0"/>
+              <a:t>状態である必要があります。</a:t>
             </a:r>
             <a:endParaRPr lang="en-US" altLang="ja-JP" dirty="0"/>
           </a:p>
@@ -4708,7 +4731,7 @@
           <a:lstStyle/>
           <a:p>
             <a:pPr algn="ctr"/>
-            <a:endParaRPr kumimoji="1" lang="ja-JP" altLang="en-US" b="1" dirty="0">
+            <a:endParaRPr kumimoji="1" lang="ja-JP" altLang="en-US" b="1" dirty="0" smtClean="0">
               <a:latin typeface="+mn-ea"/>
             </a:endParaRPr>
           </a:p>
@@ -4759,7 +4782,7 @@
           <a:p>
             <a:pPr algn="ctr"/>
             <a:r>
-              <a:rPr kumimoji="1" lang="ja-JP" altLang="en-US" b="1" dirty="0">
+              <a:rPr kumimoji="1" lang="ja-JP" altLang="en-US" b="1" dirty="0" smtClean="0">
                 <a:latin typeface="+mn-ea"/>
               </a:rPr>
               <a:t>仮想マシン削除</a:t>
@@ -4951,7 +4974,11 @@
             </a:pPr>
             <a:r>
               <a:rPr lang="ja-JP" altLang="en-US" dirty="0"/>
-              <a:t>対象の仮想マシンは作成済である必要があります。</a:t>
+              <a:t>対象の仮想マシンは作成済である必要があります</a:t>
+            </a:r>
+            <a:r>
+              <a:rPr lang="ja-JP" altLang="en-US" dirty="0" smtClean="0"/>
+              <a:t>。</a:t>
             </a:r>
             <a:endParaRPr lang="en-US" altLang="ja-JP" strike="sngStrike" dirty="0"/>
           </a:p>
@@ -5043,7 +5070,7 @@
           <a:lstStyle/>
           <a:p>
             <a:pPr algn="ctr"/>
-            <a:endParaRPr kumimoji="1" lang="ja-JP" altLang="en-US" b="1" dirty="0">
+            <a:endParaRPr kumimoji="1" lang="ja-JP" altLang="en-US" b="1" dirty="0" smtClean="0">
               <a:latin typeface="+mn-ea"/>
             </a:endParaRPr>
           </a:p>
@@ -5094,13 +5121,13 @@
           <a:p>
             <a:pPr algn="ctr"/>
             <a:r>
-              <a:rPr kumimoji="1" lang="en-US" altLang="ja-JP" b="1" dirty="0">
+              <a:rPr kumimoji="1" lang="en-US" altLang="ja-JP" b="1" dirty="0" smtClean="0">
                 <a:latin typeface="+mn-ea"/>
               </a:rPr>
               <a:t>IP</a:t>
             </a:r>
             <a:r>
-              <a:rPr kumimoji="1" lang="ja-JP" altLang="en-US" b="1" dirty="0">
+              <a:rPr kumimoji="1" lang="ja-JP" altLang="en-US" b="1" dirty="0" smtClean="0">
                 <a:latin typeface="+mn-ea"/>
               </a:rPr>
               <a:t>アドレス設定</a:t>
@@ -5164,7 +5191,7 @@
           <a:lstStyle/>
           <a:p>
             <a:pPr algn="ctr"/>
-            <a:endParaRPr kumimoji="1" lang="ja-JP" altLang="en-US" b="1" dirty="0">
+            <a:endParaRPr kumimoji="1" lang="ja-JP" altLang="en-US" b="1" dirty="0" smtClean="0">
               <a:latin typeface="+mn-ea"/>
             </a:endParaRPr>
           </a:p>
@@ -5202,7 +5229,7 @@
           <a:lstStyle/>
           <a:p>
             <a:pPr algn="ctr"/>
-            <a:endParaRPr kumimoji="1" lang="ja-JP" altLang="en-US" b="1" dirty="0">
+            <a:endParaRPr kumimoji="1" lang="ja-JP" altLang="en-US" b="1" dirty="0" smtClean="0">
               <a:latin typeface="+mn-ea"/>
             </a:endParaRPr>
           </a:p>
@@ -5312,6 +5339,10 @@
               <a:rPr lang="ja-JP" altLang="en-US" dirty="0"/>
               <a:t>上の仮想マシンに</a:t>
             </a:r>
+            <a:r>
+              <a:rPr lang="en-US" altLang="ja-JP" dirty="0"/>
+              <a:t/>
+            </a:r>
             <a:br>
               <a:rPr lang="en-US" altLang="ja-JP" dirty="0"/>
             </a:br>
@@ -5325,34 +5356,46 @@
             </a:r>
             <a:r>
               <a:rPr lang="ja-JP" altLang="en-US" dirty="0"/>
-              <a:t>で接続されます。</a:t>
+              <a:t>で接続されます</a:t>
+            </a:r>
+            <a:r>
+              <a:rPr lang="ja-JP" altLang="en-US" dirty="0" smtClean="0"/>
+              <a:t>。</a:t>
+            </a:r>
+            <a:r>
+              <a:rPr lang="en-US" altLang="ja-JP" dirty="0" smtClean="0"/>
+              <a:t/>
             </a:r>
             <a:br>
-              <a:rPr lang="en-US" altLang="ja-JP" dirty="0"/>
+              <a:rPr lang="en-US" altLang="ja-JP" dirty="0" smtClean="0"/>
             </a:br>
             <a:r>
-              <a:rPr lang="ja-JP" altLang="en-US" dirty="0"/>
+              <a:rPr lang="ja-JP" altLang="en-US" dirty="0" smtClean="0"/>
               <a:t>追加後は仮想マシン内の「ディスクの設定」から有効にしてください。</a:t>
             </a:r>
-            <a:endParaRPr lang="en-US" altLang="ja-JP" dirty="0"/>
+            <a:endParaRPr lang="en-US" altLang="ja-JP" dirty="0" smtClean="0"/>
           </a:p>
           <a:p>
             <a:pPr marL="180975" indent="0">
               <a:buNone/>
             </a:pPr>
             <a:r>
-              <a:rPr lang="ja-JP" altLang="en-US" dirty="0"/>
+              <a:rPr lang="ja-JP" altLang="en-US" dirty="0" smtClean="0"/>
               <a:t>対象の仮想マシンは作成済である必要があります。</a:t>
             </a:r>
-            <a:endParaRPr lang="en-US" altLang="ja-JP" strike="sngStrike" dirty="0"/>
+            <a:endParaRPr lang="en-US" altLang="ja-JP" strike="sngStrike" dirty="0" smtClean="0"/>
           </a:p>
           <a:p>
             <a:pPr marL="180975" indent="0">
               <a:buNone/>
             </a:pPr>
             <a:r>
+              <a:rPr lang="ja-JP" altLang="en-US" dirty="0" smtClean="0"/>
+              <a:t>仮想</a:t>
+            </a:r>
+            <a:r>
               <a:rPr lang="ja-JP" altLang="en-US" dirty="0"/>
-              <a:t>仮想ハードディスク設定の際、仮想マシンは停止・起動されます。</a:t>
+              <a:t>ハードディスク設定の際、仮想マシンは停止・起動されます。</a:t>
             </a:r>
             <a:endParaRPr lang="en-US" altLang="ja-JP" dirty="0"/>
           </a:p>
@@ -5430,7 +5473,7 @@
           <a:lstStyle/>
           <a:p>
             <a:pPr algn="ctr"/>
-            <a:endParaRPr kumimoji="1" lang="ja-JP" altLang="en-US" b="1" dirty="0">
+            <a:endParaRPr kumimoji="1" lang="ja-JP" altLang="en-US" b="1" dirty="0" smtClean="0">
               <a:latin typeface="+mn-ea"/>
             </a:endParaRPr>
           </a:p>
@@ -5481,7 +5524,7 @@
           <a:p>
             <a:pPr algn="ctr"/>
             <a:r>
-              <a:rPr kumimoji="1" lang="ja-JP" altLang="en-US" b="1" dirty="0">
+              <a:rPr kumimoji="1" lang="ja-JP" altLang="en-US" b="1" dirty="0" smtClean="0">
                 <a:latin typeface="+mn-ea"/>
               </a:rPr>
               <a:t>仮想ハードディスク追加</a:t>
@@ -5545,7 +5588,7 @@
           <a:lstStyle/>
           <a:p>
             <a:pPr algn="ctr"/>
-            <a:endParaRPr kumimoji="1" lang="ja-JP" altLang="en-US" b="1" dirty="0">
+            <a:endParaRPr kumimoji="1" lang="ja-JP" altLang="en-US" b="1" dirty="0" smtClean="0">
               <a:latin typeface="+mn-ea"/>
             </a:endParaRPr>
           </a:p>
@@ -5583,7 +5626,7 @@
           <a:lstStyle/>
           <a:p>
             <a:pPr algn="ctr"/>
-            <a:endParaRPr kumimoji="1" lang="ja-JP" altLang="en-US" b="1" dirty="0">
+            <a:endParaRPr kumimoji="1" lang="ja-JP" altLang="en-US" b="1" dirty="0" smtClean="0">
               <a:latin typeface="+mn-ea"/>
             </a:endParaRPr>
           </a:p>
@@ -5645,7 +5688,7 @@
               <a:t>7</a:t>
             </a:r>
             <a:r>
-              <a:rPr kumimoji="1" lang="en-US" altLang="ja-JP" dirty="0"/>
+              <a:rPr kumimoji="1" lang="en-US" altLang="ja-JP" dirty="0" smtClean="0"/>
               <a:t>. </a:t>
             </a:r>
             <a:r>
@@ -5677,11 +5720,11 @@
           <a:lstStyle/>
           <a:p>
             <a:r>
-              <a:rPr lang="en-US" altLang="ja-JP" dirty="0"/>
+              <a:rPr lang="en-US" altLang="ja-JP" dirty="0" smtClean="0"/>
               <a:t>IP</a:t>
             </a:r>
             <a:r>
-              <a:rPr lang="ja-JP" altLang="en-US" dirty="0"/>
+              <a:rPr lang="ja-JP" altLang="en-US" dirty="0" smtClean="0"/>
               <a:t>アドレス設定や仮想ハードディスク追加が成功しない場合</a:t>
             </a:r>
             <a:endParaRPr lang="en-US" altLang="ja-JP" dirty="0"/>
@@ -5689,46 +5732,62 @@
           <a:p>
             <a:pPr lvl="1"/>
             <a:r>
-              <a:rPr lang="ja-JP" altLang="en-US" dirty="0"/>
+              <a:rPr lang="ja-JP" altLang="en-US" dirty="0" smtClean="0"/>
               <a:t>仮想マシンのシャットダウンが正常に完了せず作業がエラーとなることがあります。</a:t>
+            </a:r>
+            <a:r>
+              <a:rPr lang="en-US" altLang="ja-JP" dirty="0" smtClean="0"/>
+              <a:t/>
+            </a:r>
+            <a:br>
+              <a:rPr lang="en-US" altLang="ja-JP" dirty="0" smtClean="0"/>
+            </a:br>
+            <a:r>
+              <a:rPr lang="ja-JP" altLang="en-US" dirty="0" smtClean="0"/>
+              <a:t>その場合、</a:t>
+            </a:r>
+            <a:r>
+              <a:rPr lang="en-US" altLang="ja-JP" dirty="0" smtClean="0"/>
+              <a:t>Hyper-V</a:t>
+            </a:r>
+            <a:r>
+              <a:rPr lang="ja-JP" altLang="en-US" dirty="0" smtClean="0"/>
+              <a:t>マネージャー上で対象仮想マシンを「停止」するか、タスクマネージャーから対象タスクを終了してから再度実行してください。</a:t>
+            </a:r>
+            <a:r>
+              <a:rPr lang="en-US" altLang="ja-JP" dirty="0" smtClean="0"/>
+              <a:t/>
+            </a:r>
+            <a:br>
+              <a:rPr lang="en-US" altLang="ja-JP" dirty="0" smtClean="0"/>
+            </a:br>
+            <a:r>
+              <a:rPr lang="en-US" altLang="ja-JP" dirty="0" smtClean="0"/>
+              <a:t>※</a:t>
+            </a:r>
+            <a:r>
+              <a:rPr lang="ja-JP" altLang="en-US" dirty="0" smtClean="0"/>
+              <a:t>強制的に停止した場合再起動時にメッセージが表示される場合があります。</a:t>
+            </a:r>
+            <a:r>
+              <a:rPr lang="en-US" altLang="ja-JP" dirty="0"/>
+              <a:t/>
             </a:r>
             <a:br>
               <a:rPr lang="en-US" altLang="ja-JP" dirty="0"/>
             </a:br>
             <a:r>
-              <a:rPr lang="ja-JP" altLang="en-US" dirty="0"/>
-              <a:t>その場合、</a:t>
-            </a:r>
-            <a:r>
-              <a:rPr lang="en-US" altLang="ja-JP" dirty="0"/>
-              <a:t>Hyper-V</a:t>
-            </a:r>
-            <a:r>
-              <a:rPr lang="ja-JP" altLang="en-US" dirty="0"/>
-              <a:t>マネージャー上で対象仮想マシンを「停止」するか、タスクマネージャーから対象タスクを終了してから再度実行してください。</a:t>
+              <a:rPr lang="en-US" altLang="ja-JP" dirty="0" smtClean="0"/>
+              <a:t/>
             </a:r>
             <a:br>
-              <a:rPr lang="en-US" altLang="ja-JP" dirty="0"/>
-            </a:br>
-            <a:r>
-              <a:rPr lang="en-US" altLang="ja-JP" dirty="0"/>
-              <a:t>※</a:t>
-            </a:r>
-            <a:r>
-              <a:rPr lang="ja-JP" altLang="en-US" dirty="0"/>
-              <a:t>強制的に停止した場合再起動時にメッセージが表示される場合があります。</a:t>
-            </a:r>
-            <a:br>
-              <a:rPr lang="en-US" altLang="ja-JP" dirty="0"/>
-            </a:br>
-            <a:br>
-              <a:rPr lang="en-US" altLang="ja-JP" dirty="0"/>
+              <a:rPr lang="en-US" altLang="ja-JP" dirty="0" smtClean="0"/>
             </a:br>
             <a:endParaRPr lang="en-US" altLang="ja-JP" dirty="0"/>
           </a:p>
           <a:p>
             <a:r>
-              <a:rPr lang="ja-JP" altLang="en-US" dirty="0"/>
+              <a:rPr lang="ja-JP" altLang="en-US" dirty="0" smtClean="0"/>
               <a:t>処理状況を変えたのに対象がないといってエラーになる場合</a:t>
             </a:r>
             <a:endParaRPr lang="en-US" altLang="ja-JP" dirty="0"/>
@@ -5736,37 +5795,41 @@
           <a:p>
             <a:pPr lvl="1"/>
             <a:r>
-              <a:rPr lang="ja-JP" altLang="en-US" dirty="0"/>
+              <a:rPr lang="ja-JP" altLang="en-US" dirty="0" smtClean="0"/>
               <a:t>パラメータシートの処理状況を変更したにもかかわらず、上記のエラーになっている場合、変更から実行までの時間が短すぎて設定が反映されず、変更前の設定値で実行されてしまっていることが考えられます。</a:t>
             </a:r>
+            <a:r>
+              <a:rPr lang="en-US" altLang="ja-JP" dirty="0" smtClean="0"/>
+              <a:t/>
+            </a:r>
             <a:br>
-              <a:rPr lang="en-US" altLang="ja-JP" dirty="0"/>
+              <a:rPr lang="en-US" altLang="ja-JP" dirty="0" smtClean="0"/>
             </a:br>
             <a:r>
-              <a:rPr lang="ja-JP" altLang="en-US" dirty="0"/>
+              <a:rPr lang="ja-JP" altLang="en-US" dirty="0" smtClean="0"/>
               <a:t>しばらく分待ってから再度実行するか、「</a:t>
             </a:r>
             <a:r>
-              <a:rPr lang="en-US" altLang="ja-JP" dirty="0" err="1"/>
+              <a:rPr lang="en-US" altLang="ja-JP" dirty="0" err="1" smtClean="0"/>
               <a:t>Ansible</a:t>
             </a:r>
             <a:r>
-              <a:rPr lang="en-US" altLang="ja-JP" dirty="0"/>
+              <a:rPr lang="en-US" altLang="ja-JP" dirty="0" smtClean="0"/>
               <a:t>-Legacy/</a:t>
             </a:r>
             <a:r>
-              <a:rPr lang="ja-JP" altLang="en-US" dirty="0"/>
+              <a:rPr lang="ja-JP" altLang="en-US" dirty="0" smtClean="0"/>
               <a:t>代入値管理」メニューで値が変更されているのを確認してから実行してください。</a:t>
             </a:r>
             <a:endParaRPr lang="en-US" altLang="ja-JP" dirty="0"/>
           </a:p>
           <a:p>
             <a:pPr lvl="1"/>
-            <a:endParaRPr lang="en-US" altLang="ja-JP" dirty="0"/>
+            <a:endParaRPr lang="en-US" altLang="ja-JP" dirty="0" smtClean="0"/>
           </a:p>
           <a:p>
             <a:pPr lvl="1"/>
-            <a:endParaRPr lang="en-US" altLang="ja-JP" dirty="0"/>
+            <a:endParaRPr lang="en-US" altLang="ja-JP" dirty="0" smtClean="0"/>
           </a:p>
         </p:txBody>
       </p:sp>
@@ -5875,11 +5938,14 @@
           <a:p>
             <a:pPr algn="ctr"/>
             <a:r>
-              <a:rPr kumimoji="1" lang="ja-JP" altLang="en-US" sz="2400" dirty="0">
+              <a:rPr kumimoji="1" lang="ja-JP" altLang="en-US" sz="2400" dirty="0" smtClean="0">
                 <a:latin typeface="+mn-ea"/>
               </a:rPr>
               <a:t>起動済</a:t>
             </a:r>
+            <a:endParaRPr kumimoji="1" lang="ja-JP" altLang="en-US" sz="2400" dirty="0">
+              <a:latin typeface="+mn-ea"/>
+            </a:endParaRPr>
           </a:p>
         </p:txBody>
       </p:sp>
@@ -5930,11 +5996,14 @@
           <a:p>
             <a:pPr algn="ctr"/>
             <a:r>
-              <a:rPr kumimoji="1" lang="ja-JP" altLang="en-US" sz="2400" dirty="0">
+              <a:rPr kumimoji="1" lang="ja-JP" altLang="en-US" sz="2400" dirty="0" smtClean="0">
                 <a:latin typeface="+mn-ea"/>
               </a:rPr>
               <a:t>削除済</a:t>
             </a:r>
+            <a:endParaRPr kumimoji="1" lang="ja-JP" altLang="en-US" sz="2400" dirty="0">
+              <a:latin typeface="+mn-ea"/>
+            </a:endParaRPr>
           </a:p>
         </p:txBody>
       </p:sp>
@@ -5985,11 +6054,14 @@
           <a:p>
             <a:pPr algn="ctr"/>
             <a:r>
-              <a:rPr kumimoji="1" lang="ja-JP" altLang="en-US" sz="2400" dirty="0">
+              <a:rPr kumimoji="1" lang="ja-JP" altLang="en-US" sz="2400" dirty="0" smtClean="0">
                 <a:latin typeface="+mn-ea"/>
               </a:rPr>
               <a:t>停止済</a:t>
             </a:r>
+            <a:endParaRPr kumimoji="1" lang="ja-JP" altLang="en-US" sz="2400" dirty="0">
+              <a:latin typeface="+mn-ea"/>
+            </a:endParaRPr>
           </a:p>
         </p:txBody>
       </p:sp>
@@ -6266,9 +6338,10 @@
           <a:lstStyle/>
           <a:p>
             <a:r>
-              <a:rPr kumimoji="1" lang="ja-JP" altLang="en-US" sz="2000" dirty="0"/>
+              <a:rPr kumimoji="1" lang="ja-JP" altLang="en-US" sz="2000" dirty="0" smtClean="0"/>
               <a:t>追加</a:t>
             </a:r>
+            <a:endParaRPr kumimoji="1" lang="ja-JP" altLang="en-US" sz="2000" dirty="0"/>
           </a:p>
         </p:txBody>
       </p:sp>
@@ -6295,9 +6368,10 @@
           <a:lstStyle/>
           <a:p>
             <a:r>
-              <a:rPr kumimoji="1" lang="ja-JP" altLang="en-US" sz="2000" dirty="0"/>
+              <a:rPr kumimoji="1" lang="ja-JP" altLang="en-US" sz="2000" dirty="0" smtClean="0"/>
               <a:t>削除</a:t>
             </a:r>
+            <a:endParaRPr kumimoji="1" lang="ja-JP" altLang="en-US" sz="2000" dirty="0"/>
           </a:p>
         </p:txBody>
       </p:sp>
@@ -6324,9 +6398,10 @@
           <a:lstStyle/>
           <a:p>
             <a:r>
-              <a:rPr kumimoji="1" lang="ja-JP" altLang="en-US" sz="2000" dirty="0"/>
+              <a:rPr kumimoji="1" lang="ja-JP" altLang="en-US" sz="2000" dirty="0" smtClean="0"/>
               <a:t>削除</a:t>
             </a:r>
+            <a:endParaRPr kumimoji="1" lang="ja-JP" altLang="en-US" sz="2000" dirty="0"/>
           </a:p>
         </p:txBody>
       </p:sp>
@@ -6353,9 +6428,10 @@
           <a:lstStyle/>
           <a:p>
             <a:r>
-              <a:rPr kumimoji="1" lang="ja-JP" altLang="en-US" sz="2000" dirty="0"/>
+              <a:rPr kumimoji="1" lang="ja-JP" altLang="en-US" sz="2000" dirty="0" smtClean="0"/>
               <a:t>停止</a:t>
             </a:r>
+            <a:endParaRPr kumimoji="1" lang="ja-JP" altLang="en-US" sz="2000" dirty="0"/>
           </a:p>
         </p:txBody>
       </p:sp>
@@ -6382,9 +6458,10 @@
           <a:lstStyle/>
           <a:p>
             <a:r>
-              <a:rPr kumimoji="1" lang="ja-JP" altLang="en-US" sz="2000" dirty="0"/>
+              <a:rPr kumimoji="1" lang="ja-JP" altLang="en-US" sz="2000" dirty="0" smtClean="0"/>
               <a:t>起動</a:t>
             </a:r>
+            <a:endParaRPr kumimoji="1" lang="ja-JP" altLang="en-US" sz="2000" dirty="0"/>
           </a:p>
         </p:txBody>
       </p:sp>
@@ -6513,13 +6590,14 @@
           <a:lstStyle/>
           <a:p>
             <a:r>
-              <a:rPr kumimoji="1" lang="en-US" altLang="ja-JP" sz="1600" dirty="0" err="1"/>
+              <a:rPr kumimoji="1" lang="en-US" altLang="ja-JP" sz="1600" dirty="0" err="1" smtClean="0"/>
               <a:t>Ansible</a:t>
             </a:r>
             <a:r>
-              <a:rPr kumimoji="1" lang="ja-JP" altLang="en-US" sz="1600" dirty="0"/>
+              <a:rPr kumimoji="1" lang="ja-JP" altLang="en-US" sz="1600" dirty="0" smtClean="0"/>
               <a:t>が設定する処理状況</a:t>
             </a:r>
+            <a:endParaRPr kumimoji="1" lang="ja-JP" altLang="en-US" sz="1600" dirty="0"/>
           </a:p>
         </p:txBody>
       </p:sp>
@@ -6546,9 +6624,10 @@
           <a:lstStyle/>
           <a:p>
             <a:r>
-              <a:rPr kumimoji="1" lang="ja-JP" altLang="en-US" sz="1600" dirty="0"/>
+              <a:rPr kumimoji="1" lang="ja-JP" altLang="en-US" sz="1600" dirty="0" smtClean="0"/>
               <a:t>ユーザが設定する処理状況</a:t>
             </a:r>
+            <a:endParaRPr kumimoji="1" lang="ja-JP" altLang="en-US" sz="1600" dirty="0"/>
           </a:p>
         </p:txBody>
       </p:sp>
@@ -6929,7 +7008,15 @@
                     <a:p>
                       <a:r>
                         <a:rPr kumimoji="1" lang="ja-JP" altLang="en-US" sz="1600" dirty="0"/>
-                        <a:t>新規で仮想マシンを作成し、作成された仮想マシン情報を機器一覧へ登録します。</a:t>
+                        <a:t>新規で仮想マシンを作成</a:t>
+                      </a:r>
+                      <a:r>
+                        <a:rPr kumimoji="1" lang="ja-JP" altLang="en-US" sz="1600" dirty="0" smtClean="0"/>
+                        <a:t>し、作成された仮想マシン情報を機器一覧へ登録します</a:t>
+                      </a:r>
+                      <a:r>
+                        <a:rPr kumimoji="1" lang="ja-JP" altLang="en-US" sz="1600" dirty="0"/>
+                        <a:t>。</a:t>
                       </a:r>
                       <a:endParaRPr kumimoji="1" lang="en-US" altLang="ja-JP" sz="1600" dirty="0"/>
                     </a:p>
@@ -7516,15 +7603,20 @@
                       </a:r>
                       <a:r>
                         <a:rPr kumimoji="1" lang="ja-JP" altLang="en-US" sz="1600" dirty="0"/>
-                        <a:t>アドレスや仮想ハードディスクも削除されます。</a:t>
+                        <a:t>アドレスや仮想ハードディスクも削除されます</a:t>
                       </a:r>
-                      <a:endParaRPr kumimoji="1" lang="en-US" altLang="ja-JP" sz="1600" dirty="0"/>
+                      <a:r>
+                        <a:rPr kumimoji="1" lang="ja-JP" altLang="en-US" sz="1600" dirty="0" smtClean="0"/>
+                        <a:t>。</a:t>
+                      </a:r>
+                      <a:endParaRPr kumimoji="1" lang="en-US" altLang="ja-JP" sz="1600" dirty="0" smtClean="0"/>
                     </a:p>
                     <a:p>
                       <a:r>
-                        <a:rPr kumimoji="1" lang="ja-JP" altLang="en-US" sz="1600" dirty="0"/>
+                        <a:rPr kumimoji="1" lang="ja-JP" altLang="en-US" sz="1600" dirty="0" smtClean="0"/>
                         <a:t>機器一覧へ登録されている情報は削除されません。</a:t>
                       </a:r>
+                      <a:endParaRPr kumimoji="1" lang="ja-JP" altLang="en-US" sz="1600" dirty="0"/>
                     </a:p>
                   </a:txBody>
                   <a:tcPr>
@@ -7928,7 +8020,7 @@
                     <a:lstStyle/>
                     <a:p>
                       <a:r>
-                        <a:rPr kumimoji="1" lang="en-US" altLang="ja-JP" sz="1600"/>
+                        <a:rPr kumimoji="1" lang="en-US" altLang="ja-JP" sz="1600" smtClean="0"/>
                         <a:t>No.</a:t>
                       </a:r>
                       <a:endParaRPr kumimoji="1" lang="ja-JP" altLang="en-US" sz="1600" dirty="0"/>
@@ -7979,11 +8071,11 @@
                     <a:lstStyle/>
                     <a:p>
                       <a:r>
-                        <a:rPr kumimoji="1" lang="en-US" altLang="ja-JP" sz="1600"/>
+                        <a:rPr kumimoji="1" lang="en-US" altLang="ja-JP" sz="1600" smtClean="0"/>
                         <a:t>Movement</a:t>
                       </a:r>
                       <a:r>
-                        <a:rPr kumimoji="1" lang="ja-JP" altLang="en-US" sz="1600"/>
+                        <a:rPr kumimoji="1" lang="ja-JP" altLang="en-US" sz="1600" smtClean="0"/>
                         <a:t>名</a:t>
                       </a:r>
                       <a:endParaRPr kumimoji="1" lang="ja-JP" altLang="en-US" sz="1600" dirty="0"/>
@@ -8034,7 +8126,7 @@
                     <a:lstStyle/>
                     <a:p>
                       <a:r>
-                        <a:rPr kumimoji="1" lang="ja-JP" altLang="en-US" sz="1600"/>
+                        <a:rPr kumimoji="1" lang="ja-JP" altLang="en-US" sz="1600" smtClean="0"/>
                         <a:t>自動化ツール</a:t>
                       </a:r>
                       <a:endParaRPr kumimoji="1" lang="ja-JP" altLang="en-US" sz="1600" dirty="0"/>
@@ -8085,7 +8177,7 @@
                     <a:lstStyle/>
                     <a:p>
                       <a:r>
-                        <a:rPr kumimoji="1" lang="ja-JP" altLang="en-US" sz="1600"/>
+                        <a:rPr kumimoji="1" lang="ja-JP" altLang="en-US" sz="1600" smtClean="0"/>
                         <a:t>概要</a:t>
                       </a:r>
                       <a:endParaRPr kumimoji="1" lang="ja-JP" altLang="en-US" sz="1600" dirty="0"/>
@@ -8146,7 +8238,7 @@
                         <a:buNone/>
                       </a:pPr>
                       <a:r>
-                        <a:rPr kumimoji="1" lang="en-US" altLang="ja-JP" sz="1600" b="0" i="0" u="none" strike="noStrike" noProof="0">
+                        <a:rPr kumimoji="1" lang="en-US" altLang="ja-JP" sz="1600" b="0" i="0" u="none" strike="noStrike" noProof="0" smtClean="0">
                           <a:latin typeface="メイリオ"/>
                         </a:rPr>
                         <a:t>260001</a:t>
@@ -8216,7 +8308,7 @@
                         <a:buNone/>
                       </a:pPr>
                       <a:r>
-                        <a:rPr lang="ja-JP" altLang="en-US" sz="1600"/>
+                        <a:rPr lang="ja-JP" altLang="en-US" sz="1600" smtClean="0"/>
                         <a:t>仮想マシン作成</a:t>
                       </a:r>
                       <a:endParaRPr lang="ja-JP" altLang="en-US" sz="1600" dirty="0"/>
@@ -8271,7 +8363,7 @@
                     <a:p>
                       <a:pPr latinLnBrk="1"/>
                       <a:r>
-                        <a:rPr kumimoji="1" lang="en-US" altLang="ja-JP" sz="1600" b="0" i="0" kern="1200" dirty="0" err="1">
+                        <a:rPr kumimoji="1" lang="en-US" altLang="ja-JP" sz="1600" b="0" i="0" kern="1200" dirty="0" err="1" smtClean="0">
                           <a:solidFill>
                             <a:schemeClr val="dk1"/>
                           </a:solidFill>
@@ -8283,7 +8375,7 @@
                         <a:t>Ansible</a:t>
                       </a:r>
                       <a:r>
-                        <a:rPr kumimoji="1" lang="en-US" altLang="ja-JP" sz="1600" b="0" i="0" kern="1200" dirty="0">
+                        <a:rPr kumimoji="1" lang="en-US" altLang="ja-JP" sz="1600" b="0" i="0" kern="1200" dirty="0" smtClean="0">
                           <a:solidFill>
                             <a:schemeClr val="dk1"/>
                           </a:solidFill>
@@ -8294,6 +8386,15 @@
                         </a:rPr>
                         <a:t>-Legacy</a:t>
                       </a:r>
+                      <a:endParaRPr kumimoji="1" lang="en-US" altLang="ja-JP" sz="1600" b="0" i="0" kern="1200" dirty="0">
+                        <a:solidFill>
+                          <a:schemeClr val="dk1"/>
+                        </a:solidFill>
+                        <a:effectLst/>
+                        <a:latin typeface="+mn-lt"/>
+                        <a:ea typeface="+mn-ea"/>
+                        <a:cs typeface="+mn-cs"/>
+                      </a:endParaRPr>
                     </a:p>
                   </a:txBody>
                   <a:tcPr anchor="ctr">
@@ -8344,7 +8445,7 @@
                     <a:lstStyle/>
                     <a:p>
                       <a:r>
-                        <a:rPr kumimoji="1" lang="ja-JP" altLang="en-US" sz="1600"/>
+                        <a:rPr kumimoji="1" lang="ja-JP" altLang="en-US" sz="1600" smtClean="0"/>
                         <a:t>仮想マシンを作成します。</a:t>
                       </a:r>
                       <a:endParaRPr kumimoji="1" lang="ja-JP" altLang="en-US" sz="1600" dirty="0"/>
@@ -8408,7 +8509,7 @@
                         <a:buNone/>
                       </a:pPr>
                       <a:r>
-                        <a:rPr kumimoji="1" lang="en-US" altLang="ja-JP" sz="1600"/>
+                        <a:rPr kumimoji="1" lang="en-US" altLang="ja-JP" sz="1600" smtClean="0"/>
                         <a:t>260002</a:t>
                       </a:r>
                       <a:endParaRPr kumimoji="1" lang="en-US" altLang="ja-JP" sz="1600" dirty="0"/>
@@ -8474,11 +8575,11 @@
                         <a:buNone/>
                       </a:pPr>
                       <a:r>
-                        <a:rPr lang="en-US" altLang="ja-JP" sz="1600"/>
+                        <a:rPr lang="en-US" altLang="ja-JP" sz="1600" smtClean="0"/>
                         <a:t>IP</a:t>
                       </a:r>
                       <a:r>
-                        <a:rPr lang="ja-JP" altLang="en-US" sz="1600"/>
+                        <a:rPr lang="ja-JP" altLang="en-US" sz="1600" smtClean="0"/>
                         <a:t>アドレス設定</a:t>
                       </a:r>
                       <a:endParaRPr lang="ja-JP" altLang="en-US" sz="1600" dirty="0"/>
@@ -8533,7 +8634,7 @@
                     <a:p>
                       <a:pPr latinLnBrk="1"/>
                       <a:r>
-                        <a:rPr kumimoji="1" lang="en-US" altLang="ja-JP" sz="1600" b="0" i="0" kern="1200" dirty="0" err="1">
+                        <a:rPr kumimoji="1" lang="en-US" altLang="ja-JP" sz="1600" b="0" i="0" kern="1200" dirty="0" err="1" smtClean="0">
                           <a:solidFill>
                             <a:schemeClr val="dk1"/>
                           </a:solidFill>
@@ -8545,7 +8646,7 @@
                         <a:t>Ansible</a:t>
                       </a:r>
                       <a:r>
-                        <a:rPr kumimoji="1" lang="en-US" altLang="ja-JP" sz="1600" b="0" i="0" kern="1200" dirty="0">
+                        <a:rPr kumimoji="1" lang="en-US" altLang="ja-JP" sz="1600" b="0" i="0" kern="1200" dirty="0" smtClean="0">
                           <a:solidFill>
                             <a:schemeClr val="dk1"/>
                           </a:solidFill>
@@ -8556,6 +8657,15 @@
                         </a:rPr>
                         <a:t>-Legacy</a:t>
                       </a:r>
+                      <a:endParaRPr kumimoji="1" lang="en-US" altLang="ja-JP" sz="1600" b="0" i="0" kern="1200" dirty="0">
+                        <a:solidFill>
+                          <a:schemeClr val="dk1"/>
+                        </a:solidFill>
+                        <a:effectLst/>
+                        <a:latin typeface="+mn-lt"/>
+                        <a:ea typeface="+mn-ea"/>
+                        <a:cs typeface="+mn-cs"/>
+                      </a:endParaRPr>
                     </a:p>
                   </a:txBody>
                   <a:tcPr anchor="ctr">
@@ -8609,15 +8719,15 @@
                         <a:buNone/>
                       </a:pPr>
                       <a:r>
-                        <a:rPr kumimoji="1" lang="ja-JP" altLang="en-US" sz="1600"/>
+                        <a:rPr kumimoji="1" lang="ja-JP" altLang="en-US" sz="1600" smtClean="0"/>
                         <a:t>作成済の仮想マシンに</a:t>
                       </a:r>
                       <a:r>
-                        <a:rPr kumimoji="1" lang="en-US" altLang="ja-JP" sz="1600"/>
+                        <a:rPr kumimoji="1" lang="en-US" altLang="ja-JP" sz="1600" smtClean="0"/>
                         <a:t>IP</a:t>
                       </a:r>
                       <a:r>
-                        <a:rPr kumimoji="1" lang="ja-JP" altLang="en-US" sz="1600"/>
+                        <a:rPr kumimoji="1" lang="ja-JP" altLang="en-US" sz="1600" smtClean="0"/>
                         <a:t>アドレスを設定します。</a:t>
                       </a:r>
                       <a:endParaRPr kumimoji="1" lang="ja-JP" altLang="en-US" sz="1600" dirty="0"/>
@@ -8695,7 +8805,7 @@
                         <a:defRPr/>
                       </a:pPr>
                       <a:r>
-                        <a:rPr kumimoji="1" lang="en-US" altLang="ja-JP" sz="1600"/>
+                        <a:rPr kumimoji="1" lang="en-US" altLang="ja-JP" sz="1600" smtClean="0"/>
                         <a:t>260003</a:t>
                       </a:r>
                       <a:endParaRPr kumimoji="1" lang="en-US" altLang="ja-JP" sz="1600" dirty="0"/>
@@ -8752,7 +8862,7 @@
                         <a:buNone/>
                       </a:pPr>
                       <a:r>
-                        <a:rPr kumimoji="1" lang="ja-JP" altLang="en-US" sz="1600" b="0" i="0" u="none" strike="noStrike" noProof="0">
+                        <a:rPr kumimoji="1" lang="ja-JP" altLang="en-US" sz="1600" b="0" i="0" u="none" strike="noStrike" noProof="0" smtClean="0">
                           <a:latin typeface="+mn-lt"/>
                           <a:ea typeface="+mn-ea"/>
                         </a:rPr>
@@ -8829,7 +8939,7 @@
                         <a:defRPr/>
                       </a:pPr>
                       <a:r>
-                        <a:rPr kumimoji="1" lang="en-US" altLang="ja-JP" sz="1600" b="0" i="0" kern="1200" dirty="0" err="1">
+                        <a:rPr kumimoji="1" lang="en-US" altLang="ja-JP" sz="1600" b="0" i="0" kern="1200" dirty="0" err="1" smtClean="0">
                           <a:solidFill>
                             <a:schemeClr val="dk1"/>
                           </a:solidFill>
@@ -8841,7 +8951,7 @@
                         <a:t>Ansible</a:t>
                       </a:r>
                       <a:r>
-                        <a:rPr kumimoji="1" lang="en-US" altLang="ja-JP" sz="1600" b="0" i="0" kern="1200" dirty="0">
+                        <a:rPr kumimoji="1" lang="en-US" altLang="ja-JP" sz="1600" b="0" i="0" kern="1200" dirty="0" smtClean="0">
                           <a:solidFill>
                             <a:schemeClr val="dk1"/>
                           </a:solidFill>
@@ -8902,11 +9012,11 @@
                     <a:lstStyle/>
                     <a:p>
                       <a:r>
-                        <a:rPr kumimoji="1" lang="ja-JP" altLang="en-US" sz="1600"/>
+                        <a:rPr kumimoji="1" lang="ja-JP" altLang="en-US" sz="1600" smtClean="0"/>
                         <a:t>作成済の</a:t>
                       </a:r>
                       <a:r>
-                        <a:rPr kumimoji="1" lang="ja-JP" altLang="en-US" sz="1600" b="0" i="0" u="none" strike="noStrike" noProof="0">
+                        <a:rPr kumimoji="1" lang="ja-JP" altLang="en-US" sz="1600" b="0" i="0" u="none" strike="noStrike" noProof="0" smtClean="0">
                           <a:latin typeface="+mn-lt"/>
                           <a:ea typeface="+mn-ea"/>
                         </a:rPr>
@@ -8990,7 +9100,7 @@
                         <a:defRPr/>
                       </a:pPr>
                       <a:r>
-                        <a:rPr kumimoji="1" lang="en-US" altLang="ja-JP" sz="1600"/>
+                        <a:rPr kumimoji="1" lang="en-US" altLang="ja-JP" sz="1600" smtClean="0"/>
                         <a:t>260004</a:t>
                       </a:r>
                       <a:endParaRPr kumimoji="1" lang="en-US" altLang="ja-JP" sz="1600" dirty="0"/>
@@ -9044,7 +9154,7 @@
                     <a:lstStyle/>
                     <a:p>
                       <a:r>
-                        <a:rPr kumimoji="1" lang="ja-JP" altLang="en-US" sz="1600"/>
+                        <a:rPr kumimoji="1" lang="ja-JP" altLang="en-US" sz="1600" smtClean="0"/>
                         <a:t>仮想マシン削除</a:t>
                       </a:r>
                       <a:endParaRPr kumimoji="1" lang="ja-JP" altLang="en-US" sz="1600" dirty="0"/>
@@ -9115,7 +9225,7 @@
                         <a:defRPr/>
                       </a:pPr>
                       <a:r>
-                        <a:rPr kumimoji="1" lang="en-US" altLang="ja-JP" sz="1600" b="0" i="0" kern="1200" dirty="0" err="1">
+                        <a:rPr kumimoji="1" lang="en-US" altLang="ja-JP" sz="1600" b="0" i="0" kern="1200" dirty="0" err="1" smtClean="0">
                           <a:solidFill>
                             <a:schemeClr val="dk1"/>
                           </a:solidFill>
@@ -9127,7 +9237,7 @@
                         <a:t>Ansible</a:t>
                       </a:r>
                       <a:r>
-                        <a:rPr kumimoji="1" lang="en-US" altLang="ja-JP" sz="1600" b="0" i="0" kern="1200" dirty="0">
+                        <a:rPr kumimoji="1" lang="en-US" altLang="ja-JP" sz="1600" b="0" i="0" kern="1200" dirty="0" smtClean="0">
                           <a:solidFill>
                             <a:schemeClr val="dk1"/>
                           </a:solidFill>
@@ -9188,7 +9298,7 @@
                     <a:lstStyle/>
                     <a:p>
                       <a:r>
-                        <a:rPr kumimoji="1" lang="ja-JP" altLang="en-US" sz="1600"/>
+                        <a:rPr kumimoji="1" lang="ja-JP" altLang="en-US" sz="1600" smtClean="0"/>
                         <a:t>仮想マシンを削除します。</a:t>
                       </a:r>
                       <a:endParaRPr kumimoji="1" lang="ja-JP" altLang="en-US" sz="1600" dirty="0"/>
@@ -9266,7 +9376,7 @@
                         <a:defRPr/>
                       </a:pPr>
                       <a:r>
-                        <a:rPr kumimoji="1" lang="en-US" altLang="ja-JP" sz="1600"/>
+                        <a:rPr kumimoji="1" lang="en-US" altLang="ja-JP" sz="1600" smtClean="0"/>
                         <a:t>260005</a:t>
                       </a:r>
                       <a:endParaRPr kumimoji="1" lang="en-US" altLang="ja-JP" sz="1600" dirty="0"/>
@@ -9320,7 +9430,7 @@
                     <a:lstStyle/>
                     <a:p>
                       <a:r>
-                        <a:rPr kumimoji="1" lang="ja-JP" altLang="en-US" sz="1600"/>
+                        <a:rPr kumimoji="1" lang="ja-JP" altLang="en-US" sz="1600" smtClean="0"/>
                         <a:t>仮想マシン起動</a:t>
                       </a:r>
                       <a:endParaRPr kumimoji="1" lang="ja-JP" altLang="en-US" sz="1600" dirty="0"/>
@@ -9391,7 +9501,7 @@
                         <a:defRPr/>
                       </a:pPr>
                       <a:r>
-                        <a:rPr kumimoji="1" lang="en-US" altLang="ja-JP" sz="1600" b="0" i="0" kern="1200" dirty="0" err="1">
+                        <a:rPr kumimoji="1" lang="en-US" altLang="ja-JP" sz="1600" b="0" i="0" kern="1200" dirty="0" err="1" smtClean="0">
                           <a:solidFill>
                             <a:schemeClr val="dk1"/>
                           </a:solidFill>
@@ -9403,7 +9513,7 @@
                         <a:t>Ansible</a:t>
                       </a:r>
                       <a:r>
-                        <a:rPr kumimoji="1" lang="en-US" altLang="ja-JP" sz="1600" b="0" i="0" kern="1200" dirty="0">
+                        <a:rPr kumimoji="1" lang="en-US" altLang="ja-JP" sz="1600" b="0" i="0" kern="1200" dirty="0" smtClean="0">
                           <a:solidFill>
                             <a:schemeClr val="dk1"/>
                           </a:solidFill>
@@ -9481,7 +9591,7 @@
                         <a:defRPr/>
                       </a:pPr>
                       <a:r>
-                        <a:rPr kumimoji="1" lang="ja-JP" altLang="en-US" sz="1600"/>
+                        <a:rPr kumimoji="1" lang="ja-JP" altLang="en-US" sz="1600" smtClean="0"/>
                         <a:t>停止中の仮想マシンを起動します。</a:t>
                       </a:r>
                       <a:endParaRPr kumimoji="1" lang="ja-JP" altLang="en-US" sz="1600" dirty="0"/>
@@ -9559,7 +9669,7 @@
                         <a:defRPr/>
                       </a:pPr>
                       <a:r>
-                        <a:rPr kumimoji="1" lang="en-US" altLang="ja-JP" sz="1600"/>
+                        <a:rPr kumimoji="1" lang="en-US" altLang="ja-JP" sz="1600" smtClean="0"/>
                         <a:t>260006</a:t>
                       </a:r>
                       <a:endParaRPr kumimoji="1" lang="en-US" altLang="ja-JP" sz="1600" dirty="0"/>
@@ -9613,7 +9723,7 @@
                     <a:lstStyle/>
                     <a:p>
                       <a:r>
-                        <a:rPr kumimoji="1" lang="ja-JP" altLang="en-US" sz="1600"/>
+                        <a:rPr kumimoji="1" lang="ja-JP" altLang="en-US" sz="1600" smtClean="0"/>
                         <a:t>仮想マシン停止</a:t>
                       </a:r>
                       <a:endParaRPr kumimoji="1" lang="ja-JP" altLang="en-US" sz="1600" dirty="0"/>
@@ -9684,7 +9794,7 @@
                         <a:defRPr/>
                       </a:pPr>
                       <a:r>
-                        <a:rPr kumimoji="1" lang="en-US" altLang="ja-JP" sz="1600" b="0" i="0" kern="1200" dirty="0" err="1">
+                        <a:rPr kumimoji="1" lang="en-US" altLang="ja-JP" sz="1600" b="0" i="0" kern="1200" dirty="0" err="1" smtClean="0">
                           <a:solidFill>
                             <a:schemeClr val="dk1"/>
                           </a:solidFill>
@@ -9696,7 +9806,7 @@
                         <a:t>Ansible</a:t>
                       </a:r>
                       <a:r>
-                        <a:rPr kumimoji="1" lang="en-US" altLang="ja-JP" sz="1600" b="0" i="0" kern="1200" dirty="0">
+                        <a:rPr kumimoji="1" lang="en-US" altLang="ja-JP" sz="1600" b="0" i="0" kern="1200" dirty="0" smtClean="0">
                           <a:solidFill>
                             <a:schemeClr val="dk1"/>
                           </a:solidFill>
@@ -9757,7 +9867,7 @@
                     <a:lstStyle/>
                     <a:p>
                       <a:r>
-                        <a:rPr kumimoji="1" lang="ja-JP" altLang="en-US" sz="1600"/>
+                        <a:rPr kumimoji="1" lang="ja-JP" altLang="en-US" sz="1600" smtClean="0"/>
                         <a:t>起動中の仮想マシンを停止します</a:t>
                       </a:r>
                       <a:endParaRPr kumimoji="1" lang="ja-JP" altLang="en-US" sz="1600" dirty="0"/>
@@ -9835,7 +9945,7 @@
                         <a:defRPr/>
                       </a:pPr>
                       <a:r>
-                        <a:rPr kumimoji="1" lang="en-US" altLang="ja-JP" sz="1600"/>
+                        <a:rPr kumimoji="1" lang="en-US" altLang="ja-JP" sz="1600" smtClean="0"/>
                         <a:t>260007</a:t>
                       </a:r>
                       <a:endParaRPr kumimoji="1" lang="en-US" altLang="ja-JP" sz="1600" dirty="0"/>
@@ -9889,7 +9999,7 @@
                     <a:lstStyle/>
                     <a:p>
                       <a:r>
-                        <a:rPr kumimoji="1" lang="zh-TW" altLang="en-US" sz="1600"/>
+                        <a:rPr kumimoji="1" lang="zh-TW" altLang="en-US" sz="1600" smtClean="0"/>
                         <a:t>機器一覧更新</a:t>
                       </a:r>
                       <a:endParaRPr kumimoji="1" lang="zh-TW" altLang="en-US" sz="1600" dirty="0"/>
@@ -9960,7 +10070,7 @@
                         <a:defRPr/>
                       </a:pPr>
                       <a:r>
-                        <a:rPr kumimoji="1" lang="en-US" altLang="ja-JP" sz="1600" b="0" i="0" kern="1200" dirty="0" err="1">
+                        <a:rPr kumimoji="1" lang="en-US" altLang="ja-JP" sz="1600" b="0" i="0" kern="1200" dirty="0" err="1" smtClean="0">
                           <a:solidFill>
                             <a:schemeClr val="dk1"/>
                           </a:solidFill>
@@ -9972,7 +10082,7 @@
                         <a:t>Ansible</a:t>
                       </a:r>
                       <a:r>
-                        <a:rPr kumimoji="1" lang="en-US" altLang="ja-JP" sz="1600" b="0" i="0" kern="1200" dirty="0">
+                        <a:rPr kumimoji="1" lang="en-US" altLang="ja-JP" sz="1600" b="0" i="0" kern="1200" dirty="0" smtClean="0">
                           <a:solidFill>
                             <a:schemeClr val="dk1"/>
                           </a:solidFill>
@@ -10033,25 +10143,26 @@
                     <a:lstStyle/>
                     <a:p>
                       <a:r>
-                        <a:rPr kumimoji="1" lang="ja-JP" altLang="en-US" sz="1600" dirty="0"/>
+                        <a:rPr kumimoji="1" lang="ja-JP" altLang="en-US" sz="1600" dirty="0" smtClean="0"/>
                         <a:t>仮想マシン情報に入力された仮想マシン名で</a:t>
                       </a:r>
                       <a:r>
-                        <a:rPr kumimoji="1" lang="en-US" altLang="ja-JP" sz="1600" dirty="0"/>
+                        <a:rPr kumimoji="1" lang="en-US" altLang="ja-JP" sz="1600" dirty="0" smtClean="0"/>
                         <a:t>Hyper-V</a:t>
                       </a:r>
                       <a:r>
-                        <a:rPr kumimoji="1" lang="ja-JP" altLang="en-US" sz="1600" dirty="0"/>
+                        <a:rPr kumimoji="1" lang="ja-JP" altLang="en-US" sz="1600" dirty="0" smtClean="0"/>
                         <a:t>から情報を取得し機器一覧へ登録</a:t>
                       </a:r>
                       <a:r>
-                        <a:rPr kumimoji="1" lang="en-US" altLang="ja-JP" sz="1600" dirty="0"/>
+                        <a:rPr kumimoji="1" lang="en-US" altLang="ja-JP" sz="1600" dirty="0" smtClean="0"/>
                         <a:t>/</a:t>
                       </a:r>
                       <a:r>
-                        <a:rPr kumimoji="1" lang="ja-JP" altLang="en-US" sz="1600" dirty="0"/>
+                        <a:rPr kumimoji="1" lang="ja-JP" altLang="en-US" sz="1600" dirty="0" smtClean="0"/>
                         <a:t>更新します。</a:t>
                       </a:r>
+                      <a:endParaRPr kumimoji="1" lang="ja-JP" altLang="en-US" sz="1600" dirty="0"/>
                     </a:p>
                   </a:txBody>
                   <a:tcPr anchor="ctr">
@@ -18286,6 +18397,16 @@
             </a:lstStyle>
             <a:p>
               <a:pPr algn="ctr"/>
+              <a:r>
+                <a:rPr kumimoji="1" lang="en-US" altLang="ja-JP" sz="1200" dirty="0">
+                  <a:solidFill>
+                    <a:sysClr val="windowText" lastClr="000000"/>
+                  </a:solidFill>
+                  <a:latin typeface="+mn-ea"/>
+                  <a:ea typeface="+mn-ea"/>
+                </a:rPr>
+                <a:t/>
+              </a:r>
               <a:br>
                 <a:rPr kumimoji="1" lang="en-US" altLang="ja-JP" sz="1200" dirty="0">
                   <a:solidFill>
@@ -18736,6 +18857,16 @@
             </a:lstStyle>
             <a:p>
               <a:pPr algn="ctr"/>
+              <a:r>
+                <a:rPr kumimoji="1" lang="en-US" altLang="ja-JP" sz="1200" dirty="0">
+                  <a:solidFill>
+                    <a:sysClr val="windowText" lastClr="000000"/>
+                  </a:solidFill>
+                  <a:latin typeface="+mn-ea"/>
+                  <a:ea typeface="+mn-ea"/>
+                </a:rPr>
+                <a:t/>
+              </a:r>
               <a:br>
                 <a:rPr kumimoji="1" lang="en-US" altLang="ja-JP" sz="1200" dirty="0">
                   <a:solidFill>
@@ -22120,15 +22251,15 @@
               <a:t>HDD</a:t>
             </a:r>
             <a:r>
-              <a:rPr lang="ja-JP" altLang="en-US" dirty="0"/>
+              <a:rPr lang="ja-JP" altLang="en-US" dirty="0" smtClean="0"/>
               <a:t>追加</a:t>
             </a:r>
-            <a:endParaRPr lang="en-US" altLang="ja-JP" dirty="0"/>
+            <a:endParaRPr lang="en-US" altLang="ja-JP" dirty="0" smtClean="0"/>
           </a:p>
           <a:p>
             <a:pPr lvl="1"/>
             <a:r>
-              <a:rPr lang="ja-JP" altLang="en-US" dirty="0"/>
+              <a:rPr lang="ja-JP" altLang="en-US" dirty="0" smtClean="0"/>
               <a:t>機器一覧への登録・更新</a:t>
             </a:r>
             <a:endParaRPr lang="en-US" altLang="ja-JP" dirty="0"/>
@@ -22249,38 +22380,46 @@
             </a:r>
             <a:r>
               <a:rPr lang="ja-JP" altLang="en-US" dirty="0"/>
-              <a:t>を使用することで、</a:t>
-            </a:r>
-            <a:r>
-              <a:rPr lang="en-US" altLang="ja-JP" dirty="0"/>
+              <a:t>を使用することで</a:t>
+            </a:r>
+            <a:r>
+              <a:rPr lang="ja-JP" altLang="en-US" dirty="0" smtClean="0"/>
+              <a:t>、</a:t>
+            </a:r>
+            <a:r>
+              <a:rPr lang="en-US" altLang="ja-JP" dirty="0" smtClean="0"/>
               <a:t>Hyper-V</a:t>
             </a:r>
             <a:r>
               <a:rPr lang="ja-JP" altLang="en-US" dirty="0"/>
-              <a:t>上に仮想マシンの新規作成・</a:t>
-            </a:r>
-            <a:r>
-              <a:rPr lang="en-US" altLang="ja-JP" dirty="0"/>
+              <a:t>上に仮想</a:t>
+            </a:r>
+            <a:r>
+              <a:rPr lang="ja-JP" altLang="en-US" dirty="0" smtClean="0"/>
+              <a:t>マシンの新規作成・</a:t>
+            </a:r>
+            <a:r>
+              <a:rPr lang="en-US" altLang="ja-JP" dirty="0" smtClean="0"/>
               <a:t>IP</a:t>
             </a:r>
             <a:r>
-              <a:rPr lang="ja-JP" altLang="en-US" dirty="0"/>
+              <a:rPr lang="ja-JP" altLang="en-US" dirty="0" smtClean="0"/>
               <a:t>アドレス設定・仮想ハードディスク追加・</a:t>
             </a:r>
             <a:r>
-              <a:rPr lang="en-US" altLang="ja-JP" dirty="0"/>
+              <a:rPr lang="en-US" altLang="ja-JP" dirty="0" smtClean="0"/>
               <a:t>ITA</a:t>
             </a:r>
             <a:r>
-              <a:rPr lang="ja-JP" altLang="en-US" dirty="0"/>
+              <a:rPr lang="ja-JP" altLang="en-US" dirty="0" smtClean="0"/>
               <a:t>の機器一覧に仮想マシン情報の登録</a:t>
             </a:r>
             <a:r>
-              <a:rPr lang="en-US" altLang="ja-JP" dirty="0"/>
+              <a:rPr lang="en-US" altLang="ja-JP" dirty="0" smtClean="0"/>
               <a:t>/</a:t>
             </a:r>
             <a:r>
-              <a:rPr lang="ja-JP" altLang="en-US" dirty="0"/>
+              <a:rPr lang="ja-JP" altLang="en-US" dirty="0" smtClean="0"/>
               <a:t>更新を行います。</a:t>
             </a:r>
             <a:endParaRPr lang="en-US" altLang="ja-JP" dirty="0"/>
@@ -22317,9 +22456,13 @@
             </a:r>
             <a:r>
               <a:rPr lang="ja-JP" altLang="en-US" dirty="0"/>
-              <a:t>で接続されます。</a:t>
-            </a:r>
-            <a:endParaRPr lang="en-US" altLang="ja-JP" dirty="0"/>
+              <a:t>で接続されます</a:t>
+            </a:r>
+            <a:r>
+              <a:rPr lang="ja-JP" altLang="en-US" dirty="0" smtClean="0"/>
+              <a:t>。</a:t>
+            </a:r>
+            <a:endParaRPr lang="en-US" altLang="ja-JP" dirty="0" smtClean="0"/>
           </a:p>
           <a:p>
             <a:pPr marL="180975" indent="0">
@@ -23183,6 +23326,16 @@
             </a:lstStyle>
             <a:p>
               <a:pPr algn="ctr"/>
+              <a:r>
+                <a:rPr kumimoji="1" lang="en-US" altLang="ja-JP" sz="1200" dirty="0">
+                  <a:solidFill>
+                    <a:sysClr val="windowText" lastClr="000000"/>
+                  </a:solidFill>
+                  <a:latin typeface="+mn-ea"/>
+                  <a:ea typeface="+mn-ea"/>
+                </a:rPr>
+                <a:t/>
+              </a:r>
               <a:br>
                 <a:rPr kumimoji="1" lang="en-US" altLang="ja-JP" sz="1200" dirty="0">
                   <a:solidFill>
@@ -23957,6 +24110,16 @@
             </a:lstStyle>
             <a:p>
               <a:pPr algn="ctr"/>
+              <a:r>
+                <a:rPr kumimoji="1" lang="en-US" altLang="ja-JP" sz="1200" dirty="0">
+                  <a:solidFill>
+                    <a:sysClr val="windowText" lastClr="000000"/>
+                  </a:solidFill>
+                  <a:latin typeface="+mn-ea"/>
+                  <a:ea typeface="+mn-ea"/>
+                </a:rPr>
+                <a:t/>
+              </a:r>
               <a:br>
                 <a:rPr kumimoji="1" lang="en-US" altLang="ja-JP" sz="1200" dirty="0">
                   <a:solidFill>
@@ -24731,6 +24894,16 @@
             </a:lstStyle>
             <a:p>
               <a:pPr algn="ctr"/>
+              <a:r>
+                <a:rPr kumimoji="1" lang="en-US" altLang="ja-JP" sz="1200" dirty="0">
+                  <a:solidFill>
+                    <a:sysClr val="windowText" lastClr="000000"/>
+                  </a:solidFill>
+                  <a:latin typeface="+mn-ea"/>
+                  <a:ea typeface="+mn-ea"/>
+                </a:rPr>
+                <a:t/>
+              </a:r>
               <a:br>
                 <a:rPr kumimoji="1" lang="en-US" altLang="ja-JP" sz="1200" dirty="0">
                   <a:solidFill>
@@ -26992,6 +27165,15 @@
 </file>
 
 <file path=customXml/item1.xml><?xml version="1.0" encoding="utf-8"?>
+<?mso-contentType ?>
+<FormTemplates xmlns="http://schemas.microsoft.com/sharepoint/v3/contenttype/forms">
+  <Display>DocumentLibraryForm</Display>
+  <Edit>DocumentLibraryForm</Edit>
+  <New>DocumentLibraryForm</New>
+</FormTemplates>
+</file>
+
+<file path=customXml/item2.xml><?xml version="1.0" encoding="utf-8"?>
 <ct:contentTypeSchema xmlns:ct="http://schemas.microsoft.com/office/2006/metadata/contentType" xmlns:ma="http://schemas.microsoft.com/office/2006/metadata/properties/metaAttributes" ct:_="" ma:_="" ma:contentTypeName="ドキュメント" ma:contentTypeID="0x01010084FABC01750754469A9A21C30F936C75" ma:contentTypeVersion="2" ma:contentTypeDescription="新しいドキュメントを作成します。" ma:contentTypeScope="" ma:versionID="680993e058c844a7567c3c65d8e88610">
   <xsd:schema xmlns:xsd="http://www.w3.org/2001/XMLSchema" xmlns:xs="http://www.w3.org/2001/XMLSchema" xmlns:p="http://schemas.microsoft.com/office/2006/metadata/properties" xmlns:ns2="e3c7534c-8447-4121-a676-7eb0e8edc712" targetNamespace="http://schemas.microsoft.com/office/2006/metadata/properties" ma:root="true" ma:fieldsID="252a2382b168dd3443305f8014b8a96d" ns2:_="">
     <xsd:import namespace="e3c7534c-8447-4121-a676-7eb0e8edc712"/>
@@ -27123,22 +27305,21 @@
 </ct:contentTypeSchema>
 </file>
 
-<file path=customXml/item2.xml><?xml version="1.0" encoding="utf-8"?>
+<file path=customXml/item3.xml><?xml version="1.0" encoding="utf-8"?>
 <p:properties xmlns:p="http://schemas.microsoft.com/office/2006/metadata/properties" xmlns:xsi="http://www.w3.org/2001/XMLSchema-instance" xmlns:pc="http://schemas.microsoft.com/office/infopath/2007/PartnerControls">
   <documentManagement/>
 </p:properties>
 </file>
 
-<file path=customXml/item3.xml><?xml version="1.0" encoding="utf-8"?>
-<?mso-contentType ?>
-<FormTemplates xmlns="http://schemas.microsoft.com/sharepoint/v3/contenttype/forms">
-  <Display>DocumentLibraryForm</Display>
-  <Edit>DocumentLibraryForm</Edit>
-  <New>DocumentLibraryForm</New>
-</FormTemplates>
+<file path=customXml/itemProps1.xml><?xml version="1.0" encoding="utf-8"?>
+<ds:datastoreItem xmlns:ds="http://schemas.openxmlformats.org/officeDocument/2006/customXml" ds:itemID="{13F84729-594C-4E0F-8EA2-5AB0534BB9E4}">
+  <ds:schemaRefs>
+    <ds:schemaRef ds:uri="http://schemas.microsoft.com/sharepoint/v3/contenttype/forms"/>
+  </ds:schemaRefs>
+</ds:datastoreItem>
 </file>
 
-<file path=customXml/itemProps1.xml><?xml version="1.0" encoding="utf-8"?>
+<file path=customXml/itemProps2.xml><?xml version="1.0" encoding="utf-8"?>
 <ds:datastoreItem xmlns:ds="http://schemas.openxmlformats.org/officeDocument/2006/customXml" ds:itemID="{C5E8BB82-79FF-4160-B5DD-52F81091988C}">
   <ds:schemaRefs>
     <ds:schemaRef ds:uri="http://schemas.microsoft.com/office/2006/metadata/contentType"/>
@@ -27156,26 +27337,18 @@
 </ds:datastoreItem>
 </file>
 
-<file path=customXml/itemProps2.xml><?xml version="1.0" encoding="utf-8"?>
+<file path=customXml/itemProps3.xml><?xml version="1.0" encoding="utf-8"?>
 <ds:datastoreItem xmlns:ds="http://schemas.openxmlformats.org/officeDocument/2006/customXml" ds:itemID="{7D2DF80A-40B4-495F-A15B-9E9755F00A7A}">
   <ds:schemaRefs>
+    <ds:schemaRef ds:uri="http://purl.org/dc/terms/"/>
+    <ds:schemaRef ds:uri="http://schemas.openxmlformats.org/package/2006/metadata/core-properties"/>
+    <ds:schemaRef ds:uri="e3c7534c-8447-4121-a676-7eb0e8edc712"/>
+    <ds:schemaRef ds:uri="http://purl.org/dc/dcmitype/"/>
+    <ds:schemaRef ds:uri="http://schemas.microsoft.com/office/infopath/2007/PartnerControls"/>
+    <ds:schemaRef ds:uri="http://schemas.microsoft.com/office/2006/documentManagement/types"/>
     <ds:schemaRef ds:uri="http://purl.org/dc/elements/1.1/"/>
     <ds:schemaRef ds:uri="http://schemas.microsoft.com/office/2006/metadata/properties"/>
-    <ds:schemaRef ds:uri="http://purl.org/dc/terms/"/>
-    <ds:schemaRef ds:uri="http://schemas.microsoft.com/office/2006/documentManagement/types"/>
-    <ds:schemaRef ds:uri="http://purl.org/dc/dcmitype/"/>
-    <ds:schemaRef ds:uri="http://schemas.microsoft.com/office/infopath/2007/PartnerControls"/>
-    <ds:schemaRef ds:uri="http://schemas.openxmlformats.org/package/2006/metadata/core-properties"/>
-    <ds:schemaRef ds:uri="e3c7534c-8447-4121-a676-7eb0e8edc712"/>
     <ds:schemaRef ds:uri="http://www.w3.org/XML/1998/namespace"/>
   </ds:schemaRefs>
 </ds:datastoreItem>
-</file>
-
-<file path=customXml/itemProps3.xml><?xml version="1.0" encoding="utf-8"?>
-<ds:datastoreItem xmlns:ds="http://schemas.openxmlformats.org/officeDocument/2006/customXml" ds:itemID="{13F84729-594C-4E0F-8EA2-5AB0534BB9E4}">
-  <ds:schemaRefs>
-    <ds:schemaRef ds:uri="http://schemas.microsoft.com/sharepoint/v3/contenttype/forms"/>
-  </ds:schemaRefs>
-</ds:datastoreItem>
 </file>